--- a/paper_figures/sbolvisual/17 Combinations.pptx
+++ b/paper_figures/sbolvisual/17 Combinations.pptx
@@ -261,7 +261,7 @@
           <a:p>
             <a:fld id="{E0738109-6F55-4873-A4BF-B04FD27AEE0D}" type="datetimeFigureOut">
               <a:rPr lang="en-US" smtClean="0"/>
-              <a:t>11/11/21</a:t>
+              <a:t>11/12/21</a:t>
             </a:fld>
             <a:endParaRPr lang="en-US"/>
           </a:p>
@@ -429,7 +429,7 @@
           <a:p>
             <a:fld id="{E0738109-6F55-4873-A4BF-B04FD27AEE0D}" type="datetimeFigureOut">
               <a:rPr lang="en-US" smtClean="0"/>
-              <a:t>11/11/21</a:t>
+              <a:t>11/12/21</a:t>
             </a:fld>
             <a:endParaRPr lang="en-US"/>
           </a:p>
@@ -607,7 +607,7 @@
           <a:p>
             <a:fld id="{E0738109-6F55-4873-A4BF-B04FD27AEE0D}" type="datetimeFigureOut">
               <a:rPr lang="en-US" smtClean="0"/>
-              <a:t>11/11/21</a:t>
+              <a:t>11/12/21</a:t>
             </a:fld>
             <a:endParaRPr lang="en-US"/>
           </a:p>
@@ -775,7 +775,7 @@
           <a:p>
             <a:fld id="{E0738109-6F55-4873-A4BF-B04FD27AEE0D}" type="datetimeFigureOut">
               <a:rPr lang="en-US" smtClean="0"/>
-              <a:t>11/11/21</a:t>
+              <a:t>11/12/21</a:t>
             </a:fld>
             <a:endParaRPr lang="en-US"/>
           </a:p>
@@ -1020,7 +1020,7 @@
           <a:p>
             <a:fld id="{E0738109-6F55-4873-A4BF-B04FD27AEE0D}" type="datetimeFigureOut">
               <a:rPr lang="en-US" smtClean="0"/>
-              <a:t>11/11/21</a:t>
+              <a:t>11/12/21</a:t>
             </a:fld>
             <a:endParaRPr lang="en-US"/>
           </a:p>
@@ -1249,7 +1249,7 @@
           <a:p>
             <a:fld id="{E0738109-6F55-4873-A4BF-B04FD27AEE0D}" type="datetimeFigureOut">
               <a:rPr lang="en-US" smtClean="0"/>
-              <a:t>11/11/21</a:t>
+              <a:t>11/12/21</a:t>
             </a:fld>
             <a:endParaRPr lang="en-US"/>
           </a:p>
@@ -1613,7 +1613,7 @@
           <a:p>
             <a:fld id="{E0738109-6F55-4873-A4BF-B04FD27AEE0D}" type="datetimeFigureOut">
               <a:rPr lang="en-US" smtClean="0"/>
-              <a:t>11/11/21</a:t>
+              <a:t>11/12/21</a:t>
             </a:fld>
             <a:endParaRPr lang="en-US"/>
           </a:p>
@@ -1730,7 +1730,7 @@
           <a:p>
             <a:fld id="{E0738109-6F55-4873-A4BF-B04FD27AEE0D}" type="datetimeFigureOut">
               <a:rPr lang="en-US" smtClean="0"/>
-              <a:t>11/11/21</a:t>
+              <a:t>11/12/21</a:t>
             </a:fld>
             <a:endParaRPr lang="en-US"/>
           </a:p>
@@ -1825,7 +1825,7 @@
           <a:p>
             <a:fld id="{E0738109-6F55-4873-A4BF-B04FD27AEE0D}" type="datetimeFigureOut">
               <a:rPr lang="en-US" smtClean="0"/>
-              <a:t>11/11/21</a:t>
+              <a:t>11/12/21</a:t>
             </a:fld>
             <a:endParaRPr lang="en-US"/>
           </a:p>
@@ -2100,7 +2100,7 @@
           <a:p>
             <a:fld id="{E0738109-6F55-4873-A4BF-B04FD27AEE0D}" type="datetimeFigureOut">
               <a:rPr lang="en-US" smtClean="0"/>
-              <a:t>11/11/21</a:t>
+              <a:t>11/12/21</a:t>
             </a:fld>
             <a:endParaRPr lang="en-US"/>
           </a:p>
@@ -2352,7 +2352,7 @@
           <a:p>
             <a:fld id="{E0738109-6F55-4873-A4BF-B04FD27AEE0D}" type="datetimeFigureOut">
               <a:rPr lang="en-US" smtClean="0"/>
-              <a:t>11/11/21</a:t>
+              <a:t>11/12/21</a:t>
             </a:fld>
             <a:endParaRPr lang="en-US"/>
           </a:p>
@@ -2563,7 +2563,7 @@
           <a:p>
             <a:fld id="{E0738109-6F55-4873-A4BF-B04FD27AEE0D}" type="datetimeFigureOut">
               <a:rPr lang="en-US" smtClean="0"/>
-              <a:t>11/11/21</a:t>
+              <a:t>11/12/21</a:t>
             </a:fld>
             <a:endParaRPr lang="en-US"/>
           </a:p>
@@ -13087,51 +13087,6 @@
       </p:sp>
       <p:cxnSp>
         <p:nvCxnSpPr>
-          <p:cNvPr id="218" name="Elbow Connector 217">
-            <a:extLst>
-              <a:ext uri="{FF2B5EF4-FFF2-40B4-BE49-F238E27FC236}">
-                <a16:creationId xmlns:a16="http://schemas.microsoft.com/office/drawing/2014/main" id="{511DDDA2-3421-154B-AA0E-2D78C4BC192F}"/>
-              </a:ext>
-            </a:extLst>
-          </p:cNvPr>
-          <p:cNvCxnSpPr>
-            <a:cxnSpLocks/>
-            <a:stCxn id="236" idx="8"/>
-          </p:cNvCxnSpPr>
-          <p:nvPr/>
-        </p:nvCxnSpPr>
-        <p:spPr>
-          <a:xfrm>
-            <a:off x="7990089" y="2282971"/>
-            <a:ext cx="422860" cy="1596276"/>
-          </a:xfrm>
-          <a:prstGeom prst="bentConnector2">
-            <a:avLst/>
-          </a:prstGeom>
-          <a:ln w="25400">
-            <a:solidFill>
-              <a:srgbClr val="7030A0"/>
-            </a:solidFill>
-            <a:tailEnd type="diamond" w="lg" len="lg"/>
-          </a:ln>
-        </p:spPr>
-        <p:style>
-          <a:lnRef idx="1">
-            <a:schemeClr val="accent3"/>
-          </a:lnRef>
-          <a:fillRef idx="0">
-            <a:schemeClr val="accent3"/>
-          </a:fillRef>
-          <a:effectRef idx="0">
-            <a:schemeClr val="accent3"/>
-          </a:effectRef>
-          <a:fontRef idx="minor">
-            <a:schemeClr val="tx1"/>
-          </a:fontRef>
-        </p:style>
-      </p:cxnSp>
-      <p:cxnSp>
-        <p:nvCxnSpPr>
           <p:cNvPr id="219" name="Straight Arrow Connector 218">
             <a:extLst>
               <a:ext uri="{FF2B5EF4-FFF2-40B4-BE49-F238E27FC236}">
@@ -13794,10 +13749,155 @@
       </p:sp>
       <p:sp>
         <p:nvSpPr>
-          <p:cNvPr id="237" name="Freeform 236">
+          <p:cNvPr id="241" name="Oval 240">
             <a:extLst>
               <a:ext uri="{FF2B5EF4-FFF2-40B4-BE49-F238E27FC236}">
-                <a16:creationId xmlns:a16="http://schemas.microsoft.com/office/drawing/2014/main" id="{BEBC904C-399C-9540-9C0C-2D4D352367CA}"/>
+                <a16:creationId xmlns:a16="http://schemas.microsoft.com/office/drawing/2014/main" id="{CCB39552-E731-BE40-B5DC-0D20F0A79893}"/>
+              </a:ext>
+            </a:extLst>
+          </p:cNvPr>
+          <p:cNvSpPr>
+            <a:spLocks noChangeAspect="1"/>
+          </p:cNvSpPr>
+          <p:nvPr/>
+        </p:nvSpPr>
+        <p:spPr>
+          <a:xfrm>
+            <a:off x="6973376" y="2239038"/>
+            <a:ext cx="89118" cy="91440"/>
+          </a:xfrm>
+          <a:prstGeom prst="ellipse">
+            <a:avLst/>
+          </a:prstGeom>
+          <a:solidFill>
+            <a:schemeClr val="bg1"/>
+          </a:solidFill>
+          <a:ln>
+            <a:solidFill>
+              <a:schemeClr val="tx1">
+                <a:lumMod val="50000"/>
+                <a:lumOff val="50000"/>
+              </a:schemeClr>
+            </a:solidFill>
+          </a:ln>
+        </p:spPr>
+        <p:style>
+          <a:lnRef idx="2">
+            <a:schemeClr val="accent1">
+              <a:shade val="50000"/>
+            </a:schemeClr>
+          </a:lnRef>
+          <a:fillRef idx="1">
+            <a:schemeClr val="accent1"/>
+          </a:fillRef>
+          <a:effectRef idx="0">
+            <a:schemeClr val="accent1"/>
+          </a:effectRef>
+          <a:fontRef idx="minor">
+            <a:schemeClr val="lt1"/>
+          </a:fontRef>
+        </p:style>
+        <p:txBody>
+          <a:bodyPr rtlCol="0" anchor="ctr"/>
+          <a:lstStyle/>
+          <a:p>
+            <a:pPr algn="ctr"/>
+            <a:endParaRPr lang="en-US"/>
+          </a:p>
+        </p:txBody>
+      </p:sp>
+      <p:cxnSp>
+        <p:nvCxnSpPr>
+          <p:cNvPr id="242" name="Straight Connector 241">
+            <a:extLst>
+              <a:ext uri="{FF2B5EF4-FFF2-40B4-BE49-F238E27FC236}">
+                <a16:creationId xmlns:a16="http://schemas.microsoft.com/office/drawing/2014/main" id="{90CDEC88-1D30-A140-8959-F2AEAD4CAE58}"/>
+              </a:ext>
+            </a:extLst>
+          </p:cNvPr>
+          <p:cNvCxnSpPr>
+            <a:cxnSpLocks/>
+          </p:cNvCxnSpPr>
+          <p:nvPr/>
+        </p:nvCxnSpPr>
+        <p:spPr>
+          <a:xfrm flipH="1">
+            <a:off x="4026591" y="4031237"/>
+            <a:ext cx="0" cy="365760"/>
+          </a:xfrm>
+          <a:prstGeom prst="line">
+            <a:avLst/>
+          </a:prstGeom>
+          <a:ln w="25400">
+            <a:solidFill>
+              <a:srgbClr val="C00000"/>
+            </a:solidFill>
+            <a:headEnd type="diamond" w="lg" len="lg"/>
+            <a:tailEnd type="none"/>
+          </a:ln>
+        </p:spPr>
+        <p:style>
+          <a:lnRef idx="1">
+            <a:schemeClr val="accent3"/>
+          </a:lnRef>
+          <a:fillRef idx="0">
+            <a:schemeClr val="accent3"/>
+          </a:fillRef>
+          <a:effectRef idx="0">
+            <a:schemeClr val="accent3"/>
+          </a:effectRef>
+          <a:fontRef idx="minor">
+            <a:schemeClr val="tx1"/>
+          </a:fontRef>
+        </p:style>
+      </p:cxnSp>
+      <p:cxnSp>
+        <p:nvCxnSpPr>
+          <p:cNvPr id="243" name="Straight Arrow Connector 242">
+            <a:extLst>
+              <a:ext uri="{FF2B5EF4-FFF2-40B4-BE49-F238E27FC236}">
+                <a16:creationId xmlns:a16="http://schemas.microsoft.com/office/drawing/2014/main" id="{6C57A27E-A859-1A4E-8A15-8D9EAB22EEB1}"/>
+              </a:ext>
+            </a:extLst>
+          </p:cNvPr>
+          <p:cNvCxnSpPr>
+            <a:cxnSpLocks/>
+          </p:cNvCxnSpPr>
+          <p:nvPr/>
+        </p:nvCxnSpPr>
+        <p:spPr>
+          <a:xfrm flipV="1">
+            <a:off x="3514868" y="3434976"/>
+            <a:ext cx="0" cy="365760"/>
+          </a:xfrm>
+          <a:prstGeom prst="straightConnector1">
+            <a:avLst/>
+          </a:prstGeom>
+          <a:ln w="25400">
+            <a:tailEnd type="triangle" w="lg" len="lg"/>
+          </a:ln>
+        </p:spPr>
+        <p:style>
+          <a:lnRef idx="1">
+            <a:schemeClr val="accent3"/>
+          </a:lnRef>
+          <a:fillRef idx="0">
+            <a:schemeClr val="accent3"/>
+          </a:fillRef>
+          <a:effectRef idx="0">
+            <a:schemeClr val="accent3"/>
+          </a:effectRef>
+          <a:fontRef idx="minor">
+            <a:schemeClr val="tx1"/>
+          </a:fontRef>
+        </p:style>
+      </p:cxnSp>
+      <p:sp>
+        <p:nvSpPr>
+          <p:cNvPr id="244" name="Pentagon 243">
+            <a:extLst>
+              <a:ext uri="{FF2B5EF4-FFF2-40B4-BE49-F238E27FC236}">
+                <a16:creationId xmlns:a16="http://schemas.microsoft.com/office/drawing/2014/main" id="{0E907393-2114-4F4D-A1B6-B3AFE0694D53}"/>
               </a:ext>
             </a:extLst>
           </p:cNvPr>
@@ -13806,7 +13906,348 @@
         </p:nvSpPr>
         <p:spPr>
           <a:xfrm>
-            <a:off x="7966400" y="3972780"/>
+            <a:off x="3168211" y="3774296"/>
+            <a:ext cx="773535" cy="326065"/>
+          </a:xfrm>
+          <a:prstGeom prst="homePlate">
+            <a:avLst/>
+          </a:prstGeom>
+          <a:solidFill>
+            <a:schemeClr val="accent1">
+              <a:lumMod val="40000"/>
+              <a:lumOff val="60000"/>
+            </a:schemeClr>
+          </a:solidFill>
+        </p:spPr>
+        <p:style>
+          <a:lnRef idx="2">
+            <a:schemeClr val="accent1">
+              <a:shade val="50000"/>
+            </a:schemeClr>
+          </a:lnRef>
+          <a:fillRef idx="1">
+            <a:schemeClr val="accent1"/>
+          </a:fillRef>
+          <a:effectRef idx="0">
+            <a:schemeClr val="accent1"/>
+          </a:effectRef>
+          <a:fontRef idx="minor">
+            <a:schemeClr val="lt1"/>
+          </a:fontRef>
+        </p:style>
+        <p:txBody>
+          <a:bodyPr rtlCol="0" anchor="ctr"/>
+          <a:lstStyle/>
+          <a:p>
+            <a:pPr algn="ctr"/>
+            <a:r>
+              <a:rPr lang="en-US" dirty="0">
+                <a:solidFill>
+                  <a:schemeClr val="tx1"/>
+                </a:solidFill>
+              </a:rPr>
+              <a:t>Cas9</a:t>
+            </a:r>
+          </a:p>
+        </p:txBody>
+      </p:sp>
+      <p:sp>
+        <p:nvSpPr>
+          <p:cNvPr id="245" name="Rounded Rectangle 244">
+            <a:extLst>
+              <a:ext uri="{FF2B5EF4-FFF2-40B4-BE49-F238E27FC236}">
+                <a16:creationId xmlns:a16="http://schemas.microsoft.com/office/drawing/2014/main" id="{135DC475-136C-CA43-85AA-4AF5001B09D9}"/>
+              </a:ext>
+            </a:extLst>
+          </p:cNvPr>
+          <p:cNvSpPr/>
+          <p:nvPr/>
+        </p:nvSpPr>
+        <p:spPr>
+          <a:xfrm>
+            <a:off x="3208385" y="3171047"/>
+            <a:ext cx="612967" cy="255371"/>
+          </a:xfrm>
+          <a:prstGeom prst="roundRect">
+            <a:avLst>
+              <a:gd name="adj" fmla="val 50000"/>
+            </a:avLst>
+          </a:prstGeom>
+          <a:solidFill>
+            <a:schemeClr val="accent1">
+              <a:lumMod val="40000"/>
+              <a:lumOff val="60000"/>
+            </a:schemeClr>
+          </a:solidFill>
+        </p:spPr>
+        <p:style>
+          <a:lnRef idx="2">
+            <a:schemeClr val="accent1">
+              <a:shade val="50000"/>
+            </a:schemeClr>
+          </a:lnRef>
+          <a:fillRef idx="1">
+            <a:schemeClr val="accent1"/>
+          </a:fillRef>
+          <a:effectRef idx="0">
+            <a:schemeClr val="accent1"/>
+          </a:effectRef>
+          <a:fontRef idx="minor">
+            <a:schemeClr val="lt1"/>
+          </a:fontRef>
+        </p:style>
+        <p:txBody>
+          <a:bodyPr wrap="none" rtlCol="0" anchor="ctr"/>
+          <a:lstStyle/>
+          <a:p>
+            <a:pPr algn="ctr"/>
+            <a:endParaRPr lang="en-US" dirty="0">
+              <a:solidFill>
+                <a:schemeClr val="tx1"/>
+              </a:solidFill>
+            </a:endParaRPr>
+          </a:p>
+        </p:txBody>
+      </p:sp>
+      <p:cxnSp>
+        <p:nvCxnSpPr>
+          <p:cNvPr id="246" name="Elbow Connector 245">
+            <a:extLst>
+              <a:ext uri="{FF2B5EF4-FFF2-40B4-BE49-F238E27FC236}">
+                <a16:creationId xmlns:a16="http://schemas.microsoft.com/office/drawing/2014/main" id="{6625D843-B226-2E46-A7A9-3E7FEA0198FD}"/>
+              </a:ext>
+            </a:extLst>
+          </p:cNvPr>
+          <p:cNvCxnSpPr>
+            <a:cxnSpLocks/>
+          </p:cNvCxnSpPr>
+          <p:nvPr/>
+        </p:nvCxnSpPr>
+        <p:spPr>
+          <a:xfrm flipV="1">
+            <a:off x="3007621" y="3631204"/>
+            <a:ext cx="328764" cy="301158"/>
+          </a:xfrm>
+          <a:prstGeom prst="bentConnector3">
+            <a:avLst>
+              <a:gd name="adj1" fmla="val 2567"/>
+            </a:avLst>
+          </a:prstGeom>
+          <a:ln w="38100">
+            <a:headEnd type="none" w="med" len="med"/>
+            <a:tailEnd type="arrow" w="med" len="med"/>
+          </a:ln>
+        </p:spPr>
+        <p:style>
+          <a:lnRef idx="3">
+            <a:schemeClr val="dk1"/>
+          </a:lnRef>
+          <a:fillRef idx="0">
+            <a:schemeClr val="dk1"/>
+          </a:fillRef>
+          <a:effectRef idx="2">
+            <a:schemeClr val="dk1"/>
+          </a:effectRef>
+          <a:fontRef idx="minor">
+            <a:schemeClr val="tx1"/>
+          </a:fontRef>
+        </p:style>
+      </p:cxnSp>
+      <p:cxnSp>
+        <p:nvCxnSpPr>
+          <p:cNvPr id="247" name="Straight Arrow Connector 246">
+            <a:extLst>
+              <a:ext uri="{FF2B5EF4-FFF2-40B4-BE49-F238E27FC236}">
+                <a16:creationId xmlns:a16="http://schemas.microsoft.com/office/drawing/2014/main" id="{A3AD7957-E6FF-E74F-8CDE-3AEF9A329407}"/>
+              </a:ext>
+            </a:extLst>
+          </p:cNvPr>
+          <p:cNvCxnSpPr>
+            <a:cxnSpLocks/>
+            <a:stCxn id="214" idx="0"/>
+          </p:cNvCxnSpPr>
+          <p:nvPr/>
+        </p:nvCxnSpPr>
+        <p:spPr>
+          <a:xfrm rot="16200000" flipH="1">
+            <a:off x="4706097" y="3083191"/>
+            <a:ext cx="394678" cy="570390"/>
+          </a:xfrm>
+          <a:prstGeom prst="bentConnector4">
+            <a:avLst>
+              <a:gd name="adj1" fmla="val -57921"/>
+              <a:gd name="adj2" fmla="val 99877"/>
+            </a:avLst>
+          </a:prstGeom>
+          <a:ln w="25400">
+            <a:solidFill>
+              <a:schemeClr val="accent6"/>
+            </a:solidFill>
+            <a:tailEnd type="triangle" w="lg" len="lg"/>
+          </a:ln>
+        </p:spPr>
+        <p:style>
+          <a:lnRef idx="1">
+            <a:schemeClr val="accent3"/>
+          </a:lnRef>
+          <a:fillRef idx="0">
+            <a:schemeClr val="accent3"/>
+          </a:fillRef>
+          <a:effectRef idx="0">
+            <a:schemeClr val="accent3"/>
+          </a:effectRef>
+          <a:fontRef idx="minor">
+            <a:schemeClr val="tx1"/>
+          </a:fontRef>
+        </p:style>
+      </p:cxnSp>
+      <p:cxnSp>
+        <p:nvCxnSpPr>
+          <p:cNvPr id="248" name="Straight Connector 247">
+            <a:extLst>
+              <a:ext uri="{FF2B5EF4-FFF2-40B4-BE49-F238E27FC236}">
+                <a16:creationId xmlns:a16="http://schemas.microsoft.com/office/drawing/2014/main" id="{D0F0CCEE-B7E1-084F-8944-AA77CE786068}"/>
+              </a:ext>
+            </a:extLst>
+          </p:cNvPr>
+          <p:cNvCxnSpPr>
+            <a:cxnSpLocks/>
+          </p:cNvCxnSpPr>
+          <p:nvPr/>
+        </p:nvCxnSpPr>
+        <p:spPr>
+          <a:xfrm>
+            <a:off x="3007621" y="4389955"/>
+            <a:ext cx="4805113" cy="0"/>
+          </a:xfrm>
+          <a:prstGeom prst="line">
+            <a:avLst/>
+          </a:prstGeom>
+          <a:ln w="25400">
+            <a:solidFill>
+              <a:srgbClr val="C00000"/>
+            </a:solidFill>
+          </a:ln>
+        </p:spPr>
+        <p:style>
+          <a:lnRef idx="1">
+            <a:schemeClr val="accent3"/>
+          </a:lnRef>
+          <a:fillRef idx="0">
+            <a:schemeClr val="accent3"/>
+          </a:fillRef>
+          <a:effectRef idx="0">
+            <a:schemeClr val="accent3"/>
+          </a:effectRef>
+          <a:fontRef idx="minor">
+            <a:schemeClr val="tx1"/>
+          </a:fontRef>
+        </p:style>
+      </p:cxnSp>
+      <p:cxnSp>
+        <p:nvCxnSpPr>
+          <p:cNvPr id="249" name="Straight Connector 248">
+            <a:extLst>
+              <a:ext uri="{FF2B5EF4-FFF2-40B4-BE49-F238E27FC236}">
+                <a16:creationId xmlns:a16="http://schemas.microsoft.com/office/drawing/2014/main" id="{EC757397-4B76-C44C-B932-B41ABD8338D7}"/>
+              </a:ext>
+            </a:extLst>
+          </p:cNvPr>
+          <p:cNvCxnSpPr>
+            <a:cxnSpLocks/>
+          </p:cNvCxnSpPr>
+          <p:nvPr/>
+        </p:nvCxnSpPr>
+        <p:spPr>
+          <a:xfrm flipH="1">
+            <a:off x="3007621" y="4025077"/>
+            <a:ext cx="0" cy="365760"/>
+          </a:xfrm>
+          <a:prstGeom prst="line">
+            <a:avLst/>
+          </a:prstGeom>
+          <a:ln w="25400">
+            <a:solidFill>
+              <a:srgbClr val="C00000"/>
+            </a:solidFill>
+            <a:headEnd type="diamond" w="lg" len="lg"/>
+            <a:tailEnd type="none"/>
+          </a:ln>
+        </p:spPr>
+        <p:style>
+          <a:lnRef idx="1">
+            <a:schemeClr val="accent3"/>
+          </a:lnRef>
+          <a:fillRef idx="0">
+            <a:schemeClr val="accent3"/>
+          </a:fillRef>
+          <a:effectRef idx="0">
+            <a:schemeClr val="accent3"/>
+          </a:effectRef>
+          <a:fontRef idx="minor">
+            <a:schemeClr val="tx1"/>
+          </a:fontRef>
+        </p:style>
+      </p:cxnSp>
+      <p:cxnSp>
+        <p:nvCxnSpPr>
+          <p:cNvPr id="52" name="Elbow Connector 51">
+            <a:extLst>
+              <a:ext uri="{FF2B5EF4-FFF2-40B4-BE49-F238E27FC236}">
+                <a16:creationId xmlns:a16="http://schemas.microsoft.com/office/drawing/2014/main" id="{758ED3A8-8B50-2F42-A66B-A1EECA71F36F}"/>
+              </a:ext>
+            </a:extLst>
+          </p:cNvPr>
+          <p:cNvCxnSpPr>
+            <a:cxnSpLocks/>
+          </p:cNvCxnSpPr>
+          <p:nvPr/>
+        </p:nvCxnSpPr>
+        <p:spPr>
+          <a:xfrm>
+            <a:off x="7990089" y="2282971"/>
+            <a:ext cx="422391" cy="1274100"/>
+          </a:xfrm>
+          <a:prstGeom prst="bentConnector2">
+            <a:avLst/>
+          </a:prstGeom>
+          <a:ln w="25400">
+            <a:solidFill>
+              <a:srgbClr val="7030A0"/>
+            </a:solidFill>
+            <a:tailEnd type="diamond" w="lg" len="lg"/>
+          </a:ln>
+        </p:spPr>
+        <p:style>
+          <a:lnRef idx="1">
+            <a:schemeClr val="accent3"/>
+          </a:lnRef>
+          <a:fillRef idx="0">
+            <a:schemeClr val="accent3"/>
+          </a:fillRef>
+          <a:effectRef idx="0">
+            <a:schemeClr val="accent3"/>
+          </a:effectRef>
+          <a:fontRef idx="minor">
+            <a:schemeClr val="tx1"/>
+          </a:fontRef>
+        </p:style>
+      </p:cxnSp>
+      <p:sp>
+        <p:nvSpPr>
+          <p:cNvPr id="53" name="Freeform 52">
+            <a:extLst>
+              <a:ext uri="{FF2B5EF4-FFF2-40B4-BE49-F238E27FC236}">
+                <a16:creationId xmlns:a16="http://schemas.microsoft.com/office/drawing/2014/main" id="{6574BC5B-EC06-A847-8866-94B17B2B8AB7}"/>
+              </a:ext>
+            </a:extLst>
+          </p:cNvPr>
+          <p:cNvSpPr/>
+          <p:nvPr/>
+        </p:nvSpPr>
+        <p:spPr>
+          <a:xfrm>
+            <a:off x="7966400" y="3655788"/>
             <a:ext cx="868442" cy="180707"/>
           </a:xfrm>
           <a:custGeom>
@@ -13927,446 +14368,47 @@
       </p:sp>
       <p:sp>
         <p:nvSpPr>
-          <p:cNvPr id="241" name="Oval 240">
+          <p:cNvPr id="54" name="TextBox 53">
             <a:extLst>
               <a:ext uri="{FF2B5EF4-FFF2-40B4-BE49-F238E27FC236}">
-                <a16:creationId xmlns:a16="http://schemas.microsoft.com/office/drawing/2014/main" id="{CCB39552-E731-BE40-B5DC-0D20F0A79893}"/>
+                <a16:creationId xmlns:a16="http://schemas.microsoft.com/office/drawing/2014/main" id="{8CD8D6DE-682F-5746-9599-65CA16F5F56F}"/>
               </a:ext>
             </a:extLst>
           </p:cNvPr>
-          <p:cNvSpPr>
-            <a:spLocks noChangeAspect="1"/>
-          </p:cNvSpPr>
+          <p:cNvSpPr txBox="1"/>
           <p:nvPr/>
         </p:nvSpPr>
         <p:spPr>
           <a:xfrm>
-            <a:off x="6973376" y="2239038"/>
-            <a:ext cx="89118" cy="91440"/>
-          </a:xfrm>
-          <a:prstGeom prst="ellipse">
+            <a:off x="7919359" y="3804739"/>
+            <a:ext cx="985847" cy="646331"/>
+          </a:xfrm>
+          <a:prstGeom prst="rect">
             <a:avLst/>
           </a:prstGeom>
-          <a:solidFill>
-            <a:schemeClr val="bg1"/>
-          </a:solidFill>
-          <a:ln>
-            <a:solidFill>
-              <a:schemeClr val="tx1">
-                <a:lumMod val="50000"/>
-                <a:lumOff val="50000"/>
-              </a:schemeClr>
-            </a:solidFill>
-          </a:ln>
-        </p:spPr>
-        <p:style>
-          <a:lnRef idx="2">
-            <a:schemeClr val="accent1">
-              <a:shade val="50000"/>
-            </a:schemeClr>
-          </a:lnRef>
-          <a:fillRef idx="1">
-            <a:schemeClr val="accent1"/>
-          </a:fillRef>
-          <a:effectRef idx="0">
-            <a:schemeClr val="accent1"/>
-          </a:effectRef>
-          <a:fontRef idx="minor">
-            <a:schemeClr val="lt1"/>
-          </a:fontRef>
-        </p:style>
+          <a:noFill/>
+        </p:spPr>
         <p:txBody>
-          <a:bodyPr rtlCol="0" anchor="ctr"/>
+          <a:bodyPr wrap="none" rtlCol="0">
+            <a:spAutoFit/>
+          </a:bodyPr>
           <a:lstStyle/>
           <a:p>
             <a:pPr algn="ctr"/>
-            <a:endParaRPr lang="en-US"/>
+            <a:r>
+              <a:rPr lang="en-US" dirty="0"/>
+              <a:t>genomic</a:t>
+            </a:r>
+          </a:p>
+          <a:p>
+            <a:pPr algn="ctr"/>
+            <a:r>
+              <a:rPr lang="en-US" dirty="0"/>
+              <a:t>target</a:t>
+            </a:r>
           </a:p>
         </p:txBody>
       </p:sp>
-      <p:cxnSp>
-        <p:nvCxnSpPr>
-          <p:cNvPr id="242" name="Straight Connector 241">
-            <a:extLst>
-              <a:ext uri="{FF2B5EF4-FFF2-40B4-BE49-F238E27FC236}">
-                <a16:creationId xmlns:a16="http://schemas.microsoft.com/office/drawing/2014/main" id="{90CDEC88-1D30-A140-8959-F2AEAD4CAE58}"/>
-              </a:ext>
-            </a:extLst>
-          </p:cNvPr>
-          <p:cNvCxnSpPr>
-            <a:cxnSpLocks/>
-          </p:cNvCxnSpPr>
-          <p:nvPr/>
-        </p:nvCxnSpPr>
-        <p:spPr>
-          <a:xfrm flipH="1">
-            <a:off x="4026591" y="4031237"/>
-            <a:ext cx="0" cy="365760"/>
-          </a:xfrm>
-          <a:prstGeom prst="line">
-            <a:avLst/>
-          </a:prstGeom>
-          <a:ln w="25400">
-            <a:solidFill>
-              <a:srgbClr val="C00000"/>
-            </a:solidFill>
-            <a:headEnd type="diamond" w="lg" len="lg"/>
-            <a:tailEnd type="none"/>
-          </a:ln>
-        </p:spPr>
-        <p:style>
-          <a:lnRef idx="1">
-            <a:schemeClr val="accent3"/>
-          </a:lnRef>
-          <a:fillRef idx="0">
-            <a:schemeClr val="accent3"/>
-          </a:fillRef>
-          <a:effectRef idx="0">
-            <a:schemeClr val="accent3"/>
-          </a:effectRef>
-          <a:fontRef idx="minor">
-            <a:schemeClr val="tx1"/>
-          </a:fontRef>
-        </p:style>
-      </p:cxnSp>
-      <p:cxnSp>
-        <p:nvCxnSpPr>
-          <p:cNvPr id="243" name="Straight Arrow Connector 242">
-            <a:extLst>
-              <a:ext uri="{FF2B5EF4-FFF2-40B4-BE49-F238E27FC236}">
-                <a16:creationId xmlns:a16="http://schemas.microsoft.com/office/drawing/2014/main" id="{6C57A27E-A859-1A4E-8A15-8D9EAB22EEB1}"/>
-              </a:ext>
-            </a:extLst>
-          </p:cNvPr>
-          <p:cNvCxnSpPr>
-            <a:cxnSpLocks/>
-          </p:cNvCxnSpPr>
-          <p:nvPr/>
-        </p:nvCxnSpPr>
-        <p:spPr>
-          <a:xfrm flipV="1">
-            <a:off x="3514868" y="3434976"/>
-            <a:ext cx="0" cy="365760"/>
-          </a:xfrm>
-          <a:prstGeom prst="straightConnector1">
-            <a:avLst/>
-          </a:prstGeom>
-          <a:ln w="25400">
-            <a:tailEnd type="triangle" w="lg" len="lg"/>
-          </a:ln>
-        </p:spPr>
-        <p:style>
-          <a:lnRef idx="1">
-            <a:schemeClr val="accent3"/>
-          </a:lnRef>
-          <a:fillRef idx="0">
-            <a:schemeClr val="accent3"/>
-          </a:fillRef>
-          <a:effectRef idx="0">
-            <a:schemeClr val="accent3"/>
-          </a:effectRef>
-          <a:fontRef idx="minor">
-            <a:schemeClr val="tx1"/>
-          </a:fontRef>
-        </p:style>
-      </p:cxnSp>
-      <p:sp>
-        <p:nvSpPr>
-          <p:cNvPr id="244" name="Pentagon 243">
-            <a:extLst>
-              <a:ext uri="{FF2B5EF4-FFF2-40B4-BE49-F238E27FC236}">
-                <a16:creationId xmlns:a16="http://schemas.microsoft.com/office/drawing/2014/main" id="{0E907393-2114-4F4D-A1B6-B3AFE0694D53}"/>
-              </a:ext>
-            </a:extLst>
-          </p:cNvPr>
-          <p:cNvSpPr/>
-          <p:nvPr/>
-        </p:nvSpPr>
-        <p:spPr>
-          <a:xfrm>
-            <a:off x="3168211" y="3774296"/>
-            <a:ext cx="773535" cy="326065"/>
-          </a:xfrm>
-          <a:prstGeom prst="homePlate">
-            <a:avLst/>
-          </a:prstGeom>
-          <a:solidFill>
-            <a:schemeClr val="accent1">
-              <a:lumMod val="40000"/>
-              <a:lumOff val="60000"/>
-            </a:schemeClr>
-          </a:solidFill>
-        </p:spPr>
-        <p:style>
-          <a:lnRef idx="2">
-            <a:schemeClr val="accent1">
-              <a:shade val="50000"/>
-            </a:schemeClr>
-          </a:lnRef>
-          <a:fillRef idx="1">
-            <a:schemeClr val="accent1"/>
-          </a:fillRef>
-          <a:effectRef idx="0">
-            <a:schemeClr val="accent1"/>
-          </a:effectRef>
-          <a:fontRef idx="minor">
-            <a:schemeClr val="lt1"/>
-          </a:fontRef>
-        </p:style>
-        <p:txBody>
-          <a:bodyPr rtlCol="0" anchor="ctr"/>
-          <a:lstStyle/>
-          <a:p>
-            <a:pPr algn="ctr"/>
-            <a:r>
-              <a:rPr lang="en-US" dirty="0">
-                <a:solidFill>
-                  <a:schemeClr val="tx1"/>
-                </a:solidFill>
-              </a:rPr>
-              <a:t>Cas9</a:t>
-            </a:r>
-          </a:p>
-        </p:txBody>
-      </p:sp>
-      <p:sp>
-        <p:nvSpPr>
-          <p:cNvPr id="245" name="Rounded Rectangle 244">
-            <a:extLst>
-              <a:ext uri="{FF2B5EF4-FFF2-40B4-BE49-F238E27FC236}">
-                <a16:creationId xmlns:a16="http://schemas.microsoft.com/office/drawing/2014/main" id="{135DC475-136C-CA43-85AA-4AF5001B09D9}"/>
-              </a:ext>
-            </a:extLst>
-          </p:cNvPr>
-          <p:cNvSpPr/>
-          <p:nvPr/>
-        </p:nvSpPr>
-        <p:spPr>
-          <a:xfrm>
-            <a:off x="3208385" y="3171047"/>
-            <a:ext cx="612967" cy="255371"/>
-          </a:xfrm>
-          <a:prstGeom prst="roundRect">
-            <a:avLst>
-              <a:gd name="adj" fmla="val 50000"/>
-            </a:avLst>
-          </a:prstGeom>
-          <a:solidFill>
-            <a:schemeClr val="accent1">
-              <a:lumMod val="40000"/>
-              <a:lumOff val="60000"/>
-            </a:schemeClr>
-          </a:solidFill>
-        </p:spPr>
-        <p:style>
-          <a:lnRef idx="2">
-            <a:schemeClr val="accent1">
-              <a:shade val="50000"/>
-            </a:schemeClr>
-          </a:lnRef>
-          <a:fillRef idx="1">
-            <a:schemeClr val="accent1"/>
-          </a:fillRef>
-          <a:effectRef idx="0">
-            <a:schemeClr val="accent1"/>
-          </a:effectRef>
-          <a:fontRef idx="minor">
-            <a:schemeClr val="lt1"/>
-          </a:fontRef>
-        </p:style>
-        <p:txBody>
-          <a:bodyPr wrap="none" rtlCol="0" anchor="ctr"/>
-          <a:lstStyle/>
-          <a:p>
-            <a:pPr algn="ctr"/>
-            <a:endParaRPr lang="en-US" dirty="0">
-              <a:solidFill>
-                <a:schemeClr val="tx1"/>
-              </a:solidFill>
-            </a:endParaRPr>
-          </a:p>
-        </p:txBody>
-      </p:sp>
-      <p:cxnSp>
-        <p:nvCxnSpPr>
-          <p:cNvPr id="246" name="Elbow Connector 245">
-            <a:extLst>
-              <a:ext uri="{FF2B5EF4-FFF2-40B4-BE49-F238E27FC236}">
-                <a16:creationId xmlns:a16="http://schemas.microsoft.com/office/drawing/2014/main" id="{6625D843-B226-2E46-A7A9-3E7FEA0198FD}"/>
-              </a:ext>
-            </a:extLst>
-          </p:cNvPr>
-          <p:cNvCxnSpPr>
-            <a:cxnSpLocks/>
-          </p:cNvCxnSpPr>
-          <p:nvPr/>
-        </p:nvCxnSpPr>
-        <p:spPr>
-          <a:xfrm flipV="1">
-            <a:off x="3007621" y="3631204"/>
-            <a:ext cx="328764" cy="301158"/>
-          </a:xfrm>
-          <a:prstGeom prst="bentConnector3">
-            <a:avLst>
-              <a:gd name="adj1" fmla="val 2567"/>
-            </a:avLst>
-          </a:prstGeom>
-          <a:ln w="38100">
-            <a:headEnd type="none" w="med" len="med"/>
-            <a:tailEnd type="arrow" w="med" len="med"/>
-          </a:ln>
-        </p:spPr>
-        <p:style>
-          <a:lnRef idx="3">
-            <a:schemeClr val="dk1"/>
-          </a:lnRef>
-          <a:fillRef idx="0">
-            <a:schemeClr val="dk1"/>
-          </a:fillRef>
-          <a:effectRef idx="2">
-            <a:schemeClr val="dk1"/>
-          </a:effectRef>
-          <a:fontRef idx="minor">
-            <a:schemeClr val="tx1"/>
-          </a:fontRef>
-        </p:style>
-      </p:cxnSp>
-      <p:cxnSp>
-        <p:nvCxnSpPr>
-          <p:cNvPr id="247" name="Straight Arrow Connector 246">
-            <a:extLst>
-              <a:ext uri="{FF2B5EF4-FFF2-40B4-BE49-F238E27FC236}">
-                <a16:creationId xmlns:a16="http://schemas.microsoft.com/office/drawing/2014/main" id="{A3AD7957-E6FF-E74F-8CDE-3AEF9A329407}"/>
-              </a:ext>
-            </a:extLst>
-          </p:cNvPr>
-          <p:cNvCxnSpPr>
-            <a:cxnSpLocks/>
-            <a:stCxn id="214" idx="0"/>
-          </p:cNvCxnSpPr>
-          <p:nvPr/>
-        </p:nvCxnSpPr>
-        <p:spPr>
-          <a:xfrm rot="16200000" flipH="1">
-            <a:off x="4706097" y="3083191"/>
-            <a:ext cx="394678" cy="570390"/>
-          </a:xfrm>
-          <a:prstGeom prst="bentConnector4">
-            <a:avLst>
-              <a:gd name="adj1" fmla="val -57921"/>
-              <a:gd name="adj2" fmla="val 99877"/>
-            </a:avLst>
-          </a:prstGeom>
-          <a:ln w="25400">
-            <a:solidFill>
-              <a:schemeClr val="accent6"/>
-            </a:solidFill>
-            <a:tailEnd type="triangle" w="lg" len="lg"/>
-          </a:ln>
-        </p:spPr>
-        <p:style>
-          <a:lnRef idx="1">
-            <a:schemeClr val="accent3"/>
-          </a:lnRef>
-          <a:fillRef idx="0">
-            <a:schemeClr val="accent3"/>
-          </a:fillRef>
-          <a:effectRef idx="0">
-            <a:schemeClr val="accent3"/>
-          </a:effectRef>
-          <a:fontRef idx="minor">
-            <a:schemeClr val="tx1"/>
-          </a:fontRef>
-        </p:style>
-      </p:cxnSp>
-      <p:cxnSp>
-        <p:nvCxnSpPr>
-          <p:cNvPr id="248" name="Straight Connector 247">
-            <a:extLst>
-              <a:ext uri="{FF2B5EF4-FFF2-40B4-BE49-F238E27FC236}">
-                <a16:creationId xmlns:a16="http://schemas.microsoft.com/office/drawing/2014/main" id="{D0F0CCEE-B7E1-084F-8944-AA77CE786068}"/>
-              </a:ext>
-            </a:extLst>
-          </p:cNvPr>
-          <p:cNvCxnSpPr>
-            <a:cxnSpLocks/>
-          </p:cNvCxnSpPr>
-          <p:nvPr/>
-        </p:nvCxnSpPr>
-        <p:spPr>
-          <a:xfrm>
-            <a:off x="3007621" y="4389955"/>
-            <a:ext cx="4805113" cy="0"/>
-          </a:xfrm>
-          <a:prstGeom prst="line">
-            <a:avLst/>
-          </a:prstGeom>
-          <a:ln w="25400">
-            <a:solidFill>
-              <a:srgbClr val="C00000"/>
-            </a:solidFill>
-          </a:ln>
-        </p:spPr>
-        <p:style>
-          <a:lnRef idx="1">
-            <a:schemeClr val="accent3"/>
-          </a:lnRef>
-          <a:fillRef idx="0">
-            <a:schemeClr val="accent3"/>
-          </a:fillRef>
-          <a:effectRef idx="0">
-            <a:schemeClr val="accent3"/>
-          </a:effectRef>
-          <a:fontRef idx="minor">
-            <a:schemeClr val="tx1"/>
-          </a:fontRef>
-        </p:style>
-      </p:cxnSp>
-      <p:cxnSp>
-        <p:nvCxnSpPr>
-          <p:cNvPr id="249" name="Straight Connector 248">
-            <a:extLst>
-              <a:ext uri="{FF2B5EF4-FFF2-40B4-BE49-F238E27FC236}">
-                <a16:creationId xmlns:a16="http://schemas.microsoft.com/office/drawing/2014/main" id="{EC757397-4B76-C44C-B932-B41ABD8338D7}"/>
-              </a:ext>
-            </a:extLst>
-          </p:cNvPr>
-          <p:cNvCxnSpPr>
-            <a:cxnSpLocks/>
-          </p:cNvCxnSpPr>
-          <p:nvPr/>
-        </p:nvCxnSpPr>
-        <p:spPr>
-          <a:xfrm flipH="1">
-            <a:off x="3007621" y="4025077"/>
-            <a:ext cx="0" cy="365760"/>
-          </a:xfrm>
-          <a:prstGeom prst="line">
-            <a:avLst/>
-          </a:prstGeom>
-          <a:ln w="25400">
-            <a:solidFill>
-              <a:srgbClr val="C00000"/>
-            </a:solidFill>
-            <a:headEnd type="diamond" w="lg" len="lg"/>
-            <a:tailEnd type="none"/>
-          </a:ln>
-        </p:spPr>
-        <p:style>
-          <a:lnRef idx="1">
-            <a:schemeClr val="accent3"/>
-          </a:lnRef>
-          <a:fillRef idx="0">
-            <a:schemeClr val="accent3"/>
-          </a:fillRef>
-          <a:effectRef idx="0">
-            <a:schemeClr val="accent3"/>
-          </a:effectRef>
-          <a:fontRef idx="minor">
-            <a:schemeClr val="tx1"/>
-          </a:fontRef>
-        </p:style>
-      </p:cxnSp>
     </p:spTree>
     <p:extLst>
       <p:ext uri="{BB962C8B-B14F-4D97-AF65-F5344CB8AC3E}">

--- a/paper_figures/sbolvisual/17 Combinations.pptx
+++ b/paper_figures/sbolvisual/17 Combinations.pptx
@@ -259,7 +259,7 @@
           <a:p>
             <a:fld id="{E0738109-6F55-4873-A4BF-B04FD27AEE0D}" type="datetimeFigureOut">
               <a:rPr lang="en-US" smtClean="0"/>
-              <a:t>11/30/21</a:t>
+              <a:t>2/18/22</a:t>
             </a:fld>
             <a:endParaRPr lang="en-US"/>
           </a:p>
@@ -427,7 +427,7 @@
           <a:p>
             <a:fld id="{E0738109-6F55-4873-A4BF-B04FD27AEE0D}" type="datetimeFigureOut">
               <a:rPr lang="en-US" smtClean="0"/>
-              <a:t>11/30/21</a:t>
+              <a:t>2/18/22</a:t>
             </a:fld>
             <a:endParaRPr lang="en-US"/>
           </a:p>
@@ -605,7 +605,7 @@
           <a:p>
             <a:fld id="{E0738109-6F55-4873-A4BF-B04FD27AEE0D}" type="datetimeFigureOut">
               <a:rPr lang="en-US" smtClean="0"/>
-              <a:t>11/30/21</a:t>
+              <a:t>2/18/22</a:t>
             </a:fld>
             <a:endParaRPr lang="en-US"/>
           </a:p>
@@ -773,7 +773,7 @@
           <a:p>
             <a:fld id="{E0738109-6F55-4873-A4BF-B04FD27AEE0D}" type="datetimeFigureOut">
               <a:rPr lang="en-US" smtClean="0"/>
-              <a:t>11/30/21</a:t>
+              <a:t>2/18/22</a:t>
             </a:fld>
             <a:endParaRPr lang="en-US"/>
           </a:p>
@@ -1018,7 +1018,7 @@
           <a:p>
             <a:fld id="{E0738109-6F55-4873-A4BF-B04FD27AEE0D}" type="datetimeFigureOut">
               <a:rPr lang="en-US" smtClean="0"/>
-              <a:t>11/30/21</a:t>
+              <a:t>2/18/22</a:t>
             </a:fld>
             <a:endParaRPr lang="en-US"/>
           </a:p>
@@ -1247,7 +1247,7 @@
           <a:p>
             <a:fld id="{E0738109-6F55-4873-A4BF-B04FD27AEE0D}" type="datetimeFigureOut">
               <a:rPr lang="en-US" smtClean="0"/>
-              <a:t>11/30/21</a:t>
+              <a:t>2/18/22</a:t>
             </a:fld>
             <a:endParaRPr lang="en-US"/>
           </a:p>
@@ -1611,7 +1611,7 @@
           <a:p>
             <a:fld id="{E0738109-6F55-4873-A4BF-B04FD27AEE0D}" type="datetimeFigureOut">
               <a:rPr lang="en-US" smtClean="0"/>
-              <a:t>11/30/21</a:t>
+              <a:t>2/18/22</a:t>
             </a:fld>
             <a:endParaRPr lang="en-US"/>
           </a:p>
@@ -1728,7 +1728,7 @@
           <a:p>
             <a:fld id="{E0738109-6F55-4873-A4BF-B04FD27AEE0D}" type="datetimeFigureOut">
               <a:rPr lang="en-US" smtClean="0"/>
-              <a:t>11/30/21</a:t>
+              <a:t>2/18/22</a:t>
             </a:fld>
             <a:endParaRPr lang="en-US"/>
           </a:p>
@@ -1823,7 +1823,7 @@
           <a:p>
             <a:fld id="{E0738109-6F55-4873-A4BF-B04FD27AEE0D}" type="datetimeFigureOut">
               <a:rPr lang="en-US" smtClean="0"/>
-              <a:t>11/30/21</a:t>
+              <a:t>2/18/22</a:t>
             </a:fld>
             <a:endParaRPr lang="en-US"/>
           </a:p>
@@ -2098,7 +2098,7 @@
           <a:p>
             <a:fld id="{E0738109-6F55-4873-A4BF-B04FD27AEE0D}" type="datetimeFigureOut">
               <a:rPr lang="en-US" smtClean="0"/>
-              <a:t>11/30/21</a:t>
+              <a:t>2/18/22</a:t>
             </a:fld>
             <a:endParaRPr lang="en-US"/>
           </a:p>
@@ -2350,7 +2350,7 @@
           <a:p>
             <a:fld id="{E0738109-6F55-4873-A4BF-B04FD27AEE0D}" type="datetimeFigureOut">
               <a:rPr lang="en-US" smtClean="0"/>
-              <a:t>11/30/21</a:t>
+              <a:t>2/18/22</a:t>
             </a:fld>
             <a:endParaRPr lang="en-US"/>
           </a:p>
@@ -2561,7 +2561,7 @@
           <a:p>
             <a:fld id="{E0738109-6F55-4873-A4BF-B04FD27AEE0D}" type="datetimeFigureOut">
               <a:rPr lang="en-US" smtClean="0"/>
-              <a:t>11/30/21</a:t>
+              <a:t>2/18/22</a:t>
             </a:fld>
             <a:endParaRPr lang="en-US"/>
           </a:p>
@@ -18980,277 +18980,6 @@
           </a:p>
         </p:txBody>
       </p:sp>
-      <p:grpSp>
-        <p:nvGrpSpPr>
-          <p:cNvPr id="3" name="Group 2">
-            <a:extLst>
-              <a:ext uri="{FF2B5EF4-FFF2-40B4-BE49-F238E27FC236}">
-                <a16:creationId xmlns:a16="http://schemas.microsoft.com/office/drawing/2014/main" id="{95DEA15C-E72E-1948-BB30-6A1416C5C8AA}"/>
-              </a:ext>
-            </a:extLst>
-          </p:cNvPr>
-          <p:cNvGrpSpPr/>
-          <p:nvPr/>
-        </p:nvGrpSpPr>
-        <p:grpSpPr>
-          <a:xfrm>
-            <a:off x="5518662" y="3787396"/>
-            <a:ext cx="484281" cy="172854"/>
-            <a:chOff x="5293558" y="3697843"/>
-            <a:chExt cx="660058" cy="235594"/>
-          </a:xfrm>
-        </p:grpSpPr>
-        <p:sp>
-          <p:nvSpPr>
-            <p:cNvPr id="4" name="Freeform 3">
-              <a:extLst>
-                <a:ext uri="{FF2B5EF4-FFF2-40B4-BE49-F238E27FC236}">
-                  <a16:creationId xmlns:a16="http://schemas.microsoft.com/office/drawing/2014/main" id="{75AD57A3-7EE3-194B-B2D3-1B6867E8F69D}"/>
-                </a:ext>
-              </a:extLst>
-            </p:cNvPr>
-            <p:cNvSpPr/>
-            <p:nvPr/>
-          </p:nvSpPr>
-          <p:spPr>
-            <a:xfrm>
-              <a:off x="5293558" y="3697843"/>
-              <a:ext cx="660058" cy="108654"/>
-            </a:xfrm>
-            <a:custGeom>
-              <a:avLst/>
-              <a:gdLst>
-                <a:gd name="connsiteX0" fmla="*/ 0 w 7331149"/>
-                <a:gd name="connsiteY0" fmla="*/ 1206795 h 1206795"/>
-                <a:gd name="connsiteX1" fmla="*/ 1217428 w 7331149"/>
-                <a:gd name="connsiteY1" fmla="*/ 0 h 1206795"/>
-                <a:gd name="connsiteX2" fmla="*/ 2434856 w 7331149"/>
-                <a:gd name="connsiteY2" fmla="*/ 1201479 h 1206795"/>
-                <a:gd name="connsiteX3" fmla="*/ 3657600 w 7331149"/>
-                <a:gd name="connsiteY3" fmla="*/ 0 h 1206795"/>
-                <a:gd name="connsiteX4" fmla="*/ 4890977 w 7331149"/>
-                <a:gd name="connsiteY4" fmla="*/ 1206795 h 1206795"/>
-                <a:gd name="connsiteX5" fmla="*/ 6087140 w 7331149"/>
-                <a:gd name="connsiteY5" fmla="*/ 0 h 1206795"/>
-                <a:gd name="connsiteX6" fmla="*/ 7331149 w 7331149"/>
-                <a:gd name="connsiteY6" fmla="*/ 1201479 h 1206795"/>
-              </a:gdLst>
-              <a:ahLst/>
-              <a:cxnLst>
-                <a:cxn ang="0">
-                  <a:pos x="connsiteX0" y="connsiteY0"/>
-                </a:cxn>
-                <a:cxn ang="0">
-                  <a:pos x="connsiteX1" y="connsiteY1"/>
-                </a:cxn>
-                <a:cxn ang="0">
-                  <a:pos x="connsiteX2" y="connsiteY2"/>
-                </a:cxn>
-                <a:cxn ang="0">
-                  <a:pos x="connsiteX3" y="connsiteY3"/>
-                </a:cxn>
-                <a:cxn ang="0">
-                  <a:pos x="connsiteX4" y="connsiteY4"/>
-                </a:cxn>
-                <a:cxn ang="0">
-                  <a:pos x="connsiteX5" y="connsiteY5"/>
-                </a:cxn>
-                <a:cxn ang="0">
-                  <a:pos x="connsiteX6" y="connsiteY6"/>
-                </a:cxn>
-              </a:cxnLst>
-              <a:rect l="l" t="t" r="r" b="b"/>
-              <a:pathLst>
-                <a:path w="7331149" h="1206795">
-                  <a:moveTo>
-                    <a:pt x="0" y="1206795"/>
-                  </a:moveTo>
-                  <a:cubicBezTo>
-                    <a:pt x="405809" y="603840"/>
-                    <a:pt x="811619" y="886"/>
-                    <a:pt x="1217428" y="0"/>
-                  </a:cubicBezTo>
-                  <a:cubicBezTo>
-                    <a:pt x="1623237" y="-886"/>
-                    <a:pt x="2028161" y="1201479"/>
-                    <a:pt x="2434856" y="1201479"/>
-                  </a:cubicBezTo>
-                  <a:cubicBezTo>
-                    <a:pt x="2841551" y="1201479"/>
-                    <a:pt x="3248247" y="-886"/>
-                    <a:pt x="3657600" y="0"/>
-                  </a:cubicBezTo>
-                  <a:cubicBezTo>
-                    <a:pt x="4066954" y="886"/>
-                    <a:pt x="4486054" y="1206795"/>
-                    <a:pt x="4890977" y="1206795"/>
-                  </a:cubicBezTo>
-                  <a:cubicBezTo>
-                    <a:pt x="5295900" y="1206795"/>
-                    <a:pt x="5680445" y="886"/>
-                    <a:pt x="6087140" y="0"/>
-                  </a:cubicBezTo>
-                  <a:cubicBezTo>
-                    <a:pt x="6493835" y="-886"/>
-                    <a:pt x="6912492" y="600296"/>
-                    <a:pt x="7331149" y="1201479"/>
-                  </a:cubicBezTo>
-                </a:path>
-              </a:pathLst>
-            </a:custGeom>
-            <a:ln w="28575">
-              <a:solidFill>
-                <a:srgbClr val="C00000"/>
-              </a:solidFill>
-            </a:ln>
-          </p:spPr>
-          <p:style>
-            <a:lnRef idx="1">
-              <a:schemeClr val="dk1"/>
-            </a:lnRef>
-            <a:fillRef idx="0">
-              <a:schemeClr val="dk1"/>
-            </a:fillRef>
-            <a:effectRef idx="0">
-              <a:schemeClr val="dk1"/>
-            </a:effectRef>
-            <a:fontRef idx="minor">
-              <a:schemeClr val="tx1"/>
-            </a:fontRef>
-          </p:style>
-          <p:txBody>
-            <a:bodyPr rtlCol="0" anchor="ctr"/>
-            <a:lstStyle/>
-            <a:p>
-              <a:pPr algn="ctr"/>
-              <a:endParaRPr lang="en-US"/>
-            </a:p>
-          </p:txBody>
-        </p:sp>
-        <p:cxnSp>
-          <p:nvCxnSpPr>
-            <p:cNvPr id="5" name="Straight Connector 4">
-              <a:extLst>
-                <a:ext uri="{FF2B5EF4-FFF2-40B4-BE49-F238E27FC236}">
-                  <a16:creationId xmlns:a16="http://schemas.microsoft.com/office/drawing/2014/main" id="{79D5EFDC-BA9A-164D-9ED8-663D3C519152}"/>
-                </a:ext>
-              </a:extLst>
-            </p:cNvPr>
-            <p:cNvCxnSpPr/>
-            <p:nvPr/>
-          </p:nvCxnSpPr>
-          <p:spPr>
-            <a:xfrm flipH="1">
-              <a:off x="5293558" y="3796278"/>
-              <a:ext cx="1588" cy="137159"/>
-            </a:xfrm>
-            <a:prstGeom prst="line">
-              <a:avLst/>
-            </a:prstGeom>
-            <a:ln w="28575">
-              <a:solidFill>
-                <a:srgbClr val="C00000"/>
-              </a:solidFill>
-            </a:ln>
-          </p:spPr>
-          <p:style>
-            <a:lnRef idx="1">
-              <a:schemeClr val="dk1"/>
-            </a:lnRef>
-            <a:fillRef idx="0">
-              <a:schemeClr val="dk1"/>
-            </a:fillRef>
-            <a:effectRef idx="0">
-              <a:schemeClr val="dk1"/>
-            </a:effectRef>
-            <a:fontRef idx="minor">
-              <a:schemeClr val="tx1"/>
-            </a:fontRef>
-          </p:style>
-        </p:cxnSp>
-        <p:cxnSp>
-          <p:nvCxnSpPr>
-            <p:cNvPr id="6" name="Straight Connector 5">
-              <a:extLst>
-                <a:ext uri="{FF2B5EF4-FFF2-40B4-BE49-F238E27FC236}">
-                  <a16:creationId xmlns:a16="http://schemas.microsoft.com/office/drawing/2014/main" id="{3F7BE500-7356-0E4E-B1B8-3C01E2864E48}"/>
-                </a:ext>
-              </a:extLst>
-            </p:cNvPr>
-            <p:cNvCxnSpPr/>
-            <p:nvPr/>
-          </p:nvCxnSpPr>
-          <p:spPr>
-            <a:xfrm flipV="1">
-              <a:off x="5293558" y="3912780"/>
-              <a:ext cx="659826" cy="2238"/>
-            </a:xfrm>
-            <a:prstGeom prst="line">
-              <a:avLst/>
-            </a:prstGeom>
-            <a:ln w="28575">
-              <a:solidFill>
-                <a:srgbClr val="C00000"/>
-              </a:solidFill>
-            </a:ln>
-          </p:spPr>
-          <p:style>
-            <a:lnRef idx="1">
-              <a:schemeClr val="dk1"/>
-            </a:lnRef>
-            <a:fillRef idx="0">
-              <a:schemeClr val="dk1"/>
-            </a:fillRef>
-            <a:effectRef idx="0">
-              <a:schemeClr val="dk1"/>
-            </a:effectRef>
-            <a:fontRef idx="minor">
-              <a:schemeClr val="tx1"/>
-            </a:fontRef>
-          </p:style>
-        </p:cxnSp>
-        <p:cxnSp>
-          <p:nvCxnSpPr>
-            <p:cNvPr id="7" name="Straight Connector 6">
-              <a:extLst>
-                <a:ext uri="{FF2B5EF4-FFF2-40B4-BE49-F238E27FC236}">
-                  <a16:creationId xmlns:a16="http://schemas.microsoft.com/office/drawing/2014/main" id="{C33904FE-637B-BE45-8600-C9C22BE8B7D3}"/>
-                </a:ext>
-              </a:extLst>
-            </p:cNvPr>
-            <p:cNvCxnSpPr/>
-            <p:nvPr/>
-          </p:nvCxnSpPr>
-          <p:spPr>
-            <a:xfrm flipH="1">
-              <a:off x="5948620" y="3794477"/>
-              <a:ext cx="1588" cy="137160"/>
-            </a:xfrm>
-            <a:prstGeom prst="line">
-              <a:avLst/>
-            </a:prstGeom>
-            <a:ln w="28575">
-              <a:solidFill>
-                <a:srgbClr val="C00000"/>
-              </a:solidFill>
-            </a:ln>
-          </p:spPr>
-          <p:style>
-            <a:lnRef idx="1">
-              <a:schemeClr val="dk1"/>
-            </a:lnRef>
-            <a:fillRef idx="0">
-              <a:schemeClr val="dk1"/>
-            </a:fillRef>
-            <a:effectRef idx="0">
-              <a:schemeClr val="dk1"/>
-            </a:effectRef>
-            <a:fontRef idx="minor">
-              <a:schemeClr val="tx1"/>
-            </a:fontRef>
-          </p:style>
-        </p:cxnSp>
-      </p:grpSp>
       <p:cxnSp>
         <p:nvCxnSpPr>
           <p:cNvPr id="8" name="Straight Arrow Connector 7">
@@ -20991,12 +20720,92 @@
           </a:fontRef>
         </p:style>
       </p:cxnSp>
+      <p:cxnSp>
+        <p:nvCxnSpPr>
+          <p:cNvPr id="45" name="Straight Arrow Connector 44">
+            <a:extLst>
+              <a:ext uri="{FF2B5EF4-FFF2-40B4-BE49-F238E27FC236}">
+                <a16:creationId xmlns:a16="http://schemas.microsoft.com/office/drawing/2014/main" id="{B56A71EF-E6C7-C345-B5AB-722255EFEB05}"/>
+              </a:ext>
+            </a:extLst>
+          </p:cNvPr>
+          <p:cNvCxnSpPr/>
+          <p:nvPr/>
+        </p:nvCxnSpPr>
+        <p:spPr>
+          <a:xfrm>
+            <a:off x="5781409" y="2581442"/>
+            <a:ext cx="217762" cy="0"/>
+          </a:xfrm>
+          <a:prstGeom prst="straightConnector1">
+            <a:avLst/>
+          </a:prstGeom>
+          <a:ln w="25400">
+            <a:tailEnd type="triangle" w="lg" len="lg"/>
+          </a:ln>
+        </p:spPr>
+        <p:style>
+          <a:lnRef idx="1">
+            <a:schemeClr val="accent3"/>
+          </a:lnRef>
+          <a:fillRef idx="0">
+            <a:schemeClr val="accent3"/>
+          </a:fillRef>
+          <a:effectRef idx="0">
+            <a:schemeClr val="accent3"/>
+          </a:effectRef>
+          <a:fontRef idx="minor">
+            <a:schemeClr val="tx1"/>
+          </a:fontRef>
+        </p:style>
+      </p:cxnSp>
+      <p:cxnSp>
+        <p:nvCxnSpPr>
+          <p:cNvPr id="46" name="Straight Connector 45">
+            <a:extLst>
+              <a:ext uri="{FF2B5EF4-FFF2-40B4-BE49-F238E27FC236}">
+                <a16:creationId xmlns:a16="http://schemas.microsoft.com/office/drawing/2014/main" id="{0CF36E52-5C46-434F-BFAC-AB6811D04E4E}"/>
+              </a:ext>
+            </a:extLst>
+          </p:cNvPr>
+          <p:cNvCxnSpPr/>
+          <p:nvPr/>
+        </p:nvCxnSpPr>
+        <p:spPr>
+          <a:xfrm>
+            <a:off x="6742125" y="2573663"/>
+            <a:ext cx="1060704" cy="0"/>
+          </a:xfrm>
+          <a:prstGeom prst="line">
+            <a:avLst/>
+          </a:prstGeom>
+          <a:ln w="25400">
+            <a:solidFill>
+              <a:srgbClr val="C00000"/>
+            </a:solidFill>
+          </a:ln>
+        </p:spPr>
+        <p:style>
+          <a:lnRef idx="1">
+            <a:schemeClr val="accent3"/>
+          </a:lnRef>
+          <a:fillRef idx="0">
+            <a:schemeClr val="accent3"/>
+          </a:fillRef>
+          <a:effectRef idx="0">
+            <a:schemeClr val="accent3"/>
+          </a:effectRef>
+          <a:fontRef idx="minor">
+            <a:schemeClr val="tx1"/>
+          </a:fontRef>
+        </p:style>
+      </p:cxnSp>
       <p:sp>
         <p:nvSpPr>
-          <p:cNvPr id="41" name="Isosceles Triangle 38">
-            <a:extLst>
-              <a:ext uri="{FF2B5EF4-FFF2-40B4-BE49-F238E27FC236}">
-                <a16:creationId xmlns:a16="http://schemas.microsoft.com/office/drawing/2014/main" id="{B856E018-378F-D144-82EA-BC46341585E8}"/>
+          <p:cNvPr id="48" name="Rounded Rectangle 47">
+            <a:extLst>
+              <a:ext uri="{FF2B5EF4-FFF2-40B4-BE49-F238E27FC236}">
+                <a16:creationId xmlns:a16="http://schemas.microsoft.com/office/drawing/2014/main" id="{9524DE2A-7CE0-4843-AC76-97529532D02A}"/>
               </a:ext>
             </a:extLst>
           </p:cNvPr>
@@ -21004,13 +20813,21 @@
           <p:nvPr/>
         </p:nvSpPr>
         <p:spPr>
-          <a:xfrm rot="5400000">
-            <a:off x="4600813" y="3838370"/>
-            <a:ext cx="209543" cy="208423"/>
-          </a:xfrm>
-          <a:prstGeom prst="triangle">
-            <a:avLst/>
-          </a:prstGeom>
+          <a:xfrm>
+            <a:off x="6007264" y="2461828"/>
+            <a:ext cx="612967" cy="255371"/>
+          </a:xfrm>
+          <a:prstGeom prst="roundRect">
+            <a:avLst>
+              <a:gd name="adj" fmla="val 50000"/>
+            </a:avLst>
+          </a:prstGeom>
+          <a:solidFill>
+            <a:schemeClr val="accent1">
+              <a:lumMod val="40000"/>
+              <a:lumOff val="60000"/>
+            </a:schemeClr>
+          </a:solidFill>
         </p:spPr>
         <p:style>
           <a:lnRef idx="2">
@@ -21039,10 +20856,10 @@
       </p:sp>
       <p:sp>
         <p:nvSpPr>
-          <p:cNvPr id="42" name="Isosceles Triangle 39">
-            <a:extLst>
-              <a:ext uri="{FF2B5EF4-FFF2-40B4-BE49-F238E27FC236}">
-                <a16:creationId xmlns:a16="http://schemas.microsoft.com/office/drawing/2014/main" id="{DA52B8F0-EA12-664B-8967-DD6A3573AC09}"/>
+          <p:cNvPr id="49" name="Freeform 48">
+            <a:extLst>
+              <a:ext uri="{FF2B5EF4-FFF2-40B4-BE49-F238E27FC236}">
+                <a16:creationId xmlns:a16="http://schemas.microsoft.com/office/drawing/2014/main" id="{546205D1-2995-AF42-A4A1-E30F86766151}"/>
               </a:ext>
             </a:extLst>
           </p:cNvPr>
@@ -21050,214 +20867,8 @@
           <p:nvPr/>
         </p:nvSpPr>
         <p:spPr>
-          <a:xfrm rot="5400000">
-            <a:off x="5239827" y="3833116"/>
-            <a:ext cx="209543" cy="208423"/>
-          </a:xfrm>
-          <a:prstGeom prst="triangle">
-            <a:avLst/>
-          </a:prstGeom>
-        </p:spPr>
-        <p:style>
-          <a:lnRef idx="2">
-            <a:schemeClr val="accent1">
-              <a:shade val="50000"/>
-            </a:schemeClr>
-          </a:lnRef>
-          <a:fillRef idx="1">
-            <a:schemeClr val="accent1"/>
-          </a:fillRef>
-          <a:effectRef idx="0">
-            <a:schemeClr val="accent1"/>
-          </a:effectRef>
-          <a:fontRef idx="minor">
-            <a:schemeClr val="lt1"/>
-          </a:fontRef>
-        </p:style>
-        <p:txBody>
-          <a:bodyPr rtlCol="0" anchor="ctr"/>
-          <a:lstStyle/>
-          <a:p>
-            <a:pPr algn="ctr"/>
-            <a:endParaRPr lang="en-US"/>
-          </a:p>
-        </p:txBody>
-      </p:sp>
-      <p:cxnSp>
-        <p:nvCxnSpPr>
-          <p:cNvPr id="43" name="Straight Arrow Connector 42">
-            <a:extLst>
-              <a:ext uri="{FF2B5EF4-FFF2-40B4-BE49-F238E27FC236}">
-                <a16:creationId xmlns:a16="http://schemas.microsoft.com/office/drawing/2014/main" id="{7EA374A8-B0D0-CC4E-B750-F361ABC5F27B}"/>
-              </a:ext>
-            </a:extLst>
-          </p:cNvPr>
-          <p:cNvCxnSpPr/>
-          <p:nvPr/>
-        </p:nvCxnSpPr>
-        <p:spPr>
-          <a:xfrm flipV="1">
-            <a:off x="5769610" y="3341424"/>
-            <a:ext cx="2637" cy="439764"/>
-          </a:xfrm>
-          <a:prstGeom prst="straightConnector1">
-            <a:avLst/>
-          </a:prstGeom>
-          <a:ln w="25400">
-            <a:tailEnd type="triangle" w="lg" len="lg"/>
-          </a:ln>
-        </p:spPr>
-        <p:style>
-          <a:lnRef idx="1">
-            <a:schemeClr val="accent3"/>
-          </a:lnRef>
-          <a:fillRef idx="0">
-            <a:schemeClr val="accent3"/>
-          </a:fillRef>
-          <a:effectRef idx="0">
-            <a:schemeClr val="accent3"/>
-          </a:effectRef>
-          <a:fontRef idx="minor">
-            <a:schemeClr val="tx1"/>
-          </a:fontRef>
-        </p:style>
-      </p:cxnSp>
-      <p:cxnSp>
-        <p:nvCxnSpPr>
-          <p:cNvPr id="44" name="Straight Connector 43">
-            <a:extLst>
-              <a:ext uri="{FF2B5EF4-FFF2-40B4-BE49-F238E27FC236}">
-                <a16:creationId xmlns:a16="http://schemas.microsoft.com/office/drawing/2014/main" id="{821488D2-9017-3F4E-8EE7-F9FA29E1454E}"/>
-              </a:ext>
-            </a:extLst>
-          </p:cNvPr>
-          <p:cNvCxnSpPr>
-            <a:cxnSpLocks/>
-            <a:stCxn id="47" idx="4"/>
-            <a:endCxn id="50" idx="4"/>
-          </p:cNvCxnSpPr>
-          <p:nvPr/>
-        </p:nvCxnSpPr>
-        <p:spPr>
-          <a:xfrm flipH="1" flipV="1">
-            <a:off x="5777440" y="2627696"/>
-            <a:ext cx="0" cy="601311"/>
-          </a:xfrm>
-          <a:prstGeom prst="line">
-            <a:avLst/>
-          </a:prstGeom>
-          <a:ln w="25400"/>
-        </p:spPr>
-        <p:style>
-          <a:lnRef idx="1">
-            <a:schemeClr val="accent3"/>
-          </a:lnRef>
-          <a:fillRef idx="0">
-            <a:schemeClr val="accent3"/>
-          </a:fillRef>
-          <a:effectRef idx="0">
-            <a:schemeClr val="accent3"/>
-          </a:effectRef>
-          <a:fontRef idx="minor">
-            <a:schemeClr val="tx1"/>
-          </a:fontRef>
-        </p:style>
-      </p:cxnSp>
-      <p:cxnSp>
-        <p:nvCxnSpPr>
-          <p:cNvPr id="45" name="Straight Arrow Connector 44">
-            <a:extLst>
-              <a:ext uri="{FF2B5EF4-FFF2-40B4-BE49-F238E27FC236}">
-                <a16:creationId xmlns:a16="http://schemas.microsoft.com/office/drawing/2014/main" id="{B56A71EF-E6C7-C345-B5AB-722255EFEB05}"/>
-              </a:ext>
-            </a:extLst>
-          </p:cNvPr>
-          <p:cNvCxnSpPr/>
-          <p:nvPr/>
-        </p:nvCxnSpPr>
-        <p:spPr>
           <a:xfrm>
-            <a:off x="5781409" y="2581442"/>
-            <a:ext cx="217762" cy="0"/>
-          </a:xfrm>
-          <a:prstGeom prst="straightConnector1">
-            <a:avLst/>
-          </a:prstGeom>
-          <a:ln w="25400">
-            <a:tailEnd type="triangle" w="lg" len="lg"/>
-          </a:ln>
-        </p:spPr>
-        <p:style>
-          <a:lnRef idx="1">
-            <a:schemeClr val="accent3"/>
-          </a:lnRef>
-          <a:fillRef idx="0">
-            <a:schemeClr val="accent3"/>
-          </a:fillRef>
-          <a:effectRef idx="0">
-            <a:schemeClr val="accent3"/>
-          </a:effectRef>
-          <a:fontRef idx="minor">
-            <a:schemeClr val="tx1"/>
-          </a:fontRef>
-        </p:style>
-      </p:cxnSp>
-      <p:cxnSp>
-        <p:nvCxnSpPr>
-          <p:cNvPr id="46" name="Straight Connector 45">
-            <a:extLst>
-              <a:ext uri="{FF2B5EF4-FFF2-40B4-BE49-F238E27FC236}">
-                <a16:creationId xmlns:a16="http://schemas.microsoft.com/office/drawing/2014/main" id="{0CF36E52-5C46-434F-BFAC-AB6811D04E4E}"/>
-              </a:ext>
-            </a:extLst>
-          </p:cNvPr>
-          <p:cNvCxnSpPr/>
-          <p:nvPr/>
-        </p:nvCxnSpPr>
-        <p:spPr>
-          <a:xfrm>
-            <a:off x="6742125" y="2573663"/>
-            <a:ext cx="1060704" cy="0"/>
-          </a:xfrm>
-          <a:prstGeom prst="line">
-            <a:avLst/>
-          </a:prstGeom>
-          <a:ln w="25400">
-            <a:solidFill>
-              <a:srgbClr val="C00000"/>
-            </a:solidFill>
-          </a:ln>
-        </p:spPr>
-        <p:style>
-          <a:lnRef idx="1">
-            <a:schemeClr val="accent3"/>
-          </a:lnRef>
-          <a:fillRef idx="0">
-            <a:schemeClr val="accent3"/>
-          </a:fillRef>
-          <a:effectRef idx="0">
-            <a:schemeClr val="accent3"/>
-          </a:effectRef>
-          <a:fontRef idx="minor">
-            <a:schemeClr val="tx1"/>
-          </a:fontRef>
-        </p:style>
-      </p:cxnSp>
-      <p:sp>
-        <p:nvSpPr>
-          <p:cNvPr id="47" name="Freeform 46">
-            <a:extLst>
-              <a:ext uri="{FF2B5EF4-FFF2-40B4-BE49-F238E27FC236}">
-                <a16:creationId xmlns:a16="http://schemas.microsoft.com/office/drawing/2014/main" id="{7C89FA2D-FA1E-B74E-9759-49FA16AFD8F3}"/>
-              </a:ext>
-            </a:extLst>
-          </p:cNvPr>
-          <p:cNvSpPr/>
-          <p:nvPr/>
-        </p:nvSpPr>
-        <p:spPr>
-          <a:xfrm>
-            <a:off x="5495735" y="3228059"/>
+            <a:off x="6160929" y="2547956"/>
             <a:ext cx="571347" cy="83114"/>
           </a:xfrm>
           <a:custGeom>
@@ -21390,12 +21001,363 @@
           </a:p>
         </p:txBody>
       </p:sp>
+      <p:grpSp>
+        <p:nvGrpSpPr>
+          <p:cNvPr id="3" name="Group 2">
+            <a:extLst>
+              <a:ext uri="{FF2B5EF4-FFF2-40B4-BE49-F238E27FC236}">
+                <a16:creationId xmlns:a16="http://schemas.microsoft.com/office/drawing/2014/main" id="{95DEA15C-E72E-1948-BB30-6A1416C5C8AA}"/>
+              </a:ext>
+            </a:extLst>
+          </p:cNvPr>
+          <p:cNvGrpSpPr/>
+          <p:nvPr/>
+        </p:nvGrpSpPr>
+        <p:grpSpPr>
+          <a:xfrm>
+            <a:off x="5518662" y="3787396"/>
+            <a:ext cx="484281" cy="172854"/>
+            <a:chOff x="5293558" y="3697843"/>
+            <a:chExt cx="660058" cy="235594"/>
+          </a:xfrm>
+        </p:grpSpPr>
+        <p:sp>
+          <p:nvSpPr>
+            <p:cNvPr id="4" name="Freeform 3">
+              <a:extLst>
+                <a:ext uri="{FF2B5EF4-FFF2-40B4-BE49-F238E27FC236}">
+                  <a16:creationId xmlns:a16="http://schemas.microsoft.com/office/drawing/2014/main" id="{75AD57A3-7EE3-194B-B2D3-1B6867E8F69D}"/>
+                </a:ext>
+              </a:extLst>
+            </p:cNvPr>
+            <p:cNvSpPr/>
+            <p:nvPr/>
+          </p:nvSpPr>
+          <p:spPr>
+            <a:xfrm>
+              <a:off x="5293558" y="3697843"/>
+              <a:ext cx="660058" cy="108654"/>
+            </a:xfrm>
+            <a:custGeom>
+              <a:avLst/>
+              <a:gdLst>
+                <a:gd name="connsiteX0" fmla="*/ 0 w 7331149"/>
+                <a:gd name="connsiteY0" fmla="*/ 1206795 h 1206795"/>
+                <a:gd name="connsiteX1" fmla="*/ 1217428 w 7331149"/>
+                <a:gd name="connsiteY1" fmla="*/ 0 h 1206795"/>
+                <a:gd name="connsiteX2" fmla="*/ 2434856 w 7331149"/>
+                <a:gd name="connsiteY2" fmla="*/ 1201479 h 1206795"/>
+                <a:gd name="connsiteX3" fmla="*/ 3657600 w 7331149"/>
+                <a:gd name="connsiteY3" fmla="*/ 0 h 1206795"/>
+                <a:gd name="connsiteX4" fmla="*/ 4890977 w 7331149"/>
+                <a:gd name="connsiteY4" fmla="*/ 1206795 h 1206795"/>
+                <a:gd name="connsiteX5" fmla="*/ 6087140 w 7331149"/>
+                <a:gd name="connsiteY5" fmla="*/ 0 h 1206795"/>
+                <a:gd name="connsiteX6" fmla="*/ 7331149 w 7331149"/>
+                <a:gd name="connsiteY6" fmla="*/ 1201479 h 1206795"/>
+              </a:gdLst>
+              <a:ahLst/>
+              <a:cxnLst>
+                <a:cxn ang="0">
+                  <a:pos x="connsiteX0" y="connsiteY0"/>
+                </a:cxn>
+                <a:cxn ang="0">
+                  <a:pos x="connsiteX1" y="connsiteY1"/>
+                </a:cxn>
+                <a:cxn ang="0">
+                  <a:pos x="connsiteX2" y="connsiteY2"/>
+                </a:cxn>
+                <a:cxn ang="0">
+                  <a:pos x="connsiteX3" y="connsiteY3"/>
+                </a:cxn>
+                <a:cxn ang="0">
+                  <a:pos x="connsiteX4" y="connsiteY4"/>
+                </a:cxn>
+                <a:cxn ang="0">
+                  <a:pos x="connsiteX5" y="connsiteY5"/>
+                </a:cxn>
+                <a:cxn ang="0">
+                  <a:pos x="connsiteX6" y="connsiteY6"/>
+                </a:cxn>
+              </a:cxnLst>
+              <a:rect l="l" t="t" r="r" b="b"/>
+              <a:pathLst>
+                <a:path w="7331149" h="1206795">
+                  <a:moveTo>
+                    <a:pt x="0" y="1206795"/>
+                  </a:moveTo>
+                  <a:cubicBezTo>
+                    <a:pt x="405809" y="603840"/>
+                    <a:pt x="811619" y="886"/>
+                    <a:pt x="1217428" y="0"/>
+                  </a:cubicBezTo>
+                  <a:cubicBezTo>
+                    <a:pt x="1623237" y="-886"/>
+                    <a:pt x="2028161" y="1201479"/>
+                    <a:pt x="2434856" y="1201479"/>
+                  </a:cubicBezTo>
+                  <a:cubicBezTo>
+                    <a:pt x="2841551" y="1201479"/>
+                    <a:pt x="3248247" y="-886"/>
+                    <a:pt x="3657600" y="0"/>
+                  </a:cubicBezTo>
+                  <a:cubicBezTo>
+                    <a:pt x="4066954" y="886"/>
+                    <a:pt x="4486054" y="1206795"/>
+                    <a:pt x="4890977" y="1206795"/>
+                  </a:cubicBezTo>
+                  <a:cubicBezTo>
+                    <a:pt x="5295900" y="1206795"/>
+                    <a:pt x="5680445" y="886"/>
+                    <a:pt x="6087140" y="0"/>
+                  </a:cubicBezTo>
+                  <a:cubicBezTo>
+                    <a:pt x="6493835" y="-886"/>
+                    <a:pt x="6912492" y="600296"/>
+                    <a:pt x="7331149" y="1201479"/>
+                  </a:cubicBezTo>
+                </a:path>
+              </a:pathLst>
+            </a:custGeom>
+            <a:ln w="28575">
+              <a:solidFill>
+                <a:srgbClr val="C00000"/>
+              </a:solidFill>
+            </a:ln>
+          </p:spPr>
+          <p:style>
+            <a:lnRef idx="1">
+              <a:schemeClr val="dk1"/>
+            </a:lnRef>
+            <a:fillRef idx="0">
+              <a:schemeClr val="dk1"/>
+            </a:fillRef>
+            <a:effectRef idx="0">
+              <a:schemeClr val="dk1"/>
+            </a:effectRef>
+            <a:fontRef idx="minor">
+              <a:schemeClr val="tx1"/>
+            </a:fontRef>
+          </p:style>
+          <p:txBody>
+            <a:bodyPr rtlCol="0" anchor="ctr"/>
+            <a:lstStyle/>
+            <a:p>
+              <a:pPr algn="ctr"/>
+              <a:endParaRPr lang="en-US"/>
+            </a:p>
+          </p:txBody>
+        </p:sp>
+        <p:cxnSp>
+          <p:nvCxnSpPr>
+            <p:cNvPr id="5" name="Straight Connector 4">
+              <a:extLst>
+                <a:ext uri="{FF2B5EF4-FFF2-40B4-BE49-F238E27FC236}">
+                  <a16:creationId xmlns:a16="http://schemas.microsoft.com/office/drawing/2014/main" id="{79D5EFDC-BA9A-164D-9ED8-663D3C519152}"/>
+                </a:ext>
+              </a:extLst>
+            </p:cNvPr>
+            <p:cNvCxnSpPr/>
+            <p:nvPr/>
+          </p:nvCxnSpPr>
+          <p:spPr>
+            <a:xfrm flipH="1">
+              <a:off x="5293558" y="3796278"/>
+              <a:ext cx="1588" cy="137159"/>
+            </a:xfrm>
+            <a:prstGeom prst="line">
+              <a:avLst/>
+            </a:prstGeom>
+            <a:ln w="28575">
+              <a:solidFill>
+                <a:srgbClr val="C00000"/>
+              </a:solidFill>
+            </a:ln>
+          </p:spPr>
+          <p:style>
+            <a:lnRef idx="1">
+              <a:schemeClr val="dk1"/>
+            </a:lnRef>
+            <a:fillRef idx="0">
+              <a:schemeClr val="dk1"/>
+            </a:fillRef>
+            <a:effectRef idx="0">
+              <a:schemeClr val="dk1"/>
+            </a:effectRef>
+            <a:fontRef idx="minor">
+              <a:schemeClr val="tx1"/>
+            </a:fontRef>
+          </p:style>
+        </p:cxnSp>
+        <p:cxnSp>
+          <p:nvCxnSpPr>
+            <p:cNvPr id="6" name="Straight Connector 5">
+              <a:extLst>
+                <a:ext uri="{FF2B5EF4-FFF2-40B4-BE49-F238E27FC236}">
+                  <a16:creationId xmlns:a16="http://schemas.microsoft.com/office/drawing/2014/main" id="{3F7BE500-7356-0E4E-B1B8-3C01E2864E48}"/>
+                </a:ext>
+              </a:extLst>
+            </p:cNvPr>
+            <p:cNvCxnSpPr/>
+            <p:nvPr/>
+          </p:nvCxnSpPr>
+          <p:spPr>
+            <a:xfrm flipV="1">
+              <a:off x="5293558" y="3912780"/>
+              <a:ext cx="659826" cy="2238"/>
+            </a:xfrm>
+            <a:prstGeom prst="line">
+              <a:avLst/>
+            </a:prstGeom>
+            <a:ln w="28575">
+              <a:solidFill>
+                <a:srgbClr val="C00000"/>
+              </a:solidFill>
+            </a:ln>
+          </p:spPr>
+          <p:style>
+            <a:lnRef idx="1">
+              <a:schemeClr val="dk1"/>
+            </a:lnRef>
+            <a:fillRef idx="0">
+              <a:schemeClr val="dk1"/>
+            </a:fillRef>
+            <a:effectRef idx="0">
+              <a:schemeClr val="dk1"/>
+            </a:effectRef>
+            <a:fontRef idx="minor">
+              <a:schemeClr val="tx1"/>
+            </a:fontRef>
+          </p:style>
+        </p:cxnSp>
+        <p:cxnSp>
+          <p:nvCxnSpPr>
+            <p:cNvPr id="7" name="Straight Connector 6">
+              <a:extLst>
+                <a:ext uri="{FF2B5EF4-FFF2-40B4-BE49-F238E27FC236}">
+                  <a16:creationId xmlns:a16="http://schemas.microsoft.com/office/drawing/2014/main" id="{C33904FE-637B-BE45-8600-C9C22BE8B7D3}"/>
+                </a:ext>
+              </a:extLst>
+            </p:cNvPr>
+            <p:cNvCxnSpPr/>
+            <p:nvPr/>
+          </p:nvCxnSpPr>
+          <p:spPr>
+            <a:xfrm flipH="1">
+              <a:off x="5948620" y="3794477"/>
+              <a:ext cx="1588" cy="137160"/>
+            </a:xfrm>
+            <a:prstGeom prst="line">
+              <a:avLst/>
+            </a:prstGeom>
+            <a:ln w="28575">
+              <a:solidFill>
+                <a:srgbClr val="C00000"/>
+              </a:solidFill>
+            </a:ln>
+          </p:spPr>
+          <p:style>
+            <a:lnRef idx="1">
+              <a:schemeClr val="dk1"/>
+            </a:lnRef>
+            <a:fillRef idx="0">
+              <a:schemeClr val="dk1"/>
+            </a:fillRef>
+            <a:effectRef idx="0">
+              <a:schemeClr val="dk1"/>
+            </a:effectRef>
+            <a:fontRef idx="minor">
+              <a:schemeClr val="tx1"/>
+            </a:fontRef>
+          </p:style>
+        </p:cxnSp>
+      </p:grpSp>
+      <p:cxnSp>
+        <p:nvCxnSpPr>
+          <p:cNvPr id="43" name="Straight Arrow Connector 42">
+            <a:extLst>
+              <a:ext uri="{FF2B5EF4-FFF2-40B4-BE49-F238E27FC236}">
+                <a16:creationId xmlns:a16="http://schemas.microsoft.com/office/drawing/2014/main" id="{7EA374A8-B0D0-CC4E-B750-F361ABC5F27B}"/>
+              </a:ext>
+            </a:extLst>
+          </p:cNvPr>
+          <p:cNvCxnSpPr/>
+          <p:nvPr/>
+        </p:nvCxnSpPr>
+        <p:spPr>
+          <a:xfrm flipV="1">
+            <a:off x="5769610" y="3341424"/>
+            <a:ext cx="2637" cy="439764"/>
+          </a:xfrm>
+          <a:prstGeom prst="straightConnector1">
+            <a:avLst/>
+          </a:prstGeom>
+          <a:ln w="25400">
+            <a:tailEnd type="triangle" w="lg" len="lg"/>
+          </a:ln>
+        </p:spPr>
+        <p:style>
+          <a:lnRef idx="1">
+            <a:schemeClr val="accent3"/>
+          </a:lnRef>
+          <a:fillRef idx="0">
+            <a:schemeClr val="accent3"/>
+          </a:fillRef>
+          <a:effectRef idx="0">
+            <a:schemeClr val="accent3"/>
+          </a:effectRef>
+          <a:fontRef idx="minor">
+            <a:schemeClr val="tx1"/>
+          </a:fontRef>
+        </p:style>
+      </p:cxnSp>
+      <p:cxnSp>
+        <p:nvCxnSpPr>
+          <p:cNvPr id="44" name="Straight Connector 43">
+            <a:extLst>
+              <a:ext uri="{FF2B5EF4-FFF2-40B4-BE49-F238E27FC236}">
+                <a16:creationId xmlns:a16="http://schemas.microsoft.com/office/drawing/2014/main" id="{821488D2-9017-3F4E-8EE7-F9FA29E1454E}"/>
+              </a:ext>
+            </a:extLst>
+          </p:cNvPr>
+          <p:cNvCxnSpPr>
+            <a:cxnSpLocks/>
+            <a:stCxn id="47" idx="4"/>
+            <a:endCxn id="50" idx="4"/>
+          </p:cNvCxnSpPr>
+          <p:nvPr/>
+        </p:nvCxnSpPr>
+        <p:spPr>
+          <a:xfrm flipH="1" flipV="1">
+            <a:off x="5777440" y="2627696"/>
+            <a:ext cx="0" cy="601311"/>
+          </a:xfrm>
+          <a:prstGeom prst="line">
+            <a:avLst/>
+          </a:prstGeom>
+          <a:ln w="25400"/>
+        </p:spPr>
+        <p:style>
+          <a:lnRef idx="1">
+            <a:schemeClr val="accent3"/>
+          </a:lnRef>
+          <a:fillRef idx="0">
+            <a:schemeClr val="accent3"/>
+          </a:fillRef>
+          <a:effectRef idx="0">
+            <a:schemeClr val="accent3"/>
+          </a:effectRef>
+          <a:fontRef idx="minor">
+            <a:schemeClr val="tx1"/>
+          </a:fontRef>
+        </p:style>
+      </p:cxnSp>
       <p:sp>
         <p:nvSpPr>
-          <p:cNvPr id="48" name="Rounded Rectangle 47">
-            <a:extLst>
-              <a:ext uri="{FF2B5EF4-FFF2-40B4-BE49-F238E27FC236}">
-                <a16:creationId xmlns:a16="http://schemas.microsoft.com/office/drawing/2014/main" id="{9524DE2A-7CE0-4843-AC76-97529532D02A}"/>
+          <p:cNvPr id="47" name="Freeform 46">
+            <a:extLst>
+              <a:ext uri="{FF2B5EF4-FFF2-40B4-BE49-F238E27FC236}">
+                <a16:creationId xmlns:a16="http://schemas.microsoft.com/office/drawing/2014/main" id="{7C89FA2D-FA1E-B74E-9759-49FA16AFD8F3}"/>
               </a:ext>
             </a:extLst>
           </p:cNvPr>
@@ -21404,61 +21366,7 @@
         </p:nvSpPr>
         <p:spPr>
           <a:xfrm>
-            <a:off x="6007264" y="2461828"/>
-            <a:ext cx="612967" cy="255371"/>
-          </a:xfrm>
-          <a:prstGeom prst="roundRect">
-            <a:avLst>
-              <a:gd name="adj" fmla="val 50000"/>
-            </a:avLst>
-          </a:prstGeom>
-          <a:solidFill>
-            <a:schemeClr val="accent1">
-              <a:lumMod val="40000"/>
-              <a:lumOff val="60000"/>
-            </a:schemeClr>
-          </a:solidFill>
-        </p:spPr>
-        <p:style>
-          <a:lnRef idx="2">
-            <a:schemeClr val="accent1">
-              <a:shade val="50000"/>
-            </a:schemeClr>
-          </a:lnRef>
-          <a:fillRef idx="1">
-            <a:schemeClr val="accent1"/>
-          </a:fillRef>
-          <a:effectRef idx="0">
-            <a:schemeClr val="accent1"/>
-          </a:effectRef>
-          <a:fontRef idx="minor">
-            <a:schemeClr val="lt1"/>
-          </a:fontRef>
-        </p:style>
-        <p:txBody>
-          <a:bodyPr rtlCol="0" anchor="ctr"/>
-          <a:lstStyle/>
-          <a:p>
-            <a:pPr algn="ctr"/>
-            <a:endParaRPr lang="en-US"/>
-          </a:p>
-        </p:txBody>
-      </p:sp>
-      <p:sp>
-        <p:nvSpPr>
-          <p:cNvPr id="49" name="Freeform 48">
-            <a:extLst>
-              <a:ext uri="{FF2B5EF4-FFF2-40B4-BE49-F238E27FC236}">
-                <a16:creationId xmlns:a16="http://schemas.microsoft.com/office/drawing/2014/main" id="{546205D1-2995-AF42-A4A1-E30F86766151}"/>
-              </a:ext>
-            </a:extLst>
-          </p:cNvPr>
-          <p:cNvSpPr/>
-          <p:nvPr/>
-        </p:nvSpPr>
-        <p:spPr>
-          <a:xfrm>
-            <a:off x="6160929" y="2547956"/>
+            <a:off x="5495735" y="3228059"/>
             <a:ext cx="571347" cy="83114"/>
           </a:xfrm>
           <a:custGeom>
@@ -21652,10 +21560,849 @@
       </p:sp>
       <p:cxnSp>
         <p:nvCxnSpPr>
-          <p:cNvPr id="51" name="Straight Arrow Connector 246">
-            <a:extLst>
-              <a:ext uri="{FF2B5EF4-FFF2-40B4-BE49-F238E27FC236}">
-                <a16:creationId xmlns:a16="http://schemas.microsoft.com/office/drawing/2014/main" id="{E5C4213B-8B34-334D-BFD5-CF21DA0720D2}"/>
+          <p:cNvPr id="54" name="Elbow Connector 53">
+            <a:extLst>
+              <a:ext uri="{FF2B5EF4-FFF2-40B4-BE49-F238E27FC236}">
+                <a16:creationId xmlns:a16="http://schemas.microsoft.com/office/drawing/2014/main" id="{6D04C903-C975-0648-AAB9-4ED36891E23B}"/>
+              </a:ext>
+            </a:extLst>
+          </p:cNvPr>
+          <p:cNvCxnSpPr>
+            <a:cxnSpLocks/>
+          </p:cNvCxnSpPr>
+          <p:nvPr/>
+        </p:nvCxnSpPr>
+        <p:spPr>
+          <a:xfrm>
+            <a:off x="7990089" y="2282971"/>
+            <a:ext cx="422391" cy="1274100"/>
+          </a:xfrm>
+          <a:prstGeom prst="bentConnector2">
+            <a:avLst/>
+          </a:prstGeom>
+          <a:ln w="25400">
+            <a:solidFill>
+              <a:srgbClr val="7030A0"/>
+            </a:solidFill>
+            <a:tailEnd type="diamond" w="lg" len="lg"/>
+          </a:ln>
+        </p:spPr>
+        <p:style>
+          <a:lnRef idx="1">
+            <a:schemeClr val="accent3"/>
+          </a:lnRef>
+          <a:fillRef idx="0">
+            <a:schemeClr val="accent3"/>
+          </a:fillRef>
+          <a:effectRef idx="0">
+            <a:schemeClr val="accent3"/>
+          </a:effectRef>
+          <a:fontRef idx="minor">
+            <a:schemeClr val="tx1"/>
+          </a:fontRef>
+        </p:style>
+      </p:cxnSp>
+      <p:cxnSp>
+        <p:nvCxnSpPr>
+          <p:cNvPr id="55" name="Straight Connector 54">
+            <a:extLst>
+              <a:ext uri="{FF2B5EF4-FFF2-40B4-BE49-F238E27FC236}">
+                <a16:creationId xmlns:a16="http://schemas.microsoft.com/office/drawing/2014/main" id="{6B67F427-58B5-EF48-A516-8BD8C0D3DA5E}"/>
+              </a:ext>
+            </a:extLst>
+          </p:cNvPr>
+          <p:cNvCxnSpPr/>
+          <p:nvPr/>
+        </p:nvCxnSpPr>
+        <p:spPr>
+          <a:xfrm>
+            <a:off x="7812734" y="2559053"/>
+            <a:ext cx="0" cy="1837944"/>
+          </a:xfrm>
+          <a:prstGeom prst="line">
+            <a:avLst/>
+          </a:prstGeom>
+          <a:ln w="25400">
+            <a:solidFill>
+              <a:srgbClr val="C00000"/>
+            </a:solidFill>
+          </a:ln>
+        </p:spPr>
+        <p:style>
+          <a:lnRef idx="1">
+            <a:schemeClr val="accent3"/>
+          </a:lnRef>
+          <a:fillRef idx="0">
+            <a:schemeClr val="accent3"/>
+          </a:fillRef>
+          <a:effectRef idx="0">
+            <a:schemeClr val="accent3"/>
+          </a:effectRef>
+          <a:fontRef idx="minor">
+            <a:schemeClr val="tx1"/>
+          </a:fontRef>
+        </p:style>
+      </p:cxnSp>
+      <p:sp>
+        <p:nvSpPr>
+          <p:cNvPr id="56" name="Freeform 55">
+            <a:extLst>
+              <a:ext uri="{FF2B5EF4-FFF2-40B4-BE49-F238E27FC236}">
+                <a16:creationId xmlns:a16="http://schemas.microsoft.com/office/drawing/2014/main" id="{1442DEA8-EBE8-6F49-B704-A20C00605CE2}"/>
+              </a:ext>
+            </a:extLst>
+          </p:cNvPr>
+          <p:cNvSpPr/>
+          <p:nvPr/>
+        </p:nvSpPr>
+        <p:spPr>
+          <a:xfrm>
+            <a:off x="7966400" y="3655788"/>
+            <a:ext cx="868442" cy="180707"/>
+          </a:xfrm>
+          <a:custGeom>
+            <a:avLst/>
+            <a:gdLst>
+              <a:gd name="connsiteX0" fmla="*/ 0 w 4142629"/>
+              <a:gd name="connsiteY0" fmla="*/ 854057 h 862008"/>
+              <a:gd name="connsiteX1" fmla="*/ 1470991 w 4142629"/>
+              <a:gd name="connsiteY1" fmla="*/ 691055 h 862008"/>
+              <a:gd name="connsiteX2" fmla="*/ 174928 w 4142629"/>
+              <a:gd name="connsiteY2" fmla="*/ 301441 h 862008"/>
+              <a:gd name="connsiteX3" fmla="*/ 1411356 w 4142629"/>
+              <a:gd name="connsiteY3" fmla="*/ 35072 h 862008"/>
+              <a:gd name="connsiteX4" fmla="*/ 2747175 w 4142629"/>
+              <a:gd name="connsiteY4" fmla="*/ 31097 h 862008"/>
+              <a:gd name="connsiteX5" fmla="*/ 3951798 w 4142629"/>
+              <a:gd name="connsiteY5" fmla="*/ 293490 h 862008"/>
+              <a:gd name="connsiteX6" fmla="*/ 2671638 w 4142629"/>
+              <a:gd name="connsiteY6" fmla="*/ 675152 h 862008"/>
+              <a:gd name="connsiteX7" fmla="*/ 4142629 w 4142629"/>
+              <a:gd name="connsiteY7" fmla="*/ 862008 h 862008"/>
+            </a:gdLst>
+            <a:ahLst/>
+            <a:cxnLst>
+              <a:cxn ang="0">
+                <a:pos x="connsiteX0" y="connsiteY0"/>
+              </a:cxn>
+              <a:cxn ang="0">
+                <a:pos x="connsiteX1" y="connsiteY1"/>
+              </a:cxn>
+              <a:cxn ang="0">
+                <a:pos x="connsiteX2" y="connsiteY2"/>
+              </a:cxn>
+              <a:cxn ang="0">
+                <a:pos x="connsiteX3" y="connsiteY3"/>
+              </a:cxn>
+              <a:cxn ang="0">
+                <a:pos x="connsiteX4" y="connsiteY4"/>
+              </a:cxn>
+              <a:cxn ang="0">
+                <a:pos x="connsiteX5" y="connsiteY5"/>
+              </a:cxn>
+              <a:cxn ang="0">
+                <a:pos x="connsiteX6" y="connsiteY6"/>
+              </a:cxn>
+              <a:cxn ang="0">
+                <a:pos x="connsiteX7" y="connsiteY7"/>
+              </a:cxn>
+            </a:cxnLst>
+            <a:rect l="l" t="t" r="r" b="b"/>
+            <a:pathLst>
+              <a:path w="4142629" h="862008">
+                <a:moveTo>
+                  <a:pt x="0" y="854057"/>
+                </a:moveTo>
+                <a:cubicBezTo>
+                  <a:pt x="720918" y="818607"/>
+                  <a:pt x="1441836" y="783158"/>
+                  <a:pt x="1470991" y="691055"/>
+                </a:cubicBezTo>
+                <a:cubicBezTo>
+                  <a:pt x="1500146" y="598952"/>
+                  <a:pt x="184867" y="410771"/>
+                  <a:pt x="174928" y="301441"/>
+                </a:cubicBezTo>
+                <a:cubicBezTo>
+                  <a:pt x="164989" y="192111"/>
+                  <a:pt x="982648" y="80129"/>
+                  <a:pt x="1411356" y="35072"/>
+                </a:cubicBezTo>
+                <a:cubicBezTo>
+                  <a:pt x="1840064" y="-9985"/>
+                  <a:pt x="2323768" y="-11973"/>
+                  <a:pt x="2747175" y="31097"/>
+                </a:cubicBezTo>
+                <a:cubicBezTo>
+                  <a:pt x="3170582" y="74167"/>
+                  <a:pt x="3964387" y="186148"/>
+                  <a:pt x="3951798" y="293490"/>
+                </a:cubicBezTo>
+                <a:cubicBezTo>
+                  <a:pt x="3939209" y="400832"/>
+                  <a:pt x="2639833" y="580399"/>
+                  <a:pt x="2671638" y="675152"/>
+                </a:cubicBezTo>
+                <a:cubicBezTo>
+                  <a:pt x="2703443" y="769905"/>
+                  <a:pt x="3423036" y="815956"/>
+                  <a:pt x="4142629" y="862008"/>
+                </a:cubicBezTo>
+              </a:path>
+            </a:pathLst>
+          </a:custGeom>
+          <a:ln w="28575"/>
+        </p:spPr>
+        <p:style>
+          <a:lnRef idx="1">
+            <a:schemeClr val="dk1"/>
+          </a:lnRef>
+          <a:fillRef idx="0">
+            <a:schemeClr val="dk1"/>
+          </a:fillRef>
+          <a:effectRef idx="0">
+            <a:schemeClr val="dk1"/>
+          </a:effectRef>
+          <a:fontRef idx="minor">
+            <a:schemeClr val="tx1"/>
+          </a:fontRef>
+        </p:style>
+        <p:txBody>
+          <a:bodyPr rtlCol="0" anchor="ctr"/>
+          <a:lstStyle/>
+          <a:p>
+            <a:pPr algn="ctr"/>
+            <a:endParaRPr lang="en-US"/>
+          </a:p>
+        </p:txBody>
+      </p:sp>
+      <p:sp>
+        <p:nvSpPr>
+          <p:cNvPr id="57" name="TextBox 56">
+            <a:extLst>
+              <a:ext uri="{FF2B5EF4-FFF2-40B4-BE49-F238E27FC236}">
+                <a16:creationId xmlns:a16="http://schemas.microsoft.com/office/drawing/2014/main" id="{145499E7-A5DC-1A4C-9E97-79FE003DC539}"/>
+              </a:ext>
+            </a:extLst>
+          </p:cNvPr>
+          <p:cNvSpPr txBox="1"/>
+          <p:nvPr/>
+        </p:nvSpPr>
+        <p:spPr>
+          <a:xfrm>
+            <a:off x="7919359" y="3804739"/>
+            <a:ext cx="985847" cy="646331"/>
+          </a:xfrm>
+          <a:prstGeom prst="rect">
+            <a:avLst/>
+          </a:prstGeom>
+          <a:noFill/>
+        </p:spPr>
+        <p:txBody>
+          <a:bodyPr wrap="none" rtlCol="0">
+            <a:spAutoFit/>
+          </a:bodyPr>
+          <a:lstStyle/>
+          <a:p>
+            <a:pPr algn="ctr"/>
+            <a:r>
+              <a:rPr lang="en-US" dirty="0"/>
+              <a:t>genomic</a:t>
+            </a:r>
+          </a:p>
+          <a:p>
+            <a:pPr algn="ctr"/>
+            <a:r>
+              <a:rPr lang="en-US" dirty="0"/>
+              <a:t>target</a:t>
+            </a:r>
+          </a:p>
+        </p:txBody>
+      </p:sp>
+      <p:cxnSp>
+        <p:nvCxnSpPr>
+          <p:cNvPr id="58" name="Straight Arrow Connector 57">
+            <a:extLst>
+              <a:ext uri="{FF2B5EF4-FFF2-40B4-BE49-F238E27FC236}">
+                <a16:creationId xmlns:a16="http://schemas.microsoft.com/office/drawing/2014/main" id="{86974366-DB81-1545-B144-7D769EE7AF95}"/>
+              </a:ext>
+            </a:extLst>
+          </p:cNvPr>
+          <p:cNvCxnSpPr>
+            <a:cxnSpLocks/>
+          </p:cNvCxnSpPr>
+          <p:nvPr/>
+        </p:nvCxnSpPr>
+        <p:spPr>
+          <a:xfrm flipV="1">
+            <a:off x="2667520" y="3434976"/>
+            <a:ext cx="0" cy="365760"/>
+          </a:xfrm>
+          <a:prstGeom prst="straightConnector1">
+            <a:avLst/>
+          </a:prstGeom>
+          <a:ln w="25400">
+            <a:tailEnd type="triangle" w="lg" len="lg"/>
+          </a:ln>
+        </p:spPr>
+        <p:style>
+          <a:lnRef idx="1">
+            <a:schemeClr val="accent3"/>
+          </a:lnRef>
+          <a:fillRef idx="0">
+            <a:schemeClr val="accent3"/>
+          </a:fillRef>
+          <a:effectRef idx="0">
+            <a:schemeClr val="accent3"/>
+          </a:effectRef>
+          <a:fontRef idx="minor">
+            <a:schemeClr val="tx1"/>
+          </a:fontRef>
+        </p:style>
+      </p:cxnSp>
+      <p:sp>
+        <p:nvSpPr>
+          <p:cNvPr id="59" name="Pentagon 58">
+            <a:extLst>
+              <a:ext uri="{FF2B5EF4-FFF2-40B4-BE49-F238E27FC236}">
+                <a16:creationId xmlns:a16="http://schemas.microsoft.com/office/drawing/2014/main" id="{A99B08E0-665C-D846-849C-F5AE58F70CC8}"/>
+              </a:ext>
+            </a:extLst>
+          </p:cNvPr>
+          <p:cNvSpPr/>
+          <p:nvPr/>
+        </p:nvSpPr>
+        <p:spPr>
+          <a:xfrm>
+            <a:off x="2320863" y="3774296"/>
+            <a:ext cx="773535" cy="326065"/>
+          </a:xfrm>
+          <a:prstGeom prst="homePlate">
+            <a:avLst/>
+          </a:prstGeom>
+          <a:solidFill>
+            <a:schemeClr val="accent6">
+              <a:lumMod val="60000"/>
+              <a:lumOff val="40000"/>
+            </a:schemeClr>
+          </a:solidFill>
+        </p:spPr>
+        <p:style>
+          <a:lnRef idx="2">
+            <a:schemeClr val="accent6">
+              <a:shade val="50000"/>
+            </a:schemeClr>
+          </a:lnRef>
+          <a:fillRef idx="1">
+            <a:schemeClr val="accent6"/>
+          </a:fillRef>
+          <a:effectRef idx="0">
+            <a:schemeClr val="accent6"/>
+          </a:effectRef>
+          <a:fontRef idx="minor">
+            <a:schemeClr val="lt1"/>
+          </a:fontRef>
+        </p:style>
+        <p:txBody>
+          <a:bodyPr rtlCol="0" anchor="ctr"/>
+          <a:lstStyle/>
+          <a:p>
+            <a:pPr algn="ctr"/>
+            <a:r>
+              <a:rPr lang="en-US" dirty="0">
+                <a:solidFill>
+                  <a:schemeClr val="tx1"/>
+                </a:solidFill>
+              </a:rPr>
+              <a:t>TF-A</a:t>
+            </a:r>
+          </a:p>
+        </p:txBody>
+      </p:sp>
+      <p:sp>
+        <p:nvSpPr>
+          <p:cNvPr id="60" name="Rounded Rectangle 59">
+            <a:extLst>
+              <a:ext uri="{FF2B5EF4-FFF2-40B4-BE49-F238E27FC236}">
+                <a16:creationId xmlns:a16="http://schemas.microsoft.com/office/drawing/2014/main" id="{AF2FC26E-771F-D14A-934F-A62A2DB82E8F}"/>
+              </a:ext>
+            </a:extLst>
+          </p:cNvPr>
+          <p:cNvSpPr/>
+          <p:nvPr/>
+        </p:nvSpPr>
+        <p:spPr>
+          <a:xfrm>
+            <a:off x="2361037" y="3171047"/>
+            <a:ext cx="612967" cy="255371"/>
+          </a:xfrm>
+          <a:prstGeom prst="roundRect">
+            <a:avLst>
+              <a:gd name="adj" fmla="val 50000"/>
+            </a:avLst>
+          </a:prstGeom>
+          <a:solidFill>
+            <a:schemeClr val="accent6">
+              <a:lumMod val="60000"/>
+              <a:lumOff val="40000"/>
+            </a:schemeClr>
+          </a:solidFill>
+        </p:spPr>
+        <p:style>
+          <a:lnRef idx="2">
+            <a:schemeClr val="accent6">
+              <a:shade val="50000"/>
+            </a:schemeClr>
+          </a:lnRef>
+          <a:fillRef idx="1">
+            <a:schemeClr val="accent6"/>
+          </a:fillRef>
+          <a:effectRef idx="0">
+            <a:schemeClr val="accent6"/>
+          </a:effectRef>
+          <a:fontRef idx="minor">
+            <a:schemeClr val="lt1"/>
+          </a:fontRef>
+        </p:style>
+        <p:txBody>
+          <a:bodyPr wrap="none" rtlCol="0" anchor="ctr"/>
+          <a:lstStyle/>
+          <a:p>
+            <a:pPr algn="ctr"/>
+            <a:endParaRPr lang="en-US" dirty="0">
+              <a:solidFill>
+                <a:schemeClr val="tx1"/>
+              </a:solidFill>
+            </a:endParaRPr>
+          </a:p>
+        </p:txBody>
+      </p:sp>
+      <p:cxnSp>
+        <p:nvCxnSpPr>
+          <p:cNvPr id="61" name="Elbow Connector 60">
+            <a:extLst>
+              <a:ext uri="{FF2B5EF4-FFF2-40B4-BE49-F238E27FC236}">
+                <a16:creationId xmlns:a16="http://schemas.microsoft.com/office/drawing/2014/main" id="{32E15424-F008-3D48-84FA-A22AF5A613B4}"/>
+              </a:ext>
+            </a:extLst>
+          </p:cNvPr>
+          <p:cNvCxnSpPr>
+            <a:cxnSpLocks/>
+          </p:cNvCxnSpPr>
+          <p:nvPr/>
+        </p:nvCxnSpPr>
+        <p:spPr>
+          <a:xfrm flipV="1">
+            <a:off x="2160273" y="3631204"/>
+            <a:ext cx="328764" cy="301158"/>
+          </a:xfrm>
+          <a:prstGeom prst="bentConnector3">
+            <a:avLst>
+              <a:gd name="adj1" fmla="val 2567"/>
+            </a:avLst>
+          </a:prstGeom>
+          <a:ln w="38100">
+            <a:headEnd type="none" w="med" len="med"/>
+            <a:tailEnd type="arrow" w="med" len="med"/>
+          </a:ln>
+        </p:spPr>
+        <p:style>
+          <a:lnRef idx="3">
+            <a:schemeClr val="dk1"/>
+          </a:lnRef>
+          <a:fillRef idx="0">
+            <a:schemeClr val="dk1"/>
+          </a:fillRef>
+          <a:effectRef idx="2">
+            <a:schemeClr val="dk1"/>
+          </a:effectRef>
+          <a:fontRef idx="minor">
+            <a:schemeClr val="tx1"/>
+          </a:fontRef>
+        </p:style>
+      </p:cxnSp>
+      <p:cxnSp>
+        <p:nvCxnSpPr>
+          <p:cNvPr id="62" name="Straight Arrow Connector 246">
+            <a:extLst>
+              <a:ext uri="{FF2B5EF4-FFF2-40B4-BE49-F238E27FC236}">
+                <a16:creationId xmlns:a16="http://schemas.microsoft.com/office/drawing/2014/main" id="{0BD087FC-5771-BF43-A34B-54D5AC5319C4}"/>
+              </a:ext>
+            </a:extLst>
+          </p:cNvPr>
+          <p:cNvCxnSpPr>
+            <a:cxnSpLocks/>
+            <a:stCxn id="60" idx="0"/>
+          </p:cNvCxnSpPr>
+          <p:nvPr/>
+        </p:nvCxnSpPr>
+        <p:spPr>
+          <a:xfrm rot="16200000" flipH="1">
+            <a:off x="2755377" y="3083191"/>
+            <a:ext cx="394678" cy="570390"/>
+          </a:xfrm>
+          <a:prstGeom prst="bentConnector4">
+            <a:avLst>
+              <a:gd name="adj1" fmla="val -57921"/>
+              <a:gd name="adj2" fmla="val 99877"/>
+            </a:avLst>
+          </a:prstGeom>
+          <a:ln w="25400">
+            <a:solidFill>
+              <a:schemeClr val="accent6"/>
+            </a:solidFill>
+            <a:tailEnd type="triangle" w="lg" len="lg"/>
+          </a:ln>
+        </p:spPr>
+        <p:style>
+          <a:lnRef idx="1">
+            <a:schemeClr val="accent3"/>
+          </a:lnRef>
+          <a:fillRef idx="0">
+            <a:schemeClr val="accent3"/>
+          </a:fillRef>
+          <a:effectRef idx="0">
+            <a:schemeClr val="accent3"/>
+          </a:effectRef>
+          <a:fontRef idx="minor">
+            <a:schemeClr val="tx1"/>
+          </a:fontRef>
+        </p:style>
+      </p:cxnSp>
+      <p:grpSp>
+        <p:nvGrpSpPr>
+          <p:cNvPr id="64" name="Group 63">
+            <a:extLst>
+              <a:ext uri="{FF2B5EF4-FFF2-40B4-BE49-F238E27FC236}">
+                <a16:creationId xmlns:a16="http://schemas.microsoft.com/office/drawing/2014/main" id="{AE895FC5-0E02-F94D-AF9C-CE71A841B345}"/>
+              </a:ext>
+            </a:extLst>
+          </p:cNvPr>
+          <p:cNvGrpSpPr/>
+          <p:nvPr/>
+        </p:nvGrpSpPr>
+        <p:grpSpPr>
+          <a:xfrm>
+            <a:off x="4584046" y="3780688"/>
+            <a:ext cx="484281" cy="172854"/>
+            <a:chOff x="5293558" y="3697843"/>
+            <a:chExt cx="660058" cy="235594"/>
+          </a:xfrm>
+        </p:grpSpPr>
+        <p:sp>
+          <p:nvSpPr>
+            <p:cNvPr id="65" name="Freeform 64">
+              <a:extLst>
+                <a:ext uri="{FF2B5EF4-FFF2-40B4-BE49-F238E27FC236}">
+                  <a16:creationId xmlns:a16="http://schemas.microsoft.com/office/drawing/2014/main" id="{52571C49-9F59-884F-96ED-A03CE95CE82D}"/>
+                </a:ext>
+              </a:extLst>
+            </p:cNvPr>
+            <p:cNvSpPr/>
+            <p:nvPr/>
+          </p:nvSpPr>
+          <p:spPr>
+            <a:xfrm>
+              <a:off x="5293558" y="3697843"/>
+              <a:ext cx="660058" cy="108654"/>
+            </a:xfrm>
+            <a:custGeom>
+              <a:avLst/>
+              <a:gdLst>
+                <a:gd name="connsiteX0" fmla="*/ 0 w 7331149"/>
+                <a:gd name="connsiteY0" fmla="*/ 1206795 h 1206795"/>
+                <a:gd name="connsiteX1" fmla="*/ 1217428 w 7331149"/>
+                <a:gd name="connsiteY1" fmla="*/ 0 h 1206795"/>
+                <a:gd name="connsiteX2" fmla="*/ 2434856 w 7331149"/>
+                <a:gd name="connsiteY2" fmla="*/ 1201479 h 1206795"/>
+                <a:gd name="connsiteX3" fmla="*/ 3657600 w 7331149"/>
+                <a:gd name="connsiteY3" fmla="*/ 0 h 1206795"/>
+                <a:gd name="connsiteX4" fmla="*/ 4890977 w 7331149"/>
+                <a:gd name="connsiteY4" fmla="*/ 1206795 h 1206795"/>
+                <a:gd name="connsiteX5" fmla="*/ 6087140 w 7331149"/>
+                <a:gd name="connsiteY5" fmla="*/ 0 h 1206795"/>
+                <a:gd name="connsiteX6" fmla="*/ 7331149 w 7331149"/>
+                <a:gd name="connsiteY6" fmla="*/ 1201479 h 1206795"/>
+              </a:gdLst>
+              <a:ahLst/>
+              <a:cxnLst>
+                <a:cxn ang="0">
+                  <a:pos x="connsiteX0" y="connsiteY0"/>
+                </a:cxn>
+                <a:cxn ang="0">
+                  <a:pos x="connsiteX1" y="connsiteY1"/>
+                </a:cxn>
+                <a:cxn ang="0">
+                  <a:pos x="connsiteX2" y="connsiteY2"/>
+                </a:cxn>
+                <a:cxn ang="0">
+                  <a:pos x="connsiteX3" y="connsiteY3"/>
+                </a:cxn>
+                <a:cxn ang="0">
+                  <a:pos x="connsiteX4" y="connsiteY4"/>
+                </a:cxn>
+                <a:cxn ang="0">
+                  <a:pos x="connsiteX5" y="connsiteY5"/>
+                </a:cxn>
+                <a:cxn ang="0">
+                  <a:pos x="connsiteX6" y="connsiteY6"/>
+                </a:cxn>
+              </a:cxnLst>
+              <a:rect l="l" t="t" r="r" b="b"/>
+              <a:pathLst>
+                <a:path w="7331149" h="1206795">
+                  <a:moveTo>
+                    <a:pt x="0" y="1206795"/>
+                  </a:moveTo>
+                  <a:cubicBezTo>
+                    <a:pt x="405809" y="603840"/>
+                    <a:pt x="811619" y="886"/>
+                    <a:pt x="1217428" y="0"/>
+                  </a:cubicBezTo>
+                  <a:cubicBezTo>
+                    <a:pt x="1623237" y="-886"/>
+                    <a:pt x="2028161" y="1201479"/>
+                    <a:pt x="2434856" y="1201479"/>
+                  </a:cubicBezTo>
+                  <a:cubicBezTo>
+                    <a:pt x="2841551" y="1201479"/>
+                    <a:pt x="3248247" y="-886"/>
+                    <a:pt x="3657600" y="0"/>
+                  </a:cubicBezTo>
+                  <a:cubicBezTo>
+                    <a:pt x="4066954" y="886"/>
+                    <a:pt x="4486054" y="1206795"/>
+                    <a:pt x="4890977" y="1206795"/>
+                  </a:cubicBezTo>
+                  <a:cubicBezTo>
+                    <a:pt x="5295900" y="1206795"/>
+                    <a:pt x="5680445" y="886"/>
+                    <a:pt x="6087140" y="0"/>
+                  </a:cubicBezTo>
+                  <a:cubicBezTo>
+                    <a:pt x="6493835" y="-886"/>
+                    <a:pt x="6912492" y="600296"/>
+                    <a:pt x="7331149" y="1201479"/>
+                  </a:cubicBezTo>
+                </a:path>
+              </a:pathLst>
+            </a:custGeom>
+            <a:ln w="28575">
+              <a:solidFill>
+                <a:srgbClr val="C00000"/>
+              </a:solidFill>
+            </a:ln>
+          </p:spPr>
+          <p:style>
+            <a:lnRef idx="1">
+              <a:schemeClr val="dk1"/>
+            </a:lnRef>
+            <a:fillRef idx="0">
+              <a:schemeClr val="dk1"/>
+            </a:fillRef>
+            <a:effectRef idx="0">
+              <a:schemeClr val="dk1"/>
+            </a:effectRef>
+            <a:fontRef idx="minor">
+              <a:schemeClr val="tx1"/>
+            </a:fontRef>
+          </p:style>
+          <p:txBody>
+            <a:bodyPr rtlCol="0" anchor="ctr"/>
+            <a:lstStyle/>
+            <a:p>
+              <a:pPr algn="ctr"/>
+              <a:endParaRPr lang="en-US"/>
+            </a:p>
+          </p:txBody>
+        </p:sp>
+        <p:cxnSp>
+          <p:nvCxnSpPr>
+            <p:cNvPr id="66" name="Straight Connector 65">
+              <a:extLst>
+                <a:ext uri="{FF2B5EF4-FFF2-40B4-BE49-F238E27FC236}">
+                  <a16:creationId xmlns:a16="http://schemas.microsoft.com/office/drawing/2014/main" id="{09F6CEE5-5C03-BF47-92A6-520883E5254B}"/>
+                </a:ext>
+              </a:extLst>
+            </p:cNvPr>
+            <p:cNvCxnSpPr/>
+            <p:nvPr/>
+          </p:nvCxnSpPr>
+          <p:spPr>
+            <a:xfrm flipH="1">
+              <a:off x="5293558" y="3796278"/>
+              <a:ext cx="1588" cy="137159"/>
+            </a:xfrm>
+            <a:prstGeom prst="line">
+              <a:avLst/>
+            </a:prstGeom>
+            <a:ln w="28575">
+              <a:solidFill>
+                <a:srgbClr val="C00000"/>
+              </a:solidFill>
+            </a:ln>
+          </p:spPr>
+          <p:style>
+            <a:lnRef idx="1">
+              <a:schemeClr val="dk1"/>
+            </a:lnRef>
+            <a:fillRef idx="0">
+              <a:schemeClr val="dk1"/>
+            </a:fillRef>
+            <a:effectRef idx="0">
+              <a:schemeClr val="dk1"/>
+            </a:effectRef>
+            <a:fontRef idx="minor">
+              <a:schemeClr val="tx1"/>
+            </a:fontRef>
+          </p:style>
+        </p:cxnSp>
+        <p:cxnSp>
+          <p:nvCxnSpPr>
+            <p:cNvPr id="67" name="Straight Connector 66">
+              <a:extLst>
+                <a:ext uri="{FF2B5EF4-FFF2-40B4-BE49-F238E27FC236}">
+                  <a16:creationId xmlns:a16="http://schemas.microsoft.com/office/drawing/2014/main" id="{14B393D9-0B65-094D-AA49-C4B640752CC0}"/>
+                </a:ext>
+              </a:extLst>
+            </p:cNvPr>
+            <p:cNvCxnSpPr>
+              <a:cxnSpLocks/>
+              <a:endCxn id="41" idx="3"/>
+            </p:cNvCxnSpPr>
+            <p:nvPr/>
+          </p:nvCxnSpPr>
+          <p:spPr>
+            <a:xfrm>
+              <a:off x="5293558" y="3915018"/>
+              <a:ext cx="198625" cy="3481"/>
+            </a:xfrm>
+            <a:prstGeom prst="line">
+              <a:avLst/>
+            </a:prstGeom>
+            <a:ln w="28575">
+              <a:solidFill>
+                <a:srgbClr val="C00000"/>
+              </a:solidFill>
+            </a:ln>
+          </p:spPr>
+          <p:style>
+            <a:lnRef idx="1">
+              <a:schemeClr val="dk1"/>
+            </a:lnRef>
+            <a:fillRef idx="0">
+              <a:schemeClr val="dk1"/>
+            </a:fillRef>
+            <a:effectRef idx="0">
+              <a:schemeClr val="dk1"/>
+            </a:effectRef>
+            <a:fontRef idx="minor">
+              <a:schemeClr val="tx1"/>
+            </a:fontRef>
+          </p:style>
+        </p:cxnSp>
+      </p:grpSp>
+      <p:sp>
+        <p:nvSpPr>
+          <p:cNvPr id="73" name="Rectangle 72">
+            <a:extLst>
+              <a:ext uri="{FF2B5EF4-FFF2-40B4-BE49-F238E27FC236}">
+                <a16:creationId xmlns:a16="http://schemas.microsoft.com/office/drawing/2014/main" id="{84F3C148-BB44-424F-BD60-FC61A288F955}"/>
+              </a:ext>
+            </a:extLst>
+          </p:cNvPr>
+          <p:cNvSpPr/>
+          <p:nvPr/>
+        </p:nvSpPr>
+        <p:spPr>
+          <a:xfrm>
+            <a:off x="4729776" y="3746142"/>
+            <a:ext cx="847437" cy="174110"/>
+          </a:xfrm>
+          <a:prstGeom prst="rect">
+            <a:avLst/>
+          </a:prstGeom>
+          <a:ln>
+            <a:solidFill>
+              <a:schemeClr val="bg1"/>
+            </a:solidFill>
+          </a:ln>
+        </p:spPr>
+        <p:style>
+          <a:lnRef idx="2">
+            <a:schemeClr val="accent6"/>
+          </a:lnRef>
+          <a:fillRef idx="1">
+            <a:schemeClr val="lt1"/>
+          </a:fillRef>
+          <a:effectRef idx="0">
+            <a:schemeClr val="accent6"/>
+          </a:effectRef>
+          <a:fontRef idx="minor">
+            <a:schemeClr val="dk1"/>
+          </a:fontRef>
+        </p:style>
+        <p:txBody>
+          <a:bodyPr rtlCol="0" anchor="ctr"/>
+          <a:lstStyle/>
+          <a:p>
+            <a:pPr algn="ctr"/>
+            <a:endParaRPr lang="en-US"/>
+          </a:p>
+        </p:txBody>
+      </p:sp>
+      <p:sp>
+        <p:nvSpPr>
+          <p:cNvPr id="42" name="Isosceles Triangle 39">
+            <a:extLst>
+              <a:ext uri="{FF2B5EF4-FFF2-40B4-BE49-F238E27FC236}">
+                <a16:creationId xmlns:a16="http://schemas.microsoft.com/office/drawing/2014/main" id="{DA52B8F0-EA12-664B-8967-DD6A3573AC09}"/>
+              </a:ext>
+            </a:extLst>
+          </p:cNvPr>
+          <p:cNvSpPr/>
+          <p:nvPr/>
+        </p:nvSpPr>
+        <p:spPr>
+          <a:xfrm rot="5400000">
+            <a:off x="5368230" y="3833116"/>
+            <a:ext cx="209543" cy="208423"/>
+          </a:xfrm>
+          <a:prstGeom prst="triangle">
+            <a:avLst/>
+          </a:prstGeom>
+        </p:spPr>
+        <p:style>
+          <a:lnRef idx="2">
+            <a:schemeClr val="accent1">
+              <a:shade val="50000"/>
+            </a:schemeClr>
+          </a:lnRef>
+          <a:fillRef idx="1">
+            <a:schemeClr val="accent1"/>
+          </a:fillRef>
+          <a:effectRef idx="0">
+            <a:schemeClr val="accent1"/>
+          </a:effectRef>
+          <a:fontRef idx="minor">
+            <a:schemeClr val="lt1"/>
+          </a:fontRef>
+        </p:style>
+        <p:txBody>
+          <a:bodyPr rtlCol="0" anchor="ctr"/>
+          <a:lstStyle/>
+          <a:p>
+            <a:pPr algn="ctr"/>
+            <a:endParaRPr lang="en-US"/>
+          </a:p>
+        </p:txBody>
+      </p:sp>
+      <p:cxnSp>
+        <p:nvCxnSpPr>
+          <p:cNvPr id="53" name="Straight Arrow Connector 246">
+            <a:extLst>
+              <a:ext uri="{FF2B5EF4-FFF2-40B4-BE49-F238E27FC236}">
+                <a16:creationId xmlns:a16="http://schemas.microsoft.com/office/drawing/2014/main" id="{16D65A30-2B60-C74F-A747-6A970D94BDF7}"/>
               </a:ext>
             </a:extLst>
           </p:cNvPr>
@@ -21667,13 +22414,13 @@
         </p:nvCxnSpPr>
         <p:spPr>
           <a:xfrm rot="16200000" flipH="1">
-            <a:off x="3875314" y="2972038"/>
-            <a:ext cx="615430" cy="1013448"/>
+            <a:off x="4264380" y="2582971"/>
+            <a:ext cx="615431" cy="1791582"/>
           </a:xfrm>
           <a:prstGeom prst="bentConnector4">
             <a:avLst>
               <a:gd name="adj1" fmla="val -37145"/>
-              <a:gd name="adj2" fmla="val 99972"/>
+              <a:gd name="adj2" fmla="val 100036"/>
             </a:avLst>
           </a:prstGeom>
           <a:ln w="25400">
@@ -21700,10 +22447,104 @@
       </p:cxnSp>
       <p:sp>
         <p:nvSpPr>
-          <p:cNvPr id="52" name="TextBox 51">
-            <a:extLst>
-              <a:ext uri="{FF2B5EF4-FFF2-40B4-BE49-F238E27FC236}">
-                <a16:creationId xmlns:a16="http://schemas.microsoft.com/office/drawing/2014/main" id="{E3AFB12C-3DB7-CA4D-AA74-8F143FFCDD27}"/>
+          <p:cNvPr id="41" name="Isosceles Triangle 38">
+            <a:extLst>
+              <a:ext uri="{FF2B5EF4-FFF2-40B4-BE49-F238E27FC236}">
+                <a16:creationId xmlns:a16="http://schemas.microsoft.com/office/drawing/2014/main" id="{B856E018-378F-D144-82EA-BC46341585E8}"/>
+              </a:ext>
+            </a:extLst>
+          </p:cNvPr>
+          <p:cNvSpPr/>
+          <p:nvPr/>
+        </p:nvSpPr>
+        <p:spPr>
+          <a:xfrm rot="5400000">
+            <a:off x="4729216" y="3838370"/>
+            <a:ext cx="209543" cy="208423"/>
+          </a:xfrm>
+          <a:prstGeom prst="triangle">
+            <a:avLst/>
+          </a:prstGeom>
+        </p:spPr>
+        <p:style>
+          <a:lnRef idx="2">
+            <a:schemeClr val="accent1">
+              <a:shade val="50000"/>
+            </a:schemeClr>
+          </a:lnRef>
+          <a:fillRef idx="1">
+            <a:schemeClr val="accent1"/>
+          </a:fillRef>
+          <a:effectRef idx="0">
+            <a:schemeClr val="accent1"/>
+          </a:effectRef>
+          <a:fontRef idx="minor">
+            <a:schemeClr val="lt1"/>
+          </a:fontRef>
+        </p:style>
+        <p:txBody>
+          <a:bodyPr rtlCol="0" anchor="ctr"/>
+          <a:lstStyle/>
+          <a:p>
+            <a:pPr algn="ctr"/>
+            <a:endParaRPr lang="en-US"/>
+          </a:p>
+        </p:txBody>
+      </p:sp>
+      <p:cxnSp>
+        <p:nvCxnSpPr>
+          <p:cNvPr id="51" name="Straight Arrow Connector 246">
+            <a:extLst>
+              <a:ext uri="{FF2B5EF4-FFF2-40B4-BE49-F238E27FC236}">
+                <a16:creationId xmlns:a16="http://schemas.microsoft.com/office/drawing/2014/main" id="{E5C4213B-8B34-334D-BFD5-CF21DA0720D2}"/>
+              </a:ext>
+            </a:extLst>
+          </p:cNvPr>
+          <p:cNvCxnSpPr>
+            <a:cxnSpLocks/>
+            <a:stCxn id="18" idx="0"/>
+          </p:cNvCxnSpPr>
+          <p:nvPr/>
+        </p:nvCxnSpPr>
+        <p:spPr>
+          <a:xfrm rot="16200000" flipH="1">
+            <a:off x="3939514" y="2907837"/>
+            <a:ext cx="615431" cy="1141850"/>
+          </a:xfrm>
+          <a:prstGeom prst="bentConnector4">
+            <a:avLst>
+              <a:gd name="adj1" fmla="val -37145"/>
+              <a:gd name="adj2" fmla="val 100223"/>
+            </a:avLst>
+          </a:prstGeom>
+          <a:ln w="25400">
+            <a:solidFill>
+              <a:schemeClr val="accent5"/>
+            </a:solidFill>
+            <a:tailEnd type="diamond" w="lg" len="lg"/>
+          </a:ln>
+        </p:spPr>
+        <p:style>
+          <a:lnRef idx="1">
+            <a:schemeClr val="accent3"/>
+          </a:lnRef>
+          <a:fillRef idx="0">
+            <a:schemeClr val="accent3"/>
+          </a:fillRef>
+          <a:effectRef idx="0">
+            <a:schemeClr val="accent3"/>
+          </a:effectRef>
+          <a:fontRef idx="minor">
+            <a:schemeClr val="tx1"/>
+          </a:fontRef>
+        </p:style>
+      </p:cxnSp>
+      <p:sp>
+        <p:nvSpPr>
+          <p:cNvPr id="75" name="TextBox 74">
+            <a:extLst>
+              <a:ext uri="{FF2B5EF4-FFF2-40B4-BE49-F238E27FC236}">
+                <a16:creationId xmlns:a16="http://schemas.microsoft.com/office/drawing/2014/main" id="{A745AA63-4FBB-1B4F-A0BC-42B3527379E8}"/>
               </a:ext>
             </a:extLst>
           </p:cNvPr>
@@ -21712,7 +22553,7 @@
         </p:nvSpPr>
         <p:spPr>
           <a:xfrm>
-            <a:off x="4695461" y="3665066"/>
+            <a:off x="4823864" y="3665066"/>
             <a:ext cx="627095" cy="369332"/>
           </a:xfrm>
           <a:prstGeom prst="rect">
@@ -21766,565 +22607,6 @@
           </a:p>
         </p:txBody>
       </p:sp>
-      <p:cxnSp>
-        <p:nvCxnSpPr>
-          <p:cNvPr id="53" name="Straight Arrow Connector 246">
-            <a:extLst>
-              <a:ext uri="{FF2B5EF4-FFF2-40B4-BE49-F238E27FC236}">
-                <a16:creationId xmlns:a16="http://schemas.microsoft.com/office/drawing/2014/main" id="{16D65A30-2B60-C74F-A747-6A970D94BDF7}"/>
-              </a:ext>
-            </a:extLst>
-          </p:cNvPr>
-          <p:cNvCxnSpPr>
-            <a:cxnSpLocks/>
-            <a:stCxn id="18" idx="0"/>
-          </p:cNvCxnSpPr>
-          <p:nvPr/>
-        </p:nvCxnSpPr>
-        <p:spPr>
-          <a:xfrm rot="16200000" flipH="1">
-            <a:off x="4200180" y="2647172"/>
-            <a:ext cx="615430" cy="1663180"/>
-          </a:xfrm>
-          <a:prstGeom prst="bentConnector4">
-            <a:avLst>
-              <a:gd name="adj1" fmla="val -37145"/>
-              <a:gd name="adj2" fmla="val 100035"/>
-            </a:avLst>
-          </a:prstGeom>
-          <a:ln w="25400">
-            <a:solidFill>
-              <a:schemeClr val="accent5"/>
-            </a:solidFill>
-            <a:tailEnd type="diamond" w="lg" len="lg"/>
-          </a:ln>
-        </p:spPr>
-        <p:style>
-          <a:lnRef idx="1">
-            <a:schemeClr val="accent3"/>
-          </a:lnRef>
-          <a:fillRef idx="0">
-            <a:schemeClr val="accent3"/>
-          </a:fillRef>
-          <a:effectRef idx="0">
-            <a:schemeClr val="accent3"/>
-          </a:effectRef>
-          <a:fontRef idx="minor">
-            <a:schemeClr val="tx1"/>
-          </a:fontRef>
-        </p:style>
-      </p:cxnSp>
-      <p:cxnSp>
-        <p:nvCxnSpPr>
-          <p:cNvPr id="54" name="Elbow Connector 53">
-            <a:extLst>
-              <a:ext uri="{FF2B5EF4-FFF2-40B4-BE49-F238E27FC236}">
-                <a16:creationId xmlns:a16="http://schemas.microsoft.com/office/drawing/2014/main" id="{6D04C903-C975-0648-AAB9-4ED36891E23B}"/>
-              </a:ext>
-            </a:extLst>
-          </p:cNvPr>
-          <p:cNvCxnSpPr>
-            <a:cxnSpLocks/>
-          </p:cNvCxnSpPr>
-          <p:nvPr/>
-        </p:nvCxnSpPr>
-        <p:spPr>
-          <a:xfrm>
-            <a:off x="7990089" y="2282971"/>
-            <a:ext cx="422391" cy="1274100"/>
-          </a:xfrm>
-          <a:prstGeom prst="bentConnector2">
-            <a:avLst/>
-          </a:prstGeom>
-          <a:ln w="25400">
-            <a:solidFill>
-              <a:srgbClr val="7030A0"/>
-            </a:solidFill>
-            <a:tailEnd type="diamond" w="lg" len="lg"/>
-          </a:ln>
-        </p:spPr>
-        <p:style>
-          <a:lnRef idx="1">
-            <a:schemeClr val="accent3"/>
-          </a:lnRef>
-          <a:fillRef idx="0">
-            <a:schemeClr val="accent3"/>
-          </a:fillRef>
-          <a:effectRef idx="0">
-            <a:schemeClr val="accent3"/>
-          </a:effectRef>
-          <a:fontRef idx="minor">
-            <a:schemeClr val="tx1"/>
-          </a:fontRef>
-        </p:style>
-      </p:cxnSp>
-      <p:cxnSp>
-        <p:nvCxnSpPr>
-          <p:cNvPr id="55" name="Straight Connector 54">
-            <a:extLst>
-              <a:ext uri="{FF2B5EF4-FFF2-40B4-BE49-F238E27FC236}">
-                <a16:creationId xmlns:a16="http://schemas.microsoft.com/office/drawing/2014/main" id="{6B67F427-58B5-EF48-A516-8BD8C0D3DA5E}"/>
-              </a:ext>
-            </a:extLst>
-          </p:cNvPr>
-          <p:cNvCxnSpPr/>
-          <p:nvPr/>
-        </p:nvCxnSpPr>
-        <p:spPr>
-          <a:xfrm>
-            <a:off x="7812734" y="2559053"/>
-            <a:ext cx="0" cy="1837944"/>
-          </a:xfrm>
-          <a:prstGeom prst="line">
-            <a:avLst/>
-          </a:prstGeom>
-          <a:ln w="25400">
-            <a:solidFill>
-              <a:srgbClr val="C00000"/>
-            </a:solidFill>
-          </a:ln>
-        </p:spPr>
-        <p:style>
-          <a:lnRef idx="1">
-            <a:schemeClr val="accent3"/>
-          </a:lnRef>
-          <a:fillRef idx="0">
-            <a:schemeClr val="accent3"/>
-          </a:fillRef>
-          <a:effectRef idx="0">
-            <a:schemeClr val="accent3"/>
-          </a:effectRef>
-          <a:fontRef idx="minor">
-            <a:schemeClr val="tx1"/>
-          </a:fontRef>
-        </p:style>
-      </p:cxnSp>
-      <p:sp>
-        <p:nvSpPr>
-          <p:cNvPr id="56" name="Freeform 55">
-            <a:extLst>
-              <a:ext uri="{FF2B5EF4-FFF2-40B4-BE49-F238E27FC236}">
-                <a16:creationId xmlns:a16="http://schemas.microsoft.com/office/drawing/2014/main" id="{1442DEA8-EBE8-6F49-B704-A20C00605CE2}"/>
-              </a:ext>
-            </a:extLst>
-          </p:cNvPr>
-          <p:cNvSpPr/>
-          <p:nvPr/>
-        </p:nvSpPr>
-        <p:spPr>
-          <a:xfrm>
-            <a:off x="7966400" y="3655788"/>
-            <a:ext cx="868442" cy="180707"/>
-          </a:xfrm>
-          <a:custGeom>
-            <a:avLst/>
-            <a:gdLst>
-              <a:gd name="connsiteX0" fmla="*/ 0 w 4142629"/>
-              <a:gd name="connsiteY0" fmla="*/ 854057 h 862008"/>
-              <a:gd name="connsiteX1" fmla="*/ 1470991 w 4142629"/>
-              <a:gd name="connsiteY1" fmla="*/ 691055 h 862008"/>
-              <a:gd name="connsiteX2" fmla="*/ 174928 w 4142629"/>
-              <a:gd name="connsiteY2" fmla="*/ 301441 h 862008"/>
-              <a:gd name="connsiteX3" fmla="*/ 1411356 w 4142629"/>
-              <a:gd name="connsiteY3" fmla="*/ 35072 h 862008"/>
-              <a:gd name="connsiteX4" fmla="*/ 2747175 w 4142629"/>
-              <a:gd name="connsiteY4" fmla="*/ 31097 h 862008"/>
-              <a:gd name="connsiteX5" fmla="*/ 3951798 w 4142629"/>
-              <a:gd name="connsiteY5" fmla="*/ 293490 h 862008"/>
-              <a:gd name="connsiteX6" fmla="*/ 2671638 w 4142629"/>
-              <a:gd name="connsiteY6" fmla="*/ 675152 h 862008"/>
-              <a:gd name="connsiteX7" fmla="*/ 4142629 w 4142629"/>
-              <a:gd name="connsiteY7" fmla="*/ 862008 h 862008"/>
-            </a:gdLst>
-            <a:ahLst/>
-            <a:cxnLst>
-              <a:cxn ang="0">
-                <a:pos x="connsiteX0" y="connsiteY0"/>
-              </a:cxn>
-              <a:cxn ang="0">
-                <a:pos x="connsiteX1" y="connsiteY1"/>
-              </a:cxn>
-              <a:cxn ang="0">
-                <a:pos x="connsiteX2" y="connsiteY2"/>
-              </a:cxn>
-              <a:cxn ang="0">
-                <a:pos x="connsiteX3" y="connsiteY3"/>
-              </a:cxn>
-              <a:cxn ang="0">
-                <a:pos x="connsiteX4" y="connsiteY4"/>
-              </a:cxn>
-              <a:cxn ang="0">
-                <a:pos x="connsiteX5" y="connsiteY5"/>
-              </a:cxn>
-              <a:cxn ang="0">
-                <a:pos x="connsiteX6" y="connsiteY6"/>
-              </a:cxn>
-              <a:cxn ang="0">
-                <a:pos x="connsiteX7" y="connsiteY7"/>
-              </a:cxn>
-            </a:cxnLst>
-            <a:rect l="l" t="t" r="r" b="b"/>
-            <a:pathLst>
-              <a:path w="4142629" h="862008">
-                <a:moveTo>
-                  <a:pt x="0" y="854057"/>
-                </a:moveTo>
-                <a:cubicBezTo>
-                  <a:pt x="720918" y="818607"/>
-                  <a:pt x="1441836" y="783158"/>
-                  <a:pt x="1470991" y="691055"/>
-                </a:cubicBezTo>
-                <a:cubicBezTo>
-                  <a:pt x="1500146" y="598952"/>
-                  <a:pt x="184867" y="410771"/>
-                  <a:pt x="174928" y="301441"/>
-                </a:cubicBezTo>
-                <a:cubicBezTo>
-                  <a:pt x="164989" y="192111"/>
-                  <a:pt x="982648" y="80129"/>
-                  <a:pt x="1411356" y="35072"/>
-                </a:cubicBezTo>
-                <a:cubicBezTo>
-                  <a:pt x="1840064" y="-9985"/>
-                  <a:pt x="2323768" y="-11973"/>
-                  <a:pt x="2747175" y="31097"/>
-                </a:cubicBezTo>
-                <a:cubicBezTo>
-                  <a:pt x="3170582" y="74167"/>
-                  <a:pt x="3964387" y="186148"/>
-                  <a:pt x="3951798" y="293490"/>
-                </a:cubicBezTo>
-                <a:cubicBezTo>
-                  <a:pt x="3939209" y="400832"/>
-                  <a:pt x="2639833" y="580399"/>
-                  <a:pt x="2671638" y="675152"/>
-                </a:cubicBezTo>
-                <a:cubicBezTo>
-                  <a:pt x="2703443" y="769905"/>
-                  <a:pt x="3423036" y="815956"/>
-                  <a:pt x="4142629" y="862008"/>
-                </a:cubicBezTo>
-              </a:path>
-            </a:pathLst>
-          </a:custGeom>
-          <a:ln w="28575"/>
-        </p:spPr>
-        <p:style>
-          <a:lnRef idx="1">
-            <a:schemeClr val="dk1"/>
-          </a:lnRef>
-          <a:fillRef idx="0">
-            <a:schemeClr val="dk1"/>
-          </a:fillRef>
-          <a:effectRef idx="0">
-            <a:schemeClr val="dk1"/>
-          </a:effectRef>
-          <a:fontRef idx="minor">
-            <a:schemeClr val="tx1"/>
-          </a:fontRef>
-        </p:style>
-        <p:txBody>
-          <a:bodyPr rtlCol="0" anchor="ctr"/>
-          <a:lstStyle/>
-          <a:p>
-            <a:pPr algn="ctr"/>
-            <a:endParaRPr lang="en-US"/>
-          </a:p>
-        </p:txBody>
-      </p:sp>
-      <p:sp>
-        <p:nvSpPr>
-          <p:cNvPr id="57" name="TextBox 56">
-            <a:extLst>
-              <a:ext uri="{FF2B5EF4-FFF2-40B4-BE49-F238E27FC236}">
-                <a16:creationId xmlns:a16="http://schemas.microsoft.com/office/drawing/2014/main" id="{145499E7-A5DC-1A4C-9E97-79FE003DC539}"/>
-              </a:ext>
-            </a:extLst>
-          </p:cNvPr>
-          <p:cNvSpPr txBox="1"/>
-          <p:nvPr/>
-        </p:nvSpPr>
-        <p:spPr>
-          <a:xfrm>
-            <a:off x="7919359" y="3804739"/>
-            <a:ext cx="985847" cy="646331"/>
-          </a:xfrm>
-          <a:prstGeom prst="rect">
-            <a:avLst/>
-          </a:prstGeom>
-          <a:noFill/>
-        </p:spPr>
-        <p:txBody>
-          <a:bodyPr wrap="none" rtlCol="0">
-            <a:spAutoFit/>
-          </a:bodyPr>
-          <a:lstStyle/>
-          <a:p>
-            <a:pPr algn="ctr"/>
-            <a:r>
-              <a:rPr lang="en-US" dirty="0"/>
-              <a:t>genomic</a:t>
-            </a:r>
-          </a:p>
-          <a:p>
-            <a:pPr algn="ctr"/>
-            <a:r>
-              <a:rPr lang="en-US" dirty="0"/>
-              <a:t>target</a:t>
-            </a:r>
-          </a:p>
-        </p:txBody>
-      </p:sp>
-      <p:cxnSp>
-        <p:nvCxnSpPr>
-          <p:cNvPr id="58" name="Straight Arrow Connector 57">
-            <a:extLst>
-              <a:ext uri="{FF2B5EF4-FFF2-40B4-BE49-F238E27FC236}">
-                <a16:creationId xmlns:a16="http://schemas.microsoft.com/office/drawing/2014/main" id="{86974366-DB81-1545-B144-7D769EE7AF95}"/>
-              </a:ext>
-            </a:extLst>
-          </p:cNvPr>
-          <p:cNvCxnSpPr>
-            <a:cxnSpLocks/>
-          </p:cNvCxnSpPr>
-          <p:nvPr/>
-        </p:nvCxnSpPr>
-        <p:spPr>
-          <a:xfrm flipV="1">
-            <a:off x="2667520" y="3434976"/>
-            <a:ext cx="0" cy="365760"/>
-          </a:xfrm>
-          <a:prstGeom prst="straightConnector1">
-            <a:avLst/>
-          </a:prstGeom>
-          <a:ln w="25400">
-            <a:tailEnd type="triangle" w="lg" len="lg"/>
-          </a:ln>
-        </p:spPr>
-        <p:style>
-          <a:lnRef idx="1">
-            <a:schemeClr val="accent3"/>
-          </a:lnRef>
-          <a:fillRef idx="0">
-            <a:schemeClr val="accent3"/>
-          </a:fillRef>
-          <a:effectRef idx="0">
-            <a:schemeClr val="accent3"/>
-          </a:effectRef>
-          <a:fontRef idx="minor">
-            <a:schemeClr val="tx1"/>
-          </a:fontRef>
-        </p:style>
-      </p:cxnSp>
-      <p:sp>
-        <p:nvSpPr>
-          <p:cNvPr id="59" name="Pentagon 58">
-            <a:extLst>
-              <a:ext uri="{FF2B5EF4-FFF2-40B4-BE49-F238E27FC236}">
-                <a16:creationId xmlns:a16="http://schemas.microsoft.com/office/drawing/2014/main" id="{A99B08E0-665C-D846-849C-F5AE58F70CC8}"/>
-              </a:ext>
-            </a:extLst>
-          </p:cNvPr>
-          <p:cNvSpPr/>
-          <p:nvPr/>
-        </p:nvSpPr>
-        <p:spPr>
-          <a:xfrm>
-            <a:off x="2320863" y="3774296"/>
-            <a:ext cx="773535" cy="326065"/>
-          </a:xfrm>
-          <a:prstGeom prst="homePlate">
-            <a:avLst/>
-          </a:prstGeom>
-          <a:solidFill>
-            <a:schemeClr val="accent6">
-              <a:lumMod val="60000"/>
-              <a:lumOff val="40000"/>
-            </a:schemeClr>
-          </a:solidFill>
-        </p:spPr>
-        <p:style>
-          <a:lnRef idx="2">
-            <a:schemeClr val="accent6">
-              <a:shade val="50000"/>
-            </a:schemeClr>
-          </a:lnRef>
-          <a:fillRef idx="1">
-            <a:schemeClr val="accent6"/>
-          </a:fillRef>
-          <a:effectRef idx="0">
-            <a:schemeClr val="accent6"/>
-          </a:effectRef>
-          <a:fontRef idx="minor">
-            <a:schemeClr val="lt1"/>
-          </a:fontRef>
-        </p:style>
-        <p:txBody>
-          <a:bodyPr rtlCol="0" anchor="ctr"/>
-          <a:lstStyle/>
-          <a:p>
-            <a:pPr algn="ctr"/>
-            <a:r>
-              <a:rPr lang="en-US" dirty="0">
-                <a:solidFill>
-                  <a:schemeClr val="tx1"/>
-                </a:solidFill>
-              </a:rPr>
-              <a:t>TF-A</a:t>
-            </a:r>
-          </a:p>
-        </p:txBody>
-      </p:sp>
-      <p:sp>
-        <p:nvSpPr>
-          <p:cNvPr id="60" name="Rounded Rectangle 59">
-            <a:extLst>
-              <a:ext uri="{FF2B5EF4-FFF2-40B4-BE49-F238E27FC236}">
-                <a16:creationId xmlns:a16="http://schemas.microsoft.com/office/drawing/2014/main" id="{AF2FC26E-771F-D14A-934F-A62A2DB82E8F}"/>
-              </a:ext>
-            </a:extLst>
-          </p:cNvPr>
-          <p:cNvSpPr/>
-          <p:nvPr/>
-        </p:nvSpPr>
-        <p:spPr>
-          <a:xfrm>
-            <a:off x="2361037" y="3171047"/>
-            <a:ext cx="612967" cy="255371"/>
-          </a:xfrm>
-          <a:prstGeom prst="roundRect">
-            <a:avLst>
-              <a:gd name="adj" fmla="val 50000"/>
-            </a:avLst>
-          </a:prstGeom>
-          <a:solidFill>
-            <a:schemeClr val="accent6">
-              <a:lumMod val="60000"/>
-              <a:lumOff val="40000"/>
-            </a:schemeClr>
-          </a:solidFill>
-        </p:spPr>
-        <p:style>
-          <a:lnRef idx="2">
-            <a:schemeClr val="accent6">
-              <a:shade val="50000"/>
-            </a:schemeClr>
-          </a:lnRef>
-          <a:fillRef idx="1">
-            <a:schemeClr val="accent6"/>
-          </a:fillRef>
-          <a:effectRef idx="0">
-            <a:schemeClr val="accent6"/>
-          </a:effectRef>
-          <a:fontRef idx="minor">
-            <a:schemeClr val="lt1"/>
-          </a:fontRef>
-        </p:style>
-        <p:txBody>
-          <a:bodyPr wrap="none" rtlCol="0" anchor="ctr"/>
-          <a:lstStyle/>
-          <a:p>
-            <a:pPr algn="ctr"/>
-            <a:endParaRPr lang="en-US" dirty="0">
-              <a:solidFill>
-                <a:schemeClr val="tx1"/>
-              </a:solidFill>
-            </a:endParaRPr>
-          </a:p>
-        </p:txBody>
-      </p:sp>
-      <p:cxnSp>
-        <p:nvCxnSpPr>
-          <p:cNvPr id="61" name="Elbow Connector 60">
-            <a:extLst>
-              <a:ext uri="{FF2B5EF4-FFF2-40B4-BE49-F238E27FC236}">
-                <a16:creationId xmlns:a16="http://schemas.microsoft.com/office/drawing/2014/main" id="{32E15424-F008-3D48-84FA-A22AF5A613B4}"/>
-              </a:ext>
-            </a:extLst>
-          </p:cNvPr>
-          <p:cNvCxnSpPr>
-            <a:cxnSpLocks/>
-          </p:cNvCxnSpPr>
-          <p:nvPr/>
-        </p:nvCxnSpPr>
-        <p:spPr>
-          <a:xfrm flipV="1">
-            <a:off x="2160273" y="3631204"/>
-            <a:ext cx="328764" cy="301158"/>
-          </a:xfrm>
-          <a:prstGeom prst="bentConnector3">
-            <a:avLst>
-              <a:gd name="adj1" fmla="val 2567"/>
-            </a:avLst>
-          </a:prstGeom>
-          <a:ln w="38100">
-            <a:headEnd type="none" w="med" len="med"/>
-            <a:tailEnd type="arrow" w="med" len="med"/>
-          </a:ln>
-        </p:spPr>
-        <p:style>
-          <a:lnRef idx="3">
-            <a:schemeClr val="dk1"/>
-          </a:lnRef>
-          <a:fillRef idx="0">
-            <a:schemeClr val="dk1"/>
-          </a:fillRef>
-          <a:effectRef idx="2">
-            <a:schemeClr val="dk1"/>
-          </a:effectRef>
-          <a:fontRef idx="minor">
-            <a:schemeClr val="tx1"/>
-          </a:fontRef>
-        </p:style>
-      </p:cxnSp>
-      <p:cxnSp>
-        <p:nvCxnSpPr>
-          <p:cNvPr id="62" name="Straight Arrow Connector 246">
-            <a:extLst>
-              <a:ext uri="{FF2B5EF4-FFF2-40B4-BE49-F238E27FC236}">
-                <a16:creationId xmlns:a16="http://schemas.microsoft.com/office/drawing/2014/main" id="{0BD087FC-5771-BF43-A34B-54D5AC5319C4}"/>
-              </a:ext>
-            </a:extLst>
-          </p:cNvPr>
-          <p:cNvCxnSpPr>
-            <a:cxnSpLocks/>
-            <a:stCxn id="60" idx="0"/>
-          </p:cNvCxnSpPr>
-          <p:nvPr/>
-        </p:nvCxnSpPr>
-        <p:spPr>
-          <a:xfrm rot="16200000" flipH="1">
-            <a:off x="2755377" y="3083191"/>
-            <a:ext cx="394678" cy="570390"/>
-          </a:xfrm>
-          <a:prstGeom prst="bentConnector4">
-            <a:avLst>
-              <a:gd name="adj1" fmla="val -57921"/>
-              <a:gd name="adj2" fmla="val 99877"/>
-            </a:avLst>
-          </a:prstGeom>
-          <a:ln w="25400">
-            <a:solidFill>
-              <a:schemeClr val="accent6"/>
-            </a:solidFill>
-            <a:tailEnd type="triangle" w="lg" len="lg"/>
-          </a:ln>
-        </p:spPr>
-        <p:style>
-          <a:lnRef idx="1">
-            <a:schemeClr val="accent3"/>
-          </a:lnRef>
-          <a:fillRef idx="0">
-            <a:schemeClr val="accent3"/>
-          </a:fillRef>
-          <a:effectRef idx="0">
-            <a:schemeClr val="accent3"/>
-          </a:effectRef>
-          <a:fontRef idx="minor">
-            <a:schemeClr val="tx1"/>
-          </a:fontRef>
-        </p:style>
-      </p:cxnSp>
     </p:spTree>
     <p:extLst>
       <p:ext uri="{BB962C8B-B14F-4D97-AF65-F5344CB8AC3E}">

--- a/paper_figures/sbolvisual/17 Combinations.pptx
+++ b/paper_figures/sbolvisual/17 Combinations.pptx
@@ -9506,10 +9506,10 @@
       </p:grpSpPr>
       <p:grpSp>
         <p:nvGrpSpPr>
-          <p:cNvPr id="105" name="Group 104">
-            <a:extLst>
-              <a:ext uri="{FF2B5EF4-FFF2-40B4-BE49-F238E27FC236}">
-                <a16:creationId xmlns:a16="http://schemas.microsoft.com/office/drawing/2014/main" id="{C760775C-A3F0-CE45-9641-BC4A530F026D}"/>
+          <p:cNvPr id="122" name="Group 121">
+            <a:extLst>
+              <a:ext uri="{FF2B5EF4-FFF2-40B4-BE49-F238E27FC236}">
+                <a16:creationId xmlns:a16="http://schemas.microsoft.com/office/drawing/2014/main" id="{CC6B1905-DE9D-7B4A-9B68-9BA5CCDB702E}"/>
               </a:ext>
             </a:extLst>
           </p:cNvPr>
@@ -9518,7 +9518,7 @@
         </p:nvGrpSpPr>
         <p:grpSpPr>
           <a:xfrm>
-            <a:off x="5518662" y="3787396"/>
+            <a:off x="5286634" y="3787396"/>
             <a:ext cx="484281" cy="172854"/>
             <a:chOff x="5293558" y="3697843"/>
             <a:chExt cx="660058" cy="235594"/>
@@ -9526,10 +9526,10 @@
         </p:grpSpPr>
         <p:sp>
           <p:nvSpPr>
-            <p:cNvPr id="106" name="Freeform 105">
+            <p:cNvPr id="124" name="Freeform 123">
               <a:extLst>
                 <a:ext uri="{FF2B5EF4-FFF2-40B4-BE49-F238E27FC236}">
-                  <a16:creationId xmlns:a16="http://schemas.microsoft.com/office/drawing/2014/main" id="{876818EB-EFA9-9744-BD64-C14E92F799F3}"/>
+                  <a16:creationId xmlns:a16="http://schemas.microsoft.com/office/drawing/2014/main" id="{A5147F2D-886A-6243-AD5D-DF70D903D603}"/>
                 </a:ext>
               </a:extLst>
             </p:cNvPr>
@@ -9653,10 +9653,10 @@
         </p:sp>
         <p:cxnSp>
           <p:nvCxnSpPr>
-            <p:cNvPr id="107" name="Straight Connector 106">
+            <p:cNvPr id="125" name="Straight Connector 124">
               <a:extLst>
                 <a:ext uri="{FF2B5EF4-FFF2-40B4-BE49-F238E27FC236}">
-                  <a16:creationId xmlns:a16="http://schemas.microsoft.com/office/drawing/2014/main" id="{CB4609AF-3F33-0542-A92B-32C4B254E321}"/>
+                  <a16:creationId xmlns:a16="http://schemas.microsoft.com/office/drawing/2014/main" id="{2FEA912F-701D-724D-89E7-2E7D325EB9DF}"/>
                 </a:ext>
               </a:extLst>
             </p:cNvPr>
@@ -9694,10 +9694,10 @@
         </p:cxnSp>
         <p:cxnSp>
           <p:nvCxnSpPr>
-            <p:cNvPr id="108" name="Straight Connector 107">
+            <p:cNvPr id="126" name="Straight Connector 125">
               <a:extLst>
                 <a:ext uri="{FF2B5EF4-FFF2-40B4-BE49-F238E27FC236}">
-                  <a16:creationId xmlns:a16="http://schemas.microsoft.com/office/drawing/2014/main" id="{6A5BCB44-573C-B14A-B60B-A9C0E70E84F5}"/>
+                  <a16:creationId xmlns:a16="http://schemas.microsoft.com/office/drawing/2014/main" id="{B7067CD7-0B61-0040-B5C7-9C2C39A30625}"/>
                 </a:ext>
               </a:extLst>
             </p:cNvPr>
@@ -9735,10 +9735,10 @@
         </p:cxnSp>
         <p:cxnSp>
           <p:nvCxnSpPr>
-            <p:cNvPr id="109" name="Straight Connector 108">
+            <p:cNvPr id="131" name="Straight Connector 130">
               <a:extLst>
                 <a:ext uri="{FF2B5EF4-FFF2-40B4-BE49-F238E27FC236}">
-                  <a16:creationId xmlns:a16="http://schemas.microsoft.com/office/drawing/2014/main" id="{0C04B03D-1000-4745-B9D1-998170C2DCC8}"/>
+                  <a16:creationId xmlns:a16="http://schemas.microsoft.com/office/drawing/2014/main" id="{11D29551-FEF6-D94E-892A-CC0A76431039}"/>
                 </a:ext>
               </a:extLst>
             </p:cNvPr>
@@ -10156,85 +10156,6 @@
           </a:fontRef>
         </p:style>
       </p:cxnSp>
-      <p:cxnSp>
-        <p:nvCxnSpPr>
-          <p:cNvPr id="64" name="Elbow Connector 63">
-            <a:extLst>
-              <a:ext uri="{FF2B5EF4-FFF2-40B4-BE49-F238E27FC236}">
-                <a16:creationId xmlns:a16="http://schemas.microsoft.com/office/drawing/2014/main" id="{300D7B57-A254-AF46-B1BB-E6D8A047A93C}"/>
-              </a:ext>
-            </a:extLst>
-          </p:cNvPr>
-          <p:cNvCxnSpPr>
-            <a:cxnSpLocks/>
-          </p:cNvCxnSpPr>
-          <p:nvPr/>
-        </p:nvCxnSpPr>
-        <p:spPr>
-          <a:xfrm flipV="1">
-            <a:off x="4886629" y="3629396"/>
-            <a:ext cx="328764" cy="301158"/>
-          </a:xfrm>
-          <a:prstGeom prst="bentConnector3">
-            <a:avLst>
-              <a:gd name="adj1" fmla="val 5634"/>
-            </a:avLst>
-          </a:prstGeom>
-          <a:ln w="38100">
-            <a:headEnd type="none" w="med" len="med"/>
-            <a:tailEnd type="arrow" w="med" len="med"/>
-          </a:ln>
-        </p:spPr>
-        <p:style>
-          <a:lnRef idx="3">
-            <a:schemeClr val="dk1"/>
-          </a:lnRef>
-          <a:fillRef idx="0">
-            <a:schemeClr val="dk1"/>
-          </a:fillRef>
-          <a:effectRef idx="2">
-            <a:schemeClr val="dk1"/>
-          </a:effectRef>
-          <a:fontRef idx="minor">
-            <a:schemeClr val="tx1"/>
-          </a:fontRef>
-        </p:style>
-      </p:cxnSp>
-      <p:sp>
-        <p:nvSpPr>
-          <p:cNvPr id="65" name="TextBox 64">
-            <a:extLst>
-              <a:ext uri="{FF2B5EF4-FFF2-40B4-BE49-F238E27FC236}">
-                <a16:creationId xmlns:a16="http://schemas.microsoft.com/office/drawing/2014/main" id="{196A1664-7C64-524B-B6FC-D5A902637082}"/>
-              </a:ext>
-            </a:extLst>
-          </p:cNvPr>
-          <p:cNvSpPr txBox="1"/>
-          <p:nvPr/>
-        </p:nvSpPr>
-        <p:spPr>
-          <a:xfrm>
-            <a:off x="5311177" y="3920251"/>
-            <a:ext cx="907621" cy="369332"/>
-          </a:xfrm>
-          <a:prstGeom prst="rect">
-            <a:avLst/>
-          </a:prstGeom>
-          <a:noFill/>
-        </p:spPr>
-        <p:txBody>
-          <a:bodyPr wrap="none" rtlCol="0">
-            <a:spAutoFit/>
-          </a:bodyPr>
-          <a:lstStyle/>
-          <a:p>
-            <a:r>
-              <a:rPr lang="en-US" dirty="0"/>
-              <a:t>sgRNA1</a:t>
-            </a:r>
-          </a:p>
-        </p:txBody>
-      </p:sp>
       <p:sp>
         <p:nvSpPr>
           <p:cNvPr id="66" name="Pentagon 65">
@@ -10684,46 +10605,6 @@
       </p:cxnSp>
       <p:cxnSp>
         <p:nvCxnSpPr>
-          <p:cNvPr id="80" name="Elbow Connector 32">
-            <a:extLst>
-              <a:ext uri="{FF2B5EF4-FFF2-40B4-BE49-F238E27FC236}">
-                <a16:creationId xmlns:a16="http://schemas.microsoft.com/office/drawing/2014/main" id="{1DE9BBB4-F8A4-0540-8BAA-EC547AC83CBF}"/>
-              </a:ext>
-            </a:extLst>
-          </p:cNvPr>
-          <p:cNvCxnSpPr>
-            <a:cxnSpLocks/>
-            <a:endCxn id="117" idx="2"/>
-          </p:cNvCxnSpPr>
-          <p:nvPr/>
-        </p:nvCxnSpPr>
-        <p:spPr>
-          <a:xfrm>
-            <a:off x="2963076" y="2581976"/>
-            <a:ext cx="2768644" cy="0"/>
-          </a:xfrm>
-          <a:prstGeom prst="straightConnector1">
-            <a:avLst/>
-          </a:prstGeom>
-          <a:ln w="25400"/>
-        </p:spPr>
-        <p:style>
-          <a:lnRef idx="1">
-            <a:schemeClr val="accent3"/>
-          </a:lnRef>
-          <a:fillRef idx="0">
-            <a:schemeClr val="accent3"/>
-          </a:fillRef>
-          <a:effectRef idx="0">
-            <a:schemeClr val="accent3"/>
-          </a:effectRef>
-          <a:fontRef idx="minor">
-            <a:schemeClr val="tx1"/>
-          </a:fontRef>
-        </p:style>
-      </p:cxnSp>
-      <p:cxnSp>
-        <p:nvCxnSpPr>
           <p:cNvPr id="82" name="Straight Connector 81">
             <a:extLst>
               <a:ext uri="{FF2B5EF4-FFF2-40B4-BE49-F238E27FC236}">
@@ -10746,51 +10627,6 @@
             <a:solidFill>
               <a:srgbClr val="C00000"/>
             </a:solidFill>
-          </a:ln>
-        </p:spPr>
-        <p:style>
-          <a:lnRef idx="1">
-            <a:schemeClr val="accent3"/>
-          </a:lnRef>
-          <a:fillRef idx="0">
-            <a:schemeClr val="accent3"/>
-          </a:fillRef>
-          <a:effectRef idx="0">
-            <a:schemeClr val="accent3"/>
-          </a:effectRef>
-          <a:fontRef idx="minor">
-            <a:schemeClr val="tx1"/>
-          </a:fontRef>
-        </p:style>
-      </p:cxnSp>
-      <p:cxnSp>
-        <p:nvCxnSpPr>
-          <p:cNvPr id="85" name="Straight Connector 84">
-            <a:extLst>
-              <a:ext uri="{FF2B5EF4-FFF2-40B4-BE49-F238E27FC236}">
-                <a16:creationId xmlns:a16="http://schemas.microsoft.com/office/drawing/2014/main" id="{7381CA97-2BE5-CE44-935F-244C97FF8DDF}"/>
-              </a:ext>
-            </a:extLst>
-          </p:cNvPr>
-          <p:cNvCxnSpPr>
-            <a:cxnSpLocks/>
-          </p:cNvCxnSpPr>
-          <p:nvPr/>
-        </p:nvCxnSpPr>
-        <p:spPr>
-          <a:xfrm flipH="1">
-            <a:off x="6136532" y="4025077"/>
-            <a:ext cx="0" cy="365760"/>
-          </a:xfrm>
-          <a:prstGeom prst="line">
-            <a:avLst/>
-          </a:prstGeom>
-          <a:ln w="25400">
-            <a:solidFill>
-              <a:srgbClr val="C00000"/>
-            </a:solidFill>
-            <a:headEnd type="diamond" w="lg" len="lg"/>
-            <a:tailEnd type="none"/>
           </a:ln>
         </p:spPr>
         <p:style>
@@ -11589,12 +11425,92 @@
           </a:fontRef>
         </p:style>
       </p:cxnSp>
+      <p:cxnSp>
+        <p:nvCxnSpPr>
+          <p:cNvPr id="112" name="Straight Arrow Connector 111">
+            <a:extLst>
+              <a:ext uri="{FF2B5EF4-FFF2-40B4-BE49-F238E27FC236}">
+                <a16:creationId xmlns:a16="http://schemas.microsoft.com/office/drawing/2014/main" id="{D5AF28BC-DA2B-0E4F-8BF3-432E6EA42594}"/>
+              </a:ext>
+            </a:extLst>
+          </p:cNvPr>
+          <p:cNvCxnSpPr/>
+          <p:nvPr/>
+        </p:nvCxnSpPr>
+        <p:spPr>
+          <a:xfrm>
+            <a:off x="5781409" y="2581442"/>
+            <a:ext cx="217762" cy="0"/>
+          </a:xfrm>
+          <a:prstGeom prst="straightConnector1">
+            <a:avLst/>
+          </a:prstGeom>
+          <a:ln w="25400">
+            <a:tailEnd type="triangle" w="lg" len="lg"/>
+          </a:ln>
+        </p:spPr>
+        <p:style>
+          <a:lnRef idx="1">
+            <a:schemeClr val="accent3"/>
+          </a:lnRef>
+          <a:fillRef idx="0">
+            <a:schemeClr val="accent3"/>
+          </a:fillRef>
+          <a:effectRef idx="0">
+            <a:schemeClr val="accent3"/>
+          </a:effectRef>
+          <a:fontRef idx="minor">
+            <a:schemeClr val="tx1"/>
+          </a:fontRef>
+        </p:style>
+      </p:cxnSp>
+      <p:cxnSp>
+        <p:nvCxnSpPr>
+          <p:cNvPr id="113" name="Straight Connector 112">
+            <a:extLst>
+              <a:ext uri="{FF2B5EF4-FFF2-40B4-BE49-F238E27FC236}">
+                <a16:creationId xmlns:a16="http://schemas.microsoft.com/office/drawing/2014/main" id="{5EF11674-4486-FC44-9321-21FDB4B68BA0}"/>
+              </a:ext>
+            </a:extLst>
+          </p:cNvPr>
+          <p:cNvCxnSpPr/>
+          <p:nvPr/>
+        </p:nvCxnSpPr>
+        <p:spPr>
+          <a:xfrm>
+            <a:off x="6742125" y="2573663"/>
+            <a:ext cx="1060704" cy="0"/>
+          </a:xfrm>
+          <a:prstGeom prst="line">
+            <a:avLst/>
+          </a:prstGeom>
+          <a:ln w="25400">
+            <a:solidFill>
+              <a:srgbClr val="C00000"/>
+            </a:solidFill>
+          </a:ln>
+        </p:spPr>
+        <p:style>
+          <a:lnRef idx="1">
+            <a:schemeClr val="accent3"/>
+          </a:lnRef>
+          <a:fillRef idx="0">
+            <a:schemeClr val="accent3"/>
+          </a:fillRef>
+          <a:effectRef idx="0">
+            <a:schemeClr val="accent3"/>
+          </a:effectRef>
+          <a:fontRef idx="minor">
+            <a:schemeClr val="tx1"/>
+          </a:fontRef>
+        </p:style>
+      </p:cxnSp>
       <p:sp>
         <p:nvSpPr>
-          <p:cNvPr id="103" name="Isosceles Triangle 38">
-            <a:extLst>
-              <a:ext uri="{FF2B5EF4-FFF2-40B4-BE49-F238E27FC236}">
-                <a16:creationId xmlns:a16="http://schemas.microsoft.com/office/drawing/2014/main" id="{ED520884-FE23-FF43-B70C-543C831E871D}"/>
+          <p:cNvPr id="115" name="Rounded Rectangle 114">
+            <a:extLst>
+              <a:ext uri="{FF2B5EF4-FFF2-40B4-BE49-F238E27FC236}">
+                <a16:creationId xmlns:a16="http://schemas.microsoft.com/office/drawing/2014/main" id="{E0AF28EB-5E45-F541-A4E6-0543A7A3A9D6}"/>
               </a:ext>
             </a:extLst>
           </p:cNvPr>
@@ -11602,13 +11518,21 @@
           <p:nvPr/>
         </p:nvSpPr>
         <p:spPr>
-          <a:xfrm rot="5400000">
-            <a:off x="4600813" y="3838370"/>
-            <a:ext cx="209543" cy="208423"/>
-          </a:xfrm>
-          <a:prstGeom prst="triangle">
-            <a:avLst/>
-          </a:prstGeom>
+          <a:xfrm>
+            <a:off x="6007264" y="2461828"/>
+            <a:ext cx="612967" cy="255371"/>
+          </a:xfrm>
+          <a:prstGeom prst="roundRect">
+            <a:avLst>
+              <a:gd name="adj" fmla="val 50000"/>
+            </a:avLst>
+          </a:prstGeom>
+          <a:solidFill>
+            <a:schemeClr val="accent1">
+              <a:lumMod val="40000"/>
+              <a:lumOff val="60000"/>
+            </a:schemeClr>
+          </a:solidFill>
         </p:spPr>
         <p:style>
           <a:lnRef idx="2">
@@ -11637,10 +11561,10 @@
       </p:sp>
       <p:sp>
         <p:nvSpPr>
-          <p:cNvPr id="104" name="Isosceles Triangle 39">
-            <a:extLst>
-              <a:ext uri="{FF2B5EF4-FFF2-40B4-BE49-F238E27FC236}">
-                <a16:creationId xmlns:a16="http://schemas.microsoft.com/office/drawing/2014/main" id="{7419501F-2818-F64A-B938-899F093BC560}"/>
+          <p:cNvPr id="116" name="Freeform 115">
+            <a:extLst>
+              <a:ext uri="{FF2B5EF4-FFF2-40B4-BE49-F238E27FC236}">
+                <a16:creationId xmlns:a16="http://schemas.microsoft.com/office/drawing/2014/main" id="{4DD789F4-45CE-584C-9BBF-2D42EB278DEF}"/>
               </a:ext>
             </a:extLst>
           </p:cNvPr>
@@ -11648,214 +11572,8 @@
           <p:nvPr/>
         </p:nvSpPr>
         <p:spPr>
-          <a:xfrm rot="5400000">
-            <a:off x="5239827" y="3833116"/>
-            <a:ext cx="209543" cy="208423"/>
-          </a:xfrm>
-          <a:prstGeom prst="triangle">
-            <a:avLst/>
-          </a:prstGeom>
-        </p:spPr>
-        <p:style>
-          <a:lnRef idx="2">
-            <a:schemeClr val="accent1">
-              <a:shade val="50000"/>
-            </a:schemeClr>
-          </a:lnRef>
-          <a:fillRef idx="1">
-            <a:schemeClr val="accent1"/>
-          </a:fillRef>
-          <a:effectRef idx="0">
-            <a:schemeClr val="accent1"/>
-          </a:effectRef>
-          <a:fontRef idx="minor">
-            <a:schemeClr val="lt1"/>
-          </a:fontRef>
-        </p:style>
-        <p:txBody>
-          <a:bodyPr rtlCol="0" anchor="ctr"/>
-          <a:lstStyle/>
-          <a:p>
-            <a:pPr algn="ctr"/>
-            <a:endParaRPr lang="en-US"/>
-          </a:p>
-        </p:txBody>
-      </p:sp>
-      <p:cxnSp>
-        <p:nvCxnSpPr>
-          <p:cNvPr id="110" name="Straight Arrow Connector 109">
-            <a:extLst>
-              <a:ext uri="{FF2B5EF4-FFF2-40B4-BE49-F238E27FC236}">
-                <a16:creationId xmlns:a16="http://schemas.microsoft.com/office/drawing/2014/main" id="{3F4A523E-A459-734E-A77A-F612327A996B}"/>
-              </a:ext>
-            </a:extLst>
-          </p:cNvPr>
-          <p:cNvCxnSpPr/>
-          <p:nvPr/>
-        </p:nvCxnSpPr>
-        <p:spPr>
-          <a:xfrm flipV="1">
-            <a:off x="5769610" y="3341424"/>
-            <a:ext cx="2637" cy="439764"/>
-          </a:xfrm>
-          <a:prstGeom prst="straightConnector1">
-            <a:avLst/>
-          </a:prstGeom>
-          <a:ln w="25400">
-            <a:tailEnd type="triangle" w="lg" len="lg"/>
-          </a:ln>
-        </p:spPr>
-        <p:style>
-          <a:lnRef idx="1">
-            <a:schemeClr val="accent3"/>
-          </a:lnRef>
-          <a:fillRef idx="0">
-            <a:schemeClr val="accent3"/>
-          </a:fillRef>
-          <a:effectRef idx="0">
-            <a:schemeClr val="accent3"/>
-          </a:effectRef>
-          <a:fontRef idx="minor">
-            <a:schemeClr val="tx1"/>
-          </a:fontRef>
-        </p:style>
-      </p:cxnSp>
-      <p:cxnSp>
-        <p:nvCxnSpPr>
-          <p:cNvPr id="111" name="Straight Connector 110">
-            <a:extLst>
-              <a:ext uri="{FF2B5EF4-FFF2-40B4-BE49-F238E27FC236}">
-                <a16:creationId xmlns:a16="http://schemas.microsoft.com/office/drawing/2014/main" id="{84483D99-1437-5648-AA42-D5110DD29CD8}"/>
-              </a:ext>
-            </a:extLst>
-          </p:cNvPr>
-          <p:cNvCxnSpPr>
-            <a:cxnSpLocks/>
-            <a:stCxn id="114" idx="4"/>
-            <a:endCxn id="117" idx="4"/>
-          </p:cNvCxnSpPr>
-          <p:nvPr/>
-        </p:nvCxnSpPr>
-        <p:spPr>
-          <a:xfrm flipH="1" flipV="1">
-            <a:off x="5777440" y="2627696"/>
-            <a:ext cx="0" cy="601311"/>
-          </a:xfrm>
-          <a:prstGeom prst="line">
-            <a:avLst/>
-          </a:prstGeom>
-          <a:ln w="25400"/>
-        </p:spPr>
-        <p:style>
-          <a:lnRef idx="1">
-            <a:schemeClr val="accent3"/>
-          </a:lnRef>
-          <a:fillRef idx="0">
-            <a:schemeClr val="accent3"/>
-          </a:fillRef>
-          <a:effectRef idx="0">
-            <a:schemeClr val="accent3"/>
-          </a:effectRef>
-          <a:fontRef idx="minor">
-            <a:schemeClr val="tx1"/>
-          </a:fontRef>
-        </p:style>
-      </p:cxnSp>
-      <p:cxnSp>
-        <p:nvCxnSpPr>
-          <p:cNvPr id="112" name="Straight Arrow Connector 111">
-            <a:extLst>
-              <a:ext uri="{FF2B5EF4-FFF2-40B4-BE49-F238E27FC236}">
-                <a16:creationId xmlns:a16="http://schemas.microsoft.com/office/drawing/2014/main" id="{D5AF28BC-DA2B-0E4F-8BF3-432E6EA42594}"/>
-              </a:ext>
-            </a:extLst>
-          </p:cNvPr>
-          <p:cNvCxnSpPr/>
-          <p:nvPr/>
-        </p:nvCxnSpPr>
-        <p:spPr>
           <a:xfrm>
-            <a:off x="5781409" y="2581442"/>
-            <a:ext cx="217762" cy="0"/>
-          </a:xfrm>
-          <a:prstGeom prst="straightConnector1">
-            <a:avLst/>
-          </a:prstGeom>
-          <a:ln w="25400">
-            <a:tailEnd type="triangle" w="lg" len="lg"/>
-          </a:ln>
-        </p:spPr>
-        <p:style>
-          <a:lnRef idx="1">
-            <a:schemeClr val="accent3"/>
-          </a:lnRef>
-          <a:fillRef idx="0">
-            <a:schemeClr val="accent3"/>
-          </a:fillRef>
-          <a:effectRef idx="0">
-            <a:schemeClr val="accent3"/>
-          </a:effectRef>
-          <a:fontRef idx="minor">
-            <a:schemeClr val="tx1"/>
-          </a:fontRef>
-        </p:style>
-      </p:cxnSp>
-      <p:cxnSp>
-        <p:nvCxnSpPr>
-          <p:cNvPr id="113" name="Straight Connector 112">
-            <a:extLst>
-              <a:ext uri="{FF2B5EF4-FFF2-40B4-BE49-F238E27FC236}">
-                <a16:creationId xmlns:a16="http://schemas.microsoft.com/office/drawing/2014/main" id="{5EF11674-4486-FC44-9321-21FDB4B68BA0}"/>
-              </a:ext>
-            </a:extLst>
-          </p:cNvPr>
-          <p:cNvCxnSpPr/>
-          <p:nvPr/>
-        </p:nvCxnSpPr>
-        <p:spPr>
-          <a:xfrm>
-            <a:off x="6742125" y="2573663"/>
-            <a:ext cx="1060704" cy="0"/>
-          </a:xfrm>
-          <a:prstGeom prst="line">
-            <a:avLst/>
-          </a:prstGeom>
-          <a:ln w="25400">
-            <a:solidFill>
-              <a:srgbClr val="C00000"/>
-            </a:solidFill>
-          </a:ln>
-        </p:spPr>
-        <p:style>
-          <a:lnRef idx="1">
-            <a:schemeClr val="accent3"/>
-          </a:lnRef>
-          <a:fillRef idx="0">
-            <a:schemeClr val="accent3"/>
-          </a:fillRef>
-          <a:effectRef idx="0">
-            <a:schemeClr val="accent3"/>
-          </a:effectRef>
-          <a:fontRef idx="minor">
-            <a:schemeClr val="tx1"/>
-          </a:fontRef>
-        </p:style>
-      </p:cxnSp>
-      <p:sp>
-        <p:nvSpPr>
-          <p:cNvPr id="114" name="Freeform 113">
-            <a:extLst>
-              <a:ext uri="{FF2B5EF4-FFF2-40B4-BE49-F238E27FC236}">
-                <a16:creationId xmlns:a16="http://schemas.microsoft.com/office/drawing/2014/main" id="{8B9FD3C0-1D73-1F4B-9FCD-F6328E7D8436}"/>
-              </a:ext>
-            </a:extLst>
-          </p:cNvPr>
-          <p:cNvSpPr/>
-          <p:nvPr/>
-        </p:nvSpPr>
-        <p:spPr>
-          <a:xfrm>
-            <a:off x="5495735" y="3228059"/>
+            <a:off x="6160929" y="2547956"/>
             <a:ext cx="571347" cy="83114"/>
           </a:xfrm>
           <a:custGeom>
@@ -11988,12 +11706,97 @@
           </a:p>
         </p:txBody>
       </p:sp>
+      <p:cxnSp>
+        <p:nvCxnSpPr>
+          <p:cNvPr id="127" name="Elbow Connector 126">
+            <a:extLst>
+              <a:ext uri="{FF2B5EF4-FFF2-40B4-BE49-F238E27FC236}">
+                <a16:creationId xmlns:a16="http://schemas.microsoft.com/office/drawing/2014/main" id="{296D51C9-0519-F14D-96E6-194E057A3816}"/>
+              </a:ext>
+            </a:extLst>
+          </p:cNvPr>
+          <p:cNvCxnSpPr>
+            <a:cxnSpLocks/>
+          </p:cNvCxnSpPr>
+          <p:nvPr/>
+        </p:nvCxnSpPr>
+        <p:spPr>
+          <a:xfrm>
+            <a:off x="7990089" y="2282971"/>
+            <a:ext cx="422391" cy="1274100"/>
+          </a:xfrm>
+          <a:prstGeom prst="bentConnector2">
+            <a:avLst/>
+          </a:prstGeom>
+          <a:ln w="25400">
+            <a:solidFill>
+              <a:srgbClr val="7030A0"/>
+            </a:solidFill>
+            <a:tailEnd type="diamond" w="lg" len="lg"/>
+          </a:ln>
+        </p:spPr>
+        <p:style>
+          <a:lnRef idx="1">
+            <a:schemeClr val="accent3"/>
+          </a:lnRef>
+          <a:fillRef idx="0">
+            <a:schemeClr val="accent3"/>
+          </a:fillRef>
+          <a:effectRef idx="0">
+            <a:schemeClr val="accent3"/>
+          </a:effectRef>
+          <a:fontRef idx="minor">
+            <a:schemeClr val="tx1"/>
+          </a:fontRef>
+        </p:style>
+      </p:cxnSp>
+      <p:cxnSp>
+        <p:nvCxnSpPr>
+          <p:cNvPr id="128" name="Straight Connector 127">
+            <a:extLst>
+              <a:ext uri="{FF2B5EF4-FFF2-40B4-BE49-F238E27FC236}">
+                <a16:creationId xmlns:a16="http://schemas.microsoft.com/office/drawing/2014/main" id="{E64BD68E-C93B-8145-BC37-5D37BF0B65A4}"/>
+              </a:ext>
+            </a:extLst>
+          </p:cNvPr>
+          <p:cNvCxnSpPr/>
+          <p:nvPr/>
+        </p:nvCxnSpPr>
+        <p:spPr>
+          <a:xfrm>
+            <a:off x="7812734" y="2559053"/>
+            <a:ext cx="0" cy="1837944"/>
+          </a:xfrm>
+          <a:prstGeom prst="line">
+            <a:avLst/>
+          </a:prstGeom>
+          <a:ln w="25400">
+            <a:solidFill>
+              <a:srgbClr val="C00000"/>
+            </a:solidFill>
+          </a:ln>
+        </p:spPr>
+        <p:style>
+          <a:lnRef idx="1">
+            <a:schemeClr val="accent3"/>
+          </a:lnRef>
+          <a:fillRef idx="0">
+            <a:schemeClr val="accent3"/>
+          </a:fillRef>
+          <a:effectRef idx="0">
+            <a:schemeClr val="accent3"/>
+          </a:effectRef>
+          <a:fontRef idx="minor">
+            <a:schemeClr val="tx1"/>
+          </a:fontRef>
+        </p:style>
+      </p:cxnSp>
       <p:sp>
         <p:nvSpPr>
-          <p:cNvPr id="115" name="Rounded Rectangle 114">
-            <a:extLst>
-              <a:ext uri="{FF2B5EF4-FFF2-40B4-BE49-F238E27FC236}">
-                <a16:creationId xmlns:a16="http://schemas.microsoft.com/office/drawing/2014/main" id="{E0AF28EB-5E45-F541-A4E6-0543A7A3A9D6}"/>
+          <p:cNvPr id="129" name="Freeform 128">
+            <a:extLst>
+              <a:ext uri="{FF2B5EF4-FFF2-40B4-BE49-F238E27FC236}">
+                <a16:creationId xmlns:a16="http://schemas.microsoft.com/office/drawing/2014/main" id="{328BF9C3-64E7-304A-9C8B-18F6B8A84996}"/>
               </a:ext>
             </a:extLst>
           </p:cNvPr>
@@ -12002,35 +11805,114 @@
         </p:nvSpPr>
         <p:spPr>
           <a:xfrm>
-            <a:off x="6007264" y="2461828"/>
-            <a:ext cx="612967" cy="255371"/>
-          </a:xfrm>
-          <a:prstGeom prst="roundRect">
-            <a:avLst>
-              <a:gd name="adj" fmla="val 50000"/>
-            </a:avLst>
-          </a:prstGeom>
-          <a:solidFill>
-            <a:schemeClr val="accent1">
-              <a:lumMod val="40000"/>
-              <a:lumOff val="60000"/>
-            </a:schemeClr>
-          </a:solidFill>
-        </p:spPr>
-        <p:style>
-          <a:lnRef idx="2">
-            <a:schemeClr val="accent1">
-              <a:shade val="50000"/>
-            </a:schemeClr>
-          </a:lnRef>
-          <a:fillRef idx="1">
-            <a:schemeClr val="accent1"/>
+            <a:off x="7966400" y="3655788"/>
+            <a:ext cx="868442" cy="180707"/>
+          </a:xfrm>
+          <a:custGeom>
+            <a:avLst/>
+            <a:gdLst>
+              <a:gd name="connsiteX0" fmla="*/ 0 w 4142629"/>
+              <a:gd name="connsiteY0" fmla="*/ 854057 h 862008"/>
+              <a:gd name="connsiteX1" fmla="*/ 1470991 w 4142629"/>
+              <a:gd name="connsiteY1" fmla="*/ 691055 h 862008"/>
+              <a:gd name="connsiteX2" fmla="*/ 174928 w 4142629"/>
+              <a:gd name="connsiteY2" fmla="*/ 301441 h 862008"/>
+              <a:gd name="connsiteX3" fmla="*/ 1411356 w 4142629"/>
+              <a:gd name="connsiteY3" fmla="*/ 35072 h 862008"/>
+              <a:gd name="connsiteX4" fmla="*/ 2747175 w 4142629"/>
+              <a:gd name="connsiteY4" fmla="*/ 31097 h 862008"/>
+              <a:gd name="connsiteX5" fmla="*/ 3951798 w 4142629"/>
+              <a:gd name="connsiteY5" fmla="*/ 293490 h 862008"/>
+              <a:gd name="connsiteX6" fmla="*/ 2671638 w 4142629"/>
+              <a:gd name="connsiteY6" fmla="*/ 675152 h 862008"/>
+              <a:gd name="connsiteX7" fmla="*/ 4142629 w 4142629"/>
+              <a:gd name="connsiteY7" fmla="*/ 862008 h 862008"/>
+            </a:gdLst>
+            <a:ahLst/>
+            <a:cxnLst>
+              <a:cxn ang="0">
+                <a:pos x="connsiteX0" y="connsiteY0"/>
+              </a:cxn>
+              <a:cxn ang="0">
+                <a:pos x="connsiteX1" y="connsiteY1"/>
+              </a:cxn>
+              <a:cxn ang="0">
+                <a:pos x="connsiteX2" y="connsiteY2"/>
+              </a:cxn>
+              <a:cxn ang="0">
+                <a:pos x="connsiteX3" y="connsiteY3"/>
+              </a:cxn>
+              <a:cxn ang="0">
+                <a:pos x="connsiteX4" y="connsiteY4"/>
+              </a:cxn>
+              <a:cxn ang="0">
+                <a:pos x="connsiteX5" y="connsiteY5"/>
+              </a:cxn>
+              <a:cxn ang="0">
+                <a:pos x="connsiteX6" y="connsiteY6"/>
+              </a:cxn>
+              <a:cxn ang="0">
+                <a:pos x="connsiteX7" y="connsiteY7"/>
+              </a:cxn>
+            </a:cxnLst>
+            <a:rect l="l" t="t" r="r" b="b"/>
+            <a:pathLst>
+              <a:path w="4142629" h="862008">
+                <a:moveTo>
+                  <a:pt x="0" y="854057"/>
+                </a:moveTo>
+                <a:cubicBezTo>
+                  <a:pt x="720918" y="818607"/>
+                  <a:pt x="1441836" y="783158"/>
+                  <a:pt x="1470991" y="691055"/>
+                </a:cubicBezTo>
+                <a:cubicBezTo>
+                  <a:pt x="1500146" y="598952"/>
+                  <a:pt x="184867" y="410771"/>
+                  <a:pt x="174928" y="301441"/>
+                </a:cubicBezTo>
+                <a:cubicBezTo>
+                  <a:pt x="164989" y="192111"/>
+                  <a:pt x="982648" y="80129"/>
+                  <a:pt x="1411356" y="35072"/>
+                </a:cubicBezTo>
+                <a:cubicBezTo>
+                  <a:pt x="1840064" y="-9985"/>
+                  <a:pt x="2323768" y="-11973"/>
+                  <a:pt x="2747175" y="31097"/>
+                </a:cubicBezTo>
+                <a:cubicBezTo>
+                  <a:pt x="3170582" y="74167"/>
+                  <a:pt x="3964387" y="186148"/>
+                  <a:pt x="3951798" y="293490"/>
+                </a:cubicBezTo>
+                <a:cubicBezTo>
+                  <a:pt x="3939209" y="400832"/>
+                  <a:pt x="2639833" y="580399"/>
+                  <a:pt x="2671638" y="675152"/>
+                </a:cubicBezTo>
+                <a:cubicBezTo>
+                  <a:pt x="2703443" y="769905"/>
+                  <a:pt x="3423036" y="815956"/>
+                  <a:pt x="4142629" y="862008"/>
+                </a:cubicBezTo>
+              </a:path>
+            </a:pathLst>
+          </a:custGeom>
+          <a:ln w="28575"/>
+        </p:spPr>
+        <p:style>
+          <a:lnRef idx="1">
+            <a:schemeClr val="dk1"/>
+          </a:lnRef>
+          <a:fillRef idx="0">
+            <a:schemeClr val="dk1"/>
           </a:fillRef>
           <a:effectRef idx="0">
-            <a:schemeClr val="accent1"/>
-          </a:effectRef>
-          <a:fontRef idx="minor">
-            <a:schemeClr val="lt1"/>
+            <a:schemeClr val="dk1"/>
+          </a:effectRef>
+          <a:fontRef idx="minor">
+            <a:schemeClr val="tx1"/>
           </a:fontRef>
         </p:style>
         <p:txBody>
@@ -12044,10 +11926,216 @@
       </p:sp>
       <p:sp>
         <p:nvSpPr>
-          <p:cNvPr id="116" name="Freeform 115">
-            <a:extLst>
-              <a:ext uri="{FF2B5EF4-FFF2-40B4-BE49-F238E27FC236}">
-                <a16:creationId xmlns:a16="http://schemas.microsoft.com/office/drawing/2014/main" id="{4DD789F4-45CE-584C-9BBF-2D42EB278DEF}"/>
+          <p:cNvPr id="130" name="TextBox 129">
+            <a:extLst>
+              <a:ext uri="{FF2B5EF4-FFF2-40B4-BE49-F238E27FC236}">
+                <a16:creationId xmlns:a16="http://schemas.microsoft.com/office/drawing/2014/main" id="{65D4AA3B-36B5-704A-8C57-C1EADAC06A2E}"/>
+              </a:ext>
+            </a:extLst>
+          </p:cNvPr>
+          <p:cNvSpPr txBox="1"/>
+          <p:nvPr/>
+        </p:nvSpPr>
+        <p:spPr>
+          <a:xfrm>
+            <a:off x="7919359" y="3804739"/>
+            <a:ext cx="985847" cy="646331"/>
+          </a:xfrm>
+          <a:prstGeom prst="rect">
+            <a:avLst/>
+          </a:prstGeom>
+          <a:noFill/>
+        </p:spPr>
+        <p:txBody>
+          <a:bodyPr wrap="none" rtlCol="0">
+            <a:spAutoFit/>
+          </a:bodyPr>
+          <a:lstStyle/>
+          <a:p>
+            <a:pPr algn="ctr"/>
+            <a:r>
+              <a:rPr lang="en-US" dirty="0"/>
+              <a:t>genomic</a:t>
+            </a:r>
+          </a:p>
+          <a:p>
+            <a:pPr algn="ctr"/>
+            <a:r>
+              <a:rPr lang="en-US" dirty="0"/>
+              <a:t>target</a:t>
+            </a:r>
+          </a:p>
+        </p:txBody>
+      </p:sp>
+      <p:cxnSp>
+        <p:nvCxnSpPr>
+          <p:cNvPr id="132" name="Elbow Connector 131">
+            <a:extLst>
+              <a:ext uri="{FF2B5EF4-FFF2-40B4-BE49-F238E27FC236}">
+                <a16:creationId xmlns:a16="http://schemas.microsoft.com/office/drawing/2014/main" id="{22C36361-774B-6E4C-8354-C6F237CED328}"/>
+              </a:ext>
+            </a:extLst>
+          </p:cNvPr>
+          <p:cNvCxnSpPr>
+            <a:cxnSpLocks/>
+          </p:cNvCxnSpPr>
+          <p:nvPr/>
+        </p:nvCxnSpPr>
+        <p:spPr>
+          <a:xfrm flipV="1">
+            <a:off x="4888067" y="3629396"/>
+            <a:ext cx="328764" cy="301158"/>
+          </a:xfrm>
+          <a:prstGeom prst="bentConnector3">
+            <a:avLst>
+              <a:gd name="adj1" fmla="val 5634"/>
+            </a:avLst>
+          </a:prstGeom>
+          <a:ln w="38100">
+            <a:headEnd type="none" w="med" len="med"/>
+            <a:tailEnd type="arrow" w="med" len="med"/>
+          </a:ln>
+        </p:spPr>
+        <p:style>
+          <a:lnRef idx="3">
+            <a:schemeClr val="dk1"/>
+          </a:lnRef>
+          <a:fillRef idx="0">
+            <a:schemeClr val="dk1"/>
+          </a:fillRef>
+          <a:effectRef idx="2">
+            <a:schemeClr val="dk1"/>
+          </a:effectRef>
+          <a:fontRef idx="minor">
+            <a:schemeClr val="tx1"/>
+          </a:fontRef>
+        </p:style>
+      </p:cxnSp>
+      <p:sp>
+        <p:nvSpPr>
+          <p:cNvPr id="133" name="TextBox 132">
+            <a:extLst>
+              <a:ext uri="{FF2B5EF4-FFF2-40B4-BE49-F238E27FC236}">
+                <a16:creationId xmlns:a16="http://schemas.microsoft.com/office/drawing/2014/main" id="{B63751B2-3CBF-2442-A24D-990B988F9876}"/>
+              </a:ext>
+            </a:extLst>
+          </p:cNvPr>
+          <p:cNvSpPr txBox="1"/>
+          <p:nvPr/>
+        </p:nvSpPr>
+        <p:spPr>
+          <a:xfrm>
+            <a:off x="5079149" y="3920251"/>
+            <a:ext cx="907621" cy="369332"/>
+          </a:xfrm>
+          <a:prstGeom prst="rect">
+            <a:avLst/>
+          </a:prstGeom>
+          <a:noFill/>
+        </p:spPr>
+        <p:txBody>
+          <a:bodyPr wrap="none" rtlCol="0">
+            <a:spAutoFit/>
+          </a:bodyPr>
+          <a:lstStyle/>
+          <a:p>
+            <a:r>
+              <a:rPr lang="en-US" dirty="0"/>
+              <a:t>sgRNA1</a:t>
+            </a:r>
+          </a:p>
+        </p:txBody>
+      </p:sp>
+      <p:cxnSp>
+        <p:nvCxnSpPr>
+          <p:cNvPr id="134" name="Elbow Connector 32">
+            <a:extLst>
+              <a:ext uri="{FF2B5EF4-FFF2-40B4-BE49-F238E27FC236}">
+                <a16:creationId xmlns:a16="http://schemas.microsoft.com/office/drawing/2014/main" id="{6BED6590-FE42-A84F-BC04-7B01908B5AD6}"/>
+              </a:ext>
+            </a:extLst>
+          </p:cNvPr>
+          <p:cNvCxnSpPr>
+            <a:cxnSpLocks/>
+          </p:cNvCxnSpPr>
+          <p:nvPr/>
+        </p:nvCxnSpPr>
+        <p:spPr>
+          <a:xfrm>
+            <a:off x="2963076" y="2581976"/>
+            <a:ext cx="2871978" cy="0"/>
+          </a:xfrm>
+          <a:prstGeom prst="straightConnector1">
+            <a:avLst/>
+          </a:prstGeom>
+          <a:ln w="25400"/>
+        </p:spPr>
+        <p:style>
+          <a:lnRef idx="1">
+            <a:schemeClr val="accent3"/>
+          </a:lnRef>
+          <a:fillRef idx="0">
+            <a:schemeClr val="accent3"/>
+          </a:fillRef>
+          <a:effectRef idx="0">
+            <a:schemeClr val="accent3"/>
+          </a:effectRef>
+          <a:fontRef idx="minor">
+            <a:schemeClr val="tx1"/>
+          </a:fontRef>
+        </p:style>
+      </p:cxnSp>
+      <p:cxnSp>
+        <p:nvCxnSpPr>
+          <p:cNvPr id="135" name="Straight Connector 134">
+            <a:extLst>
+              <a:ext uri="{FF2B5EF4-FFF2-40B4-BE49-F238E27FC236}">
+                <a16:creationId xmlns:a16="http://schemas.microsoft.com/office/drawing/2014/main" id="{FAFC288D-EDF2-3A42-9367-882F9C08C6E3}"/>
+              </a:ext>
+            </a:extLst>
+          </p:cNvPr>
+          <p:cNvCxnSpPr>
+            <a:cxnSpLocks/>
+          </p:cNvCxnSpPr>
+          <p:nvPr/>
+        </p:nvCxnSpPr>
+        <p:spPr>
+          <a:xfrm flipH="1">
+            <a:off x="6137970" y="4025077"/>
+            <a:ext cx="0" cy="365760"/>
+          </a:xfrm>
+          <a:prstGeom prst="line">
+            <a:avLst/>
+          </a:prstGeom>
+          <a:ln w="25400">
+            <a:solidFill>
+              <a:srgbClr val="C00000"/>
+            </a:solidFill>
+            <a:headEnd type="diamond" w="lg" len="lg"/>
+            <a:tailEnd type="none"/>
+          </a:ln>
+        </p:spPr>
+        <p:style>
+          <a:lnRef idx="1">
+            <a:schemeClr val="accent3"/>
+          </a:lnRef>
+          <a:fillRef idx="0">
+            <a:schemeClr val="accent3"/>
+          </a:fillRef>
+          <a:effectRef idx="0">
+            <a:schemeClr val="accent3"/>
+          </a:effectRef>
+          <a:fontRef idx="minor">
+            <a:schemeClr val="tx1"/>
+          </a:fontRef>
+        </p:style>
+      </p:cxnSp>
+      <p:sp>
+        <p:nvSpPr>
+          <p:cNvPr id="136" name="Isosceles Triangle 38">
+            <a:extLst>
+              <a:ext uri="{FF2B5EF4-FFF2-40B4-BE49-F238E27FC236}">
+                <a16:creationId xmlns:a16="http://schemas.microsoft.com/office/drawing/2014/main" id="{39989D0D-DC5E-8D48-8CD3-2EA9E919DE32}"/>
               </a:ext>
             </a:extLst>
           </p:cNvPr>
@@ -12055,8 +12143,219 @@
           <p:nvPr/>
         </p:nvSpPr>
         <p:spPr>
+          <a:xfrm rot="5400000">
+            <a:off x="4602251" y="3838370"/>
+            <a:ext cx="209543" cy="208423"/>
+          </a:xfrm>
+          <a:prstGeom prst="triangle">
+            <a:avLst/>
+          </a:prstGeom>
+        </p:spPr>
+        <p:style>
+          <a:lnRef idx="2">
+            <a:schemeClr val="accent1">
+              <a:shade val="50000"/>
+            </a:schemeClr>
+          </a:lnRef>
+          <a:fillRef idx="1">
+            <a:schemeClr val="accent1"/>
+          </a:fillRef>
+          <a:effectRef idx="0">
+            <a:schemeClr val="accent1"/>
+          </a:effectRef>
+          <a:fontRef idx="minor">
+            <a:schemeClr val="lt1"/>
+          </a:fontRef>
+        </p:style>
+        <p:txBody>
+          <a:bodyPr rtlCol="0" anchor="ctr"/>
+          <a:lstStyle/>
+          <a:p>
+            <a:pPr algn="ctr"/>
+            <a:endParaRPr lang="en-US"/>
+          </a:p>
+        </p:txBody>
+      </p:sp>
+      <p:sp>
+        <p:nvSpPr>
+          <p:cNvPr id="137" name="Isosceles Triangle 39">
+            <a:extLst>
+              <a:ext uri="{FF2B5EF4-FFF2-40B4-BE49-F238E27FC236}">
+                <a16:creationId xmlns:a16="http://schemas.microsoft.com/office/drawing/2014/main" id="{F8D26A5E-726A-524F-995B-5C4523D19B4D}"/>
+              </a:ext>
+            </a:extLst>
+          </p:cNvPr>
+          <p:cNvSpPr/>
+          <p:nvPr/>
+        </p:nvSpPr>
+        <p:spPr>
+          <a:xfrm rot="5400000">
+            <a:off x="5863836" y="3833116"/>
+            <a:ext cx="209543" cy="208423"/>
+          </a:xfrm>
+          <a:prstGeom prst="triangle">
+            <a:avLst/>
+          </a:prstGeom>
+        </p:spPr>
+        <p:style>
+          <a:lnRef idx="2">
+            <a:schemeClr val="accent1">
+              <a:shade val="50000"/>
+            </a:schemeClr>
+          </a:lnRef>
+          <a:fillRef idx="1">
+            <a:schemeClr val="accent1"/>
+          </a:fillRef>
+          <a:effectRef idx="0">
+            <a:schemeClr val="accent1"/>
+          </a:effectRef>
+          <a:fontRef idx="minor">
+            <a:schemeClr val="lt1"/>
+          </a:fontRef>
+        </p:style>
+        <p:txBody>
+          <a:bodyPr rtlCol="0" anchor="ctr"/>
+          <a:lstStyle/>
+          <a:p>
+            <a:pPr algn="ctr"/>
+            <a:endParaRPr lang="en-US"/>
+          </a:p>
+        </p:txBody>
+      </p:sp>
+      <p:cxnSp>
+        <p:nvCxnSpPr>
+          <p:cNvPr id="138" name="Straight Arrow Connector 137">
+            <a:extLst>
+              <a:ext uri="{FF2B5EF4-FFF2-40B4-BE49-F238E27FC236}">
+                <a16:creationId xmlns:a16="http://schemas.microsoft.com/office/drawing/2014/main" id="{C651A4A5-E093-7047-B898-9943A1E23F31}"/>
+              </a:ext>
+            </a:extLst>
+          </p:cNvPr>
+          <p:cNvCxnSpPr/>
+          <p:nvPr/>
+        </p:nvCxnSpPr>
+        <p:spPr>
+          <a:xfrm flipV="1">
+            <a:off x="5537582" y="3341424"/>
+            <a:ext cx="2637" cy="439764"/>
+          </a:xfrm>
+          <a:prstGeom prst="straightConnector1">
+            <a:avLst/>
+          </a:prstGeom>
+          <a:ln w="25400">
+            <a:tailEnd type="triangle" w="lg" len="lg"/>
+          </a:ln>
+        </p:spPr>
+        <p:style>
+          <a:lnRef idx="1">
+            <a:schemeClr val="accent3"/>
+          </a:lnRef>
+          <a:fillRef idx="0">
+            <a:schemeClr val="accent3"/>
+          </a:fillRef>
+          <a:effectRef idx="0">
+            <a:schemeClr val="accent3"/>
+          </a:effectRef>
+          <a:fontRef idx="minor">
+            <a:schemeClr val="tx1"/>
+          </a:fontRef>
+        </p:style>
+      </p:cxnSp>
+      <p:cxnSp>
+        <p:nvCxnSpPr>
+          <p:cNvPr id="139" name="Straight Connector 138">
+            <a:extLst>
+              <a:ext uri="{FF2B5EF4-FFF2-40B4-BE49-F238E27FC236}">
+                <a16:creationId xmlns:a16="http://schemas.microsoft.com/office/drawing/2014/main" id="{2822B061-5BD1-114D-AB37-65A3332388A9}"/>
+              </a:ext>
+            </a:extLst>
+          </p:cNvPr>
+          <p:cNvCxnSpPr>
+            <a:cxnSpLocks/>
+            <a:stCxn id="141" idx="4"/>
+            <a:endCxn id="142" idx="4"/>
+          </p:cNvCxnSpPr>
+          <p:nvPr/>
+        </p:nvCxnSpPr>
+        <p:spPr>
+          <a:xfrm flipH="1" flipV="1">
+            <a:off x="5545412" y="2627696"/>
+            <a:ext cx="0" cy="601311"/>
+          </a:xfrm>
+          <a:prstGeom prst="line">
+            <a:avLst/>
+          </a:prstGeom>
+          <a:ln w="25400"/>
+        </p:spPr>
+        <p:style>
+          <a:lnRef idx="1">
+            <a:schemeClr val="accent3"/>
+          </a:lnRef>
+          <a:fillRef idx="0">
+            <a:schemeClr val="accent3"/>
+          </a:fillRef>
+          <a:effectRef idx="0">
+            <a:schemeClr val="accent3"/>
+          </a:effectRef>
+          <a:fontRef idx="minor">
+            <a:schemeClr val="tx1"/>
+          </a:fontRef>
+        </p:style>
+      </p:cxnSp>
+      <p:cxnSp>
+        <p:nvCxnSpPr>
+          <p:cNvPr id="140" name="Straight Arrow Connector 139">
+            <a:extLst>
+              <a:ext uri="{FF2B5EF4-FFF2-40B4-BE49-F238E27FC236}">
+                <a16:creationId xmlns:a16="http://schemas.microsoft.com/office/drawing/2014/main" id="{30803C46-E602-534E-8EFA-C691AE5AFF76}"/>
+              </a:ext>
+            </a:extLst>
+          </p:cNvPr>
+          <p:cNvCxnSpPr/>
+          <p:nvPr/>
+        </p:nvCxnSpPr>
+        <p:spPr>
           <a:xfrm>
-            <a:off x="6160929" y="2547956"/>
+            <a:off x="5782847" y="2581442"/>
+            <a:ext cx="217762" cy="0"/>
+          </a:xfrm>
+          <a:prstGeom prst="straightConnector1">
+            <a:avLst/>
+          </a:prstGeom>
+          <a:ln w="25400">
+            <a:tailEnd type="triangle" w="lg" len="lg"/>
+          </a:ln>
+        </p:spPr>
+        <p:style>
+          <a:lnRef idx="1">
+            <a:schemeClr val="accent3"/>
+          </a:lnRef>
+          <a:fillRef idx="0">
+            <a:schemeClr val="accent3"/>
+          </a:fillRef>
+          <a:effectRef idx="0">
+            <a:schemeClr val="accent3"/>
+          </a:effectRef>
+          <a:fontRef idx="minor">
+            <a:schemeClr val="tx1"/>
+          </a:fontRef>
+        </p:style>
+      </p:cxnSp>
+      <p:sp>
+        <p:nvSpPr>
+          <p:cNvPr id="141" name="Freeform 140">
+            <a:extLst>
+              <a:ext uri="{FF2B5EF4-FFF2-40B4-BE49-F238E27FC236}">
+                <a16:creationId xmlns:a16="http://schemas.microsoft.com/office/drawing/2014/main" id="{1E2DF136-2EB0-614B-9E48-35BD41B8E328}"/>
+              </a:ext>
+            </a:extLst>
+          </p:cNvPr>
+          <p:cNvSpPr/>
+          <p:nvPr/>
+        </p:nvSpPr>
+        <p:spPr>
+          <a:xfrm>
+            <a:off x="5263707" y="3228059"/>
             <a:ext cx="571347" cy="83114"/>
           </a:xfrm>
           <a:custGeom>
@@ -12191,10 +12490,10 @@
       </p:sp>
       <p:sp>
         <p:nvSpPr>
-          <p:cNvPr id="117" name="Oval 116">
-            <a:extLst>
-              <a:ext uri="{FF2B5EF4-FFF2-40B4-BE49-F238E27FC236}">
-                <a16:creationId xmlns:a16="http://schemas.microsoft.com/office/drawing/2014/main" id="{19450C66-1079-934B-8686-465C867DF212}"/>
+          <p:cNvPr id="142" name="Oval 141">
+            <a:extLst>
+              <a:ext uri="{FF2B5EF4-FFF2-40B4-BE49-F238E27FC236}">
+                <a16:creationId xmlns:a16="http://schemas.microsoft.com/office/drawing/2014/main" id="{B3635B44-3C96-2E49-A6CE-A989940A3513}"/>
               </a:ext>
             </a:extLst>
           </p:cNvPr>
@@ -12205,7 +12504,7 @@
         </p:nvSpPr>
         <p:spPr>
           <a:xfrm>
-            <a:off x="5731720" y="2536256"/>
+            <a:off x="5499692" y="2536256"/>
             <a:ext cx="91440" cy="91440"/>
           </a:xfrm>
           <a:prstGeom prst="ellipse">
@@ -12250,22 +12549,21 @@
       </p:sp>
       <p:cxnSp>
         <p:nvCxnSpPr>
-          <p:cNvPr id="123" name="Straight Arrow Connector 246">
-            <a:extLst>
-              <a:ext uri="{FF2B5EF4-FFF2-40B4-BE49-F238E27FC236}">
-                <a16:creationId xmlns:a16="http://schemas.microsoft.com/office/drawing/2014/main" id="{72227130-2A6D-0845-97B7-1C88F963B5EB}"/>
+          <p:cNvPr id="143" name="Straight Arrow Connector 246">
+            <a:extLst>
+              <a:ext uri="{FF2B5EF4-FFF2-40B4-BE49-F238E27FC236}">
+                <a16:creationId xmlns:a16="http://schemas.microsoft.com/office/drawing/2014/main" id="{CCE4DD6A-E7E9-E844-A71D-3FE5900A77B8}"/>
               </a:ext>
             </a:extLst>
           </p:cNvPr>
           <p:cNvCxnSpPr>
             <a:cxnSpLocks/>
-            <a:stCxn id="67" idx="0"/>
           </p:cNvCxnSpPr>
           <p:nvPr/>
         </p:nvCxnSpPr>
         <p:spPr>
           <a:xfrm rot="16200000" flipH="1">
-            <a:off x="4399569" y="2837926"/>
+            <a:off x="5023578" y="2837926"/>
             <a:ext cx="615431" cy="1281672"/>
           </a:xfrm>
           <a:prstGeom prst="bentConnector4">
@@ -12296,267 +12594,6 @@
           </a:fontRef>
         </p:style>
       </p:cxnSp>
-      <p:cxnSp>
-        <p:nvCxnSpPr>
-          <p:cNvPr id="127" name="Elbow Connector 126">
-            <a:extLst>
-              <a:ext uri="{FF2B5EF4-FFF2-40B4-BE49-F238E27FC236}">
-                <a16:creationId xmlns:a16="http://schemas.microsoft.com/office/drawing/2014/main" id="{296D51C9-0519-F14D-96E6-194E057A3816}"/>
-              </a:ext>
-            </a:extLst>
-          </p:cNvPr>
-          <p:cNvCxnSpPr>
-            <a:cxnSpLocks/>
-          </p:cNvCxnSpPr>
-          <p:nvPr/>
-        </p:nvCxnSpPr>
-        <p:spPr>
-          <a:xfrm>
-            <a:off x="7990089" y="2282971"/>
-            <a:ext cx="422391" cy="1274100"/>
-          </a:xfrm>
-          <a:prstGeom prst="bentConnector2">
-            <a:avLst/>
-          </a:prstGeom>
-          <a:ln w="25400">
-            <a:solidFill>
-              <a:srgbClr val="7030A0"/>
-            </a:solidFill>
-            <a:tailEnd type="diamond" w="lg" len="lg"/>
-          </a:ln>
-        </p:spPr>
-        <p:style>
-          <a:lnRef idx="1">
-            <a:schemeClr val="accent3"/>
-          </a:lnRef>
-          <a:fillRef idx="0">
-            <a:schemeClr val="accent3"/>
-          </a:fillRef>
-          <a:effectRef idx="0">
-            <a:schemeClr val="accent3"/>
-          </a:effectRef>
-          <a:fontRef idx="minor">
-            <a:schemeClr val="tx1"/>
-          </a:fontRef>
-        </p:style>
-      </p:cxnSp>
-      <p:cxnSp>
-        <p:nvCxnSpPr>
-          <p:cNvPr id="128" name="Straight Connector 127">
-            <a:extLst>
-              <a:ext uri="{FF2B5EF4-FFF2-40B4-BE49-F238E27FC236}">
-                <a16:creationId xmlns:a16="http://schemas.microsoft.com/office/drawing/2014/main" id="{E64BD68E-C93B-8145-BC37-5D37BF0B65A4}"/>
-              </a:ext>
-            </a:extLst>
-          </p:cNvPr>
-          <p:cNvCxnSpPr/>
-          <p:nvPr/>
-        </p:nvCxnSpPr>
-        <p:spPr>
-          <a:xfrm>
-            <a:off x="7812734" y="2559053"/>
-            <a:ext cx="0" cy="1837944"/>
-          </a:xfrm>
-          <a:prstGeom prst="line">
-            <a:avLst/>
-          </a:prstGeom>
-          <a:ln w="25400">
-            <a:solidFill>
-              <a:srgbClr val="C00000"/>
-            </a:solidFill>
-          </a:ln>
-        </p:spPr>
-        <p:style>
-          <a:lnRef idx="1">
-            <a:schemeClr val="accent3"/>
-          </a:lnRef>
-          <a:fillRef idx="0">
-            <a:schemeClr val="accent3"/>
-          </a:fillRef>
-          <a:effectRef idx="0">
-            <a:schemeClr val="accent3"/>
-          </a:effectRef>
-          <a:fontRef idx="minor">
-            <a:schemeClr val="tx1"/>
-          </a:fontRef>
-        </p:style>
-      </p:cxnSp>
-      <p:sp>
-        <p:nvSpPr>
-          <p:cNvPr id="129" name="Freeform 128">
-            <a:extLst>
-              <a:ext uri="{FF2B5EF4-FFF2-40B4-BE49-F238E27FC236}">
-                <a16:creationId xmlns:a16="http://schemas.microsoft.com/office/drawing/2014/main" id="{328BF9C3-64E7-304A-9C8B-18F6B8A84996}"/>
-              </a:ext>
-            </a:extLst>
-          </p:cNvPr>
-          <p:cNvSpPr/>
-          <p:nvPr/>
-        </p:nvSpPr>
-        <p:spPr>
-          <a:xfrm>
-            <a:off x="7966400" y="3655788"/>
-            <a:ext cx="868442" cy="180707"/>
-          </a:xfrm>
-          <a:custGeom>
-            <a:avLst/>
-            <a:gdLst>
-              <a:gd name="connsiteX0" fmla="*/ 0 w 4142629"/>
-              <a:gd name="connsiteY0" fmla="*/ 854057 h 862008"/>
-              <a:gd name="connsiteX1" fmla="*/ 1470991 w 4142629"/>
-              <a:gd name="connsiteY1" fmla="*/ 691055 h 862008"/>
-              <a:gd name="connsiteX2" fmla="*/ 174928 w 4142629"/>
-              <a:gd name="connsiteY2" fmla="*/ 301441 h 862008"/>
-              <a:gd name="connsiteX3" fmla="*/ 1411356 w 4142629"/>
-              <a:gd name="connsiteY3" fmla="*/ 35072 h 862008"/>
-              <a:gd name="connsiteX4" fmla="*/ 2747175 w 4142629"/>
-              <a:gd name="connsiteY4" fmla="*/ 31097 h 862008"/>
-              <a:gd name="connsiteX5" fmla="*/ 3951798 w 4142629"/>
-              <a:gd name="connsiteY5" fmla="*/ 293490 h 862008"/>
-              <a:gd name="connsiteX6" fmla="*/ 2671638 w 4142629"/>
-              <a:gd name="connsiteY6" fmla="*/ 675152 h 862008"/>
-              <a:gd name="connsiteX7" fmla="*/ 4142629 w 4142629"/>
-              <a:gd name="connsiteY7" fmla="*/ 862008 h 862008"/>
-            </a:gdLst>
-            <a:ahLst/>
-            <a:cxnLst>
-              <a:cxn ang="0">
-                <a:pos x="connsiteX0" y="connsiteY0"/>
-              </a:cxn>
-              <a:cxn ang="0">
-                <a:pos x="connsiteX1" y="connsiteY1"/>
-              </a:cxn>
-              <a:cxn ang="0">
-                <a:pos x="connsiteX2" y="connsiteY2"/>
-              </a:cxn>
-              <a:cxn ang="0">
-                <a:pos x="connsiteX3" y="connsiteY3"/>
-              </a:cxn>
-              <a:cxn ang="0">
-                <a:pos x="connsiteX4" y="connsiteY4"/>
-              </a:cxn>
-              <a:cxn ang="0">
-                <a:pos x="connsiteX5" y="connsiteY5"/>
-              </a:cxn>
-              <a:cxn ang="0">
-                <a:pos x="connsiteX6" y="connsiteY6"/>
-              </a:cxn>
-              <a:cxn ang="0">
-                <a:pos x="connsiteX7" y="connsiteY7"/>
-              </a:cxn>
-            </a:cxnLst>
-            <a:rect l="l" t="t" r="r" b="b"/>
-            <a:pathLst>
-              <a:path w="4142629" h="862008">
-                <a:moveTo>
-                  <a:pt x="0" y="854057"/>
-                </a:moveTo>
-                <a:cubicBezTo>
-                  <a:pt x="720918" y="818607"/>
-                  <a:pt x="1441836" y="783158"/>
-                  <a:pt x="1470991" y="691055"/>
-                </a:cubicBezTo>
-                <a:cubicBezTo>
-                  <a:pt x="1500146" y="598952"/>
-                  <a:pt x="184867" y="410771"/>
-                  <a:pt x="174928" y="301441"/>
-                </a:cubicBezTo>
-                <a:cubicBezTo>
-                  <a:pt x="164989" y="192111"/>
-                  <a:pt x="982648" y="80129"/>
-                  <a:pt x="1411356" y="35072"/>
-                </a:cubicBezTo>
-                <a:cubicBezTo>
-                  <a:pt x="1840064" y="-9985"/>
-                  <a:pt x="2323768" y="-11973"/>
-                  <a:pt x="2747175" y="31097"/>
-                </a:cubicBezTo>
-                <a:cubicBezTo>
-                  <a:pt x="3170582" y="74167"/>
-                  <a:pt x="3964387" y="186148"/>
-                  <a:pt x="3951798" y="293490"/>
-                </a:cubicBezTo>
-                <a:cubicBezTo>
-                  <a:pt x="3939209" y="400832"/>
-                  <a:pt x="2639833" y="580399"/>
-                  <a:pt x="2671638" y="675152"/>
-                </a:cubicBezTo>
-                <a:cubicBezTo>
-                  <a:pt x="2703443" y="769905"/>
-                  <a:pt x="3423036" y="815956"/>
-                  <a:pt x="4142629" y="862008"/>
-                </a:cubicBezTo>
-              </a:path>
-            </a:pathLst>
-          </a:custGeom>
-          <a:ln w="28575"/>
-        </p:spPr>
-        <p:style>
-          <a:lnRef idx="1">
-            <a:schemeClr val="dk1"/>
-          </a:lnRef>
-          <a:fillRef idx="0">
-            <a:schemeClr val="dk1"/>
-          </a:fillRef>
-          <a:effectRef idx="0">
-            <a:schemeClr val="dk1"/>
-          </a:effectRef>
-          <a:fontRef idx="minor">
-            <a:schemeClr val="tx1"/>
-          </a:fontRef>
-        </p:style>
-        <p:txBody>
-          <a:bodyPr rtlCol="0" anchor="ctr"/>
-          <a:lstStyle/>
-          <a:p>
-            <a:pPr algn="ctr"/>
-            <a:endParaRPr lang="en-US"/>
-          </a:p>
-        </p:txBody>
-      </p:sp>
-      <p:sp>
-        <p:nvSpPr>
-          <p:cNvPr id="130" name="TextBox 129">
-            <a:extLst>
-              <a:ext uri="{FF2B5EF4-FFF2-40B4-BE49-F238E27FC236}">
-                <a16:creationId xmlns:a16="http://schemas.microsoft.com/office/drawing/2014/main" id="{65D4AA3B-36B5-704A-8C57-C1EADAC06A2E}"/>
-              </a:ext>
-            </a:extLst>
-          </p:cNvPr>
-          <p:cNvSpPr txBox="1"/>
-          <p:nvPr/>
-        </p:nvSpPr>
-        <p:spPr>
-          <a:xfrm>
-            <a:off x="7919359" y="3804739"/>
-            <a:ext cx="985847" cy="646331"/>
-          </a:xfrm>
-          <a:prstGeom prst="rect">
-            <a:avLst/>
-          </a:prstGeom>
-          <a:noFill/>
-        </p:spPr>
-        <p:txBody>
-          <a:bodyPr wrap="none" rtlCol="0">
-            <a:spAutoFit/>
-          </a:bodyPr>
-          <a:lstStyle/>
-          <a:p>
-            <a:pPr algn="ctr"/>
-            <a:r>
-              <a:rPr lang="en-US" dirty="0"/>
-              <a:t>genomic</a:t>
-            </a:r>
-          </a:p>
-          <a:p>
-            <a:pPr algn="ctr"/>
-            <a:r>
-              <a:rPr lang="en-US" dirty="0"/>
-              <a:t>target</a:t>
-            </a:r>
-          </a:p>
-        </p:txBody>
-      </p:sp>
     </p:spTree>
     <p:extLst>
       <p:ext uri="{BB962C8B-B14F-4D97-AF65-F5344CB8AC3E}">
@@ -12589,10 +12626,10 @@
       </p:grpSpPr>
       <p:grpSp>
         <p:nvGrpSpPr>
-          <p:cNvPr id="105" name="Group 104">
-            <a:extLst>
-              <a:ext uri="{FF2B5EF4-FFF2-40B4-BE49-F238E27FC236}">
-                <a16:creationId xmlns:a16="http://schemas.microsoft.com/office/drawing/2014/main" id="{C760775C-A3F0-CE45-9641-BC4A530F026D}"/>
+          <p:cNvPr id="122" name="Group 121">
+            <a:extLst>
+              <a:ext uri="{FF2B5EF4-FFF2-40B4-BE49-F238E27FC236}">
+                <a16:creationId xmlns:a16="http://schemas.microsoft.com/office/drawing/2014/main" id="{26317205-8F65-F54E-AC46-3DB52B524287}"/>
               </a:ext>
             </a:extLst>
           </p:cNvPr>
@@ -12601,7 +12638,7 @@
         </p:nvGrpSpPr>
         <p:grpSpPr>
           <a:xfrm>
-            <a:off x="5518662" y="3787396"/>
+            <a:off x="4584046" y="3780688"/>
             <a:ext cx="484281" cy="172854"/>
             <a:chOff x="5293558" y="3697843"/>
             <a:chExt cx="660058" cy="235594"/>
@@ -12609,10 +12646,10 @@
         </p:grpSpPr>
         <p:sp>
           <p:nvSpPr>
-            <p:cNvPr id="106" name="Freeform 105">
+            <p:cNvPr id="124" name="Freeform 123">
               <a:extLst>
                 <a:ext uri="{FF2B5EF4-FFF2-40B4-BE49-F238E27FC236}">
-                  <a16:creationId xmlns:a16="http://schemas.microsoft.com/office/drawing/2014/main" id="{876818EB-EFA9-9744-BD64-C14E92F799F3}"/>
+                  <a16:creationId xmlns:a16="http://schemas.microsoft.com/office/drawing/2014/main" id="{7DB04390-AA3B-F44D-9F6B-BB83262DB2BE}"/>
                 </a:ext>
               </a:extLst>
             </p:cNvPr>
@@ -12736,10 +12773,10 @@
         </p:sp>
         <p:cxnSp>
           <p:nvCxnSpPr>
-            <p:cNvPr id="107" name="Straight Connector 106">
+            <p:cNvPr id="125" name="Straight Connector 124">
               <a:extLst>
                 <a:ext uri="{FF2B5EF4-FFF2-40B4-BE49-F238E27FC236}">
-                  <a16:creationId xmlns:a16="http://schemas.microsoft.com/office/drawing/2014/main" id="{CB4609AF-3F33-0542-A92B-32C4B254E321}"/>
+                  <a16:creationId xmlns:a16="http://schemas.microsoft.com/office/drawing/2014/main" id="{60067A89-B438-4F46-B0C3-FDF560DB68DC}"/>
                 </a:ext>
               </a:extLst>
             </p:cNvPr>
@@ -12777,10 +12814,243 @@
         </p:cxnSp>
         <p:cxnSp>
           <p:nvCxnSpPr>
-            <p:cNvPr id="108" name="Straight Connector 107">
+            <p:cNvPr id="126" name="Straight Connector 125">
               <a:extLst>
                 <a:ext uri="{FF2B5EF4-FFF2-40B4-BE49-F238E27FC236}">
-                  <a16:creationId xmlns:a16="http://schemas.microsoft.com/office/drawing/2014/main" id="{6A5BCB44-573C-B14A-B60B-A9C0E70E84F5}"/>
+                  <a16:creationId xmlns:a16="http://schemas.microsoft.com/office/drawing/2014/main" id="{E5497D0C-383C-9646-BF88-C2BE513F9F09}"/>
+                </a:ext>
+              </a:extLst>
+            </p:cNvPr>
+            <p:cNvCxnSpPr>
+              <a:cxnSpLocks/>
+              <a:endCxn id="130" idx="3"/>
+            </p:cNvCxnSpPr>
+            <p:nvPr/>
+          </p:nvCxnSpPr>
+          <p:spPr>
+            <a:xfrm>
+              <a:off x="5293558" y="3915018"/>
+              <a:ext cx="198625" cy="3481"/>
+            </a:xfrm>
+            <a:prstGeom prst="line">
+              <a:avLst/>
+            </a:prstGeom>
+            <a:ln w="28575">
+              <a:solidFill>
+                <a:srgbClr val="C00000"/>
+              </a:solidFill>
+            </a:ln>
+          </p:spPr>
+          <p:style>
+            <a:lnRef idx="1">
+              <a:schemeClr val="dk1"/>
+            </a:lnRef>
+            <a:fillRef idx="0">
+              <a:schemeClr val="dk1"/>
+            </a:fillRef>
+            <a:effectRef idx="0">
+              <a:schemeClr val="dk1"/>
+            </a:effectRef>
+            <a:fontRef idx="minor">
+              <a:schemeClr val="tx1"/>
+            </a:fontRef>
+          </p:style>
+        </p:cxnSp>
+      </p:grpSp>
+      <p:grpSp>
+        <p:nvGrpSpPr>
+          <p:cNvPr id="90" name="Group 89">
+            <a:extLst>
+              <a:ext uri="{FF2B5EF4-FFF2-40B4-BE49-F238E27FC236}">
+                <a16:creationId xmlns:a16="http://schemas.microsoft.com/office/drawing/2014/main" id="{C95F602A-9CF0-7C45-8095-036C7AFEB209}"/>
+              </a:ext>
+            </a:extLst>
+          </p:cNvPr>
+          <p:cNvGrpSpPr/>
+          <p:nvPr/>
+        </p:nvGrpSpPr>
+        <p:grpSpPr>
+          <a:xfrm>
+            <a:off x="5518662" y="3787396"/>
+            <a:ext cx="484281" cy="172854"/>
+            <a:chOff x="5293558" y="3697843"/>
+            <a:chExt cx="660058" cy="235594"/>
+          </a:xfrm>
+        </p:grpSpPr>
+        <p:sp>
+          <p:nvSpPr>
+            <p:cNvPr id="91" name="Freeform 90">
+              <a:extLst>
+                <a:ext uri="{FF2B5EF4-FFF2-40B4-BE49-F238E27FC236}">
+                  <a16:creationId xmlns:a16="http://schemas.microsoft.com/office/drawing/2014/main" id="{577FDCD1-F92D-E240-A143-59F125224231}"/>
+                </a:ext>
+              </a:extLst>
+            </p:cNvPr>
+            <p:cNvSpPr/>
+            <p:nvPr/>
+          </p:nvSpPr>
+          <p:spPr>
+            <a:xfrm>
+              <a:off x="5293558" y="3697843"/>
+              <a:ext cx="660058" cy="108654"/>
+            </a:xfrm>
+            <a:custGeom>
+              <a:avLst/>
+              <a:gdLst>
+                <a:gd name="connsiteX0" fmla="*/ 0 w 7331149"/>
+                <a:gd name="connsiteY0" fmla="*/ 1206795 h 1206795"/>
+                <a:gd name="connsiteX1" fmla="*/ 1217428 w 7331149"/>
+                <a:gd name="connsiteY1" fmla="*/ 0 h 1206795"/>
+                <a:gd name="connsiteX2" fmla="*/ 2434856 w 7331149"/>
+                <a:gd name="connsiteY2" fmla="*/ 1201479 h 1206795"/>
+                <a:gd name="connsiteX3" fmla="*/ 3657600 w 7331149"/>
+                <a:gd name="connsiteY3" fmla="*/ 0 h 1206795"/>
+                <a:gd name="connsiteX4" fmla="*/ 4890977 w 7331149"/>
+                <a:gd name="connsiteY4" fmla="*/ 1206795 h 1206795"/>
+                <a:gd name="connsiteX5" fmla="*/ 6087140 w 7331149"/>
+                <a:gd name="connsiteY5" fmla="*/ 0 h 1206795"/>
+                <a:gd name="connsiteX6" fmla="*/ 7331149 w 7331149"/>
+                <a:gd name="connsiteY6" fmla="*/ 1201479 h 1206795"/>
+              </a:gdLst>
+              <a:ahLst/>
+              <a:cxnLst>
+                <a:cxn ang="0">
+                  <a:pos x="connsiteX0" y="connsiteY0"/>
+                </a:cxn>
+                <a:cxn ang="0">
+                  <a:pos x="connsiteX1" y="connsiteY1"/>
+                </a:cxn>
+                <a:cxn ang="0">
+                  <a:pos x="connsiteX2" y="connsiteY2"/>
+                </a:cxn>
+                <a:cxn ang="0">
+                  <a:pos x="connsiteX3" y="connsiteY3"/>
+                </a:cxn>
+                <a:cxn ang="0">
+                  <a:pos x="connsiteX4" y="connsiteY4"/>
+                </a:cxn>
+                <a:cxn ang="0">
+                  <a:pos x="connsiteX5" y="connsiteY5"/>
+                </a:cxn>
+                <a:cxn ang="0">
+                  <a:pos x="connsiteX6" y="connsiteY6"/>
+                </a:cxn>
+              </a:cxnLst>
+              <a:rect l="l" t="t" r="r" b="b"/>
+              <a:pathLst>
+                <a:path w="7331149" h="1206795">
+                  <a:moveTo>
+                    <a:pt x="0" y="1206795"/>
+                  </a:moveTo>
+                  <a:cubicBezTo>
+                    <a:pt x="405809" y="603840"/>
+                    <a:pt x="811619" y="886"/>
+                    <a:pt x="1217428" y="0"/>
+                  </a:cubicBezTo>
+                  <a:cubicBezTo>
+                    <a:pt x="1623237" y="-886"/>
+                    <a:pt x="2028161" y="1201479"/>
+                    <a:pt x="2434856" y="1201479"/>
+                  </a:cubicBezTo>
+                  <a:cubicBezTo>
+                    <a:pt x="2841551" y="1201479"/>
+                    <a:pt x="3248247" y="-886"/>
+                    <a:pt x="3657600" y="0"/>
+                  </a:cubicBezTo>
+                  <a:cubicBezTo>
+                    <a:pt x="4066954" y="886"/>
+                    <a:pt x="4486054" y="1206795"/>
+                    <a:pt x="4890977" y="1206795"/>
+                  </a:cubicBezTo>
+                  <a:cubicBezTo>
+                    <a:pt x="5295900" y="1206795"/>
+                    <a:pt x="5680445" y="886"/>
+                    <a:pt x="6087140" y="0"/>
+                  </a:cubicBezTo>
+                  <a:cubicBezTo>
+                    <a:pt x="6493835" y="-886"/>
+                    <a:pt x="6912492" y="600296"/>
+                    <a:pt x="7331149" y="1201479"/>
+                  </a:cubicBezTo>
+                </a:path>
+              </a:pathLst>
+            </a:custGeom>
+            <a:ln w="28575">
+              <a:solidFill>
+                <a:srgbClr val="C00000"/>
+              </a:solidFill>
+            </a:ln>
+          </p:spPr>
+          <p:style>
+            <a:lnRef idx="1">
+              <a:schemeClr val="dk1"/>
+            </a:lnRef>
+            <a:fillRef idx="0">
+              <a:schemeClr val="dk1"/>
+            </a:fillRef>
+            <a:effectRef idx="0">
+              <a:schemeClr val="dk1"/>
+            </a:effectRef>
+            <a:fontRef idx="minor">
+              <a:schemeClr val="tx1"/>
+            </a:fontRef>
+          </p:style>
+          <p:txBody>
+            <a:bodyPr rtlCol="0" anchor="ctr"/>
+            <a:lstStyle/>
+            <a:p>
+              <a:pPr algn="ctr"/>
+              <a:endParaRPr lang="en-US"/>
+            </a:p>
+          </p:txBody>
+        </p:sp>
+        <p:cxnSp>
+          <p:nvCxnSpPr>
+            <p:cNvPr id="92" name="Straight Connector 91">
+              <a:extLst>
+                <a:ext uri="{FF2B5EF4-FFF2-40B4-BE49-F238E27FC236}">
+                  <a16:creationId xmlns:a16="http://schemas.microsoft.com/office/drawing/2014/main" id="{CE26DBF9-5713-7F4A-BB53-DA068908E763}"/>
+                </a:ext>
+              </a:extLst>
+            </p:cNvPr>
+            <p:cNvCxnSpPr/>
+            <p:nvPr/>
+          </p:nvCxnSpPr>
+          <p:spPr>
+            <a:xfrm flipH="1">
+              <a:off x="5293558" y="3796278"/>
+              <a:ext cx="1588" cy="137159"/>
+            </a:xfrm>
+            <a:prstGeom prst="line">
+              <a:avLst/>
+            </a:prstGeom>
+            <a:ln w="28575">
+              <a:solidFill>
+                <a:srgbClr val="C00000"/>
+              </a:solidFill>
+            </a:ln>
+          </p:spPr>
+          <p:style>
+            <a:lnRef idx="1">
+              <a:schemeClr val="dk1"/>
+            </a:lnRef>
+            <a:fillRef idx="0">
+              <a:schemeClr val="dk1"/>
+            </a:fillRef>
+            <a:effectRef idx="0">
+              <a:schemeClr val="dk1"/>
+            </a:effectRef>
+            <a:fontRef idx="minor">
+              <a:schemeClr val="tx1"/>
+            </a:fontRef>
+          </p:style>
+        </p:cxnSp>
+        <p:cxnSp>
+          <p:nvCxnSpPr>
+            <p:cNvPr id="93" name="Straight Connector 92">
+              <a:extLst>
+                <a:ext uri="{FF2B5EF4-FFF2-40B4-BE49-F238E27FC236}">
+                  <a16:creationId xmlns:a16="http://schemas.microsoft.com/office/drawing/2014/main" id="{17524251-F65F-224E-BAD8-A712D0C0CC55}"/>
                 </a:ext>
               </a:extLst>
             </p:cNvPr>
@@ -12818,10 +13088,10 @@
         </p:cxnSp>
         <p:cxnSp>
           <p:nvCxnSpPr>
-            <p:cNvPr id="109" name="Straight Connector 108">
+            <p:cNvPr id="100" name="Straight Connector 99">
               <a:extLst>
                 <a:ext uri="{FF2B5EF4-FFF2-40B4-BE49-F238E27FC236}">
-                  <a16:creationId xmlns:a16="http://schemas.microsoft.com/office/drawing/2014/main" id="{0C04B03D-1000-4745-B9D1-998170C2DCC8}"/>
+                  <a16:creationId xmlns:a16="http://schemas.microsoft.com/office/drawing/2014/main" id="{F55BA9E7-B57E-8946-A33E-76152FF8D594}"/>
                 </a:ext>
               </a:extLst>
             </p:cNvPr>
@@ -13285,41 +13555,6 @@
       </p:cxnSp>
       <p:sp>
         <p:nvSpPr>
-          <p:cNvPr id="65" name="TextBox 64">
-            <a:extLst>
-              <a:ext uri="{FF2B5EF4-FFF2-40B4-BE49-F238E27FC236}">
-                <a16:creationId xmlns:a16="http://schemas.microsoft.com/office/drawing/2014/main" id="{196A1664-7C64-524B-B6FC-D5A902637082}"/>
-              </a:ext>
-            </a:extLst>
-          </p:cNvPr>
-          <p:cNvSpPr txBox="1"/>
-          <p:nvPr/>
-        </p:nvSpPr>
-        <p:spPr>
-          <a:xfrm>
-            <a:off x="5311177" y="3920251"/>
-            <a:ext cx="907621" cy="369332"/>
-          </a:xfrm>
-          <a:prstGeom prst="rect">
-            <a:avLst/>
-          </a:prstGeom>
-          <a:noFill/>
-        </p:spPr>
-        <p:txBody>
-          <a:bodyPr wrap="none" rtlCol="0">
-            <a:spAutoFit/>
-          </a:bodyPr>
-          <a:lstStyle/>
-          <a:p>
-            <a:r>
-              <a:rPr lang="en-US" dirty="0"/>
-              <a:t>sgRNA1</a:t>
-            </a:r>
-          </a:p>
-        </p:txBody>
-      </p:sp>
-      <p:sp>
-        <p:nvSpPr>
           <p:cNvPr id="66" name="Pentagon 65">
             <a:extLst>
               <a:ext uri="{FF2B5EF4-FFF2-40B4-BE49-F238E27FC236}">
@@ -13776,7 +14011,6 @@
           </p:cNvPr>
           <p:cNvCxnSpPr>
             <a:cxnSpLocks/>
-            <a:endCxn id="117" idx="2"/>
           </p:cNvCxnSpPr>
           <p:nvPr/>
         </p:nvCxnSpPr>
@@ -13829,51 +14063,6 @@
             <a:solidFill>
               <a:srgbClr val="C00000"/>
             </a:solidFill>
-          </a:ln>
-        </p:spPr>
-        <p:style>
-          <a:lnRef idx="1">
-            <a:schemeClr val="accent3"/>
-          </a:lnRef>
-          <a:fillRef idx="0">
-            <a:schemeClr val="accent3"/>
-          </a:fillRef>
-          <a:effectRef idx="0">
-            <a:schemeClr val="accent3"/>
-          </a:effectRef>
-          <a:fontRef idx="minor">
-            <a:schemeClr val="tx1"/>
-          </a:fontRef>
-        </p:style>
-      </p:cxnSp>
-      <p:cxnSp>
-        <p:nvCxnSpPr>
-          <p:cNvPr id="85" name="Straight Connector 84">
-            <a:extLst>
-              <a:ext uri="{FF2B5EF4-FFF2-40B4-BE49-F238E27FC236}">
-                <a16:creationId xmlns:a16="http://schemas.microsoft.com/office/drawing/2014/main" id="{7381CA97-2BE5-CE44-935F-244C97FF8DDF}"/>
-              </a:ext>
-            </a:extLst>
-          </p:cNvPr>
-          <p:cNvCxnSpPr>
-            <a:cxnSpLocks/>
-          </p:cNvCxnSpPr>
-          <p:nvPr/>
-        </p:nvCxnSpPr>
-        <p:spPr>
-          <a:xfrm flipH="1">
-            <a:off x="6136532" y="4025077"/>
-            <a:ext cx="0" cy="365760"/>
-          </a:xfrm>
-          <a:prstGeom prst="line">
-            <a:avLst/>
-          </a:prstGeom>
-          <a:ln w="25400">
-            <a:solidFill>
-              <a:srgbClr val="C00000"/>
-            </a:solidFill>
-            <a:headEnd type="diamond" w="lg" len="lg"/>
-            <a:tailEnd type="none"/>
           </a:ln>
         </p:spPr>
         <p:style>
@@ -14624,12 +14813,53 @@
           </a:fontRef>
         </p:style>
       </p:cxnSp>
+      <p:cxnSp>
+        <p:nvCxnSpPr>
+          <p:cNvPr id="113" name="Straight Connector 112">
+            <a:extLst>
+              <a:ext uri="{FF2B5EF4-FFF2-40B4-BE49-F238E27FC236}">
+                <a16:creationId xmlns:a16="http://schemas.microsoft.com/office/drawing/2014/main" id="{5EF11674-4486-FC44-9321-21FDB4B68BA0}"/>
+              </a:ext>
+            </a:extLst>
+          </p:cNvPr>
+          <p:cNvCxnSpPr/>
+          <p:nvPr/>
+        </p:nvCxnSpPr>
+        <p:spPr>
+          <a:xfrm>
+            <a:off x="6742125" y="2573663"/>
+            <a:ext cx="1060704" cy="0"/>
+          </a:xfrm>
+          <a:prstGeom prst="line">
+            <a:avLst/>
+          </a:prstGeom>
+          <a:ln w="25400">
+            <a:solidFill>
+              <a:srgbClr val="C00000"/>
+            </a:solidFill>
+          </a:ln>
+        </p:spPr>
+        <p:style>
+          <a:lnRef idx="1">
+            <a:schemeClr val="accent3"/>
+          </a:lnRef>
+          <a:fillRef idx="0">
+            <a:schemeClr val="accent3"/>
+          </a:fillRef>
+          <a:effectRef idx="0">
+            <a:schemeClr val="accent3"/>
+          </a:effectRef>
+          <a:fontRef idx="minor">
+            <a:schemeClr val="tx1"/>
+          </a:fontRef>
+        </p:style>
+      </p:cxnSp>
       <p:sp>
         <p:nvSpPr>
-          <p:cNvPr id="103" name="Isosceles Triangle 38">
-            <a:extLst>
-              <a:ext uri="{FF2B5EF4-FFF2-40B4-BE49-F238E27FC236}">
-                <a16:creationId xmlns:a16="http://schemas.microsoft.com/office/drawing/2014/main" id="{ED520884-FE23-FF43-B70C-543C831E871D}"/>
+          <p:cNvPr id="115" name="Rounded Rectangle 114">
+            <a:extLst>
+              <a:ext uri="{FF2B5EF4-FFF2-40B4-BE49-F238E27FC236}">
+                <a16:creationId xmlns:a16="http://schemas.microsoft.com/office/drawing/2014/main" id="{E0AF28EB-5E45-F541-A4E6-0543A7A3A9D6}"/>
               </a:ext>
             </a:extLst>
           </p:cNvPr>
@@ -14637,13 +14867,21 @@
           <p:nvPr/>
         </p:nvSpPr>
         <p:spPr>
-          <a:xfrm rot="5400000">
-            <a:off x="4600813" y="3838370"/>
-            <a:ext cx="209543" cy="208423"/>
-          </a:xfrm>
-          <a:prstGeom prst="triangle">
-            <a:avLst/>
-          </a:prstGeom>
+          <a:xfrm>
+            <a:off x="6007264" y="2461828"/>
+            <a:ext cx="612967" cy="255371"/>
+          </a:xfrm>
+          <a:prstGeom prst="roundRect">
+            <a:avLst>
+              <a:gd name="adj" fmla="val 50000"/>
+            </a:avLst>
+          </a:prstGeom>
+          <a:solidFill>
+            <a:schemeClr val="accent1">
+              <a:lumMod val="40000"/>
+              <a:lumOff val="60000"/>
+            </a:schemeClr>
+          </a:solidFill>
         </p:spPr>
         <p:style>
           <a:lnRef idx="2">
@@ -14672,10 +14910,10 @@
       </p:sp>
       <p:sp>
         <p:nvSpPr>
-          <p:cNvPr id="104" name="Isosceles Triangle 39">
-            <a:extLst>
-              <a:ext uri="{FF2B5EF4-FFF2-40B4-BE49-F238E27FC236}">
-                <a16:creationId xmlns:a16="http://schemas.microsoft.com/office/drawing/2014/main" id="{7419501F-2818-F64A-B938-899F093BC560}"/>
+          <p:cNvPr id="116" name="Freeform 115">
+            <a:extLst>
+              <a:ext uri="{FF2B5EF4-FFF2-40B4-BE49-F238E27FC236}">
+                <a16:creationId xmlns:a16="http://schemas.microsoft.com/office/drawing/2014/main" id="{4DD789F4-45CE-584C-9BBF-2D42EB278DEF}"/>
               </a:ext>
             </a:extLst>
           </p:cNvPr>
@@ -14683,214 +14921,8 @@
           <p:nvPr/>
         </p:nvSpPr>
         <p:spPr>
-          <a:xfrm rot="5400000">
-            <a:off x="5239827" y="3833116"/>
-            <a:ext cx="209543" cy="208423"/>
-          </a:xfrm>
-          <a:prstGeom prst="triangle">
-            <a:avLst/>
-          </a:prstGeom>
-        </p:spPr>
-        <p:style>
-          <a:lnRef idx="2">
-            <a:schemeClr val="accent1">
-              <a:shade val="50000"/>
-            </a:schemeClr>
-          </a:lnRef>
-          <a:fillRef idx="1">
-            <a:schemeClr val="accent1"/>
-          </a:fillRef>
-          <a:effectRef idx="0">
-            <a:schemeClr val="accent1"/>
-          </a:effectRef>
-          <a:fontRef idx="minor">
-            <a:schemeClr val="lt1"/>
-          </a:fontRef>
-        </p:style>
-        <p:txBody>
-          <a:bodyPr rtlCol="0" anchor="ctr"/>
-          <a:lstStyle/>
-          <a:p>
-            <a:pPr algn="ctr"/>
-            <a:endParaRPr lang="en-US"/>
-          </a:p>
-        </p:txBody>
-      </p:sp>
-      <p:cxnSp>
-        <p:nvCxnSpPr>
-          <p:cNvPr id="110" name="Straight Arrow Connector 109">
-            <a:extLst>
-              <a:ext uri="{FF2B5EF4-FFF2-40B4-BE49-F238E27FC236}">
-                <a16:creationId xmlns:a16="http://schemas.microsoft.com/office/drawing/2014/main" id="{3F4A523E-A459-734E-A77A-F612327A996B}"/>
-              </a:ext>
-            </a:extLst>
-          </p:cNvPr>
-          <p:cNvCxnSpPr/>
-          <p:nvPr/>
-        </p:nvCxnSpPr>
-        <p:spPr>
-          <a:xfrm flipV="1">
-            <a:off x="5769610" y="3341424"/>
-            <a:ext cx="2637" cy="439764"/>
-          </a:xfrm>
-          <a:prstGeom prst="straightConnector1">
-            <a:avLst/>
-          </a:prstGeom>
-          <a:ln w="25400">
-            <a:tailEnd type="triangle" w="lg" len="lg"/>
-          </a:ln>
-        </p:spPr>
-        <p:style>
-          <a:lnRef idx="1">
-            <a:schemeClr val="accent3"/>
-          </a:lnRef>
-          <a:fillRef idx="0">
-            <a:schemeClr val="accent3"/>
-          </a:fillRef>
-          <a:effectRef idx="0">
-            <a:schemeClr val="accent3"/>
-          </a:effectRef>
-          <a:fontRef idx="minor">
-            <a:schemeClr val="tx1"/>
-          </a:fontRef>
-        </p:style>
-      </p:cxnSp>
-      <p:cxnSp>
-        <p:nvCxnSpPr>
-          <p:cNvPr id="111" name="Straight Connector 110">
-            <a:extLst>
-              <a:ext uri="{FF2B5EF4-FFF2-40B4-BE49-F238E27FC236}">
-                <a16:creationId xmlns:a16="http://schemas.microsoft.com/office/drawing/2014/main" id="{84483D99-1437-5648-AA42-D5110DD29CD8}"/>
-              </a:ext>
-            </a:extLst>
-          </p:cNvPr>
-          <p:cNvCxnSpPr>
-            <a:cxnSpLocks/>
-            <a:stCxn id="114" idx="4"/>
-            <a:endCxn id="117" idx="4"/>
-          </p:cNvCxnSpPr>
-          <p:nvPr/>
-        </p:nvCxnSpPr>
-        <p:spPr>
-          <a:xfrm flipH="1" flipV="1">
-            <a:off x="5777440" y="2627696"/>
-            <a:ext cx="0" cy="601311"/>
-          </a:xfrm>
-          <a:prstGeom prst="line">
-            <a:avLst/>
-          </a:prstGeom>
-          <a:ln w="25400"/>
-        </p:spPr>
-        <p:style>
-          <a:lnRef idx="1">
-            <a:schemeClr val="accent3"/>
-          </a:lnRef>
-          <a:fillRef idx="0">
-            <a:schemeClr val="accent3"/>
-          </a:fillRef>
-          <a:effectRef idx="0">
-            <a:schemeClr val="accent3"/>
-          </a:effectRef>
-          <a:fontRef idx="minor">
-            <a:schemeClr val="tx1"/>
-          </a:fontRef>
-        </p:style>
-      </p:cxnSp>
-      <p:cxnSp>
-        <p:nvCxnSpPr>
-          <p:cNvPr id="112" name="Straight Arrow Connector 111">
-            <a:extLst>
-              <a:ext uri="{FF2B5EF4-FFF2-40B4-BE49-F238E27FC236}">
-                <a16:creationId xmlns:a16="http://schemas.microsoft.com/office/drawing/2014/main" id="{D5AF28BC-DA2B-0E4F-8BF3-432E6EA42594}"/>
-              </a:ext>
-            </a:extLst>
-          </p:cNvPr>
-          <p:cNvCxnSpPr/>
-          <p:nvPr/>
-        </p:nvCxnSpPr>
-        <p:spPr>
           <a:xfrm>
-            <a:off x="5781409" y="2581442"/>
-            <a:ext cx="217762" cy="0"/>
-          </a:xfrm>
-          <a:prstGeom prst="straightConnector1">
-            <a:avLst/>
-          </a:prstGeom>
-          <a:ln w="25400">
-            <a:tailEnd type="triangle" w="lg" len="lg"/>
-          </a:ln>
-        </p:spPr>
-        <p:style>
-          <a:lnRef idx="1">
-            <a:schemeClr val="accent3"/>
-          </a:lnRef>
-          <a:fillRef idx="0">
-            <a:schemeClr val="accent3"/>
-          </a:fillRef>
-          <a:effectRef idx="0">
-            <a:schemeClr val="accent3"/>
-          </a:effectRef>
-          <a:fontRef idx="minor">
-            <a:schemeClr val="tx1"/>
-          </a:fontRef>
-        </p:style>
-      </p:cxnSp>
-      <p:cxnSp>
-        <p:nvCxnSpPr>
-          <p:cNvPr id="113" name="Straight Connector 112">
-            <a:extLst>
-              <a:ext uri="{FF2B5EF4-FFF2-40B4-BE49-F238E27FC236}">
-                <a16:creationId xmlns:a16="http://schemas.microsoft.com/office/drawing/2014/main" id="{5EF11674-4486-FC44-9321-21FDB4B68BA0}"/>
-              </a:ext>
-            </a:extLst>
-          </p:cNvPr>
-          <p:cNvCxnSpPr/>
-          <p:nvPr/>
-        </p:nvCxnSpPr>
-        <p:spPr>
-          <a:xfrm>
-            <a:off x="6742125" y="2573663"/>
-            <a:ext cx="1060704" cy="0"/>
-          </a:xfrm>
-          <a:prstGeom prst="line">
-            <a:avLst/>
-          </a:prstGeom>
-          <a:ln w="25400">
-            <a:solidFill>
-              <a:srgbClr val="C00000"/>
-            </a:solidFill>
-          </a:ln>
-        </p:spPr>
-        <p:style>
-          <a:lnRef idx="1">
-            <a:schemeClr val="accent3"/>
-          </a:lnRef>
-          <a:fillRef idx="0">
-            <a:schemeClr val="accent3"/>
-          </a:fillRef>
-          <a:effectRef idx="0">
-            <a:schemeClr val="accent3"/>
-          </a:effectRef>
-          <a:fontRef idx="minor">
-            <a:schemeClr val="tx1"/>
-          </a:fontRef>
-        </p:style>
-      </p:cxnSp>
-      <p:sp>
-        <p:nvSpPr>
-          <p:cNvPr id="114" name="Freeform 113">
-            <a:extLst>
-              <a:ext uri="{FF2B5EF4-FFF2-40B4-BE49-F238E27FC236}">
-                <a16:creationId xmlns:a16="http://schemas.microsoft.com/office/drawing/2014/main" id="{8B9FD3C0-1D73-1F4B-9FCD-F6328E7D8436}"/>
-              </a:ext>
-            </a:extLst>
-          </p:cNvPr>
-          <p:cNvSpPr/>
-          <p:nvPr/>
-        </p:nvSpPr>
-        <p:spPr>
-          <a:xfrm>
-            <a:off x="5495735" y="3228059"/>
+            <a:off x="6160929" y="2547956"/>
             <a:ext cx="571347" cy="83114"/>
           </a:xfrm>
           <a:custGeom>
@@ -15023,12 +15055,97 @@
           </a:p>
         </p:txBody>
       </p:sp>
+      <p:cxnSp>
+        <p:nvCxnSpPr>
+          <p:cNvPr id="75" name="Elbow Connector 74">
+            <a:extLst>
+              <a:ext uri="{FF2B5EF4-FFF2-40B4-BE49-F238E27FC236}">
+                <a16:creationId xmlns:a16="http://schemas.microsoft.com/office/drawing/2014/main" id="{54F770E2-70D3-744C-A244-177BB33D7BD8}"/>
+              </a:ext>
+            </a:extLst>
+          </p:cNvPr>
+          <p:cNvCxnSpPr>
+            <a:cxnSpLocks/>
+          </p:cNvCxnSpPr>
+          <p:nvPr/>
+        </p:nvCxnSpPr>
+        <p:spPr>
+          <a:xfrm>
+            <a:off x="7990089" y="2282971"/>
+            <a:ext cx="422391" cy="1274100"/>
+          </a:xfrm>
+          <a:prstGeom prst="bentConnector2">
+            <a:avLst/>
+          </a:prstGeom>
+          <a:ln w="25400">
+            <a:solidFill>
+              <a:srgbClr val="7030A0"/>
+            </a:solidFill>
+            <a:tailEnd type="diamond" w="lg" len="lg"/>
+          </a:ln>
+        </p:spPr>
+        <p:style>
+          <a:lnRef idx="1">
+            <a:schemeClr val="accent3"/>
+          </a:lnRef>
+          <a:fillRef idx="0">
+            <a:schemeClr val="accent3"/>
+          </a:fillRef>
+          <a:effectRef idx="0">
+            <a:schemeClr val="accent3"/>
+          </a:effectRef>
+          <a:fontRef idx="minor">
+            <a:schemeClr val="tx1"/>
+          </a:fontRef>
+        </p:style>
+      </p:cxnSp>
+      <p:cxnSp>
+        <p:nvCxnSpPr>
+          <p:cNvPr id="76" name="Straight Connector 75">
+            <a:extLst>
+              <a:ext uri="{FF2B5EF4-FFF2-40B4-BE49-F238E27FC236}">
+                <a16:creationId xmlns:a16="http://schemas.microsoft.com/office/drawing/2014/main" id="{6121BE91-86DF-A14D-9AC6-A3AA623A77CE}"/>
+              </a:ext>
+            </a:extLst>
+          </p:cNvPr>
+          <p:cNvCxnSpPr/>
+          <p:nvPr/>
+        </p:nvCxnSpPr>
+        <p:spPr>
+          <a:xfrm>
+            <a:off x="7812734" y="2559053"/>
+            <a:ext cx="0" cy="1837944"/>
+          </a:xfrm>
+          <a:prstGeom prst="line">
+            <a:avLst/>
+          </a:prstGeom>
+          <a:ln w="25400">
+            <a:solidFill>
+              <a:srgbClr val="C00000"/>
+            </a:solidFill>
+          </a:ln>
+        </p:spPr>
+        <p:style>
+          <a:lnRef idx="1">
+            <a:schemeClr val="accent3"/>
+          </a:lnRef>
+          <a:fillRef idx="0">
+            <a:schemeClr val="accent3"/>
+          </a:fillRef>
+          <a:effectRef idx="0">
+            <a:schemeClr val="accent3"/>
+          </a:effectRef>
+          <a:fontRef idx="minor">
+            <a:schemeClr val="tx1"/>
+          </a:fontRef>
+        </p:style>
+      </p:cxnSp>
       <p:sp>
         <p:nvSpPr>
-          <p:cNvPr id="115" name="Rounded Rectangle 114">
-            <a:extLst>
-              <a:ext uri="{FF2B5EF4-FFF2-40B4-BE49-F238E27FC236}">
-                <a16:creationId xmlns:a16="http://schemas.microsoft.com/office/drawing/2014/main" id="{E0AF28EB-5E45-F541-A4E6-0543A7A3A9D6}"/>
+          <p:cNvPr id="81" name="Freeform 80">
+            <a:extLst>
+              <a:ext uri="{FF2B5EF4-FFF2-40B4-BE49-F238E27FC236}">
+                <a16:creationId xmlns:a16="http://schemas.microsoft.com/office/drawing/2014/main" id="{7D5CA176-AA2F-BF47-B139-A5B5557196AE}"/>
               </a:ext>
             </a:extLst>
           </p:cNvPr>
@@ -15037,35 +15154,114 @@
         </p:nvSpPr>
         <p:spPr>
           <a:xfrm>
-            <a:off x="6007264" y="2461828"/>
-            <a:ext cx="612967" cy="255371"/>
-          </a:xfrm>
-          <a:prstGeom prst="roundRect">
-            <a:avLst>
-              <a:gd name="adj" fmla="val 50000"/>
-            </a:avLst>
-          </a:prstGeom>
-          <a:solidFill>
-            <a:schemeClr val="accent1">
-              <a:lumMod val="40000"/>
-              <a:lumOff val="60000"/>
-            </a:schemeClr>
-          </a:solidFill>
-        </p:spPr>
-        <p:style>
-          <a:lnRef idx="2">
-            <a:schemeClr val="accent1">
-              <a:shade val="50000"/>
-            </a:schemeClr>
-          </a:lnRef>
-          <a:fillRef idx="1">
-            <a:schemeClr val="accent1"/>
+            <a:off x="7966400" y="3655788"/>
+            <a:ext cx="868442" cy="180707"/>
+          </a:xfrm>
+          <a:custGeom>
+            <a:avLst/>
+            <a:gdLst>
+              <a:gd name="connsiteX0" fmla="*/ 0 w 4142629"/>
+              <a:gd name="connsiteY0" fmla="*/ 854057 h 862008"/>
+              <a:gd name="connsiteX1" fmla="*/ 1470991 w 4142629"/>
+              <a:gd name="connsiteY1" fmla="*/ 691055 h 862008"/>
+              <a:gd name="connsiteX2" fmla="*/ 174928 w 4142629"/>
+              <a:gd name="connsiteY2" fmla="*/ 301441 h 862008"/>
+              <a:gd name="connsiteX3" fmla="*/ 1411356 w 4142629"/>
+              <a:gd name="connsiteY3" fmla="*/ 35072 h 862008"/>
+              <a:gd name="connsiteX4" fmla="*/ 2747175 w 4142629"/>
+              <a:gd name="connsiteY4" fmla="*/ 31097 h 862008"/>
+              <a:gd name="connsiteX5" fmla="*/ 3951798 w 4142629"/>
+              <a:gd name="connsiteY5" fmla="*/ 293490 h 862008"/>
+              <a:gd name="connsiteX6" fmla="*/ 2671638 w 4142629"/>
+              <a:gd name="connsiteY6" fmla="*/ 675152 h 862008"/>
+              <a:gd name="connsiteX7" fmla="*/ 4142629 w 4142629"/>
+              <a:gd name="connsiteY7" fmla="*/ 862008 h 862008"/>
+            </a:gdLst>
+            <a:ahLst/>
+            <a:cxnLst>
+              <a:cxn ang="0">
+                <a:pos x="connsiteX0" y="connsiteY0"/>
+              </a:cxn>
+              <a:cxn ang="0">
+                <a:pos x="connsiteX1" y="connsiteY1"/>
+              </a:cxn>
+              <a:cxn ang="0">
+                <a:pos x="connsiteX2" y="connsiteY2"/>
+              </a:cxn>
+              <a:cxn ang="0">
+                <a:pos x="connsiteX3" y="connsiteY3"/>
+              </a:cxn>
+              <a:cxn ang="0">
+                <a:pos x="connsiteX4" y="connsiteY4"/>
+              </a:cxn>
+              <a:cxn ang="0">
+                <a:pos x="connsiteX5" y="connsiteY5"/>
+              </a:cxn>
+              <a:cxn ang="0">
+                <a:pos x="connsiteX6" y="connsiteY6"/>
+              </a:cxn>
+              <a:cxn ang="0">
+                <a:pos x="connsiteX7" y="connsiteY7"/>
+              </a:cxn>
+            </a:cxnLst>
+            <a:rect l="l" t="t" r="r" b="b"/>
+            <a:pathLst>
+              <a:path w="4142629" h="862008">
+                <a:moveTo>
+                  <a:pt x="0" y="854057"/>
+                </a:moveTo>
+                <a:cubicBezTo>
+                  <a:pt x="720918" y="818607"/>
+                  <a:pt x="1441836" y="783158"/>
+                  <a:pt x="1470991" y="691055"/>
+                </a:cubicBezTo>
+                <a:cubicBezTo>
+                  <a:pt x="1500146" y="598952"/>
+                  <a:pt x="184867" y="410771"/>
+                  <a:pt x="174928" y="301441"/>
+                </a:cubicBezTo>
+                <a:cubicBezTo>
+                  <a:pt x="164989" y="192111"/>
+                  <a:pt x="982648" y="80129"/>
+                  <a:pt x="1411356" y="35072"/>
+                </a:cubicBezTo>
+                <a:cubicBezTo>
+                  <a:pt x="1840064" y="-9985"/>
+                  <a:pt x="2323768" y="-11973"/>
+                  <a:pt x="2747175" y="31097"/>
+                </a:cubicBezTo>
+                <a:cubicBezTo>
+                  <a:pt x="3170582" y="74167"/>
+                  <a:pt x="3964387" y="186148"/>
+                  <a:pt x="3951798" y="293490"/>
+                </a:cubicBezTo>
+                <a:cubicBezTo>
+                  <a:pt x="3939209" y="400832"/>
+                  <a:pt x="2639833" y="580399"/>
+                  <a:pt x="2671638" y="675152"/>
+                </a:cubicBezTo>
+                <a:cubicBezTo>
+                  <a:pt x="2703443" y="769905"/>
+                  <a:pt x="3423036" y="815956"/>
+                  <a:pt x="4142629" y="862008"/>
+                </a:cubicBezTo>
+              </a:path>
+            </a:pathLst>
+          </a:custGeom>
+          <a:ln w="28575"/>
+        </p:spPr>
+        <p:style>
+          <a:lnRef idx="1">
+            <a:schemeClr val="dk1"/>
+          </a:lnRef>
+          <a:fillRef idx="0">
+            <a:schemeClr val="dk1"/>
           </a:fillRef>
           <a:effectRef idx="0">
-            <a:schemeClr val="accent1"/>
-          </a:effectRef>
-          <a:fontRef idx="minor">
-            <a:schemeClr val="lt1"/>
+            <a:schemeClr val="dk1"/>
+          </a:effectRef>
+          <a:fontRef idx="minor">
+            <a:schemeClr val="tx1"/>
           </a:fontRef>
         </p:style>
         <p:txBody>
@@ -15079,10 +15275,252 @@
       </p:sp>
       <p:sp>
         <p:nvSpPr>
-          <p:cNvPr id="116" name="Freeform 115">
-            <a:extLst>
-              <a:ext uri="{FF2B5EF4-FFF2-40B4-BE49-F238E27FC236}">
-                <a16:creationId xmlns:a16="http://schemas.microsoft.com/office/drawing/2014/main" id="{4DD789F4-45CE-584C-9BBF-2D42EB278DEF}"/>
+          <p:cNvPr id="83" name="TextBox 82">
+            <a:extLst>
+              <a:ext uri="{FF2B5EF4-FFF2-40B4-BE49-F238E27FC236}">
+                <a16:creationId xmlns:a16="http://schemas.microsoft.com/office/drawing/2014/main" id="{CFA3AFEA-24B4-2D45-97BF-841CCB36497E}"/>
+              </a:ext>
+            </a:extLst>
+          </p:cNvPr>
+          <p:cNvSpPr txBox="1"/>
+          <p:nvPr/>
+        </p:nvSpPr>
+        <p:spPr>
+          <a:xfrm>
+            <a:off x="7919359" y="3804739"/>
+            <a:ext cx="985847" cy="646331"/>
+          </a:xfrm>
+          <a:prstGeom prst="rect">
+            <a:avLst/>
+          </a:prstGeom>
+          <a:noFill/>
+        </p:spPr>
+        <p:txBody>
+          <a:bodyPr wrap="none" rtlCol="0">
+            <a:spAutoFit/>
+          </a:bodyPr>
+          <a:lstStyle/>
+          <a:p>
+            <a:pPr algn="ctr"/>
+            <a:r>
+              <a:rPr lang="en-US" dirty="0"/>
+              <a:t>genomic</a:t>
+            </a:r>
+          </a:p>
+          <a:p>
+            <a:pPr algn="ctr"/>
+            <a:r>
+              <a:rPr lang="en-US" dirty="0"/>
+              <a:t>target</a:t>
+            </a:r>
+          </a:p>
+        </p:txBody>
+      </p:sp>
+      <p:sp>
+        <p:nvSpPr>
+          <p:cNvPr id="71" name="TextBox 70">
+            <a:extLst>
+              <a:ext uri="{FF2B5EF4-FFF2-40B4-BE49-F238E27FC236}">
+                <a16:creationId xmlns:a16="http://schemas.microsoft.com/office/drawing/2014/main" id="{97DFB1DA-3C59-254A-A5BB-CBCA227160D1}"/>
+              </a:ext>
+            </a:extLst>
+          </p:cNvPr>
+          <p:cNvSpPr txBox="1"/>
+          <p:nvPr/>
+        </p:nvSpPr>
+        <p:spPr>
+          <a:xfrm>
+            <a:off x="5311177" y="3920251"/>
+            <a:ext cx="907621" cy="369332"/>
+          </a:xfrm>
+          <a:prstGeom prst="rect">
+            <a:avLst/>
+          </a:prstGeom>
+          <a:noFill/>
+        </p:spPr>
+        <p:txBody>
+          <a:bodyPr wrap="none" rtlCol="0">
+            <a:spAutoFit/>
+          </a:bodyPr>
+          <a:lstStyle/>
+          <a:p>
+            <a:r>
+              <a:rPr lang="en-US" dirty="0"/>
+              <a:t>sgRNA1</a:t>
+            </a:r>
+          </a:p>
+        </p:txBody>
+      </p:sp>
+      <p:cxnSp>
+        <p:nvCxnSpPr>
+          <p:cNvPr id="84" name="Straight Connector 83">
+            <a:extLst>
+              <a:ext uri="{FF2B5EF4-FFF2-40B4-BE49-F238E27FC236}">
+                <a16:creationId xmlns:a16="http://schemas.microsoft.com/office/drawing/2014/main" id="{1476B152-9561-9E47-AAB9-97251051288D}"/>
+              </a:ext>
+            </a:extLst>
+          </p:cNvPr>
+          <p:cNvCxnSpPr>
+            <a:cxnSpLocks/>
+          </p:cNvCxnSpPr>
+          <p:nvPr/>
+        </p:nvCxnSpPr>
+        <p:spPr>
+          <a:xfrm flipH="1">
+            <a:off x="6136532" y="4025077"/>
+            <a:ext cx="0" cy="365760"/>
+          </a:xfrm>
+          <a:prstGeom prst="line">
+            <a:avLst/>
+          </a:prstGeom>
+          <a:ln w="25400">
+            <a:solidFill>
+              <a:srgbClr val="C00000"/>
+            </a:solidFill>
+            <a:headEnd type="diamond" w="lg" len="lg"/>
+            <a:tailEnd type="none"/>
+          </a:ln>
+        </p:spPr>
+        <p:style>
+          <a:lnRef idx="1">
+            <a:schemeClr val="accent3"/>
+          </a:lnRef>
+          <a:fillRef idx="0">
+            <a:schemeClr val="accent3"/>
+          </a:fillRef>
+          <a:effectRef idx="0">
+            <a:schemeClr val="accent3"/>
+          </a:effectRef>
+          <a:fontRef idx="minor">
+            <a:schemeClr val="tx1"/>
+          </a:fontRef>
+        </p:style>
+      </p:cxnSp>
+      <p:cxnSp>
+        <p:nvCxnSpPr>
+          <p:cNvPr id="87" name="Straight Arrow Connector 86">
+            <a:extLst>
+              <a:ext uri="{FF2B5EF4-FFF2-40B4-BE49-F238E27FC236}">
+                <a16:creationId xmlns:a16="http://schemas.microsoft.com/office/drawing/2014/main" id="{0B5AA263-0090-AE40-81D2-D7365CE5787D}"/>
+              </a:ext>
+            </a:extLst>
+          </p:cNvPr>
+          <p:cNvCxnSpPr/>
+          <p:nvPr/>
+        </p:nvCxnSpPr>
+        <p:spPr>
+          <a:xfrm>
+            <a:off x="5781409" y="2581442"/>
+            <a:ext cx="217762" cy="0"/>
+          </a:xfrm>
+          <a:prstGeom prst="straightConnector1">
+            <a:avLst/>
+          </a:prstGeom>
+          <a:ln w="25400">
+            <a:tailEnd type="triangle" w="lg" len="lg"/>
+          </a:ln>
+        </p:spPr>
+        <p:style>
+          <a:lnRef idx="1">
+            <a:schemeClr val="accent3"/>
+          </a:lnRef>
+          <a:fillRef idx="0">
+            <a:schemeClr val="accent3"/>
+          </a:fillRef>
+          <a:effectRef idx="0">
+            <a:schemeClr val="accent3"/>
+          </a:effectRef>
+          <a:fontRef idx="minor">
+            <a:schemeClr val="tx1"/>
+          </a:fontRef>
+        </p:style>
+      </p:cxnSp>
+      <p:cxnSp>
+        <p:nvCxnSpPr>
+          <p:cNvPr id="118" name="Straight Arrow Connector 117">
+            <a:extLst>
+              <a:ext uri="{FF2B5EF4-FFF2-40B4-BE49-F238E27FC236}">
+                <a16:creationId xmlns:a16="http://schemas.microsoft.com/office/drawing/2014/main" id="{8D32C8E5-A95E-0F4B-8284-0F5AEE7FFEA1}"/>
+              </a:ext>
+            </a:extLst>
+          </p:cNvPr>
+          <p:cNvCxnSpPr/>
+          <p:nvPr/>
+        </p:nvCxnSpPr>
+        <p:spPr>
+          <a:xfrm flipV="1">
+            <a:off x="5769610" y="3341424"/>
+            <a:ext cx="2637" cy="439764"/>
+          </a:xfrm>
+          <a:prstGeom prst="straightConnector1">
+            <a:avLst/>
+          </a:prstGeom>
+          <a:ln w="25400">
+            <a:tailEnd type="triangle" w="lg" len="lg"/>
+          </a:ln>
+        </p:spPr>
+        <p:style>
+          <a:lnRef idx="1">
+            <a:schemeClr val="accent3"/>
+          </a:lnRef>
+          <a:fillRef idx="0">
+            <a:schemeClr val="accent3"/>
+          </a:fillRef>
+          <a:effectRef idx="0">
+            <a:schemeClr val="accent3"/>
+          </a:effectRef>
+          <a:fontRef idx="minor">
+            <a:schemeClr val="tx1"/>
+          </a:fontRef>
+        </p:style>
+      </p:cxnSp>
+      <p:cxnSp>
+        <p:nvCxnSpPr>
+          <p:cNvPr id="119" name="Straight Connector 118">
+            <a:extLst>
+              <a:ext uri="{FF2B5EF4-FFF2-40B4-BE49-F238E27FC236}">
+                <a16:creationId xmlns:a16="http://schemas.microsoft.com/office/drawing/2014/main" id="{CC48FCAC-22E5-5148-A434-3E928393DDDA}"/>
+              </a:ext>
+            </a:extLst>
+          </p:cNvPr>
+          <p:cNvCxnSpPr>
+            <a:cxnSpLocks/>
+            <a:stCxn id="120" idx="4"/>
+            <a:endCxn id="121" idx="4"/>
+          </p:cNvCxnSpPr>
+          <p:nvPr/>
+        </p:nvCxnSpPr>
+        <p:spPr>
+          <a:xfrm flipH="1" flipV="1">
+            <a:off x="5777440" y="2627696"/>
+            <a:ext cx="0" cy="601311"/>
+          </a:xfrm>
+          <a:prstGeom prst="line">
+            <a:avLst/>
+          </a:prstGeom>
+          <a:ln w="25400"/>
+        </p:spPr>
+        <p:style>
+          <a:lnRef idx="1">
+            <a:schemeClr val="accent3"/>
+          </a:lnRef>
+          <a:fillRef idx="0">
+            <a:schemeClr val="accent3"/>
+          </a:fillRef>
+          <a:effectRef idx="0">
+            <a:schemeClr val="accent3"/>
+          </a:effectRef>
+          <a:fontRef idx="minor">
+            <a:schemeClr val="tx1"/>
+          </a:fontRef>
+        </p:style>
+      </p:cxnSp>
+      <p:sp>
+        <p:nvSpPr>
+          <p:cNvPr id="120" name="Freeform 119">
+            <a:extLst>
+              <a:ext uri="{FF2B5EF4-FFF2-40B4-BE49-F238E27FC236}">
+                <a16:creationId xmlns:a16="http://schemas.microsoft.com/office/drawing/2014/main" id="{DB3F5D1F-7624-C54B-911B-40DF40DEB88F}"/>
               </a:ext>
             </a:extLst>
           </p:cNvPr>
@@ -15091,7 +15529,7 @@
         </p:nvSpPr>
         <p:spPr>
           <a:xfrm>
-            <a:off x="6160929" y="2547956"/>
+            <a:off x="5495735" y="3228059"/>
             <a:ext cx="571347" cy="83114"/>
           </a:xfrm>
           <a:custGeom>
@@ -15226,10 +15664,10 @@
       </p:sp>
       <p:sp>
         <p:nvSpPr>
-          <p:cNvPr id="117" name="Oval 116">
-            <a:extLst>
-              <a:ext uri="{FF2B5EF4-FFF2-40B4-BE49-F238E27FC236}">
-                <a16:creationId xmlns:a16="http://schemas.microsoft.com/office/drawing/2014/main" id="{19450C66-1079-934B-8686-465C867DF212}"/>
+          <p:cNvPr id="121" name="Oval 120">
+            <a:extLst>
+              <a:ext uri="{FF2B5EF4-FFF2-40B4-BE49-F238E27FC236}">
+                <a16:creationId xmlns:a16="http://schemas.microsoft.com/office/drawing/2014/main" id="{2C0AC950-F0AC-7D49-A317-AAA006733793}"/>
               </a:ext>
             </a:extLst>
           </p:cNvPr>
@@ -15283,30 +15721,124 @@
           </a:p>
         </p:txBody>
       </p:sp>
+      <p:sp>
+        <p:nvSpPr>
+          <p:cNvPr id="127" name="Rectangle 126">
+            <a:extLst>
+              <a:ext uri="{FF2B5EF4-FFF2-40B4-BE49-F238E27FC236}">
+                <a16:creationId xmlns:a16="http://schemas.microsoft.com/office/drawing/2014/main" id="{D96B6E50-C54A-E14A-9C96-AD5BA6758CD3}"/>
+              </a:ext>
+            </a:extLst>
+          </p:cNvPr>
+          <p:cNvSpPr/>
+          <p:nvPr/>
+        </p:nvSpPr>
+        <p:spPr>
+          <a:xfrm>
+            <a:off x="4729776" y="3746142"/>
+            <a:ext cx="847437" cy="174110"/>
+          </a:xfrm>
+          <a:prstGeom prst="rect">
+            <a:avLst/>
+          </a:prstGeom>
+          <a:ln>
+            <a:solidFill>
+              <a:schemeClr val="bg1"/>
+            </a:solidFill>
+          </a:ln>
+        </p:spPr>
+        <p:style>
+          <a:lnRef idx="2">
+            <a:schemeClr val="accent6"/>
+          </a:lnRef>
+          <a:fillRef idx="1">
+            <a:schemeClr val="lt1"/>
+          </a:fillRef>
+          <a:effectRef idx="0">
+            <a:schemeClr val="accent6"/>
+          </a:effectRef>
+          <a:fontRef idx="minor">
+            <a:schemeClr val="dk1"/>
+          </a:fontRef>
+        </p:style>
+        <p:txBody>
+          <a:bodyPr rtlCol="0" anchor="ctr"/>
+          <a:lstStyle/>
+          <a:p>
+            <a:pPr algn="ctr"/>
+            <a:endParaRPr lang="en-US"/>
+          </a:p>
+        </p:txBody>
+      </p:sp>
+      <p:sp>
+        <p:nvSpPr>
+          <p:cNvPr id="128" name="Isosceles Triangle 39">
+            <a:extLst>
+              <a:ext uri="{FF2B5EF4-FFF2-40B4-BE49-F238E27FC236}">
+                <a16:creationId xmlns:a16="http://schemas.microsoft.com/office/drawing/2014/main" id="{E34AB8A2-8E77-1D44-A879-A7DE22698128}"/>
+              </a:ext>
+            </a:extLst>
+          </p:cNvPr>
+          <p:cNvSpPr/>
+          <p:nvPr/>
+        </p:nvSpPr>
+        <p:spPr>
+          <a:xfrm rot="5400000">
+            <a:off x="5368230" y="3833116"/>
+            <a:ext cx="209543" cy="208423"/>
+          </a:xfrm>
+          <a:prstGeom prst="triangle">
+            <a:avLst/>
+          </a:prstGeom>
+        </p:spPr>
+        <p:style>
+          <a:lnRef idx="2">
+            <a:schemeClr val="accent1">
+              <a:shade val="50000"/>
+            </a:schemeClr>
+          </a:lnRef>
+          <a:fillRef idx="1">
+            <a:schemeClr val="accent1"/>
+          </a:fillRef>
+          <a:effectRef idx="0">
+            <a:schemeClr val="accent1"/>
+          </a:effectRef>
+          <a:fontRef idx="minor">
+            <a:schemeClr val="lt1"/>
+          </a:fontRef>
+        </p:style>
+        <p:txBody>
+          <a:bodyPr rtlCol="0" anchor="ctr"/>
+          <a:lstStyle/>
+          <a:p>
+            <a:pPr algn="ctr"/>
+            <a:endParaRPr lang="en-US"/>
+          </a:p>
+        </p:txBody>
+      </p:sp>
       <p:cxnSp>
         <p:nvCxnSpPr>
-          <p:cNvPr id="123" name="Straight Arrow Connector 246">
-            <a:extLst>
-              <a:ext uri="{FF2B5EF4-FFF2-40B4-BE49-F238E27FC236}">
-                <a16:creationId xmlns:a16="http://schemas.microsoft.com/office/drawing/2014/main" id="{72227130-2A6D-0845-97B7-1C88F963B5EB}"/>
+          <p:cNvPr id="129" name="Straight Arrow Connector 246">
+            <a:extLst>
+              <a:ext uri="{FF2B5EF4-FFF2-40B4-BE49-F238E27FC236}">
+                <a16:creationId xmlns:a16="http://schemas.microsoft.com/office/drawing/2014/main" id="{B0AA67DD-5AE3-8B43-A4D9-5A9601A0D16A}"/>
               </a:ext>
             </a:extLst>
           </p:cNvPr>
           <p:cNvCxnSpPr>
             <a:cxnSpLocks/>
-            <a:stCxn id="67" idx="0"/>
           </p:cNvCxnSpPr>
           <p:nvPr/>
         </p:nvCxnSpPr>
         <p:spPr>
           <a:xfrm rot="16200000" flipH="1">
-            <a:off x="3875314" y="2972038"/>
-            <a:ext cx="615430" cy="1013448"/>
+            <a:off x="4264380" y="2582971"/>
+            <a:ext cx="615431" cy="1791582"/>
           </a:xfrm>
           <a:prstGeom prst="bentConnector4">
             <a:avLst>
               <a:gd name="adj1" fmla="val -37145"/>
-              <a:gd name="adj2" fmla="val 99972"/>
+              <a:gd name="adj2" fmla="val 100036"/>
             </a:avLst>
           </a:prstGeom>
           <a:ln w="25400">
@@ -15333,10 +15865,103 @@
       </p:cxnSp>
       <p:sp>
         <p:nvSpPr>
-          <p:cNvPr id="55" name="TextBox 54">
-            <a:extLst>
-              <a:ext uri="{FF2B5EF4-FFF2-40B4-BE49-F238E27FC236}">
-                <a16:creationId xmlns:a16="http://schemas.microsoft.com/office/drawing/2014/main" id="{ADEFC32A-E6CA-4E4F-8054-25C13FA7A6A9}"/>
+          <p:cNvPr id="130" name="Isosceles Triangle 38">
+            <a:extLst>
+              <a:ext uri="{FF2B5EF4-FFF2-40B4-BE49-F238E27FC236}">
+                <a16:creationId xmlns:a16="http://schemas.microsoft.com/office/drawing/2014/main" id="{7CD78CC9-0E67-A54F-B345-853B4053CA84}"/>
+              </a:ext>
+            </a:extLst>
+          </p:cNvPr>
+          <p:cNvSpPr/>
+          <p:nvPr/>
+        </p:nvSpPr>
+        <p:spPr>
+          <a:xfrm rot="5400000">
+            <a:off x="4729216" y="3838370"/>
+            <a:ext cx="209543" cy="208423"/>
+          </a:xfrm>
+          <a:prstGeom prst="triangle">
+            <a:avLst/>
+          </a:prstGeom>
+        </p:spPr>
+        <p:style>
+          <a:lnRef idx="2">
+            <a:schemeClr val="accent1">
+              <a:shade val="50000"/>
+            </a:schemeClr>
+          </a:lnRef>
+          <a:fillRef idx="1">
+            <a:schemeClr val="accent1"/>
+          </a:fillRef>
+          <a:effectRef idx="0">
+            <a:schemeClr val="accent1"/>
+          </a:effectRef>
+          <a:fontRef idx="minor">
+            <a:schemeClr val="lt1"/>
+          </a:fontRef>
+        </p:style>
+        <p:txBody>
+          <a:bodyPr rtlCol="0" anchor="ctr"/>
+          <a:lstStyle/>
+          <a:p>
+            <a:pPr algn="ctr"/>
+            <a:endParaRPr lang="en-US"/>
+          </a:p>
+        </p:txBody>
+      </p:sp>
+      <p:cxnSp>
+        <p:nvCxnSpPr>
+          <p:cNvPr id="131" name="Straight Arrow Connector 246">
+            <a:extLst>
+              <a:ext uri="{FF2B5EF4-FFF2-40B4-BE49-F238E27FC236}">
+                <a16:creationId xmlns:a16="http://schemas.microsoft.com/office/drawing/2014/main" id="{184E4EF8-3236-4142-B80D-55B64A6DE8F0}"/>
+              </a:ext>
+            </a:extLst>
+          </p:cNvPr>
+          <p:cNvCxnSpPr>
+            <a:cxnSpLocks/>
+          </p:cNvCxnSpPr>
+          <p:nvPr/>
+        </p:nvCxnSpPr>
+        <p:spPr>
+          <a:xfrm rot="16200000" flipH="1">
+            <a:off x="3939514" y="2907837"/>
+            <a:ext cx="615431" cy="1141850"/>
+          </a:xfrm>
+          <a:prstGeom prst="bentConnector4">
+            <a:avLst>
+              <a:gd name="adj1" fmla="val -37145"/>
+              <a:gd name="adj2" fmla="val 100223"/>
+            </a:avLst>
+          </a:prstGeom>
+          <a:ln w="25400">
+            <a:solidFill>
+              <a:schemeClr val="accent5"/>
+            </a:solidFill>
+            <a:tailEnd type="diamond" w="lg" len="lg"/>
+          </a:ln>
+        </p:spPr>
+        <p:style>
+          <a:lnRef idx="1">
+            <a:schemeClr val="accent3"/>
+          </a:lnRef>
+          <a:fillRef idx="0">
+            <a:schemeClr val="accent3"/>
+          </a:fillRef>
+          <a:effectRef idx="0">
+            <a:schemeClr val="accent3"/>
+          </a:effectRef>
+          <a:fontRef idx="minor">
+            <a:schemeClr val="tx1"/>
+          </a:fontRef>
+        </p:style>
+      </p:cxnSp>
+      <p:sp>
+        <p:nvSpPr>
+          <p:cNvPr id="132" name="TextBox 131">
+            <a:extLst>
+              <a:ext uri="{FF2B5EF4-FFF2-40B4-BE49-F238E27FC236}">
+                <a16:creationId xmlns:a16="http://schemas.microsoft.com/office/drawing/2014/main" id="{84EADE9C-A546-E94E-A342-1C6199FCD962}"/>
               </a:ext>
             </a:extLst>
           </p:cNvPr>
@@ -15345,7 +15970,7 @@
         </p:nvSpPr>
         <p:spPr>
           <a:xfrm>
-            <a:off x="4695461" y="3665066"/>
+            <a:off x="4823864" y="3665066"/>
             <a:ext cx="627095" cy="369332"/>
           </a:xfrm>
           <a:prstGeom prst="rect">
@@ -15396,315 +16021,6 @@
                 <a:srgbClr val="0070C0"/>
               </a:solidFill>
             </a:endParaRPr>
-          </a:p>
-        </p:txBody>
-      </p:sp>
-      <p:cxnSp>
-        <p:nvCxnSpPr>
-          <p:cNvPr id="73" name="Straight Arrow Connector 246">
-            <a:extLst>
-              <a:ext uri="{FF2B5EF4-FFF2-40B4-BE49-F238E27FC236}">
-                <a16:creationId xmlns:a16="http://schemas.microsoft.com/office/drawing/2014/main" id="{6CEDB452-F3E4-B84F-914A-434573CA2B35}"/>
-              </a:ext>
-            </a:extLst>
-          </p:cNvPr>
-          <p:cNvCxnSpPr>
-            <a:cxnSpLocks/>
-            <a:stCxn id="67" idx="0"/>
-          </p:cNvCxnSpPr>
-          <p:nvPr/>
-        </p:nvCxnSpPr>
-        <p:spPr>
-          <a:xfrm rot="16200000" flipH="1">
-            <a:off x="4200180" y="2647172"/>
-            <a:ext cx="615430" cy="1663180"/>
-          </a:xfrm>
-          <a:prstGeom prst="bentConnector4">
-            <a:avLst>
-              <a:gd name="adj1" fmla="val -37145"/>
-              <a:gd name="adj2" fmla="val 100035"/>
-            </a:avLst>
-          </a:prstGeom>
-          <a:ln w="25400">
-            <a:solidFill>
-              <a:schemeClr val="accent5"/>
-            </a:solidFill>
-            <a:tailEnd type="diamond" w="lg" len="lg"/>
-          </a:ln>
-        </p:spPr>
-        <p:style>
-          <a:lnRef idx="1">
-            <a:schemeClr val="accent3"/>
-          </a:lnRef>
-          <a:fillRef idx="0">
-            <a:schemeClr val="accent3"/>
-          </a:fillRef>
-          <a:effectRef idx="0">
-            <a:schemeClr val="accent3"/>
-          </a:effectRef>
-          <a:fontRef idx="minor">
-            <a:schemeClr val="tx1"/>
-          </a:fontRef>
-        </p:style>
-      </p:cxnSp>
-      <p:cxnSp>
-        <p:nvCxnSpPr>
-          <p:cNvPr id="75" name="Elbow Connector 74">
-            <a:extLst>
-              <a:ext uri="{FF2B5EF4-FFF2-40B4-BE49-F238E27FC236}">
-                <a16:creationId xmlns:a16="http://schemas.microsoft.com/office/drawing/2014/main" id="{54F770E2-70D3-744C-A244-177BB33D7BD8}"/>
-              </a:ext>
-            </a:extLst>
-          </p:cNvPr>
-          <p:cNvCxnSpPr>
-            <a:cxnSpLocks/>
-          </p:cNvCxnSpPr>
-          <p:nvPr/>
-        </p:nvCxnSpPr>
-        <p:spPr>
-          <a:xfrm>
-            <a:off x="7990089" y="2282971"/>
-            <a:ext cx="422391" cy="1274100"/>
-          </a:xfrm>
-          <a:prstGeom prst="bentConnector2">
-            <a:avLst/>
-          </a:prstGeom>
-          <a:ln w="25400">
-            <a:solidFill>
-              <a:srgbClr val="7030A0"/>
-            </a:solidFill>
-            <a:tailEnd type="diamond" w="lg" len="lg"/>
-          </a:ln>
-        </p:spPr>
-        <p:style>
-          <a:lnRef idx="1">
-            <a:schemeClr val="accent3"/>
-          </a:lnRef>
-          <a:fillRef idx="0">
-            <a:schemeClr val="accent3"/>
-          </a:fillRef>
-          <a:effectRef idx="0">
-            <a:schemeClr val="accent3"/>
-          </a:effectRef>
-          <a:fontRef idx="minor">
-            <a:schemeClr val="tx1"/>
-          </a:fontRef>
-        </p:style>
-      </p:cxnSp>
-      <p:cxnSp>
-        <p:nvCxnSpPr>
-          <p:cNvPr id="76" name="Straight Connector 75">
-            <a:extLst>
-              <a:ext uri="{FF2B5EF4-FFF2-40B4-BE49-F238E27FC236}">
-                <a16:creationId xmlns:a16="http://schemas.microsoft.com/office/drawing/2014/main" id="{6121BE91-86DF-A14D-9AC6-A3AA623A77CE}"/>
-              </a:ext>
-            </a:extLst>
-          </p:cNvPr>
-          <p:cNvCxnSpPr/>
-          <p:nvPr/>
-        </p:nvCxnSpPr>
-        <p:spPr>
-          <a:xfrm>
-            <a:off x="7812734" y="2559053"/>
-            <a:ext cx="0" cy="1837944"/>
-          </a:xfrm>
-          <a:prstGeom prst="line">
-            <a:avLst/>
-          </a:prstGeom>
-          <a:ln w="25400">
-            <a:solidFill>
-              <a:srgbClr val="C00000"/>
-            </a:solidFill>
-          </a:ln>
-        </p:spPr>
-        <p:style>
-          <a:lnRef idx="1">
-            <a:schemeClr val="accent3"/>
-          </a:lnRef>
-          <a:fillRef idx="0">
-            <a:schemeClr val="accent3"/>
-          </a:fillRef>
-          <a:effectRef idx="0">
-            <a:schemeClr val="accent3"/>
-          </a:effectRef>
-          <a:fontRef idx="minor">
-            <a:schemeClr val="tx1"/>
-          </a:fontRef>
-        </p:style>
-      </p:cxnSp>
-      <p:sp>
-        <p:nvSpPr>
-          <p:cNvPr id="81" name="Freeform 80">
-            <a:extLst>
-              <a:ext uri="{FF2B5EF4-FFF2-40B4-BE49-F238E27FC236}">
-                <a16:creationId xmlns:a16="http://schemas.microsoft.com/office/drawing/2014/main" id="{7D5CA176-AA2F-BF47-B139-A5B5557196AE}"/>
-              </a:ext>
-            </a:extLst>
-          </p:cNvPr>
-          <p:cNvSpPr/>
-          <p:nvPr/>
-        </p:nvSpPr>
-        <p:spPr>
-          <a:xfrm>
-            <a:off x="7966400" y="3655788"/>
-            <a:ext cx="868442" cy="180707"/>
-          </a:xfrm>
-          <a:custGeom>
-            <a:avLst/>
-            <a:gdLst>
-              <a:gd name="connsiteX0" fmla="*/ 0 w 4142629"/>
-              <a:gd name="connsiteY0" fmla="*/ 854057 h 862008"/>
-              <a:gd name="connsiteX1" fmla="*/ 1470991 w 4142629"/>
-              <a:gd name="connsiteY1" fmla="*/ 691055 h 862008"/>
-              <a:gd name="connsiteX2" fmla="*/ 174928 w 4142629"/>
-              <a:gd name="connsiteY2" fmla="*/ 301441 h 862008"/>
-              <a:gd name="connsiteX3" fmla="*/ 1411356 w 4142629"/>
-              <a:gd name="connsiteY3" fmla="*/ 35072 h 862008"/>
-              <a:gd name="connsiteX4" fmla="*/ 2747175 w 4142629"/>
-              <a:gd name="connsiteY4" fmla="*/ 31097 h 862008"/>
-              <a:gd name="connsiteX5" fmla="*/ 3951798 w 4142629"/>
-              <a:gd name="connsiteY5" fmla="*/ 293490 h 862008"/>
-              <a:gd name="connsiteX6" fmla="*/ 2671638 w 4142629"/>
-              <a:gd name="connsiteY6" fmla="*/ 675152 h 862008"/>
-              <a:gd name="connsiteX7" fmla="*/ 4142629 w 4142629"/>
-              <a:gd name="connsiteY7" fmla="*/ 862008 h 862008"/>
-            </a:gdLst>
-            <a:ahLst/>
-            <a:cxnLst>
-              <a:cxn ang="0">
-                <a:pos x="connsiteX0" y="connsiteY0"/>
-              </a:cxn>
-              <a:cxn ang="0">
-                <a:pos x="connsiteX1" y="connsiteY1"/>
-              </a:cxn>
-              <a:cxn ang="0">
-                <a:pos x="connsiteX2" y="connsiteY2"/>
-              </a:cxn>
-              <a:cxn ang="0">
-                <a:pos x="connsiteX3" y="connsiteY3"/>
-              </a:cxn>
-              <a:cxn ang="0">
-                <a:pos x="connsiteX4" y="connsiteY4"/>
-              </a:cxn>
-              <a:cxn ang="0">
-                <a:pos x="connsiteX5" y="connsiteY5"/>
-              </a:cxn>
-              <a:cxn ang="0">
-                <a:pos x="connsiteX6" y="connsiteY6"/>
-              </a:cxn>
-              <a:cxn ang="0">
-                <a:pos x="connsiteX7" y="connsiteY7"/>
-              </a:cxn>
-            </a:cxnLst>
-            <a:rect l="l" t="t" r="r" b="b"/>
-            <a:pathLst>
-              <a:path w="4142629" h="862008">
-                <a:moveTo>
-                  <a:pt x="0" y="854057"/>
-                </a:moveTo>
-                <a:cubicBezTo>
-                  <a:pt x="720918" y="818607"/>
-                  <a:pt x="1441836" y="783158"/>
-                  <a:pt x="1470991" y="691055"/>
-                </a:cubicBezTo>
-                <a:cubicBezTo>
-                  <a:pt x="1500146" y="598952"/>
-                  <a:pt x="184867" y="410771"/>
-                  <a:pt x="174928" y="301441"/>
-                </a:cubicBezTo>
-                <a:cubicBezTo>
-                  <a:pt x="164989" y="192111"/>
-                  <a:pt x="982648" y="80129"/>
-                  <a:pt x="1411356" y="35072"/>
-                </a:cubicBezTo>
-                <a:cubicBezTo>
-                  <a:pt x="1840064" y="-9985"/>
-                  <a:pt x="2323768" y="-11973"/>
-                  <a:pt x="2747175" y="31097"/>
-                </a:cubicBezTo>
-                <a:cubicBezTo>
-                  <a:pt x="3170582" y="74167"/>
-                  <a:pt x="3964387" y="186148"/>
-                  <a:pt x="3951798" y="293490"/>
-                </a:cubicBezTo>
-                <a:cubicBezTo>
-                  <a:pt x="3939209" y="400832"/>
-                  <a:pt x="2639833" y="580399"/>
-                  <a:pt x="2671638" y="675152"/>
-                </a:cubicBezTo>
-                <a:cubicBezTo>
-                  <a:pt x="2703443" y="769905"/>
-                  <a:pt x="3423036" y="815956"/>
-                  <a:pt x="4142629" y="862008"/>
-                </a:cubicBezTo>
-              </a:path>
-            </a:pathLst>
-          </a:custGeom>
-          <a:ln w="28575"/>
-        </p:spPr>
-        <p:style>
-          <a:lnRef idx="1">
-            <a:schemeClr val="dk1"/>
-          </a:lnRef>
-          <a:fillRef idx="0">
-            <a:schemeClr val="dk1"/>
-          </a:fillRef>
-          <a:effectRef idx="0">
-            <a:schemeClr val="dk1"/>
-          </a:effectRef>
-          <a:fontRef idx="minor">
-            <a:schemeClr val="tx1"/>
-          </a:fontRef>
-        </p:style>
-        <p:txBody>
-          <a:bodyPr rtlCol="0" anchor="ctr"/>
-          <a:lstStyle/>
-          <a:p>
-            <a:pPr algn="ctr"/>
-            <a:endParaRPr lang="en-US"/>
-          </a:p>
-        </p:txBody>
-      </p:sp>
-      <p:sp>
-        <p:nvSpPr>
-          <p:cNvPr id="83" name="TextBox 82">
-            <a:extLst>
-              <a:ext uri="{FF2B5EF4-FFF2-40B4-BE49-F238E27FC236}">
-                <a16:creationId xmlns:a16="http://schemas.microsoft.com/office/drawing/2014/main" id="{CFA3AFEA-24B4-2D45-97BF-841CCB36497E}"/>
-              </a:ext>
-            </a:extLst>
-          </p:cNvPr>
-          <p:cNvSpPr txBox="1"/>
-          <p:nvPr/>
-        </p:nvSpPr>
-        <p:spPr>
-          <a:xfrm>
-            <a:off x="7919359" y="3804739"/>
-            <a:ext cx="985847" cy="646331"/>
-          </a:xfrm>
-          <a:prstGeom prst="rect">
-            <a:avLst/>
-          </a:prstGeom>
-          <a:noFill/>
-        </p:spPr>
-        <p:txBody>
-          <a:bodyPr wrap="none" rtlCol="0">
-            <a:spAutoFit/>
-          </a:bodyPr>
-          <a:lstStyle/>
-          <a:p>
-            <a:pPr algn="ctr"/>
-            <a:r>
-              <a:rPr lang="en-US" dirty="0"/>
-              <a:t>genomic</a:t>
-            </a:r>
-          </a:p>
-          <a:p>
-            <a:pPr algn="ctr"/>
-            <a:r>
-              <a:rPr lang="en-US" dirty="0"/>
-              <a:t>target</a:t>
-            </a:r>
           </a:p>
         </p:txBody>
       </p:sp>
@@ -26046,7 +26362,7 @@
         </p:nvGrpSpPr>
         <p:grpSpPr>
           <a:xfrm>
-            <a:off x="6491428" y="3787396"/>
+            <a:off x="6257962" y="3787396"/>
             <a:ext cx="484281" cy="172854"/>
             <a:chOff x="5293558" y="3697843"/>
             <a:chExt cx="660058" cy="235594"/>
@@ -26716,7 +27032,7 @@
         </p:nvSpPr>
         <p:spPr>
           <a:xfrm>
-            <a:off x="6283943" y="3920251"/>
+            <a:off x="6050477" y="3920251"/>
             <a:ext cx="907621" cy="369332"/>
           </a:xfrm>
           <a:prstGeom prst="rect">
@@ -27195,14 +27511,13 @@
           </p:cNvPr>
           <p:cNvCxnSpPr>
             <a:cxnSpLocks/>
-            <a:endCxn id="124" idx="2"/>
           </p:cNvCxnSpPr>
           <p:nvPr/>
         </p:nvCxnSpPr>
         <p:spPr>
           <a:xfrm>
-            <a:off x="1513870" y="2581976"/>
-            <a:ext cx="5190616" cy="0"/>
+            <a:off x="1494414" y="2581976"/>
+            <a:ext cx="5311968" cy="0"/>
           </a:xfrm>
           <a:prstGeom prst="straightConnector1">
             <a:avLst/>
@@ -28151,7 +28466,7 @@
         </p:nvSpPr>
         <p:spPr>
           <a:xfrm rot="5400000">
-            <a:off x="6212593" y="3833116"/>
+            <a:off x="6835164" y="3833116"/>
             <a:ext cx="209543" cy="208423"/>
           </a:xfrm>
           <a:prstGeom prst="triangle">
@@ -28197,7 +28512,7 @@
         </p:nvCxnSpPr>
         <p:spPr>
           <a:xfrm flipV="1">
-            <a:off x="6742376" y="3341424"/>
+            <a:off x="6508910" y="3341424"/>
             <a:ext cx="2637" cy="439764"/>
           </a:xfrm>
           <a:prstGeom prst="straightConnector1">
@@ -28240,7 +28555,7 @@
         </p:nvCxnSpPr>
         <p:spPr>
           <a:xfrm flipH="1" flipV="1">
-            <a:off x="6750206" y="2627696"/>
+            <a:off x="6516740" y="2627696"/>
             <a:ext cx="0" cy="601311"/>
           </a:xfrm>
           <a:prstGeom prst="line">
@@ -28357,7 +28672,7 @@
         </p:nvSpPr>
         <p:spPr>
           <a:xfrm>
-            <a:off x="6468501" y="3228059"/>
+            <a:off x="6235035" y="3228059"/>
             <a:ext cx="571347" cy="83114"/>
           </a:xfrm>
           <a:custGeom>
@@ -28707,7 +29022,7 @@
         </p:nvSpPr>
         <p:spPr>
           <a:xfrm>
-            <a:off x="6704486" y="2536256"/>
+            <a:off x="6471020" y="2536256"/>
             <a:ext cx="91440" cy="91440"/>
           </a:xfrm>
           <a:prstGeom prst="ellipse">
@@ -28761,13 +29076,12 @@
           </p:cNvPr>
           <p:cNvCxnSpPr>
             <a:cxnSpLocks/>
-            <a:stCxn id="91" idx="0"/>
           </p:cNvCxnSpPr>
           <p:nvPr/>
         </p:nvCxnSpPr>
         <p:spPr>
           <a:xfrm rot="16200000" flipH="1">
-            <a:off x="5372335" y="2837926"/>
+            <a:off x="5994906" y="2837926"/>
             <a:ext cx="615431" cy="1281672"/>
           </a:xfrm>
           <a:prstGeom prst="bentConnector4">
@@ -29542,10 +29856,10 @@
       </p:grpSpPr>
       <p:grpSp>
         <p:nvGrpSpPr>
-          <p:cNvPr id="105" name="Group 104">
-            <a:extLst>
-              <a:ext uri="{FF2B5EF4-FFF2-40B4-BE49-F238E27FC236}">
-                <a16:creationId xmlns:a16="http://schemas.microsoft.com/office/drawing/2014/main" id="{C760775C-A3F0-CE45-9641-BC4A530F026D}"/>
+          <p:cNvPr id="150" name="Group 149">
+            <a:extLst>
+              <a:ext uri="{FF2B5EF4-FFF2-40B4-BE49-F238E27FC236}">
+                <a16:creationId xmlns:a16="http://schemas.microsoft.com/office/drawing/2014/main" id="{18475CFA-139E-B745-960C-8251DC79E10A}"/>
               </a:ext>
             </a:extLst>
           </p:cNvPr>
@@ -29554,7 +29868,7 @@
         </p:nvGrpSpPr>
         <p:grpSpPr>
           <a:xfrm>
-            <a:off x="5518662" y="3787396"/>
+            <a:off x="5284690" y="3787396"/>
             <a:ext cx="484281" cy="172854"/>
             <a:chOff x="5293558" y="3697843"/>
             <a:chExt cx="660058" cy="235594"/>
@@ -29562,10 +29876,10 @@
         </p:grpSpPr>
         <p:sp>
           <p:nvSpPr>
-            <p:cNvPr id="106" name="Freeform 105">
+            <p:cNvPr id="151" name="Freeform 150">
               <a:extLst>
                 <a:ext uri="{FF2B5EF4-FFF2-40B4-BE49-F238E27FC236}">
-                  <a16:creationId xmlns:a16="http://schemas.microsoft.com/office/drawing/2014/main" id="{876818EB-EFA9-9744-BD64-C14E92F799F3}"/>
+                  <a16:creationId xmlns:a16="http://schemas.microsoft.com/office/drawing/2014/main" id="{6E41EB2A-52B1-3F41-A81C-C3885FD48566}"/>
                 </a:ext>
               </a:extLst>
             </p:cNvPr>
@@ -29689,10 +30003,10 @@
         </p:sp>
         <p:cxnSp>
           <p:nvCxnSpPr>
-            <p:cNvPr id="107" name="Straight Connector 106">
+            <p:cNvPr id="152" name="Straight Connector 151">
               <a:extLst>
                 <a:ext uri="{FF2B5EF4-FFF2-40B4-BE49-F238E27FC236}">
-                  <a16:creationId xmlns:a16="http://schemas.microsoft.com/office/drawing/2014/main" id="{CB4609AF-3F33-0542-A92B-32C4B254E321}"/>
+                  <a16:creationId xmlns:a16="http://schemas.microsoft.com/office/drawing/2014/main" id="{35A4D5C4-81E7-E24D-916D-A8C2CCA04984}"/>
                 </a:ext>
               </a:extLst>
             </p:cNvPr>
@@ -29730,10 +30044,10 @@
         </p:cxnSp>
         <p:cxnSp>
           <p:nvCxnSpPr>
-            <p:cNvPr id="108" name="Straight Connector 107">
+            <p:cNvPr id="153" name="Straight Connector 152">
               <a:extLst>
                 <a:ext uri="{FF2B5EF4-FFF2-40B4-BE49-F238E27FC236}">
-                  <a16:creationId xmlns:a16="http://schemas.microsoft.com/office/drawing/2014/main" id="{6A5BCB44-573C-B14A-B60B-A9C0E70E84F5}"/>
+                  <a16:creationId xmlns:a16="http://schemas.microsoft.com/office/drawing/2014/main" id="{B5197FA4-868D-7D45-AC4C-BD1150E19EEE}"/>
                 </a:ext>
               </a:extLst>
             </p:cNvPr>
@@ -29771,10 +30085,10 @@
         </p:cxnSp>
         <p:cxnSp>
           <p:nvCxnSpPr>
-            <p:cNvPr id="109" name="Straight Connector 108">
+            <p:cNvPr id="154" name="Straight Connector 153">
               <a:extLst>
                 <a:ext uri="{FF2B5EF4-FFF2-40B4-BE49-F238E27FC236}">
-                  <a16:creationId xmlns:a16="http://schemas.microsoft.com/office/drawing/2014/main" id="{0C04B03D-1000-4745-B9D1-998170C2DCC8}"/>
+                  <a16:creationId xmlns:a16="http://schemas.microsoft.com/office/drawing/2014/main" id="{FDFC1C1E-F9A3-DD41-9F40-03C08A508627}"/>
                 </a:ext>
               </a:extLst>
             </p:cNvPr>
@@ -30196,85 +30510,6 @@
           </a:fontRef>
         </p:style>
       </p:cxnSp>
-      <p:cxnSp>
-        <p:nvCxnSpPr>
-          <p:cNvPr id="64" name="Elbow Connector 63">
-            <a:extLst>
-              <a:ext uri="{FF2B5EF4-FFF2-40B4-BE49-F238E27FC236}">
-                <a16:creationId xmlns:a16="http://schemas.microsoft.com/office/drawing/2014/main" id="{300D7B57-A254-AF46-B1BB-E6D8A047A93C}"/>
-              </a:ext>
-            </a:extLst>
-          </p:cNvPr>
-          <p:cNvCxnSpPr>
-            <a:cxnSpLocks/>
-          </p:cNvCxnSpPr>
-          <p:nvPr/>
-        </p:nvCxnSpPr>
-        <p:spPr>
-          <a:xfrm flipV="1">
-            <a:off x="4886629" y="3629396"/>
-            <a:ext cx="328764" cy="301158"/>
-          </a:xfrm>
-          <a:prstGeom prst="bentConnector3">
-            <a:avLst>
-              <a:gd name="adj1" fmla="val 5634"/>
-            </a:avLst>
-          </a:prstGeom>
-          <a:ln w="38100">
-            <a:headEnd type="none" w="med" len="med"/>
-            <a:tailEnd type="arrow" w="med" len="med"/>
-          </a:ln>
-        </p:spPr>
-        <p:style>
-          <a:lnRef idx="3">
-            <a:schemeClr val="dk1"/>
-          </a:lnRef>
-          <a:fillRef idx="0">
-            <a:schemeClr val="dk1"/>
-          </a:fillRef>
-          <a:effectRef idx="2">
-            <a:schemeClr val="dk1"/>
-          </a:effectRef>
-          <a:fontRef idx="minor">
-            <a:schemeClr val="tx1"/>
-          </a:fontRef>
-        </p:style>
-      </p:cxnSp>
-      <p:sp>
-        <p:nvSpPr>
-          <p:cNvPr id="65" name="TextBox 64">
-            <a:extLst>
-              <a:ext uri="{FF2B5EF4-FFF2-40B4-BE49-F238E27FC236}">
-                <a16:creationId xmlns:a16="http://schemas.microsoft.com/office/drawing/2014/main" id="{196A1664-7C64-524B-B6FC-D5A902637082}"/>
-              </a:ext>
-            </a:extLst>
-          </p:cNvPr>
-          <p:cNvSpPr txBox="1"/>
-          <p:nvPr/>
-        </p:nvSpPr>
-        <p:spPr>
-          <a:xfrm>
-            <a:off x="5311177" y="3920251"/>
-            <a:ext cx="907621" cy="369332"/>
-          </a:xfrm>
-          <a:prstGeom prst="rect">
-            <a:avLst/>
-          </a:prstGeom>
-          <a:noFill/>
-        </p:spPr>
-        <p:txBody>
-          <a:bodyPr wrap="none" rtlCol="0">
-            <a:spAutoFit/>
-          </a:bodyPr>
-          <a:lstStyle/>
-          <a:p>
-            <a:r>
-              <a:rPr lang="en-US" dirty="0"/>
-              <a:t>sgRNA1</a:t>
-            </a:r>
-          </a:p>
-        </p:txBody>
-      </p:sp>
       <p:sp>
         <p:nvSpPr>
           <p:cNvPr id="66" name="Pentagon 65">
@@ -30724,46 +30959,6 @@
       </p:cxnSp>
       <p:cxnSp>
         <p:nvCxnSpPr>
-          <p:cNvPr id="80" name="Elbow Connector 32">
-            <a:extLst>
-              <a:ext uri="{FF2B5EF4-FFF2-40B4-BE49-F238E27FC236}">
-                <a16:creationId xmlns:a16="http://schemas.microsoft.com/office/drawing/2014/main" id="{1DE9BBB4-F8A4-0540-8BAA-EC547AC83CBF}"/>
-              </a:ext>
-            </a:extLst>
-          </p:cNvPr>
-          <p:cNvCxnSpPr>
-            <a:cxnSpLocks/>
-            <a:endCxn id="117" idx="2"/>
-          </p:cNvCxnSpPr>
-          <p:nvPr/>
-        </p:nvCxnSpPr>
-        <p:spPr>
-          <a:xfrm>
-            <a:off x="1921383" y="2581976"/>
-            <a:ext cx="3810337" cy="0"/>
-          </a:xfrm>
-          <a:prstGeom prst="straightConnector1">
-            <a:avLst/>
-          </a:prstGeom>
-          <a:ln w="25400"/>
-        </p:spPr>
-        <p:style>
-          <a:lnRef idx="1">
-            <a:schemeClr val="accent3"/>
-          </a:lnRef>
-          <a:fillRef idx="0">
-            <a:schemeClr val="accent3"/>
-          </a:fillRef>
-          <a:effectRef idx="0">
-            <a:schemeClr val="accent3"/>
-          </a:effectRef>
-          <a:fontRef idx="minor">
-            <a:schemeClr val="tx1"/>
-          </a:fontRef>
-        </p:style>
-      </p:cxnSp>
-      <p:cxnSp>
-        <p:nvCxnSpPr>
           <p:cNvPr id="82" name="Straight Connector 81">
             <a:extLst>
               <a:ext uri="{FF2B5EF4-FFF2-40B4-BE49-F238E27FC236}">
@@ -31629,12 +31824,92 @@
           </a:fontRef>
         </p:style>
       </p:cxnSp>
+      <p:cxnSp>
+        <p:nvCxnSpPr>
+          <p:cNvPr id="112" name="Straight Arrow Connector 111">
+            <a:extLst>
+              <a:ext uri="{FF2B5EF4-FFF2-40B4-BE49-F238E27FC236}">
+                <a16:creationId xmlns:a16="http://schemas.microsoft.com/office/drawing/2014/main" id="{D5AF28BC-DA2B-0E4F-8BF3-432E6EA42594}"/>
+              </a:ext>
+            </a:extLst>
+          </p:cNvPr>
+          <p:cNvCxnSpPr/>
+          <p:nvPr/>
+        </p:nvCxnSpPr>
+        <p:spPr>
+          <a:xfrm>
+            <a:off x="5781409" y="2581442"/>
+            <a:ext cx="217762" cy="0"/>
+          </a:xfrm>
+          <a:prstGeom prst="straightConnector1">
+            <a:avLst/>
+          </a:prstGeom>
+          <a:ln w="25400">
+            <a:tailEnd type="triangle" w="lg" len="lg"/>
+          </a:ln>
+        </p:spPr>
+        <p:style>
+          <a:lnRef idx="1">
+            <a:schemeClr val="accent3"/>
+          </a:lnRef>
+          <a:fillRef idx="0">
+            <a:schemeClr val="accent3"/>
+          </a:fillRef>
+          <a:effectRef idx="0">
+            <a:schemeClr val="accent3"/>
+          </a:effectRef>
+          <a:fontRef idx="minor">
+            <a:schemeClr val="tx1"/>
+          </a:fontRef>
+        </p:style>
+      </p:cxnSp>
+      <p:cxnSp>
+        <p:nvCxnSpPr>
+          <p:cNvPr id="113" name="Straight Connector 112">
+            <a:extLst>
+              <a:ext uri="{FF2B5EF4-FFF2-40B4-BE49-F238E27FC236}">
+                <a16:creationId xmlns:a16="http://schemas.microsoft.com/office/drawing/2014/main" id="{5EF11674-4486-FC44-9321-21FDB4B68BA0}"/>
+              </a:ext>
+            </a:extLst>
+          </p:cNvPr>
+          <p:cNvCxnSpPr/>
+          <p:nvPr/>
+        </p:nvCxnSpPr>
+        <p:spPr>
+          <a:xfrm>
+            <a:off x="6742125" y="2573663"/>
+            <a:ext cx="1060704" cy="0"/>
+          </a:xfrm>
+          <a:prstGeom prst="line">
+            <a:avLst/>
+          </a:prstGeom>
+          <a:ln w="25400">
+            <a:solidFill>
+              <a:srgbClr val="C00000"/>
+            </a:solidFill>
+          </a:ln>
+        </p:spPr>
+        <p:style>
+          <a:lnRef idx="1">
+            <a:schemeClr val="accent3"/>
+          </a:lnRef>
+          <a:fillRef idx="0">
+            <a:schemeClr val="accent3"/>
+          </a:fillRef>
+          <a:effectRef idx="0">
+            <a:schemeClr val="accent3"/>
+          </a:effectRef>
+          <a:fontRef idx="minor">
+            <a:schemeClr val="tx1"/>
+          </a:fontRef>
+        </p:style>
+      </p:cxnSp>
       <p:sp>
         <p:nvSpPr>
-          <p:cNvPr id="103" name="Isosceles Triangle 38">
-            <a:extLst>
-              <a:ext uri="{FF2B5EF4-FFF2-40B4-BE49-F238E27FC236}">
-                <a16:creationId xmlns:a16="http://schemas.microsoft.com/office/drawing/2014/main" id="{ED520884-FE23-FF43-B70C-543C831E871D}"/>
+          <p:cNvPr id="115" name="Rounded Rectangle 114">
+            <a:extLst>
+              <a:ext uri="{FF2B5EF4-FFF2-40B4-BE49-F238E27FC236}">
+                <a16:creationId xmlns:a16="http://schemas.microsoft.com/office/drawing/2014/main" id="{E0AF28EB-5E45-F541-A4E6-0543A7A3A9D6}"/>
               </a:ext>
             </a:extLst>
           </p:cNvPr>
@@ -31642,13 +31917,21 @@
           <p:nvPr/>
         </p:nvSpPr>
         <p:spPr>
-          <a:xfrm rot="5400000">
-            <a:off x="4600813" y="3838370"/>
-            <a:ext cx="209543" cy="208423"/>
-          </a:xfrm>
-          <a:prstGeom prst="triangle">
-            <a:avLst/>
-          </a:prstGeom>
+          <a:xfrm>
+            <a:off x="6007264" y="2461828"/>
+            <a:ext cx="612967" cy="255371"/>
+          </a:xfrm>
+          <a:prstGeom prst="roundRect">
+            <a:avLst>
+              <a:gd name="adj" fmla="val 50000"/>
+            </a:avLst>
+          </a:prstGeom>
+          <a:solidFill>
+            <a:schemeClr val="accent1">
+              <a:lumMod val="40000"/>
+              <a:lumOff val="60000"/>
+            </a:schemeClr>
+          </a:solidFill>
         </p:spPr>
         <p:style>
           <a:lnRef idx="2">
@@ -31677,10 +31960,10 @@
       </p:sp>
       <p:sp>
         <p:nvSpPr>
-          <p:cNvPr id="104" name="Isosceles Triangle 39">
-            <a:extLst>
-              <a:ext uri="{FF2B5EF4-FFF2-40B4-BE49-F238E27FC236}">
-                <a16:creationId xmlns:a16="http://schemas.microsoft.com/office/drawing/2014/main" id="{7419501F-2818-F64A-B938-899F093BC560}"/>
+          <p:cNvPr id="116" name="Freeform 115">
+            <a:extLst>
+              <a:ext uri="{FF2B5EF4-FFF2-40B4-BE49-F238E27FC236}">
+                <a16:creationId xmlns:a16="http://schemas.microsoft.com/office/drawing/2014/main" id="{4DD789F4-45CE-584C-9BBF-2D42EB278DEF}"/>
               </a:ext>
             </a:extLst>
           </p:cNvPr>
@@ -31688,214 +31971,8 @@
           <p:nvPr/>
         </p:nvSpPr>
         <p:spPr>
-          <a:xfrm rot="5400000">
-            <a:off x="5239827" y="3833116"/>
-            <a:ext cx="209543" cy="208423"/>
-          </a:xfrm>
-          <a:prstGeom prst="triangle">
-            <a:avLst/>
-          </a:prstGeom>
-        </p:spPr>
-        <p:style>
-          <a:lnRef idx="2">
-            <a:schemeClr val="accent1">
-              <a:shade val="50000"/>
-            </a:schemeClr>
-          </a:lnRef>
-          <a:fillRef idx="1">
-            <a:schemeClr val="accent1"/>
-          </a:fillRef>
-          <a:effectRef idx="0">
-            <a:schemeClr val="accent1"/>
-          </a:effectRef>
-          <a:fontRef idx="minor">
-            <a:schemeClr val="lt1"/>
-          </a:fontRef>
-        </p:style>
-        <p:txBody>
-          <a:bodyPr rtlCol="0" anchor="ctr"/>
-          <a:lstStyle/>
-          <a:p>
-            <a:pPr algn="ctr"/>
-            <a:endParaRPr lang="en-US"/>
-          </a:p>
-        </p:txBody>
-      </p:sp>
-      <p:cxnSp>
-        <p:nvCxnSpPr>
-          <p:cNvPr id="110" name="Straight Arrow Connector 109">
-            <a:extLst>
-              <a:ext uri="{FF2B5EF4-FFF2-40B4-BE49-F238E27FC236}">
-                <a16:creationId xmlns:a16="http://schemas.microsoft.com/office/drawing/2014/main" id="{3F4A523E-A459-734E-A77A-F612327A996B}"/>
-              </a:ext>
-            </a:extLst>
-          </p:cNvPr>
-          <p:cNvCxnSpPr/>
-          <p:nvPr/>
-        </p:nvCxnSpPr>
-        <p:spPr>
-          <a:xfrm flipV="1">
-            <a:off x="5769610" y="3341424"/>
-            <a:ext cx="2637" cy="439764"/>
-          </a:xfrm>
-          <a:prstGeom prst="straightConnector1">
-            <a:avLst/>
-          </a:prstGeom>
-          <a:ln w="25400">
-            <a:tailEnd type="triangle" w="lg" len="lg"/>
-          </a:ln>
-        </p:spPr>
-        <p:style>
-          <a:lnRef idx="1">
-            <a:schemeClr val="accent3"/>
-          </a:lnRef>
-          <a:fillRef idx="0">
-            <a:schemeClr val="accent3"/>
-          </a:fillRef>
-          <a:effectRef idx="0">
-            <a:schemeClr val="accent3"/>
-          </a:effectRef>
-          <a:fontRef idx="minor">
-            <a:schemeClr val="tx1"/>
-          </a:fontRef>
-        </p:style>
-      </p:cxnSp>
-      <p:cxnSp>
-        <p:nvCxnSpPr>
-          <p:cNvPr id="111" name="Straight Connector 110">
-            <a:extLst>
-              <a:ext uri="{FF2B5EF4-FFF2-40B4-BE49-F238E27FC236}">
-                <a16:creationId xmlns:a16="http://schemas.microsoft.com/office/drawing/2014/main" id="{84483D99-1437-5648-AA42-D5110DD29CD8}"/>
-              </a:ext>
-            </a:extLst>
-          </p:cNvPr>
-          <p:cNvCxnSpPr>
-            <a:cxnSpLocks/>
-            <a:stCxn id="114" idx="4"/>
-            <a:endCxn id="117" idx="4"/>
-          </p:cNvCxnSpPr>
-          <p:nvPr/>
-        </p:nvCxnSpPr>
-        <p:spPr>
-          <a:xfrm flipH="1" flipV="1">
-            <a:off x="5777440" y="2627696"/>
-            <a:ext cx="0" cy="601311"/>
-          </a:xfrm>
-          <a:prstGeom prst="line">
-            <a:avLst/>
-          </a:prstGeom>
-          <a:ln w="25400"/>
-        </p:spPr>
-        <p:style>
-          <a:lnRef idx="1">
-            <a:schemeClr val="accent3"/>
-          </a:lnRef>
-          <a:fillRef idx="0">
-            <a:schemeClr val="accent3"/>
-          </a:fillRef>
-          <a:effectRef idx="0">
-            <a:schemeClr val="accent3"/>
-          </a:effectRef>
-          <a:fontRef idx="minor">
-            <a:schemeClr val="tx1"/>
-          </a:fontRef>
-        </p:style>
-      </p:cxnSp>
-      <p:cxnSp>
-        <p:nvCxnSpPr>
-          <p:cNvPr id="112" name="Straight Arrow Connector 111">
-            <a:extLst>
-              <a:ext uri="{FF2B5EF4-FFF2-40B4-BE49-F238E27FC236}">
-                <a16:creationId xmlns:a16="http://schemas.microsoft.com/office/drawing/2014/main" id="{D5AF28BC-DA2B-0E4F-8BF3-432E6EA42594}"/>
-              </a:ext>
-            </a:extLst>
-          </p:cNvPr>
-          <p:cNvCxnSpPr/>
-          <p:nvPr/>
-        </p:nvCxnSpPr>
-        <p:spPr>
           <a:xfrm>
-            <a:off x="5781409" y="2581442"/>
-            <a:ext cx="217762" cy="0"/>
-          </a:xfrm>
-          <a:prstGeom prst="straightConnector1">
-            <a:avLst/>
-          </a:prstGeom>
-          <a:ln w="25400">
-            <a:tailEnd type="triangle" w="lg" len="lg"/>
-          </a:ln>
-        </p:spPr>
-        <p:style>
-          <a:lnRef idx="1">
-            <a:schemeClr val="accent3"/>
-          </a:lnRef>
-          <a:fillRef idx="0">
-            <a:schemeClr val="accent3"/>
-          </a:fillRef>
-          <a:effectRef idx="0">
-            <a:schemeClr val="accent3"/>
-          </a:effectRef>
-          <a:fontRef idx="minor">
-            <a:schemeClr val="tx1"/>
-          </a:fontRef>
-        </p:style>
-      </p:cxnSp>
-      <p:cxnSp>
-        <p:nvCxnSpPr>
-          <p:cNvPr id="113" name="Straight Connector 112">
-            <a:extLst>
-              <a:ext uri="{FF2B5EF4-FFF2-40B4-BE49-F238E27FC236}">
-                <a16:creationId xmlns:a16="http://schemas.microsoft.com/office/drawing/2014/main" id="{5EF11674-4486-FC44-9321-21FDB4B68BA0}"/>
-              </a:ext>
-            </a:extLst>
-          </p:cNvPr>
-          <p:cNvCxnSpPr/>
-          <p:nvPr/>
-        </p:nvCxnSpPr>
-        <p:spPr>
-          <a:xfrm>
-            <a:off x="6742125" y="2573663"/>
-            <a:ext cx="1060704" cy="0"/>
-          </a:xfrm>
-          <a:prstGeom prst="line">
-            <a:avLst/>
-          </a:prstGeom>
-          <a:ln w="25400">
-            <a:solidFill>
-              <a:srgbClr val="C00000"/>
-            </a:solidFill>
-          </a:ln>
-        </p:spPr>
-        <p:style>
-          <a:lnRef idx="1">
-            <a:schemeClr val="accent3"/>
-          </a:lnRef>
-          <a:fillRef idx="0">
-            <a:schemeClr val="accent3"/>
-          </a:fillRef>
-          <a:effectRef idx="0">
-            <a:schemeClr val="accent3"/>
-          </a:effectRef>
-          <a:fontRef idx="minor">
-            <a:schemeClr val="tx1"/>
-          </a:fontRef>
-        </p:style>
-      </p:cxnSp>
-      <p:sp>
-        <p:nvSpPr>
-          <p:cNvPr id="114" name="Freeform 113">
-            <a:extLst>
-              <a:ext uri="{FF2B5EF4-FFF2-40B4-BE49-F238E27FC236}">
-                <a16:creationId xmlns:a16="http://schemas.microsoft.com/office/drawing/2014/main" id="{8B9FD3C0-1D73-1F4B-9FCD-F6328E7D8436}"/>
-              </a:ext>
-            </a:extLst>
-          </p:cNvPr>
-          <p:cNvSpPr/>
-          <p:nvPr/>
-        </p:nvSpPr>
-        <p:spPr>
-          <a:xfrm>
-            <a:off x="5495735" y="3228059"/>
+            <a:off x="6160929" y="2547956"/>
             <a:ext cx="571347" cy="83114"/>
           </a:xfrm>
           <a:custGeom>
@@ -32028,12 +32105,97 @@
           </a:p>
         </p:txBody>
       </p:sp>
+      <p:cxnSp>
+        <p:nvCxnSpPr>
+          <p:cNvPr id="127" name="Elbow Connector 126">
+            <a:extLst>
+              <a:ext uri="{FF2B5EF4-FFF2-40B4-BE49-F238E27FC236}">
+                <a16:creationId xmlns:a16="http://schemas.microsoft.com/office/drawing/2014/main" id="{296D51C9-0519-F14D-96E6-194E057A3816}"/>
+              </a:ext>
+            </a:extLst>
+          </p:cNvPr>
+          <p:cNvCxnSpPr>
+            <a:cxnSpLocks/>
+          </p:cNvCxnSpPr>
+          <p:nvPr/>
+        </p:nvCxnSpPr>
+        <p:spPr>
+          <a:xfrm>
+            <a:off x="7990089" y="2282971"/>
+            <a:ext cx="422391" cy="1274100"/>
+          </a:xfrm>
+          <a:prstGeom prst="bentConnector2">
+            <a:avLst/>
+          </a:prstGeom>
+          <a:ln w="25400">
+            <a:solidFill>
+              <a:srgbClr val="7030A0"/>
+            </a:solidFill>
+            <a:tailEnd type="diamond" w="lg" len="lg"/>
+          </a:ln>
+        </p:spPr>
+        <p:style>
+          <a:lnRef idx="1">
+            <a:schemeClr val="accent3"/>
+          </a:lnRef>
+          <a:fillRef idx="0">
+            <a:schemeClr val="accent3"/>
+          </a:fillRef>
+          <a:effectRef idx="0">
+            <a:schemeClr val="accent3"/>
+          </a:effectRef>
+          <a:fontRef idx="minor">
+            <a:schemeClr val="tx1"/>
+          </a:fontRef>
+        </p:style>
+      </p:cxnSp>
+      <p:cxnSp>
+        <p:nvCxnSpPr>
+          <p:cNvPr id="128" name="Straight Connector 127">
+            <a:extLst>
+              <a:ext uri="{FF2B5EF4-FFF2-40B4-BE49-F238E27FC236}">
+                <a16:creationId xmlns:a16="http://schemas.microsoft.com/office/drawing/2014/main" id="{E64BD68E-C93B-8145-BC37-5D37BF0B65A4}"/>
+              </a:ext>
+            </a:extLst>
+          </p:cNvPr>
+          <p:cNvCxnSpPr/>
+          <p:nvPr/>
+        </p:nvCxnSpPr>
+        <p:spPr>
+          <a:xfrm>
+            <a:off x="7812734" y="2559053"/>
+            <a:ext cx="0" cy="1837944"/>
+          </a:xfrm>
+          <a:prstGeom prst="line">
+            <a:avLst/>
+          </a:prstGeom>
+          <a:ln w="25400">
+            <a:solidFill>
+              <a:srgbClr val="C00000"/>
+            </a:solidFill>
+          </a:ln>
+        </p:spPr>
+        <p:style>
+          <a:lnRef idx="1">
+            <a:schemeClr val="accent3"/>
+          </a:lnRef>
+          <a:fillRef idx="0">
+            <a:schemeClr val="accent3"/>
+          </a:fillRef>
+          <a:effectRef idx="0">
+            <a:schemeClr val="accent3"/>
+          </a:effectRef>
+          <a:fontRef idx="minor">
+            <a:schemeClr val="tx1"/>
+          </a:fontRef>
+        </p:style>
+      </p:cxnSp>
       <p:sp>
         <p:nvSpPr>
-          <p:cNvPr id="115" name="Rounded Rectangle 114">
-            <a:extLst>
-              <a:ext uri="{FF2B5EF4-FFF2-40B4-BE49-F238E27FC236}">
-                <a16:creationId xmlns:a16="http://schemas.microsoft.com/office/drawing/2014/main" id="{E0AF28EB-5E45-F541-A4E6-0543A7A3A9D6}"/>
+          <p:cNvPr id="129" name="Freeform 128">
+            <a:extLst>
+              <a:ext uri="{FF2B5EF4-FFF2-40B4-BE49-F238E27FC236}">
+                <a16:creationId xmlns:a16="http://schemas.microsoft.com/office/drawing/2014/main" id="{328BF9C3-64E7-304A-9C8B-18F6B8A84996}"/>
               </a:ext>
             </a:extLst>
           </p:cNvPr>
@@ -32042,35 +32204,114 @@
         </p:nvSpPr>
         <p:spPr>
           <a:xfrm>
-            <a:off x="6007264" y="2461828"/>
-            <a:ext cx="612967" cy="255371"/>
-          </a:xfrm>
-          <a:prstGeom prst="roundRect">
-            <a:avLst>
-              <a:gd name="adj" fmla="val 50000"/>
-            </a:avLst>
-          </a:prstGeom>
-          <a:solidFill>
-            <a:schemeClr val="accent1">
-              <a:lumMod val="40000"/>
-              <a:lumOff val="60000"/>
-            </a:schemeClr>
-          </a:solidFill>
-        </p:spPr>
-        <p:style>
-          <a:lnRef idx="2">
-            <a:schemeClr val="accent1">
-              <a:shade val="50000"/>
-            </a:schemeClr>
-          </a:lnRef>
-          <a:fillRef idx="1">
-            <a:schemeClr val="accent1"/>
+            <a:off x="7966400" y="3655788"/>
+            <a:ext cx="868442" cy="180707"/>
+          </a:xfrm>
+          <a:custGeom>
+            <a:avLst/>
+            <a:gdLst>
+              <a:gd name="connsiteX0" fmla="*/ 0 w 4142629"/>
+              <a:gd name="connsiteY0" fmla="*/ 854057 h 862008"/>
+              <a:gd name="connsiteX1" fmla="*/ 1470991 w 4142629"/>
+              <a:gd name="connsiteY1" fmla="*/ 691055 h 862008"/>
+              <a:gd name="connsiteX2" fmla="*/ 174928 w 4142629"/>
+              <a:gd name="connsiteY2" fmla="*/ 301441 h 862008"/>
+              <a:gd name="connsiteX3" fmla="*/ 1411356 w 4142629"/>
+              <a:gd name="connsiteY3" fmla="*/ 35072 h 862008"/>
+              <a:gd name="connsiteX4" fmla="*/ 2747175 w 4142629"/>
+              <a:gd name="connsiteY4" fmla="*/ 31097 h 862008"/>
+              <a:gd name="connsiteX5" fmla="*/ 3951798 w 4142629"/>
+              <a:gd name="connsiteY5" fmla="*/ 293490 h 862008"/>
+              <a:gd name="connsiteX6" fmla="*/ 2671638 w 4142629"/>
+              <a:gd name="connsiteY6" fmla="*/ 675152 h 862008"/>
+              <a:gd name="connsiteX7" fmla="*/ 4142629 w 4142629"/>
+              <a:gd name="connsiteY7" fmla="*/ 862008 h 862008"/>
+            </a:gdLst>
+            <a:ahLst/>
+            <a:cxnLst>
+              <a:cxn ang="0">
+                <a:pos x="connsiteX0" y="connsiteY0"/>
+              </a:cxn>
+              <a:cxn ang="0">
+                <a:pos x="connsiteX1" y="connsiteY1"/>
+              </a:cxn>
+              <a:cxn ang="0">
+                <a:pos x="connsiteX2" y="connsiteY2"/>
+              </a:cxn>
+              <a:cxn ang="0">
+                <a:pos x="connsiteX3" y="connsiteY3"/>
+              </a:cxn>
+              <a:cxn ang="0">
+                <a:pos x="connsiteX4" y="connsiteY4"/>
+              </a:cxn>
+              <a:cxn ang="0">
+                <a:pos x="connsiteX5" y="connsiteY5"/>
+              </a:cxn>
+              <a:cxn ang="0">
+                <a:pos x="connsiteX6" y="connsiteY6"/>
+              </a:cxn>
+              <a:cxn ang="0">
+                <a:pos x="connsiteX7" y="connsiteY7"/>
+              </a:cxn>
+            </a:cxnLst>
+            <a:rect l="l" t="t" r="r" b="b"/>
+            <a:pathLst>
+              <a:path w="4142629" h="862008">
+                <a:moveTo>
+                  <a:pt x="0" y="854057"/>
+                </a:moveTo>
+                <a:cubicBezTo>
+                  <a:pt x="720918" y="818607"/>
+                  <a:pt x="1441836" y="783158"/>
+                  <a:pt x="1470991" y="691055"/>
+                </a:cubicBezTo>
+                <a:cubicBezTo>
+                  <a:pt x="1500146" y="598952"/>
+                  <a:pt x="184867" y="410771"/>
+                  <a:pt x="174928" y="301441"/>
+                </a:cubicBezTo>
+                <a:cubicBezTo>
+                  <a:pt x="164989" y="192111"/>
+                  <a:pt x="982648" y="80129"/>
+                  <a:pt x="1411356" y="35072"/>
+                </a:cubicBezTo>
+                <a:cubicBezTo>
+                  <a:pt x="1840064" y="-9985"/>
+                  <a:pt x="2323768" y="-11973"/>
+                  <a:pt x="2747175" y="31097"/>
+                </a:cubicBezTo>
+                <a:cubicBezTo>
+                  <a:pt x="3170582" y="74167"/>
+                  <a:pt x="3964387" y="186148"/>
+                  <a:pt x="3951798" y="293490"/>
+                </a:cubicBezTo>
+                <a:cubicBezTo>
+                  <a:pt x="3939209" y="400832"/>
+                  <a:pt x="2639833" y="580399"/>
+                  <a:pt x="2671638" y="675152"/>
+                </a:cubicBezTo>
+                <a:cubicBezTo>
+                  <a:pt x="2703443" y="769905"/>
+                  <a:pt x="3423036" y="815956"/>
+                  <a:pt x="4142629" y="862008"/>
+                </a:cubicBezTo>
+              </a:path>
+            </a:pathLst>
+          </a:custGeom>
+          <a:ln w="28575"/>
+        </p:spPr>
+        <p:style>
+          <a:lnRef idx="1">
+            <a:schemeClr val="dk1"/>
+          </a:lnRef>
+          <a:fillRef idx="0">
+            <a:schemeClr val="dk1"/>
           </a:fillRef>
           <a:effectRef idx="0">
-            <a:schemeClr val="accent1"/>
-          </a:effectRef>
-          <a:fontRef idx="minor">
-            <a:schemeClr val="lt1"/>
+            <a:schemeClr val="dk1"/>
+          </a:effectRef>
+          <a:fontRef idx="minor">
+            <a:schemeClr val="tx1"/>
           </a:fontRef>
         </p:style>
         <p:txBody>
@@ -32084,10 +32325,94 @@
       </p:sp>
       <p:sp>
         <p:nvSpPr>
-          <p:cNvPr id="116" name="Freeform 115">
-            <a:extLst>
-              <a:ext uri="{FF2B5EF4-FFF2-40B4-BE49-F238E27FC236}">
-                <a16:creationId xmlns:a16="http://schemas.microsoft.com/office/drawing/2014/main" id="{4DD789F4-45CE-584C-9BBF-2D42EB278DEF}"/>
+          <p:cNvPr id="130" name="TextBox 129">
+            <a:extLst>
+              <a:ext uri="{FF2B5EF4-FFF2-40B4-BE49-F238E27FC236}">
+                <a16:creationId xmlns:a16="http://schemas.microsoft.com/office/drawing/2014/main" id="{65D4AA3B-36B5-704A-8C57-C1EADAC06A2E}"/>
+              </a:ext>
+            </a:extLst>
+          </p:cNvPr>
+          <p:cNvSpPr txBox="1"/>
+          <p:nvPr/>
+        </p:nvSpPr>
+        <p:spPr>
+          <a:xfrm>
+            <a:off x="7919359" y="3804739"/>
+            <a:ext cx="985847" cy="646331"/>
+          </a:xfrm>
+          <a:prstGeom prst="rect">
+            <a:avLst/>
+          </a:prstGeom>
+          <a:noFill/>
+        </p:spPr>
+        <p:txBody>
+          <a:bodyPr wrap="none" rtlCol="0">
+            <a:spAutoFit/>
+          </a:bodyPr>
+          <a:lstStyle/>
+          <a:p>
+            <a:pPr algn="ctr"/>
+            <a:r>
+              <a:rPr lang="en-US" dirty="0"/>
+              <a:t>genomic</a:t>
+            </a:r>
+          </a:p>
+          <a:p>
+            <a:pPr algn="ctr"/>
+            <a:r>
+              <a:rPr lang="en-US" dirty="0"/>
+              <a:t>target</a:t>
+            </a:r>
+          </a:p>
+        </p:txBody>
+      </p:sp>
+      <p:cxnSp>
+        <p:nvCxnSpPr>
+          <p:cNvPr id="71" name="Straight Arrow Connector 70">
+            <a:extLst>
+              <a:ext uri="{FF2B5EF4-FFF2-40B4-BE49-F238E27FC236}">
+                <a16:creationId xmlns:a16="http://schemas.microsoft.com/office/drawing/2014/main" id="{9106266A-E46E-0843-942E-AD9BF5BCEA4A}"/>
+              </a:ext>
+            </a:extLst>
+          </p:cNvPr>
+          <p:cNvCxnSpPr>
+            <a:cxnSpLocks/>
+          </p:cNvCxnSpPr>
+          <p:nvPr/>
+        </p:nvCxnSpPr>
+        <p:spPr>
+          <a:xfrm flipV="1">
+            <a:off x="3003333" y="3434976"/>
+            <a:ext cx="0" cy="365760"/>
+          </a:xfrm>
+          <a:prstGeom prst="straightConnector1">
+            <a:avLst/>
+          </a:prstGeom>
+          <a:ln w="25400">
+            <a:tailEnd type="triangle" w="lg" len="lg"/>
+          </a:ln>
+        </p:spPr>
+        <p:style>
+          <a:lnRef idx="1">
+            <a:schemeClr val="accent3"/>
+          </a:lnRef>
+          <a:fillRef idx="0">
+            <a:schemeClr val="accent3"/>
+          </a:fillRef>
+          <a:effectRef idx="0">
+            <a:schemeClr val="accent3"/>
+          </a:effectRef>
+          <a:fontRef idx="minor">
+            <a:schemeClr val="tx1"/>
+          </a:fontRef>
+        </p:style>
+      </p:cxnSp>
+      <p:sp>
+        <p:nvSpPr>
+          <p:cNvPr id="73" name="Pentagon 72">
+            <a:extLst>
+              <a:ext uri="{FF2B5EF4-FFF2-40B4-BE49-F238E27FC236}">
+                <a16:creationId xmlns:a16="http://schemas.microsoft.com/office/drawing/2014/main" id="{A245B773-DCE8-DD47-8938-4B9011E7224B}"/>
               </a:ext>
             </a:extLst>
           </p:cNvPr>
@@ -32096,7 +32421,545 @@
         </p:nvSpPr>
         <p:spPr>
           <a:xfrm>
-            <a:off x="6160929" y="2547956"/>
+            <a:off x="2656676" y="3774296"/>
+            <a:ext cx="773535" cy="326065"/>
+          </a:xfrm>
+          <a:prstGeom prst="homePlate">
+            <a:avLst/>
+          </a:prstGeom>
+          <a:solidFill>
+            <a:schemeClr val="accent6">
+              <a:lumMod val="60000"/>
+              <a:lumOff val="40000"/>
+            </a:schemeClr>
+          </a:solidFill>
+        </p:spPr>
+        <p:style>
+          <a:lnRef idx="2">
+            <a:schemeClr val="accent6">
+              <a:shade val="50000"/>
+            </a:schemeClr>
+          </a:lnRef>
+          <a:fillRef idx="1">
+            <a:schemeClr val="accent6"/>
+          </a:fillRef>
+          <a:effectRef idx="0">
+            <a:schemeClr val="accent6"/>
+          </a:effectRef>
+          <a:fontRef idx="minor">
+            <a:schemeClr val="lt1"/>
+          </a:fontRef>
+        </p:style>
+        <p:txBody>
+          <a:bodyPr rtlCol="0" anchor="ctr"/>
+          <a:lstStyle/>
+          <a:p>
+            <a:pPr algn="ctr"/>
+            <a:r>
+              <a:rPr lang="en-US" dirty="0">
+                <a:solidFill>
+                  <a:schemeClr val="tx1"/>
+                </a:solidFill>
+              </a:rPr>
+              <a:t>TF-A</a:t>
+            </a:r>
+          </a:p>
+        </p:txBody>
+      </p:sp>
+      <p:sp>
+        <p:nvSpPr>
+          <p:cNvPr id="75" name="Rounded Rectangle 74">
+            <a:extLst>
+              <a:ext uri="{FF2B5EF4-FFF2-40B4-BE49-F238E27FC236}">
+                <a16:creationId xmlns:a16="http://schemas.microsoft.com/office/drawing/2014/main" id="{29C1FECA-EA09-B84E-9459-DADDD6FD229C}"/>
+              </a:ext>
+            </a:extLst>
+          </p:cNvPr>
+          <p:cNvSpPr/>
+          <p:nvPr/>
+        </p:nvSpPr>
+        <p:spPr>
+          <a:xfrm>
+            <a:off x="2696850" y="3171047"/>
+            <a:ext cx="612967" cy="255371"/>
+          </a:xfrm>
+          <a:prstGeom prst="roundRect">
+            <a:avLst>
+              <a:gd name="adj" fmla="val 50000"/>
+            </a:avLst>
+          </a:prstGeom>
+          <a:solidFill>
+            <a:schemeClr val="accent6">
+              <a:lumMod val="60000"/>
+              <a:lumOff val="40000"/>
+            </a:schemeClr>
+          </a:solidFill>
+        </p:spPr>
+        <p:style>
+          <a:lnRef idx="2">
+            <a:schemeClr val="accent6">
+              <a:shade val="50000"/>
+            </a:schemeClr>
+          </a:lnRef>
+          <a:fillRef idx="1">
+            <a:schemeClr val="accent6"/>
+          </a:fillRef>
+          <a:effectRef idx="0">
+            <a:schemeClr val="accent6"/>
+          </a:effectRef>
+          <a:fontRef idx="minor">
+            <a:schemeClr val="lt1"/>
+          </a:fontRef>
+        </p:style>
+        <p:txBody>
+          <a:bodyPr wrap="none" rtlCol="0" anchor="ctr"/>
+          <a:lstStyle/>
+          <a:p>
+            <a:pPr algn="ctr"/>
+            <a:endParaRPr lang="en-US" dirty="0">
+              <a:solidFill>
+                <a:schemeClr val="tx1"/>
+              </a:solidFill>
+            </a:endParaRPr>
+          </a:p>
+        </p:txBody>
+      </p:sp>
+      <p:cxnSp>
+        <p:nvCxnSpPr>
+          <p:cNvPr id="76" name="Elbow Connector 75">
+            <a:extLst>
+              <a:ext uri="{FF2B5EF4-FFF2-40B4-BE49-F238E27FC236}">
+                <a16:creationId xmlns:a16="http://schemas.microsoft.com/office/drawing/2014/main" id="{A70AC65A-7170-6B4E-942E-6379B4EB9C9D}"/>
+              </a:ext>
+            </a:extLst>
+          </p:cNvPr>
+          <p:cNvCxnSpPr>
+            <a:cxnSpLocks/>
+          </p:cNvCxnSpPr>
+          <p:nvPr/>
+        </p:nvCxnSpPr>
+        <p:spPr>
+          <a:xfrm flipV="1">
+            <a:off x="2496086" y="3631204"/>
+            <a:ext cx="328764" cy="301158"/>
+          </a:xfrm>
+          <a:prstGeom prst="bentConnector3">
+            <a:avLst>
+              <a:gd name="adj1" fmla="val 2567"/>
+            </a:avLst>
+          </a:prstGeom>
+          <a:ln w="38100">
+            <a:headEnd type="none" w="med" len="med"/>
+            <a:tailEnd type="arrow" w="med" len="med"/>
+          </a:ln>
+        </p:spPr>
+        <p:style>
+          <a:lnRef idx="3">
+            <a:schemeClr val="dk1"/>
+          </a:lnRef>
+          <a:fillRef idx="0">
+            <a:schemeClr val="dk1"/>
+          </a:fillRef>
+          <a:effectRef idx="2">
+            <a:schemeClr val="dk1"/>
+          </a:effectRef>
+          <a:fontRef idx="minor">
+            <a:schemeClr val="tx1"/>
+          </a:fontRef>
+        </p:style>
+      </p:cxnSp>
+      <p:cxnSp>
+        <p:nvCxnSpPr>
+          <p:cNvPr id="81" name="Straight Arrow Connector 246">
+            <a:extLst>
+              <a:ext uri="{FF2B5EF4-FFF2-40B4-BE49-F238E27FC236}">
+                <a16:creationId xmlns:a16="http://schemas.microsoft.com/office/drawing/2014/main" id="{42B6191C-C8DB-B24F-B825-0BE4F32F58C0}"/>
+              </a:ext>
+            </a:extLst>
+          </p:cNvPr>
+          <p:cNvCxnSpPr>
+            <a:cxnSpLocks/>
+            <a:stCxn id="75" idx="0"/>
+          </p:cNvCxnSpPr>
+          <p:nvPr/>
+        </p:nvCxnSpPr>
+        <p:spPr>
+          <a:xfrm rot="16200000" flipH="1">
+            <a:off x="3812543" y="2361838"/>
+            <a:ext cx="378044" cy="1996462"/>
+          </a:xfrm>
+          <a:prstGeom prst="bentConnector4">
+            <a:avLst>
+              <a:gd name="adj1" fmla="val -108501"/>
+              <a:gd name="adj2" fmla="val 100066"/>
+            </a:avLst>
+          </a:prstGeom>
+          <a:ln w="25400">
+            <a:solidFill>
+              <a:schemeClr val="accent6"/>
+            </a:solidFill>
+            <a:tailEnd type="triangle" w="lg" len="lg"/>
+          </a:ln>
+        </p:spPr>
+        <p:style>
+          <a:lnRef idx="1">
+            <a:schemeClr val="accent3"/>
+          </a:lnRef>
+          <a:fillRef idx="0">
+            <a:schemeClr val="accent3"/>
+          </a:fillRef>
+          <a:effectRef idx="0">
+            <a:schemeClr val="accent3"/>
+          </a:effectRef>
+          <a:fontRef idx="minor">
+            <a:schemeClr val="tx1"/>
+          </a:fontRef>
+        </p:style>
+      </p:cxnSp>
+      <p:cxnSp>
+        <p:nvCxnSpPr>
+          <p:cNvPr id="155" name="Elbow Connector 154">
+            <a:extLst>
+              <a:ext uri="{FF2B5EF4-FFF2-40B4-BE49-F238E27FC236}">
+                <a16:creationId xmlns:a16="http://schemas.microsoft.com/office/drawing/2014/main" id="{B4F9B8AE-6C9F-B944-AA49-1180DC0109F2}"/>
+              </a:ext>
+            </a:extLst>
+          </p:cNvPr>
+          <p:cNvCxnSpPr>
+            <a:cxnSpLocks/>
+          </p:cNvCxnSpPr>
+          <p:nvPr/>
+        </p:nvCxnSpPr>
+        <p:spPr>
+          <a:xfrm flipV="1">
+            <a:off x="4886123" y="3629396"/>
+            <a:ext cx="328764" cy="301158"/>
+          </a:xfrm>
+          <a:prstGeom prst="bentConnector3">
+            <a:avLst>
+              <a:gd name="adj1" fmla="val 5634"/>
+            </a:avLst>
+          </a:prstGeom>
+          <a:ln w="38100">
+            <a:headEnd type="none" w="med" len="med"/>
+            <a:tailEnd type="arrow" w="med" len="med"/>
+          </a:ln>
+        </p:spPr>
+        <p:style>
+          <a:lnRef idx="3">
+            <a:schemeClr val="dk1"/>
+          </a:lnRef>
+          <a:fillRef idx="0">
+            <a:schemeClr val="dk1"/>
+          </a:fillRef>
+          <a:effectRef idx="2">
+            <a:schemeClr val="dk1"/>
+          </a:effectRef>
+          <a:fontRef idx="minor">
+            <a:schemeClr val="tx1"/>
+          </a:fontRef>
+        </p:style>
+      </p:cxnSp>
+      <p:sp>
+        <p:nvSpPr>
+          <p:cNvPr id="156" name="TextBox 155">
+            <a:extLst>
+              <a:ext uri="{FF2B5EF4-FFF2-40B4-BE49-F238E27FC236}">
+                <a16:creationId xmlns:a16="http://schemas.microsoft.com/office/drawing/2014/main" id="{8A1E270F-452C-A346-976A-781263795551}"/>
+              </a:ext>
+            </a:extLst>
+          </p:cNvPr>
+          <p:cNvSpPr txBox="1"/>
+          <p:nvPr/>
+        </p:nvSpPr>
+        <p:spPr>
+          <a:xfrm>
+            <a:off x="5077205" y="3920251"/>
+            <a:ext cx="907621" cy="369332"/>
+          </a:xfrm>
+          <a:prstGeom prst="rect">
+            <a:avLst/>
+          </a:prstGeom>
+          <a:noFill/>
+        </p:spPr>
+        <p:txBody>
+          <a:bodyPr wrap="none" rtlCol="0">
+            <a:spAutoFit/>
+          </a:bodyPr>
+          <a:lstStyle/>
+          <a:p>
+            <a:r>
+              <a:rPr lang="en-US" dirty="0"/>
+              <a:t>sgRNA1</a:t>
+            </a:r>
+          </a:p>
+        </p:txBody>
+      </p:sp>
+      <p:cxnSp>
+        <p:nvCxnSpPr>
+          <p:cNvPr id="157" name="Elbow Connector 32">
+            <a:extLst>
+              <a:ext uri="{FF2B5EF4-FFF2-40B4-BE49-F238E27FC236}">
+                <a16:creationId xmlns:a16="http://schemas.microsoft.com/office/drawing/2014/main" id="{3C47E910-61D7-324F-8F2E-BC4302F0CC45}"/>
+              </a:ext>
+            </a:extLst>
+          </p:cNvPr>
+          <p:cNvCxnSpPr>
+            <a:cxnSpLocks/>
+          </p:cNvCxnSpPr>
+          <p:nvPr/>
+        </p:nvCxnSpPr>
+        <p:spPr>
+          <a:xfrm>
+            <a:off x="1921383" y="2581976"/>
+            <a:ext cx="3911727" cy="0"/>
+          </a:xfrm>
+          <a:prstGeom prst="straightConnector1">
+            <a:avLst/>
+          </a:prstGeom>
+          <a:ln w="25400"/>
+        </p:spPr>
+        <p:style>
+          <a:lnRef idx="1">
+            <a:schemeClr val="accent3"/>
+          </a:lnRef>
+          <a:fillRef idx="0">
+            <a:schemeClr val="accent3"/>
+          </a:fillRef>
+          <a:effectRef idx="0">
+            <a:schemeClr val="accent3"/>
+          </a:effectRef>
+          <a:fontRef idx="minor">
+            <a:schemeClr val="tx1"/>
+          </a:fontRef>
+        </p:style>
+      </p:cxnSp>
+      <p:sp>
+        <p:nvSpPr>
+          <p:cNvPr id="159" name="Isosceles Triangle 38">
+            <a:extLst>
+              <a:ext uri="{FF2B5EF4-FFF2-40B4-BE49-F238E27FC236}">
+                <a16:creationId xmlns:a16="http://schemas.microsoft.com/office/drawing/2014/main" id="{4BA2D93E-D6F8-EC48-8FF8-1A0BCEFE012E}"/>
+              </a:ext>
+            </a:extLst>
+          </p:cNvPr>
+          <p:cNvSpPr/>
+          <p:nvPr/>
+        </p:nvSpPr>
+        <p:spPr>
+          <a:xfrm rot="5400000">
+            <a:off x="4600307" y="3838370"/>
+            <a:ext cx="209543" cy="208423"/>
+          </a:xfrm>
+          <a:prstGeom prst="triangle">
+            <a:avLst/>
+          </a:prstGeom>
+        </p:spPr>
+        <p:style>
+          <a:lnRef idx="2">
+            <a:schemeClr val="accent1">
+              <a:shade val="50000"/>
+            </a:schemeClr>
+          </a:lnRef>
+          <a:fillRef idx="1">
+            <a:schemeClr val="accent1"/>
+          </a:fillRef>
+          <a:effectRef idx="0">
+            <a:schemeClr val="accent1"/>
+          </a:effectRef>
+          <a:fontRef idx="minor">
+            <a:schemeClr val="lt1"/>
+          </a:fontRef>
+        </p:style>
+        <p:txBody>
+          <a:bodyPr rtlCol="0" anchor="ctr"/>
+          <a:lstStyle/>
+          <a:p>
+            <a:pPr algn="ctr"/>
+            <a:endParaRPr lang="en-US"/>
+          </a:p>
+        </p:txBody>
+      </p:sp>
+      <p:sp>
+        <p:nvSpPr>
+          <p:cNvPr id="160" name="Isosceles Triangle 39">
+            <a:extLst>
+              <a:ext uri="{FF2B5EF4-FFF2-40B4-BE49-F238E27FC236}">
+                <a16:creationId xmlns:a16="http://schemas.microsoft.com/office/drawing/2014/main" id="{A012FA8D-3902-C845-8B8F-8508ECA8BD19}"/>
+              </a:ext>
+            </a:extLst>
+          </p:cNvPr>
+          <p:cNvSpPr/>
+          <p:nvPr/>
+        </p:nvSpPr>
+        <p:spPr>
+          <a:xfrm rot="5400000">
+            <a:off x="5861892" y="3833116"/>
+            <a:ext cx="209543" cy="208423"/>
+          </a:xfrm>
+          <a:prstGeom prst="triangle">
+            <a:avLst/>
+          </a:prstGeom>
+        </p:spPr>
+        <p:style>
+          <a:lnRef idx="2">
+            <a:schemeClr val="accent1">
+              <a:shade val="50000"/>
+            </a:schemeClr>
+          </a:lnRef>
+          <a:fillRef idx="1">
+            <a:schemeClr val="accent1"/>
+          </a:fillRef>
+          <a:effectRef idx="0">
+            <a:schemeClr val="accent1"/>
+          </a:effectRef>
+          <a:fontRef idx="minor">
+            <a:schemeClr val="lt1"/>
+          </a:fontRef>
+        </p:style>
+        <p:txBody>
+          <a:bodyPr rtlCol="0" anchor="ctr"/>
+          <a:lstStyle/>
+          <a:p>
+            <a:pPr algn="ctr"/>
+            <a:endParaRPr lang="en-US"/>
+          </a:p>
+        </p:txBody>
+      </p:sp>
+      <p:cxnSp>
+        <p:nvCxnSpPr>
+          <p:cNvPr id="161" name="Straight Arrow Connector 160">
+            <a:extLst>
+              <a:ext uri="{FF2B5EF4-FFF2-40B4-BE49-F238E27FC236}">
+                <a16:creationId xmlns:a16="http://schemas.microsoft.com/office/drawing/2014/main" id="{F602066F-FC67-BA48-BD4C-7651980DED04}"/>
+              </a:ext>
+            </a:extLst>
+          </p:cNvPr>
+          <p:cNvCxnSpPr/>
+          <p:nvPr/>
+        </p:nvCxnSpPr>
+        <p:spPr>
+          <a:xfrm flipV="1">
+            <a:off x="5535638" y="3341424"/>
+            <a:ext cx="2637" cy="439764"/>
+          </a:xfrm>
+          <a:prstGeom prst="straightConnector1">
+            <a:avLst/>
+          </a:prstGeom>
+          <a:ln w="25400">
+            <a:tailEnd type="triangle" w="lg" len="lg"/>
+          </a:ln>
+        </p:spPr>
+        <p:style>
+          <a:lnRef idx="1">
+            <a:schemeClr val="accent3"/>
+          </a:lnRef>
+          <a:fillRef idx="0">
+            <a:schemeClr val="accent3"/>
+          </a:fillRef>
+          <a:effectRef idx="0">
+            <a:schemeClr val="accent3"/>
+          </a:effectRef>
+          <a:fontRef idx="minor">
+            <a:schemeClr val="tx1"/>
+          </a:fontRef>
+        </p:style>
+      </p:cxnSp>
+      <p:cxnSp>
+        <p:nvCxnSpPr>
+          <p:cNvPr id="162" name="Straight Connector 161">
+            <a:extLst>
+              <a:ext uri="{FF2B5EF4-FFF2-40B4-BE49-F238E27FC236}">
+                <a16:creationId xmlns:a16="http://schemas.microsoft.com/office/drawing/2014/main" id="{748737B1-684B-2D4B-A178-5D45345DB5D7}"/>
+              </a:ext>
+            </a:extLst>
+          </p:cNvPr>
+          <p:cNvCxnSpPr>
+            <a:cxnSpLocks/>
+            <a:stCxn id="164" idx="4"/>
+            <a:endCxn id="165" idx="4"/>
+          </p:cNvCxnSpPr>
+          <p:nvPr/>
+        </p:nvCxnSpPr>
+        <p:spPr>
+          <a:xfrm flipH="1" flipV="1">
+            <a:off x="5543468" y="2627696"/>
+            <a:ext cx="0" cy="601311"/>
+          </a:xfrm>
+          <a:prstGeom prst="line">
+            <a:avLst/>
+          </a:prstGeom>
+          <a:ln w="25400"/>
+        </p:spPr>
+        <p:style>
+          <a:lnRef idx="1">
+            <a:schemeClr val="accent3"/>
+          </a:lnRef>
+          <a:fillRef idx="0">
+            <a:schemeClr val="accent3"/>
+          </a:fillRef>
+          <a:effectRef idx="0">
+            <a:schemeClr val="accent3"/>
+          </a:effectRef>
+          <a:fontRef idx="minor">
+            <a:schemeClr val="tx1"/>
+          </a:fontRef>
+        </p:style>
+      </p:cxnSp>
+      <p:cxnSp>
+        <p:nvCxnSpPr>
+          <p:cNvPr id="163" name="Straight Arrow Connector 162">
+            <a:extLst>
+              <a:ext uri="{FF2B5EF4-FFF2-40B4-BE49-F238E27FC236}">
+                <a16:creationId xmlns:a16="http://schemas.microsoft.com/office/drawing/2014/main" id="{6BD8F135-D7D7-774D-B7DE-C74846F90AF5}"/>
+              </a:ext>
+            </a:extLst>
+          </p:cNvPr>
+          <p:cNvCxnSpPr/>
+          <p:nvPr/>
+        </p:nvCxnSpPr>
+        <p:spPr>
+          <a:xfrm>
+            <a:off x="5780903" y="2581442"/>
+            <a:ext cx="217762" cy="0"/>
+          </a:xfrm>
+          <a:prstGeom prst="straightConnector1">
+            <a:avLst/>
+          </a:prstGeom>
+          <a:ln w="25400">
+            <a:tailEnd type="triangle" w="lg" len="lg"/>
+          </a:ln>
+        </p:spPr>
+        <p:style>
+          <a:lnRef idx="1">
+            <a:schemeClr val="accent3"/>
+          </a:lnRef>
+          <a:fillRef idx="0">
+            <a:schemeClr val="accent3"/>
+          </a:fillRef>
+          <a:effectRef idx="0">
+            <a:schemeClr val="accent3"/>
+          </a:effectRef>
+          <a:fontRef idx="minor">
+            <a:schemeClr val="tx1"/>
+          </a:fontRef>
+        </p:style>
+      </p:cxnSp>
+      <p:sp>
+        <p:nvSpPr>
+          <p:cNvPr id="164" name="Freeform 163">
+            <a:extLst>
+              <a:ext uri="{FF2B5EF4-FFF2-40B4-BE49-F238E27FC236}">
+                <a16:creationId xmlns:a16="http://schemas.microsoft.com/office/drawing/2014/main" id="{07086045-533B-2C46-B5FB-107F8B5F3455}"/>
+              </a:ext>
+            </a:extLst>
+          </p:cNvPr>
+          <p:cNvSpPr/>
+          <p:nvPr/>
+        </p:nvSpPr>
+        <p:spPr>
+          <a:xfrm>
+            <a:off x="5261763" y="3228059"/>
             <a:ext cx="571347" cy="83114"/>
           </a:xfrm>
           <a:custGeom>
@@ -32231,10 +33094,10 @@
       </p:sp>
       <p:sp>
         <p:nvSpPr>
-          <p:cNvPr id="117" name="Oval 116">
-            <a:extLst>
-              <a:ext uri="{FF2B5EF4-FFF2-40B4-BE49-F238E27FC236}">
-                <a16:creationId xmlns:a16="http://schemas.microsoft.com/office/drawing/2014/main" id="{19450C66-1079-934B-8686-465C867DF212}"/>
+          <p:cNvPr id="165" name="Oval 164">
+            <a:extLst>
+              <a:ext uri="{FF2B5EF4-FFF2-40B4-BE49-F238E27FC236}">
+                <a16:creationId xmlns:a16="http://schemas.microsoft.com/office/drawing/2014/main" id="{91E4A9ED-282D-DA4D-B99C-D7CE2B117330}"/>
               </a:ext>
             </a:extLst>
           </p:cNvPr>
@@ -32245,7 +33108,7 @@
         </p:nvSpPr>
         <p:spPr>
           <a:xfrm>
-            <a:off x="5731720" y="2536256"/>
+            <a:off x="5497748" y="2536256"/>
             <a:ext cx="91440" cy="91440"/>
           </a:xfrm>
           <a:prstGeom prst="ellipse">
@@ -32290,22 +33153,21 @@
       </p:sp>
       <p:cxnSp>
         <p:nvCxnSpPr>
-          <p:cNvPr id="123" name="Straight Arrow Connector 246">
-            <a:extLst>
-              <a:ext uri="{FF2B5EF4-FFF2-40B4-BE49-F238E27FC236}">
-                <a16:creationId xmlns:a16="http://schemas.microsoft.com/office/drawing/2014/main" id="{72227130-2A6D-0845-97B7-1C88F963B5EB}"/>
+          <p:cNvPr id="166" name="Straight Arrow Connector 246">
+            <a:extLst>
+              <a:ext uri="{FF2B5EF4-FFF2-40B4-BE49-F238E27FC236}">
+                <a16:creationId xmlns:a16="http://schemas.microsoft.com/office/drawing/2014/main" id="{C2162874-552D-194E-A136-17E80DB36068}"/>
               </a:ext>
             </a:extLst>
           </p:cNvPr>
           <p:cNvCxnSpPr>
             <a:cxnSpLocks/>
-            <a:stCxn id="67" idx="0"/>
           </p:cNvCxnSpPr>
           <p:nvPr/>
         </p:nvCxnSpPr>
         <p:spPr>
           <a:xfrm rot="16200000" flipH="1">
-            <a:off x="4399569" y="2837926"/>
+            <a:off x="5021634" y="2837926"/>
             <a:ext cx="615431" cy="1281672"/>
           </a:xfrm>
           <a:prstGeom prst="bentConnector4">
@@ -32319,517 +33181,6 @@
               <a:schemeClr val="accent5"/>
             </a:solidFill>
             <a:tailEnd type="diamond" w="lg" len="lg"/>
-          </a:ln>
-        </p:spPr>
-        <p:style>
-          <a:lnRef idx="1">
-            <a:schemeClr val="accent3"/>
-          </a:lnRef>
-          <a:fillRef idx="0">
-            <a:schemeClr val="accent3"/>
-          </a:fillRef>
-          <a:effectRef idx="0">
-            <a:schemeClr val="accent3"/>
-          </a:effectRef>
-          <a:fontRef idx="minor">
-            <a:schemeClr val="tx1"/>
-          </a:fontRef>
-        </p:style>
-      </p:cxnSp>
-      <p:cxnSp>
-        <p:nvCxnSpPr>
-          <p:cNvPr id="127" name="Elbow Connector 126">
-            <a:extLst>
-              <a:ext uri="{FF2B5EF4-FFF2-40B4-BE49-F238E27FC236}">
-                <a16:creationId xmlns:a16="http://schemas.microsoft.com/office/drawing/2014/main" id="{296D51C9-0519-F14D-96E6-194E057A3816}"/>
-              </a:ext>
-            </a:extLst>
-          </p:cNvPr>
-          <p:cNvCxnSpPr>
-            <a:cxnSpLocks/>
-          </p:cNvCxnSpPr>
-          <p:nvPr/>
-        </p:nvCxnSpPr>
-        <p:spPr>
-          <a:xfrm>
-            <a:off x="7990089" y="2282971"/>
-            <a:ext cx="422391" cy="1274100"/>
-          </a:xfrm>
-          <a:prstGeom prst="bentConnector2">
-            <a:avLst/>
-          </a:prstGeom>
-          <a:ln w="25400">
-            <a:solidFill>
-              <a:srgbClr val="7030A0"/>
-            </a:solidFill>
-            <a:tailEnd type="diamond" w="lg" len="lg"/>
-          </a:ln>
-        </p:spPr>
-        <p:style>
-          <a:lnRef idx="1">
-            <a:schemeClr val="accent3"/>
-          </a:lnRef>
-          <a:fillRef idx="0">
-            <a:schemeClr val="accent3"/>
-          </a:fillRef>
-          <a:effectRef idx="0">
-            <a:schemeClr val="accent3"/>
-          </a:effectRef>
-          <a:fontRef idx="minor">
-            <a:schemeClr val="tx1"/>
-          </a:fontRef>
-        </p:style>
-      </p:cxnSp>
-      <p:cxnSp>
-        <p:nvCxnSpPr>
-          <p:cNvPr id="128" name="Straight Connector 127">
-            <a:extLst>
-              <a:ext uri="{FF2B5EF4-FFF2-40B4-BE49-F238E27FC236}">
-                <a16:creationId xmlns:a16="http://schemas.microsoft.com/office/drawing/2014/main" id="{E64BD68E-C93B-8145-BC37-5D37BF0B65A4}"/>
-              </a:ext>
-            </a:extLst>
-          </p:cNvPr>
-          <p:cNvCxnSpPr/>
-          <p:nvPr/>
-        </p:nvCxnSpPr>
-        <p:spPr>
-          <a:xfrm>
-            <a:off x="7812734" y="2559053"/>
-            <a:ext cx="0" cy="1837944"/>
-          </a:xfrm>
-          <a:prstGeom prst="line">
-            <a:avLst/>
-          </a:prstGeom>
-          <a:ln w="25400">
-            <a:solidFill>
-              <a:srgbClr val="C00000"/>
-            </a:solidFill>
-          </a:ln>
-        </p:spPr>
-        <p:style>
-          <a:lnRef idx="1">
-            <a:schemeClr val="accent3"/>
-          </a:lnRef>
-          <a:fillRef idx="0">
-            <a:schemeClr val="accent3"/>
-          </a:fillRef>
-          <a:effectRef idx="0">
-            <a:schemeClr val="accent3"/>
-          </a:effectRef>
-          <a:fontRef idx="minor">
-            <a:schemeClr val="tx1"/>
-          </a:fontRef>
-        </p:style>
-      </p:cxnSp>
-      <p:sp>
-        <p:nvSpPr>
-          <p:cNvPr id="129" name="Freeform 128">
-            <a:extLst>
-              <a:ext uri="{FF2B5EF4-FFF2-40B4-BE49-F238E27FC236}">
-                <a16:creationId xmlns:a16="http://schemas.microsoft.com/office/drawing/2014/main" id="{328BF9C3-64E7-304A-9C8B-18F6B8A84996}"/>
-              </a:ext>
-            </a:extLst>
-          </p:cNvPr>
-          <p:cNvSpPr/>
-          <p:nvPr/>
-        </p:nvSpPr>
-        <p:spPr>
-          <a:xfrm>
-            <a:off x="7966400" y="3655788"/>
-            <a:ext cx="868442" cy="180707"/>
-          </a:xfrm>
-          <a:custGeom>
-            <a:avLst/>
-            <a:gdLst>
-              <a:gd name="connsiteX0" fmla="*/ 0 w 4142629"/>
-              <a:gd name="connsiteY0" fmla="*/ 854057 h 862008"/>
-              <a:gd name="connsiteX1" fmla="*/ 1470991 w 4142629"/>
-              <a:gd name="connsiteY1" fmla="*/ 691055 h 862008"/>
-              <a:gd name="connsiteX2" fmla="*/ 174928 w 4142629"/>
-              <a:gd name="connsiteY2" fmla="*/ 301441 h 862008"/>
-              <a:gd name="connsiteX3" fmla="*/ 1411356 w 4142629"/>
-              <a:gd name="connsiteY3" fmla="*/ 35072 h 862008"/>
-              <a:gd name="connsiteX4" fmla="*/ 2747175 w 4142629"/>
-              <a:gd name="connsiteY4" fmla="*/ 31097 h 862008"/>
-              <a:gd name="connsiteX5" fmla="*/ 3951798 w 4142629"/>
-              <a:gd name="connsiteY5" fmla="*/ 293490 h 862008"/>
-              <a:gd name="connsiteX6" fmla="*/ 2671638 w 4142629"/>
-              <a:gd name="connsiteY6" fmla="*/ 675152 h 862008"/>
-              <a:gd name="connsiteX7" fmla="*/ 4142629 w 4142629"/>
-              <a:gd name="connsiteY7" fmla="*/ 862008 h 862008"/>
-            </a:gdLst>
-            <a:ahLst/>
-            <a:cxnLst>
-              <a:cxn ang="0">
-                <a:pos x="connsiteX0" y="connsiteY0"/>
-              </a:cxn>
-              <a:cxn ang="0">
-                <a:pos x="connsiteX1" y="connsiteY1"/>
-              </a:cxn>
-              <a:cxn ang="0">
-                <a:pos x="connsiteX2" y="connsiteY2"/>
-              </a:cxn>
-              <a:cxn ang="0">
-                <a:pos x="connsiteX3" y="connsiteY3"/>
-              </a:cxn>
-              <a:cxn ang="0">
-                <a:pos x="connsiteX4" y="connsiteY4"/>
-              </a:cxn>
-              <a:cxn ang="0">
-                <a:pos x="connsiteX5" y="connsiteY5"/>
-              </a:cxn>
-              <a:cxn ang="0">
-                <a:pos x="connsiteX6" y="connsiteY6"/>
-              </a:cxn>
-              <a:cxn ang="0">
-                <a:pos x="connsiteX7" y="connsiteY7"/>
-              </a:cxn>
-            </a:cxnLst>
-            <a:rect l="l" t="t" r="r" b="b"/>
-            <a:pathLst>
-              <a:path w="4142629" h="862008">
-                <a:moveTo>
-                  <a:pt x="0" y="854057"/>
-                </a:moveTo>
-                <a:cubicBezTo>
-                  <a:pt x="720918" y="818607"/>
-                  <a:pt x="1441836" y="783158"/>
-                  <a:pt x="1470991" y="691055"/>
-                </a:cubicBezTo>
-                <a:cubicBezTo>
-                  <a:pt x="1500146" y="598952"/>
-                  <a:pt x="184867" y="410771"/>
-                  <a:pt x="174928" y="301441"/>
-                </a:cubicBezTo>
-                <a:cubicBezTo>
-                  <a:pt x="164989" y="192111"/>
-                  <a:pt x="982648" y="80129"/>
-                  <a:pt x="1411356" y="35072"/>
-                </a:cubicBezTo>
-                <a:cubicBezTo>
-                  <a:pt x="1840064" y="-9985"/>
-                  <a:pt x="2323768" y="-11973"/>
-                  <a:pt x="2747175" y="31097"/>
-                </a:cubicBezTo>
-                <a:cubicBezTo>
-                  <a:pt x="3170582" y="74167"/>
-                  <a:pt x="3964387" y="186148"/>
-                  <a:pt x="3951798" y="293490"/>
-                </a:cubicBezTo>
-                <a:cubicBezTo>
-                  <a:pt x="3939209" y="400832"/>
-                  <a:pt x="2639833" y="580399"/>
-                  <a:pt x="2671638" y="675152"/>
-                </a:cubicBezTo>
-                <a:cubicBezTo>
-                  <a:pt x="2703443" y="769905"/>
-                  <a:pt x="3423036" y="815956"/>
-                  <a:pt x="4142629" y="862008"/>
-                </a:cubicBezTo>
-              </a:path>
-            </a:pathLst>
-          </a:custGeom>
-          <a:ln w="28575"/>
-        </p:spPr>
-        <p:style>
-          <a:lnRef idx="1">
-            <a:schemeClr val="dk1"/>
-          </a:lnRef>
-          <a:fillRef idx="0">
-            <a:schemeClr val="dk1"/>
-          </a:fillRef>
-          <a:effectRef idx="0">
-            <a:schemeClr val="dk1"/>
-          </a:effectRef>
-          <a:fontRef idx="minor">
-            <a:schemeClr val="tx1"/>
-          </a:fontRef>
-        </p:style>
-        <p:txBody>
-          <a:bodyPr rtlCol="0" anchor="ctr"/>
-          <a:lstStyle/>
-          <a:p>
-            <a:pPr algn="ctr"/>
-            <a:endParaRPr lang="en-US"/>
-          </a:p>
-        </p:txBody>
-      </p:sp>
-      <p:sp>
-        <p:nvSpPr>
-          <p:cNvPr id="130" name="TextBox 129">
-            <a:extLst>
-              <a:ext uri="{FF2B5EF4-FFF2-40B4-BE49-F238E27FC236}">
-                <a16:creationId xmlns:a16="http://schemas.microsoft.com/office/drawing/2014/main" id="{65D4AA3B-36B5-704A-8C57-C1EADAC06A2E}"/>
-              </a:ext>
-            </a:extLst>
-          </p:cNvPr>
-          <p:cNvSpPr txBox="1"/>
-          <p:nvPr/>
-        </p:nvSpPr>
-        <p:spPr>
-          <a:xfrm>
-            <a:off x="7919359" y="3804739"/>
-            <a:ext cx="985847" cy="646331"/>
-          </a:xfrm>
-          <a:prstGeom prst="rect">
-            <a:avLst/>
-          </a:prstGeom>
-          <a:noFill/>
-        </p:spPr>
-        <p:txBody>
-          <a:bodyPr wrap="none" rtlCol="0">
-            <a:spAutoFit/>
-          </a:bodyPr>
-          <a:lstStyle/>
-          <a:p>
-            <a:pPr algn="ctr"/>
-            <a:r>
-              <a:rPr lang="en-US" dirty="0"/>
-              <a:t>genomic</a:t>
-            </a:r>
-          </a:p>
-          <a:p>
-            <a:pPr algn="ctr"/>
-            <a:r>
-              <a:rPr lang="en-US" dirty="0"/>
-              <a:t>target</a:t>
-            </a:r>
-          </a:p>
-        </p:txBody>
-      </p:sp>
-      <p:cxnSp>
-        <p:nvCxnSpPr>
-          <p:cNvPr id="71" name="Straight Arrow Connector 70">
-            <a:extLst>
-              <a:ext uri="{FF2B5EF4-FFF2-40B4-BE49-F238E27FC236}">
-                <a16:creationId xmlns:a16="http://schemas.microsoft.com/office/drawing/2014/main" id="{9106266A-E46E-0843-942E-AD9BF5BCEA4A}"/>
-              </a:ext>
-            </a:extLst>
-          </p:cNvPr>
-          <p:cNvCxnSpPr>
-            <a:cxnSpLocks/>
-          </p:cNvCxnSpPr>
-          <p:nvPr/>
-        </p:nvCxnSpPr>
-        <p:spPr>
-          <a:xfrm flipV="1">
-            <a:off x="3003333" y="3434976"/>
-            <a:ext cx="0" cy="365760"/>
-          </a:xfrm>
-          <a:prstGeom prst="straightConnector1">
-            <a:avLst/>
-          </a:prstGeom>
-          <a:ln w="25400">
-            <a:tailEnd type="triangle" w="lg" len="lg"/>
-          </a:ln>
-        </p:spPr>
-        <p:style>
-          <a:lnRef idx="1">
-            <a:schemeClr val="accent3"/>
-          </a:lnRef>
-          <a:fillRef idx="0">
-            <a:schemeClr val="accent3"/>
-          </a:fillRef>
-          <a:effectRef idx="0">
-            <a:schemeClr val="accent3"/>
-          </a:effectRef>
-          <a:fontRef idx="minor">
-            <a:schemeClr val="tx1"/>
-          </a:fontRef>
-        </p:style>
-      </p:cxnSp>
-      <p:sp>
-        <p:nvSpPr>
-          <p:cNvPr id="73" name="Pentagon 72">
-            <a:extLst>
-              <a:ext uri="{FF2B5EF4-FFF2-40B4-BE49-F238E27FC236}">
-                <a16:creationId xmlns:a16="http://schemas.microsoft.com/office/drawing/2014/main" id="{A245B773-DCE8-DD47-8938-4B9011E7224B}"/>
-              </a:ext>
-            </a:extLst>
-          </p:cNvPr>
-          <p:cNvSpPr/>
-          <p:nvPr/>
-        </p:nvSpPr>
-        <p:spPr>
-          <a:xfrm>
-            <a:off x="2656676" y="3774296"/>
-            <a:ext cx="773535" cy="326065"/>
-          </a:xfrm>
-          <a:prstGeom prst="homePlate">
-            <a:avLst/>
-          </a:prstGeom>
-          <a:solidFill>
-            <a:schemeClr val="accent6">
-              <a:lumMod val="60000"/>
-              <a:lumOff val="40000"/>
-            </a:schemeClr>
-          </a:solidFill>
-        </p:spPr>
-        <p:style>
-          <a:lnRef idx="2">
-            <a:schemeClr val="accent6">
-              <a:shade val="50000"/>
-            </a:schemeClr>
-          </a:lnRef>
-          <a:fillRef idx="1">
-            <a:schemeClr val="accent6"/>
-          </a:fillRef>
-          <a:effectRef idx="0">
-            <a:schemeClr val="accent6"/>
-          </a:effectRef>
-          <a:fontRef idx="minor">
-            <a:schemeClr val="lt1"/>
-          </a:fontRef>
-        </p:style>
-        <p:txBody>
-          <a:bodyPr rtlCol="0" anchor="ctr"/>
-          <a:lstStyle/>
-          <a:p>
-            <a:pPr algn="ctr"/>
-            <a:r>
-              <a:rPr lang="en-US" dirty="0">
-                <a:solidFill>
-                  <a:schemeClr val="tx1"/>
-                </a:solidFill>
-              </a:rPr>
-              <a:t>TF-A</a:t>
-            </a:r>
-          </a:p>
-        </p:txBody>
-      </p:sp>
-      <p:sp>
-        <p:nvSpPr>
-          <p:cNvPr id="75" name="Rounded Rectangle 74">
-            <a:extLst>
-              <a:ext uri="{FF2B5EF4-FFF2-40B4-BE49-F238E27FC236}">
-                <a16:creationId xmlns:a16="http://schemas.microsoft.com/office/drawing/2014/main" id="{29C1FECA-EA09-B84E-9459-DADDD6FD229C}"/>
-              </a:ext>
-            </a:extLst>
-          </p:cNvPr>
-          <p:cNvSpPr/>
-          <p:nvPr/>
-        </p:nvSpPr>
-        <p:spPr>
-          <a:xfrm>
-            <a:off x="2696850" y="3171047"/>
-            <a:ext cx="612967" cy="255371"/>
-          </a:xfrm>
-          <a:prstGeom prst="roundRect">
-            <a:avLst>
-              <a:gd name="adj" fmla="val 50000"/>
-            </a:avLst>
-          </a:prstGeom>
-          <a:solidFill>
-            <a:schemeClr val="accent6">
-              <a:lumMod val="60000"/>
-              <a:lumOff val="40000"/>
-            </a:schemeClr>
-          </a:solidFill>
-        </p:spPr>
-        <p:style>
-          <a:lnRef idx="2">
-            <a:schemeClr val="accent6">
-              <a:shade val="50000"/>
-            </a:schemeClr>
-          </a:lnRef>
-          <a:fillRef idx="1">
-            <a:schemeClr val="accent6"/>
-          </a:fillRef>
-          <a:effectRef idx="0">
-            <a:schemeClr val="accent6"/>
-          </a:effectRef>
-          <a:fontRef idx="minor">
-            <a:schemeClr val="lt1"/>
-          </a:fontRef>
-        </p:style>
-        <p:txBody>
-          <a:bodyPr wrap="none" rtlCol="0" anchor="ctr"/>
-          <a:lstStyle/>
-          <a:p>
-            <a:pPr algn="ctr"/>
-            <a:endParaRPr lang="en-US" dirty="0">
-              <a:solidFill>
-                <a:schemeClr val="tx1"/>
-              </a:solidFill>
-            </a:endParaRPr>
-          </a:p>
-        </p:txBody>
-      </p:sp>
-      <p:cxnSp>
-        <p:nvCxnSpPr>
-          <p:cNvPr id="76" name="Elbow Connector 75">
-            <a:extLst>
-              <a:ext uri="{FF2B5EF4-FFF2-40B4-BE49-F238E27FC236}">
-                <a16:creationId xmlns:a16="http://schemas.microsoft.com/office/drawing/2014/main" id="{A70AC65A-7170-6B4E-942E-6379B4EB9C9D}"/>
-              </a:ext>
-            </a:extLst>
-          </p:cNvPr>
-          <p:cNvCxnSpPr>
-            <a:cxnSpLocks/>
-          </p:cNvCxnSpPr>
-          <p:nvPr/>
-        </p:nvCxnSpPr>
-        <p:spPr>
-          <a:xfrm flipV="1">
-            <a:off x="2496086" y="3631204"/>
-            <a:ext cx="328764" cy="301158"/>
-          </a:xfrm>
-          <a:prstGeom prst="bentConnector3">
-            <a:avLst>
-              <a:gd name="adj1" fmla="val 2567"/>
-            </a:avLst>
-          </a:prstGeom>
-          <a:ln w="38100">
-            <a:headEnd type="none" w="med" len="med"/>
-            <a:tailEnd type="arrow" w="med" len="med"/>
-          </a:ln>
-        </p:spPr>
-        <p:style>
-          <a:lnRef idx="3">
-            <a:schemeClr val="dk1"/>
-          </a:lnRef>
-          <a:fillRef idx="0">
-            <a:schemeClr val="dk1"/>
-          </a:fillRef>
-          <a:effectRef idx="2">
-            <a:schemeClr val="dk1"/>
-          </a:effectRef>
-          <a:fontRef idx="minor">
-            <a:schemeClr val="tx1"/>
-          </a:fontRef>
-        </p:style>
-      </p:cxnSp>
-      <p:cxnSp>
-        <p:nvCxnSpPr>
-          <p:cNvPr id="81" name="Straight Arrow Connector 246">
-            <a:extLst>
-              <a:ext uri="{FF2B5EF4-FFF2-40B4-BE49-F238E27FC236}">
-                <a16:creationId xmlns:a16="http://schemas.microsoft.com/office/drawing/2014/main" id="{42B6191C-C8DB-B24F-B825-0BE4F32F58C0}"/>
-              </a:ext>
-            </a:extLst>
-          </p:cNvPr>
-          <p:cNvCxnSpPr>
-            <a:cxnSpLocks/>
-            <a:stCxn id="75" idx="0"/>
-          </p:cNvCxnSpPr>
-          <p:nvPr/>
-        </p:nvCxnSpPr>
-        <p:spPr>
-          <a:xfrm rot="16200000" flipH="1">
-            <a:off x="3812543" y="2361838"/>
-            <a:ext cx="378044" cy="1996462"/>
-          </a:xfrm>
-          <a:prstGeom prst="bentConnector4">
-            <a:avLst>
-              <a:gd name="adj1" fmla="val -108501"/>
-              <a:gd name="adj2" fmla="val 100066"/>
-            </a:avLst>
-          </a:prstGeom>
-          <a:ln w="25400">
-            <a:solidFill>
-              <a:schemeClr val="accent6"/>
-            </a:solidFill>
-            <a:tailEnd type="triangle" w="lg" len="lg"/>
           </a:ln>
         </p:spPr>
         <p:style>
@@ -32879,10 +33230,10 @@
       </p:grpSpPr>
       <p:grpSp>
         <p:nvGrpSpPr>
-          <p:cNvPr id="105" name="Group 104">
-            <a:extLst>
-              <a:ext uri="{FF2B5EF4-FFF2-40B4-BE49-F238E27FC236}">
-                <a16:creationId xmlns:a16="http://schemas.microsoft.com/office/drawing/2014/main" id="{C760775C-A3F0-CE45-9641-BC4A530F026D}"/>
+          <p:cNvPr id="71" name="Group 70">
+            <a:extLst>
+              <a:ext uri="{FF2B5EF4-FFF2-40B4-BE49-F238E27FC236}">
+                <a16:creationId xmlns:a16="http://schemas.microsoft.com/office/drawing/2014/main" id="{16021D80-B9BB-7141-B14C-2FAB989A4AEE}"/>
               </a:ext>
             </a:extLst>
           </p:cNvPr>
@@ -32891,7 +33242,7 @@
         </p:nvGrpSpPr>
         <p:grpSpPr>
           <a:xfrm>
-            <a:off x="5518662" y="3787396"/>
+            <a:off x="5284471" y="3787397"/>
             <a:ext cx="484281" cy="172854"/>
             <a:chOff x="5293558" y="3697843"/>
             <a:chExt cx="660058" cy="235594"/>
@@ -32899,10 +33250,10 @@
         </p:grpSpPr>
         <p:sp>
           <p:nvSpPr>
-            <p:cNvPr id="106" name="Freeform 105">
+            <p:cNvPr id="73" name="Freeform 72">
               <a:extLst>
                 <a:ext uri="{FF2B5EF4-FFF2-40B4-BE49-F238E27FC236}">
-                  <a16:creationId xmlns:a16="http://schemas.microsoft.com/office/drawing/2014/main" id="{876818EB-EFA9-9744-BD64-C14E92F799F3}"/>
+                  <a16:creationId xmlns:a16="http://schemas.microsoft.com/office/drawing/2014/main" id="{9FEEF1B3-531F-584B-A133-F9A8EEC45CC8}"/>
                 </a:ext>
               </a:extLst>
             </p:cNvPr>
@@ -33026,10 +33377,10 @@
         </p:sp>
         <p:cxnSp>
           <p:nvCxnSpPr>
-            <p:cNvPr id="107" name="Straight Connector 106">
+            <p:cNvPr id="75" name="Straight Connector 74">
               <a:extLst>
                 <a:ext uri="{FF2B5EF4-FFF2-40B4-BE49-F238E27FC236}">
-                  <a16:creationId xmlns:a16="http://schemas.microsoft.com/office/drawing/2014/main" id="{CB4609AF-3F33-0542-A92B-32C4B254E321}"/>
+                  <a16:creationId xmlns:a16="http://schemas.microsoft.com/office/drawing/2014/main" id="{CF8E9D54-A82D-6A4D-98A9-46E344624D33}"/>
                 </a:ext>
               </a:extLst>
             </p:cNvPr>
@@ -33067,10 +33418,10 @@
         </p:cxnSp>
         <p:cxnSp>
           <p:nvCxnSpPr>
-            <p:cNvPr id="108" name="Straight Connector 107">
+            <p:cNvPr id="81" name="Straight Connector 80">
               <a:extLst>
                 <a:ext uri="{FF2B5EF4-FFF2-40B4-BE49-F238E27FC236}">
-                  <a16:creationId xmlns:a16="http://schemas.microsoft.com/office/drawing/2014/main" id="{6A5BCB44-573C-B14A-B60B-A9C0E70E84F5}"/>
+                  <a16:creationId xmlns:a16="http://schemas.microsoft.com/office/drawing/2014/main" id="{C4542589-1491-114F-953B-80FC19382E79}"/>
                 </a:ext>
               </a:extLst>
             </p:cNvPr>
@@ -33108,10 +33459,10 @@
         </p:cxnSp>
         <p:cxnSp>
           <p:nvCxnSpPr>
-            <p:cNvPr id="109" name="Straight Connector 108">
+            <p:cNvPr id="92" name="Straight Connector 91">
               <a:extLst>
                 <a:ext uri="{FF2B5EF4-FFF2-40B4-BE49-F238E27FC236}">
-                  <a16:creationId xmlns:a16="http://schemas.microsoft.com/office/drawing/2014/main" id="{0C04B03D-1000-4745-B9D1-998170C2DCC8}"/>
+                  <a16:creationId xmlns:a16="http://schemas.microsoft.com/office/drawing/2014/main" id="{70B396A7-D2BD-6D47-B216-2CB7B66B33FD}"/>
                 </a:ext>
               </a:extLst>
             </p:cNvPr>
@@ -33533,85 +33884,6 @@
           </a:fontRef>
         </p:style>
       </p:cxnSp>
-      <p:cxnSp>
-        <p:nvCxnSpPr>
-          <p:cNvPr id="64" name="Elbow Connector 63">
-            <a:extLst>
-              <a:ext uri="{FF2B5EF4-FFF2-40B4-BE49-F238E27FC236}">
-                <a16:creationId xmlns:a16="http://schemas.microsoft.com/office/drawing/2014/main" id="{300D7B57-A254-AF46-B1BB-E6D8A047A93C}"/>
-              </a:ext>
-            </a:extLst>
-          </p:cNvPr>
-          <p:cNvCxnSpPr>
-            <a:cxnSpLocks/>
-          </p:cNvCxnSpPr>
-          <p:nvPr/>
-        </p:nvCxnSpPr>
-        <p:spPr>
-          <a:xfrm flipV="1">
-            <a:off x="4886629" y="3629396"/>
-            <a:ext cx="328764" cy="301158"/>
-          </a:xfrm>
-          <a:prstGeom prst="bentConnector3">
-            <a:avLst>
-              <a:gd name="adj1" fmla="val 5634"/>
-            </a:avLst>
-          </a:prstGeom>
-          <a:ln w="38100">
-            <a:headEnd type="none" w="med" len="med"/>
-            <a:tailEnd type="arrow" w="med" len="med"/>
-          </a:ln>
-        </p:spPr>
-        <p:style>
-          <a:lnRef idx="3">
-            <a:schemeClr val="dk1"/>
-          </a:lnRef>
-          <a:fillRef idx="0">
-            <a:schemeClr val="dk1"/>
-          </a:fillRef>
-          <a:effectRef idx="2">
-            <a:schemeClr val="dk1"/>
-          </a:effectRef>
-          <a:fontRef idx="minor">
-            <a:schemeClr val="tx1"/>
-          </a:fontRef>
-        </p:style>
-      </p:cxnSp>
-      <p:sp>
-        <p:nvSpPr>
-          <p:cNvPr id="65" name="TextBox 64">
-            <a:extLst>
-              <a:ext uri="{FF2B5EF4-FFF2-40B4-BE49-F238E27FC236}">
-                <a16:creationId xmlns:a16="http://schemas.microsoft.com/office/drawing/2014/main" id="{196A1664-7C64-524B-B6FC-D5A902637082}"/>
-              </a:ext>
-            </a:extLst>
-          </p:cNvPr>
-          <p:cNvSpPr txBox="1"/>
-          <p:nvPr/>
-        </p:nvSpPr>
-        <p:spPr>
-          <a:xfrm>
-            <a:off x="5311177" y="3920251"/>
-            <a:ext cx="907621" cy="369332"/>
-          </a:xfrm>
-          <a:prstGeom prst="rect">
-            <a:avLst/>
-          </a:prstGeom>
-          <a:noFill/>
-        </p:spPr>
-        <p:txBody>
-          <a:bodyPr wrap="none" rtlCol="0">
-            <a:spAutoFit/>
-          </a:bodyPr>
-          <a:lstStyle/>
-          <a:p>
-            <a:r>
-              <a:rPr lang="en-US" dirty="0"/>
-              <a:t>sgRNA1</a:t>
-            </a:r>
-          </a:p>
-        </p:txBody>
-      </p:sp>
       <p:sp>
         <p:nvSpPr>
           <p:cNvPr id="66" name="Pentagon 65">
@@ -34061,46 +34333,6 @@
       </p:cxnSp>
       <p:cxnSp>
         <p:nvCxnSpPr>
-          <p:cNvPr id="80" name="Elbow Connector 32">
-            <a:extLst>
-              <a:ext uri="{FF2B5EF4-FFF2-40B4-BE49-F238E27FC236}">
-                <a16:creationId xmlns:a16="http://schemas.microsoft.com/office/drawing/2014/main" id="{1DE9BBB4-F8A4-0540-8BAA-EC547AC83CBF}"/>
-              </a:ext>
-            </a:extLst>
-          </p:cNvPr>
-          <p:cNvCxnSpPr>
-            <a:cxnSpLocks/>
-            <a:endCxn id="117" idx="2"/>
-          </p:cNvCxnSpPr>
-          <p:nvPr/>
-        </p:nvCxnSpPr>
-        <p:spPr>
-          <a:xfrm>
-            <a:off x="1921383" y="2581976"/>
-            <a:ext cx="3810337" cy="0"/>
-          </a:xfrm>
-          <a:prstGeom prst="straightConnector1">
-            <a:avLst/>
-          </a:prstGeom>
-          <a:ln w="25400"/>
-        </p:spPr>
-        <p:style>
-          <a:lnRef idx="1">
-            <a:schemeClr val="accent3"/>
-          </a:lnRef>
-          <a:fillRef idx="0">
-            <a:schemeClr val="accent3"/>
-          </a:fillRef>
-          <a:effectRef idx="0">
-            <a:schemeClr val="accent3"/>
-          </a:effectRef>
-          <a:fontRef idx="minor">
-            <a:schemeClr val="tx1"/>
-          </a:fontRef>
-        </p:style>
-      </p:cxnSp>
-      <p:cxnSp>
-        <p:nvCxnSpPr>
           <p:cNvPr id="82" name="Straight Connector 81">
             <a:extLst>
               <a:ext uri="{FF2B5EF4-FFF2-40B4-BE49-F238E27FC236}">
@@ -34966,12 +35198,92 @@
           </a:fontRef>
         </p:style>
       </p:cxnSp>
+      <p:cxnSp>
+        <p:nvCxnSpPr>
+          <p:cNvPr id="112" name="Straight Arrow Connector 111">
+            <a:extLst>
+              <a:ext uri="{FF2B5EF4-FFF2-40B4-BE49-F238E27FC236}">
+                <a16:creationId xmlns:a16="http://schemas.microsoft.com/office/drawing/2014/main" id="{D5AF28BC-DA2B-0E4F-8BF3-432E6EA42594}"/>
+              </a:ext>
+            </a:extLst>
+          </p:cNvPr>
+          <p:cNvCxnSpPr/>
+          <p:nvPr/>
+        </p:nvCxnSpPr>
+        <p:spPr>
+          <a:xfrm>
+            <a:off x="5781409" y="2581442"/>
+            <a:ext cx="217762" cy="0"/>
+          </a:xfrm>
+          <a:prstGeom prst="straightConnector1">
+            <a:avLst/>
+          </a:prstGeom>
+          <a:ln w="25400">
+            <a:tailEnd type="triangle" w="lg" len="lg"/>
+          </a:ln>
+        </p:spPr>
+        <p:style>
+          <a:lnRef idx="1">
+            <a:schemeClr val="accent3"/>
+          </a:lnRef>
+          <a:fillRef idx="0">
+            <a:schemeClr val="accent3"/>
+          </a:fillRef>
+          <a:effectRef idx="0">
+            <a:schemeClr val="accent3"/>
+          </a:effectRef>
+          <a:fontRef idx="minor">
+            <a:schemeClr val="tx1"/>
+          </a:fontRef>
+        </p:style>
+      </p:cxnSp>
+      <p:cxnSp>
+        <p:nvCxnSpPr>
+          <p:cNvPr id="113" name="Straight Connector 112">
+            <a:extLst>
+              <a:ext uri="{FF2B5EF4-FFF2-40B4-BE49-F238E27FC236}">
+                <a16:creationId xmlns:a16="http://schemas.microsoft.com/office/drawing/2014/main" id="{5EF11674-4486-FC44-9321-21FDB4B68BA0}"/>
+              </a:ext>
+            </a:extLst>
+          </p:cNvPr>
+          <p:cNvCxnSpPr/>
+          <p:nvPr/>
+        </p:nvCxnSpPr>
+        <p:spPr>
+          <a:xfrm>
+            <a:off x="6742125" y="2573663"/>
+            <a:ext cx="1060704" cy="0"/>
+          </a:xfrm>
+          <a:prstGeom prst="line">
+            <a:avLst/>
+          </a:prstGeom>
+          <a:ln w="25400">
+            <a:solidFill>
+              <a:srgbClr val="C00000"/>
+            </a:solidFill>
+          </a:ln>
+        </p:spPr>
+        <p:style>
+          <a:lnRef idx="1">
+            <a:schemeClr val="accent3"/>
+          </a:lnRef>
+          <a:fillRef idx="0">
+            <a:schemeClr val="accent3"/>
+          </a:fillRef>
+          <a:effectRef idx="0">
+            <a:schemeClr val="accent3"/>
+          </a:effectRef>
+          <a:fontRef idx="minor">
+            <a:schemeClr val="tx1"/>
+          </a:fontRef>
+        </p:style>
+      </p:cxnSp>
       <p:sp>
         <p:nvSpPr>
-          <p:cNvPr id="103" name="Isosceles Triangle 38">
-            <a:extLst>
-              <a:ext uri="{FF2B5EF4-FFF2-40B4-BE49-F238E27FC236}">
-                <a16:creationId xmlns:a16="http://schemas.microsoft.com/office/drawing/2014/main" id="{ED520884-FE23-FF43-B70C-543C831E871D}"/>
+          <p:cNvPr id="115" name="Rounded Rectangle 114">
+            <a:extLst>
+              <a:ext uri="{FF2B5EF4-FFF2-40B4-BE49-F238E27FC236}">
+                <a16:creationId xmlns:a16="http://schemas.microsoft.com/office/drawing/2014/main" id="{E0AF28EB-5E45-F541-A4E6-0543A7A3A9D6}"/>
               </a:ext>
             </a:extLst>
           </p:cNvPr>
@@ -34979,13 +35291,21 @@
           <p:nvPr/>
         </p:nvSpPr>
         <p:spPr>
-          <a:xfrm rot="5400000">
-            <a:off x="4600813" y="3838370"/>
-            <a:ext cx="209543" cy="208423"/>
-          </a:xfrm>
-          <a:prstGeom prst="triangle">
-            <a:avLst/>
-          </a:prstGeom>
+          <a:xfrm>
+            <a:off x="6007264" y="2461828"/>
+            <a:ext cx="612967" cy="255371"/>
+          </a:xfrm>
+          <a:prstGeom prst="roundRect">
+            <a:avLst>
+              <a:gd name="adj" fmla="val 50000"/>
+            </a:avLst>
+          </a:prstGeom>
+          <a:solidFill>
+            <a:schemeClr val="accent1">
+              <a:lumMod val="40000"/>
+              <a:lumOff val="60000"/>
+            </a:schemeClr>
+          </a:solidFill>
         </p:spPr>
         <p:style>
           <a:lnRef idx="2">
@@ -35014,10 +35334,10 @@
       </p:sp>
       <p:sp>
         <p:nvSpPr>
-          <p:cNvPr id="104" name="Isosceles Triangle 39">
-            <a:extLst>
-              <a:ext uri="{FF2B5EF4-FFF2-40B4-BE49-F238E27FC236}">
-                <a16:creationId xmlns:a16="http://schemas.microsoft.com/office/drawing/2014/main" id="{7419501F-2818-F64A-B938-899F093BC560}"/>
+          <p:cNvPr id="116" name="Freeform 115">
+            <a:extLst>
+              <a:ext uri="{FF2B5EF4-FFF2-40B4-BE49-F238E27FC236}">
+                <a16:creationId xmlns:a16="http://schemas.microsoft.com/office/drawing/2014/main" id="{4DD789F4-45CE-584C-9BBF-2D42EB278DEF}"/>
               </a:ext>
             </a:extLst>
           </p:cNvPr>
@@ -35025,214 +35345,8 @@
           <p:nvPr/>
         </p:nvSpPr>
         <p:spPr>
-          <a:xfrm rot="5400000">
-            <a:off x="5239827" y="3833116"/>
-            <a:ext cx="209543" cy="208423"/>
-          </a:xfrm>
-          <a:prstGeom prst="triangle">
-            <a:avLst/>
-          </a:prstGeom>
-        </p:spPr>
-        <p:style>
-          <a:lnRef idx="2">
-            <a:schemeClr val="accent1">
-              <a:shade val="50000"/>
-            </a:schemeClr>
-          </a:lnRef>
-          <a:fillRef idx="1">
-            <a:schemeClr val="accent1"/>
-          </a:fillRef>
-          <a:effectRef idx="0">
-            <a:schemeClr val="accent1"/>
-          </a:effectRef>
-          <a:fontRef idx="minor">
-            <a:schemeClr val="lt1"/>
-          </a:fontRef>
-        </p:style>
-        <p:txBody>
-          <a:bodyPr rtlCol="0" anchor="ctr"/>
-          <a:lstStyle/>
-          <a:p>
-            <a:pPr algn="ctr"/>
-            <a:endParaRPr lang="en-US"/>
-          </a:p>
-        </p:txBody>
-      </p:sp>
-      <p:cxnSp>
-        <p:nvCxnSpPr>
-          <p:cNvPr id="110" name="Straight Arrow Connector 109">
-            <a:extLst>
-              <a:ext uri="{FF2B5EF4-FFF2-40B4-BE49-F238E27FC236}">
-                <a16:creationId xmlns:a16="http://schemas.microsoft.com/office/drawing/2014/main" id="{3F4A523E-A459-734E-A77A-F612327A996B}"/>
-              </a:ext>
-            </a:extLst>
-          </p:cNvPr>
-          <p:cNvCxnSpPr/>
-          <p:nvPr/>
-        </p:nvCxnSpPr>
-        <p:spPr>
-          <a:xfrm flipV="1">
-            <a:off x="5769610" y="3341424"/>
-            <a:ext cx="2637" cy="439764"/>
-          </a:xfrm>
-          <a:prstGeom prst="straightConnector1">
-            <a:avLst/>
-          </a:prstGeom>
-          <a:ln w="25400">
-            <a:tailEnd type="triangle" w="lg" len="lg"/>
-          </a:ln>
-        </p:spPr>
-        <p:style>
-          <a:lnRef idx="1">
-            <a:schemeClr val="accent3"/>
-          </a:lnRef>
-          <a:fillRef idx="0">
-            <a:schemeClr val="accent3"/>
-          </a:fillRef>
-          <a:effectRef idx="0">
-            <a:schemeClr val="accent3"/>
-          </a:effectRef>
-          <a:fontRef idx="minor">
-            <a:schemeClr val="tx1"/>
-          </a:fontRef>
-        </p:style>
-      </p:cxnSp>
-      <p:cxnSp>
-        <p:nvCxnSpPr>
-          <p:cNvPr id="111" name="Straight Connector 110">
-            <a:extLst>
-              <a:ext uri="{FF2B5EF4-FFF2-40B4-BE49-F238E27FC236}">
-                <a16:creationId xmlns:a16="http://schemas.microsoft.com/office/drawing/2014/main" id="{84483D99-1437-5648-AA42-D5110DD29CD8}"/>
-              </a:ext>
-            </a:extLst>
-          </p:cNvPr>
-          <p:cNvCxnSpPr>
-            <a:cxnSpLocks/>
-            <a:stCxn id="114" idx="4"/>
-            <a:endCxn id="117" idx="4"/>
-          </p:cNvCxnSpPr>
-          <p:nvPr/>
-        </p:nvCxnSpPr>
-        <p:spPr>
-          <a:xfrm flipH="1" flipV="1">
-            <a:off x="5777440" y="2627696"/>
-            <a:ext cx="0" cy="601311"/>
-          </a:xfrm>
-          <a:prstGeom prst="line">
-            <a:avLst/>
-          </a:prstGeom>
-          <a:ln w="25400"/>
-        </p:spPr>
-        <p:style>
-          <a:lnRef idx="1">
-            <a:schemeClr val="accent3"/>
-          </a:lnRef>
-          <a:fillRef idx="0">
-            <a:schemeClr val="accent3"/>
-          </a:fillRef>
-          <a:effectRef idx="0">
-            <a:schemeClr val="accent3"/>
-          </a:effectRef>
-          <a:fontRef idx="minor">
-            <a:schemeClr val="tx1"/>
-          </a:fontRef>
-        </p:style>
-      </p:cxnSp>
-      <p:cxnSp>
-        <p:nvCxnSpPr>
-          <p:cNvPr id="112" name="Straight Arrow Connector 111">
-            <a:extLst>
-              <a:ext uri="{FF2B5EF4-FFF2-40B4-BE49-F238E27FC236}">
-                <a16:creationId xmlns:a16="http://schemas.microsoft.com/office/drawing/2014/main" id="{D5AF28BC-DA2B-0E4F-8BF3-432E6EA42594}"/>
-              </a:ext>
-            </a:extLst>
-          </p:cNvPr>
-          <p:cNvCxnSpPr/>
-          <p:nvPr/>
-        </p:nvCxnSpPr>
-        <p:spPr>
           <a:xfrm>
-            <a:off x="5781409" y="2581442"/>
-            <a:ext cx="217762" cy="0"/>
-          </a:xfrm>
-          <a:prstGeom prst="straightConnector1">
-            <a:avLst/>
-          </a:prstGeom>
-          <a:ln w="25400">
-            <a:tailEnd type="triangle" w="lg" len="lg"/>
-          </a:ln>
-        </p:spPr>
-        <p:style>
-          <a:lnRef idx="1">
-            <a:schemeClr val="accent3"/>
-          </a:lnRef>
-          <a:fillRef idx="0">
-            <a:schemeClr val="accent3"/>
-          </a:fillRef>
-          <a:effectRef idx="0">
-            <a:schemeClr val="accent3"/>
-          </a:effectRef>
-          <a:fontRef idx="minor">
-            <a:schemeClr val="tx1"/>
-          </a:fontRef>
-        </p:style>
-      </p:cxnSp>
-      <p:cxnSp>
-        <p:nvCxnSpPr>
-          <p:cNvPr id="113" name="Straight Connector 112">
-            <a:extLst>
-              <a:ext uri="{FF2B5EF4-FFF2-40B4-BE49-F238E27FC236}">
-                <a16:creationId xmlns:a16="http://schemas.microsoft.com/office/drawing/2014/main" id="{5EF11674-4486-FC44-9321-21FDB4B68BA0}"/>
-              </a:ext>
-            </a:extLst>
-          </p:cNvPr>
-          <p:cNvCxnSpPr/>
-          <p:nvPr/>
-        </p:nvCxnSpPr>
-        <p:spPr>
-          <a:xfrm>
-            <a:off x="6742125" y="2573663"/>
-            <a:ext cx="1060704" cy="0"/>
-          </a:xfrm>
-          <a:prstGeom prst="line">
-            <a:avLst/>
-          </a:prstGeom>
-          <a:ln w="25400">
-            <a:solidFill>
-              <a:srgbClr val="C00000"/>
-            </a:solidFill>
-          </a:ln>
-        </p:spPr>
-        <p:style>
-          <a:lnRef idx="1">
-            <a:schemeClr val="accent3"/>
-          </a:lnRef>
-          <a:fillRef idx="0">
-            <a:schemeClr val="accent3"/>
-          </a:fillRef>
-          <a:effectRef idx="0">
-            <a:schemeClr val="accent3"/>
-          </a:effectRef>
-          <a:fontRef idx="minor">
-            <a:schemeClr val="tx1"/>
-          </a:fontRef>
-        </p:style>
-      </p:cxnSp>
-      <p:sp>
-        <p:nvSpPr>
-          <p:cNvPr id="114" name="Freeform 113">
-            <a:extLst>
-              <a:ext uri="{FF2B5EF4-FFF2-40B4-BE49-F238E27FC236}">
-                <a16:creationId xmlns:a16="http://schemas.microsoft.com/office/drawing/2014/main" id="{8B9FD3C0-1D73-1F4B-9FCD-F6328E7D8436}"/>
-              </a:ext>
-            </a:extLst>
-          </p:cNvPr>
-          <p:cNvSpPr/>
-          <p:nvPr/>
-        </p:nvSpPr>
-        <p:spPr>
-          <a:xfrm>
-            <a:off x="5495735" y="3228059"/>
+            <a:off x="6160929" y="2547956"/>
             <a:ext cx="571347" cy="83114"/>
           </a:xfrm>
           <a:custGeom>
@@ -35365,12 +35479,97 @@
           </a:p>
         </p:txBody>
       </p:sp>
+      <p:cxnSp>
+        <p:nvCxnSpPr>
+          <p:cNvPr id="127" name="Elbow Connector 126">
+            <a:extLst>
+              <a:ext uri="{FF2B5EF4-FFF2-40B4-BE49-F238E27FC236}">
+                <a16:creationId xmlns:a16="http://schemas.microsoft.com/office/drawing/2014/main" id="{296D51C9-0519-F14D-96E6-194E057A3816}"/>
+              </a:ext>
+            </a:extLst>
+          </p:cNvPr>
+          <p:cNvCxnSpPr>
+            <a:cxnSpLocks/>
+          </p:cNvCxnSpPr>
+          <p:nvPr/>
+        </p:nvCxnSpPr>
+        <p:spPr>
+          <a:xfrm>
+            <a:off x="7990089" y="2282971"/>
+            <a:ext cx="422391" cy="1274100"/>
+          </a:xfrm>
+          <a:prstGeom prst="bentConnector2">
+            <a:avLst/>
+          </a:prstGeom>
+          <a:ln w="25400">
+            <a:solidFill>
+              <a:srgbClr val="7030A0"/>
+            </a:solidFill>
+            <a:tailEnd type="diamond" w="lg" len="lg"/>
+          </a:ln>
+        </p:spPr>
+        <p:style>
+          <a:lnRef idx="1">
+            <a:schemeClr val="accent3"/>
+          </a:lnRef>
+          <a:fillRef idx="0">
+            <a:schemeClr val="accent3"/>
+          </a:fillRef>
+          <a:effectRef idx="0">
+            <a:schemeClr val="accent3"/>
+          </a:effectRef>
+          <a:fontRef idx="minor">
+            <a:schemeClr val="tx1"/>
+          </a:fontRef>
+        </p:style>
+      </p:cxnSp>
+      <p:cxnSp>
+        <p:nvCxnSpPr>
+          <p:cNvPr id="128" name="Straight Connector 127">
+            <a:extLst>
+              <a:ext uri="{FF2B5EF4-FFF2-40B4-BE49-F238E27FC236}">
+                <a16:creationId xmlns:a16="http://schemas.microsoft.com/office/drawing/2014/main" id="{E64BD68E-C93B-8145-BC37-5D37BF0B65A4}"/>
+              </a:ext>
+            </a:extLst>
+          </p:cNvPr>
+          <p:cNvCxnSpPr/>
+          <p:nvPr/>
+        </p:nvCxnSpPr>
+        <p:spPr>
+          <a:xfrm>
+            <a:off x="7812734" y="2559053"/>
+            <a:ext cx="0" cy="1837944"/>
+          </a:xfrm>
+          <a:prstGeom prst="line">
+            <a:avLst/>
+          </a:prstGeom>
+          <a:ln w="25400">
+            <a:solidFill>
+              <a:srgbClr val="C00000"/>
+            </a:solidFill>
+          </a:ln>
+        </p:spPr>
+        <p:style>
+          <a:lnRef idx="1">
+            <a:schemeClr val="accent3"/>
+          </a:lnRef>
+          <a:fillRef idx="0">
+            <a:schemeClr val="accent3"/>
+          </a:fillRef>
+          <a:effectRef idx="0">
+            <a:schemeClr val="accent3"/>
+          </a:effectRef>
+          <a:fontRef idx="minor">
+            <a:schemeClr val="tx1"/>
+          </a:fontRef>
+        </p:style>
+      </p:cxnSp>
       <p:sp>
         <p:nvSpPr>
-          <p:cNvPr id="115" name="Rounded Rectangle 114">
-            <a:extLst>
-              <a:ext uri="{FF2B5EF4-FFF2-40B4-BE49-F238E27FC236}">
-                <a16:creationId xmlns:a16="http://schemas.microsoft.com/office/drawing/2014/main" id="{E0AF28EB-5E45-F541-A4E6-0543A7A3A9D6}"/>
+          <p:cNvPr id="129" name="Freeform 128">
+            <a:extLst>
+              <a:ext uri="{FF2B5EF4-FFF2-40B4-BE49-F238E27FC236}">
+                <a16:creationId xmlns:a16="http://schemas.microsoft.com/office/drawing/2014/main" id="{328BF9C3-64E7-304A-9C8B-18F6B8A84996}"/>
               </a:ext>
             </a:extLst>
           </p:cNvPr>
@@ -35379,35 +35578,114 @@
         </p:nvSpPr>
         <p:spPr>
           <a:xfrm>
-            <a:off x="6007264" y="2461828"/>
-            <a:ext cx="612967" cy="255371"/>
-          </a:xfrm>
-          <a:prstGeom prst="roundRect">
-            <a:avLst>
-              <a:gd name="adj" fmla="val 50000"/>
-            </a:avLst>
-          </a:prstGeom>
-          <a:solidFill>
-            <a:schemeClr val="accent1">
-              <a:lumMod val="40000"/>
-              <a:lumOff val="60000"/>
-            </a:schemeClr>
-          </a:solidFill>
-        </p:spPr>
-        <p:style>
-          <a:lnRef idx="2">
-            <a:schemeClr val="accent1">
-              <a:shade val="50000"/>
-            </a:schemeClr>
-          </a:lnRef>
-          <a:fillRef idx="1">
-            <a:schemeClr val="accent1"/>
+            <a:off x="7966400" y="3655788"/>
+            <a:ext cx="868442" cy="180707"/>
+          </a:xfrm>
+          <a:custGeom>
+            <a:avLst/>
+            <a:gdLst>
+              <a:gd name="connsiteX0" fmla="*/ 0 w 4142629"/>
+              <a:gd name="connsiteY0" fmla="*/ 854057 h 862008"/>
+              <a:gd name="connsiteX1" fmla="*/ 1470991 w 4142629"/>
+              <a:gd name="connsiteY1" fmla="*/ 691055 h 862008"/>
+              <a:gd name="connsiteX2" fmla="*/ 174928 w 4142629"/>
+              <a:gd name="connsiteY2" fmla="*/ 301441 h 862008"/>
+              <a:gd name="connsiteX3" fmla="*/ 1411356 w 4142629"/>
+              <a:gd name="connsiteY3" fmla="*/ 35072 h 862008"/>
+              <a:gd name="connsiteX4" fmla="*/ 2747175 w 4142629"/>
+              <a:gd name="connsiteY4" fmla="*/ 31097 h 862008"/>
+              <a:gd name="connsiteX5" fmla="*/ 3951798 w 4142629"/>
+              <a:gd name="connsiteY5" fmla="*/ 293490 h 862008"/>
+              <a:gd name="connsiteX6" fmla="*/ 2671638 w 4142629"/>
+              <a:gd name="connsiteY6" fmla="*/ 675152 h 862008"/>
+              <a:gd name="connsiteX7" fmla="*/ 4142629 w 4142629"/>
+              <a:gd name="connsiteY7" fmla="*/ 862008 h 862008"/>
+            </a:gdLst>
+            <a:ahLst/>
+            <a:cxnLst>
+              <a:cxn ang="0">
+                <a:pos x="connsiteX0" y="connsiteY0"/>
+              </a:cxn>
+              <a:cxn ang="0">
+                <a:pos x="connsiteX1" y="connsiteY1"/>
+              </a:cxn>
+              <a:cxn ang="0">
+                <a:pos x="connsiteX2" y="connsiteY2"/>
+              </a:cxn>
+              <a:cxn ang="0">
+                <a:pos x="connsiteX3" y="connsiteY3"/>
+              </a:cxn>
+              <a:cxn ang="0">
+                <a:pos x="connsiteX4" y="connsiteY4"/>
+              </a:cxn>
+              <a:cxn ang="0">
+                <a:pos x="connsiteX5" y="connsiteY5"/>
+              </a:cxn>
+              <a:cxn ang="0">
+                <a:pos x="connsiteX6" y="connsiteY6"/>
+              </a:cxn>
+              <a:cxn ang="0">
+                <a:pos x="connsiteX7" y="connsiteY7"/>
+              </a:cxn>
+            </a:cxnLst>
+            <a:rect l="l" t="t" r="r" b="b"/>
+            <a:pathLst>
+              <a:path w="4142629" h="862008">
+                <a:moveTo>
+                  <a:pt x="0" y="854057"/>
+                </a:moveTo>
+                <a:cubicBezTo>
+                  <a:pt x="720918" y="818607"/>
+                  <a:pt x="1441836" y="783158"/>
+                  <a:pt x="1470991" y="691055"/>
+                </a:cubicBezTo>
+                <a:cubicBezTo>
+                  <a:pt x="1500146" y="598952"/>
+                  <a:pt x="184867" y="410771"/>
+                  <a:pt x="174928" y="301441"/>
+                </a:cubicBezTo>
+                <a:cubicBezTo>
+                  <a:pt x="164989" y="192111"/>
+                  <a:pt x="982648" y="80129"/>
+                  <a:pt x="1411356" y="35072"/>
+                </a:cubicBezTo>
+                <a:cubicBezTo>
+                  <a:pt x="1840064" y="-9985"/>
+                  <a:pt x="2323768" y="-11973"/>
+                  <a:pt x="2747175" y="31097"/>
+                </a:cubicBezTo>
+                <a:cubicBezTo>
+                  <a:pt x="3170582" y="74167"/>
+                  <a:pt x="3964387" y="186148"/>
+                  <a:pt x="3951798" y="293490"/>
+                </a:cubicBezTo>
+                <a:cubicBezTo>
+                  <a:pt x="3939209" y="400832"/>
+                  <a:pt x="2639833" y="580399"/>
+                  <a:pt x="2671638" y="675152"/>
+                </a:cubicBezTo>
+                <a:cubicBezTo>
+                  <a:pt x="2703443" y="769905"/>
+                  <a:pt x="3423036" y="815956"/>
+                  <a:pt x="4142629" y="862008"/>
+                </a:cubicBezTo>
+              </a:path>
+            </a:pathLst>
+          </a:custGeom>
+          <a:ln w="28575"/>
+        </p:spPr>
+        <p:style>
+          <a:lnRef idx="1">
+            <a:schemeClr val="dk1"/>
+          </a:lnRef>
+          <a:fillRef idx="0">
+            <a:schemeClr val="dk1"/>
           </a:fillRef>
           <a:effectRef idx="0">
-            <a:schemeClr val="accent1"/>
-          </a:effectRef>
-          <a:fontRef idx="minor">
-            <a:schemeClr val="lt1"/>
+            <a:schemeClr val="dk1"/>
+          </a:effectRef>
+          <a:fontRef idx="minor">
+            <a:schemeClr val="tx1"/>
           </a:fontRef>
         </p:style>
         <p:txBody>
@@ -35421,10 +35699,138 @@
       </p:sp>
       <p:sp>
         <p:nvSpPr>
-          <p:cNvPr id="116" name="Freeform 115">
-            <a:extLst>
-              <a:ext uri="{FF2B5EF4-FFF2-40B4-BE49-F238E27FC236}">
-                <a16:creationId xmlns:a16="http://schemas.microsoft.com/office/drawing/2014/main" id="{4DD789F4-45CE-584C-9BBF-2D42EB278DEF}"/>
+          <p:cNvPr id="130" name="TextBox 129">
+            <a:extLst>
+              <a:ext uri="{FF2B5EF4-FFF2-40B4-BE49-F238E27FC236}">
+                <a16:creationId xmlns:a16="http://schemas.microsoft.com/office/drawing/2014/main" id="{65D4AA3B-36B5-704A-8C57-C1EADAC06A2E}"/>
+              </a:ext>
+            </a:extLst>
+          </p:cNvPr>
+          <p:cNvSpPr txBox="1"/>
+          <p:nvPr/>
+        </p:nvSpPr>
+        <p:spPr>
+          <a:xfrm>
+            <a:off x="7919359" y="3804739"/>
+            <a:ext cx="985847" cy="646331"/>
+          </a:xfrm>
+          <a:prstGeom prst="rect">
+            <a:avLst/>
+          </a:prstGeom>
+          <a:noFill/>
+        </p:spPr>
+        <p:txBody>
+          <a:bodyPr wrap="none" rtlCol="0">
+            <a:spAutoFit/>
+          </a:bodyPr>
+          <a:lstStyle/>
+          <a:p>
+            <a:pPr algn="ctr"/>
+            <a:r>
+              <a:rPr lang="en-US" dirty="0"/>
+              <a:t>genomic</a:t>
+            </a:r>
+          </a:p>
+          <a:p>
+            <a:pPr algn="ctr"/>
+            <a:r>
+              <a:rPr lang="en-US" dirty="0"/>
+              <a:t>target</a:t>
+            </a:r>
+          </a:p>
+        </p:txBody>
+      </p:sp>
+      <p:cxnSp>
+        <p:nvCxnSpPr>
+          <p:cNvPr id="76" name="Elbow Connector 75">
+            <a:extLst>
+              <a:ext uri="{FF2B5EF4-FFF2-40B4-BE49-F238E27FC236}">
+                <a16:creationId xmlns:a16="http://schemas.microsoft.com/office/drawing/2014/main" id="{A70AC65A-7170-6B4E-942E-6379B4EB9C9D}"/>
+              </a:ext>
+            </a:extLst>
+          </p:cNvPr>
+          <p:cNvCxnSpPr>
+            <a:cxnSpLocks/>
+          </p:cNvCxnSpPr>
+          <p:nvPr/>
+        </p:nvCxnSpPr>
+        <p:spPr>
+          <a:xfrm flipV="1">
+            <a:off x="2496086" y="3631204"/>
+            <a:ext cx="328764" cy="301158"/>
+          </a:xfrm>
+          <a:prstGeom prst="bentConnector3">
+            <a:avLst>
+              <a:gd name="adj1" fmla="val 2567"/>
+            </a:avLst>
+          </a:prstGeom>
+          <a:ln w="38100">
+            <a:headEnd type="none" w="med" len="med"/>
+            <a:tailEnd type="arrow" w="med" len="med"/>
+          </a:ln>
+        </p:spPr>
+        <p:style>
+          <a:lnRef idx="3">
+            <a:schemeClr val="dk1"/>
+          </a:lnRef>
+          <a:fillRef idx="0">
+            <a:schemeClr val="dk1"/>
+          </a:fillRef>
+          <a:effectRef idx="2">
+            <a:schemeClr val="dk1"/>
+          </a:effectRef>
+          <a:fontRef idx="minor">
+            <a:schemeClr val="tx1"/>
+          </a:fontRef>
+        </p:style>
+      </p:cxnSp>
+      <p:cxnSp>
+        <p:nvCxnSpPr>
+          <p:cNvPr id="83" name="Straight Arrow Connector 82">
+            <a:extLst>
+              <a:ext uri="{FF2B5EF4-FFF2-40B4-BE49-F238E27FC236}">
+                <a16:creationId xmlns:a16="http://schemas.microsoft.com/office/drawing/2014/main" id="{B1044E5F-463C-6D4E-991A-43654B72AEA3}"/>
+              </a:ext>
+            </a:extLst>
+          </p:cNvPr>
+          <p:cNvCxnSpPr>
+            <a:cxnSpLocks/>
+          </p:cNvCxnSpPr>
+          <p:nvPr/>
+        </p:nvCxnSpPr>
+        <p:spPr>
+          <a:xfrm flipV="1">
+            <a:off x="3090921" y="3434976"/>
+            <a:ext cx="0" cy="365760"/>
+          </a:xfrm>
+          <a:prstGeom prst="straightConnector1">
+            <a:avLst/>
+          </a:prstGeom>
+          <a:ln w="25400">
+            <a:tailEnd type="triangle" w="lg" len="lg"/>
+          </a:ln>
+        </p:spPr>
+        <p:style>
+          <a:lnRef idx="1">
+            <a:schemeClr val="accent3"/>
+          </a:lnRef>
+          <a:fillRef idx="0">
+            <a:schemeClr val="accent3"/>
+          </a:fillRef>
+          <a:effectRef idx="0">
+            <a:schemeClr val="accent3"/>
+          </a:effectRef>
+          <a:fontRef idx="minor">
+            <a:schemeClr val="tx1"/>
+          </a:fontRef>
+        </p:style>
+      </p:cxnSp>
+      <p:sp>
+        <p:nvSpPr>
+          <p:cNvPr id="84" name="Pentagon 83">
+            <a:extLst>
+              <a:ext uri="{FF2B5EF4-FFF2-40B4-BE49-F238E27FC236}">
+                <a16:creationId xmlns:a16="http://schemas.microsoft.com/office/drawing/2014/main" id="{34E54533-2C75-744D-A587-FC7922474D51}"/>
               </a:ext>
             </a:extLst>
           </p:cNvPr>
@@ -35433,7 +35839,545 @@
         </p:nvSpPr>
         <p:spPr>
           <a:xfrm>
-            <a:off x="6160929" y="2547956"/>
+            <a:off x="2744264" y="3774296"/>
+            <a:ext cx="773535" cy="326065"/>
+          </a:xfrm>
+          <a:prstGeom prst="homePlate">
+            <a:avLst/>
+          </a:prstGeom>
+          <a:solidFill>
+            <a:schemeClr val="accent2">
+              <a:lumMod val="60000"/>
+              <a:lumOff val="40000"/>
+            </a:schemeClr>
+          </a:solidFill>
+        </p:spPr>
+        <p:style>
+          <a:lnRef idx="2">
+            <a:schemeClr val="accent2">
+              <a:shade val="50000"/>
+            </a:schemeClr>
+          </a:lnRef>
+          <a:fillRef idx="1">
+            <a:schemeClr val="accent2"/>
+          </a:fillRef>
+          <a:effectRef idx="0">
+            <a:schemeClr val="accent2"/>
+          </a:effectRef>
+          <a:fontRef idx="minor">
+            <a:schemeClr val="lt1"/>
+          </a:fontRef>
+        </p:style>
+        <p:txBody>
+          <a:bodyPr rtlCol="0" anchor="ctr"/>
+          <a:lstStyle/>
+          <a:p>
+            <a:pPr algn="ctr"/>
+            <a:r>
+              <a:rPr lang="en-US" dirty="0">
+                <a:solidFill>
+                  <a:schemeClr val="tx1"/>
+                </a:solidFill>
+              </a:rPr>
+              <a:t>TF-R</a:t>
+            </a:r>
+          </a:p>
+        </p:txBody>
+      </p:sp>
+      <p:sp>
+        <p:nvSpPr>
+          <p:cNvPr id="87" name="Rounded Rectangle 86">
+            <a:extLst>
+              <a:ext uri="{FF2B5EF4-FFF2-40B4-BE49-F238E27FC236}">
+                <a16:creationId xmlns:a16="http://schemas.microsoft.com/office/drawing/2014/main" id="{7933A950-4DE8-5342-8DB0-755DED95DA5B}"/>
+              </a:ext>
+            </a:extLst>
+          </p:cNvPr>
+          <p:cNvSpPr/>
+          <p:nvPr/>
+        </p:nvSpPr>
+        <p:spPr>
+          <a:xfrm>
+            <a:off x="2784438" y="3171047"/>
+            <a:ext cx="612967" cy="255371"/>
+          </a:xfrm>
+          <a:prstGeom prst="roundRect">
+            <a:avLst>
+              <a:gd name="adj" fmla="val 50000"/>
+            </a:avLst>
+          </a:prstGeom>
+          <a:solidFill>
+            <a:schemeClr val="accent2">
+              <a:lumMod val="60000"/>
+              <a:lumOff val="40000"/>
+            </a:schemeClr>
+          </a:solidFill>
+        </p:spPr>
+        <p:style>
+          <a:lnRef idx="2">
+            <a:schemeClr val="accent2">
+              <a:shade val="50000"/>
+            </a:schemeClr>
+          </a:lnRef>
+          <a:fillRef idx="1">
+            <a:schemeClr val="accent2"/>
+          </a:fillRef>
+          <a:effectRef idx="0">
+            <a:schemeClr val="accent2"/>
+          </a:effectRef>
+          <a:fontRef idx="minor">
+            <a:schemeClr val="lt1"/>
+          </a:fontRef>
+        </p:style>
+        <p:txBody>
+          <a:bodyPr wrap="none" rtlCol="0" anchor="ctr"/>
+          <a:lstStyle/>
+          <a:p>
+            <a:pPr algn="ctr"/>
+            <a:endParaRPr lang="en-US" dirty="0">
+              <a:solidFill>
+                <a:schemeClr val="tx1"/>
+              </a:solidFill>
+            </a:endParaRPr>
+          </a:p>
+        </p:txBody>
+      </p:sp>
+      <p:cxnSp>
+        <p:nvCxnSpPr>
+          <p:cNvPr id="90" name="Straight Arrow Connector 246">
+            <a:extLst>
+              <a:ext uri="{FF2B5EF4-FFF2-40B4-BE49-F238E27FC236}">
+                <a16:creationId xmlns:a16="http://schemas.microsoft.com/office/drawing/2014/main" id="{30F1CEA8-C0F8-274A-B8B9-9D91A8F7A458}"/>
+              </a:ext>
+            </a:extLst>
+          </p:cNvPr>
+          <p:cNvCxnSpPr>
+            <a:cxnSpLocks/>
+            <a:stCxn id="87" idx="0"/>
+          </p:cNvCxnSpPr>
+          <p:nvPr/>
+        </p:nvCxnSpPr>
+        <p:spPr>
+          <a:xfrm rot="16200000" flipH="1">
+            <a:off x="3881212" y="2380757"/>
+            <a:ext cx="339410" cy="1919990"/>
+          </a:xfrm>
+          <a:prstGeom prst="bentConnector4">
+            <a:avLst>
+              <a:gd name="adj1" fmla="val -118001"/>
+              <a:gd name="adj2" fmla="val 99891"/>
+            </a:avLst>
+          </a:prstGeom>
+          <a:ln w="25400">
+            <a:solidFill>
+              <a:srgbClr val="FF0000"/>
+            </a:solidFill>
+            <a:tailEnd type="none" w="lg" len="lg"/>
+          </a:ln>
+        </p:spPr>
+        <p:style>
+          <a:lnRef idx="1">
+            <a:schemeClr val="accent3"/>
+          </a:lnRef>
+          <a:fillRef idx="0">
+            <a:schemeClr val="accent3"/>
+          </a:fillRef>
+          <a:effectRef idx="0">
+            <a:schemeClr val="accent3"/>
+          </a:effectRef>
+          <a:fontRef idx="minor">
+            <a:schemeClr val="tx1"/>
+          </a:fontRef>
+        </p:style>
+      </p:cxnSp>
+      <p:cxnSp>
+        <p:nvCxnSpPr>
+          <p:cNvPr id="91" name="Straight Arrow Connector 246">
+            <a:extLst>
+              <a:ext uri="{FF2B5EF4-FFF2-40B4-BE49-F238E27FC236}">
+                <a16:creationId xmlns:a16="http://schemas.microsoft.com/office/drawing/2014/main" id="{FB8A7E98-3E64-D345-B311-8033E2E0FCA5}"/>
+              </a:ext>
+            </a:extLst>
+          </p:cNvPr>
+          <p:cNvCxnSpPr>
+            <a:cxnSpLocks/>
+          </p:cNvCxnSpPr>
+          <p:nvPr/>
+        </p:nvCxnSpPr>
+        <p:spPr>
+          <a:xfrm>
+            <a:off x="4917919" y="3510457"/>
+            <a:ext cx="196164" cy="0"/>
+          </a:xfrm>
+          <a:prstGeom prst="straightConnector1">
+            <a:avLst/>
+          </a:prstGeom>
+          <a:ln w="25400">
+            <a:solidFill>
+              <a:srgbClr val="FF0000"/>
+            </a:solidFill>
+            <a:tailEnd type="none" w="lg" len="lg"/>
+          </a:ln>
+        </p:spPr>
+        <p:style>
+          <a:lnRef idx="1">
+            <a:schemeClr val="accent3"/>
+          </a:lnRef>
+          <a:fillRef idx="0">
+            <a:schemeClr val="accent3"/>
+          </a:fillRef>
+          <a:effectRef idx="0">
+            <a:schemeClr val="accent3"/>
+          </a:effectRef>
+          <a:fontRef idx="minor">
+            <a:schemeClr val="tx1"/>
+          </a:fontRef>
+        </p:style>
+      </p:cxnSp>
+      <p:cxnSp>
+        <p:nvCxnSpPr>
+          <p:cNvPr id="93" name="Elbow Connector 92">
+            <a:extLst>
+              <a:ext uri="{FF2B5EF4-FFF2-40B4-BE49-F238E27FC236}">
+                <a16:creationId xmlns:a16="http://schemas.microsoft.com/office/drawing/2014/main" id="{1CAB25B4-888A-1045-BCC1-05B485ED4383}"/>
+              </a:ext>
+            </a:extLst>
+          </p:cNvPr>
+          <p:cNvCxnSpPr>
+            <a:cxnSpLocks/>
+          </p:cNvCxnSpPr>
+          <p:nvPr/>
+        </p:nvCxnSpPr>
+        <p:spPr>
+          <a:xfrm flipV="1">
+            <a:off x="4885904" y="3629397"/>
+            <a:ext cx="328764" cy="301158"/>
+          </a:xfrm>
+          <a:prstGeom prst="bentConnector3">
+            <a:avLst>
+              <a:gd name="adj1" fmla="val 5634"/>
+            </a:avLst>
+          </a:prstGeom>
+          <a:ln w="38100">
+            <a:headEnd type="none" w="med" len="med"/>
+            <a:tailEnd type="arrow" w="med" len="med"/>
+          </a:ln>
+        </p:spPr>
+        <p:style>
+          <a:lnRef idx="3">
+            <a:schemeClr val="dk1"/>
+          </a:lnRef>
+          <a:fillRef idx="0">
+            <a:schemeClr val="dk1"/>
+          </a:fillRef>
+          <a:effectRef idx="2">
+            <a:schemeClr val="dk1"/>
+          </a:effectRef>
+          <a:fontRef idx="minor">
+            <a:schemeClr val="tx1"/>
+          </a:fontRef>
+        </p:style>
+      </p:cxnSp>
+      <p:sp>
+        <p:nvSpPr>
+          <p:cNvPr id="118" name="TextBox 117">
+            <a:extLst>
+              <a:ext uri="{FF2B5EF4-FFF2-40B4-BE49-F238E27FC236}">
+                <a16:creationId xmlns:a16="http://schemas.microsoft.com/office/drawing/2014/main" id="{E0B014C3-B233-084E-8E6B-C6163FE290CA}"/>
+              </a:ext>
+            </a:extLst>
+          </p:cNvPr>
+          <p:cNvSpPr txBox="1"/>
+          <p:nvPr/>
+        </p:nvSpPr>
+        <p:spPr>
+          <a:xfrm>
+            <a:off x="5076986" y="3920252"/>
+            <a:ext cx="907621" cy="369332"/>
+          </a:xfrm>
+          <a:prstGeom prst="rect">
+            <a:avLst/>
+          </a:prstGeom>
+          <a:noFill/>
+        </p:spPr>
+        <p:txBody>
+          <a:bodyPr wrap="none" rtlCol="0">
+            <a:spAutoFit/>
+          </a:bodyPr>
+          <a:lstStyle/>
+          <a:p>
+            <a:r>
+              <a:rPr lang="en-US" dirty="0"/>
+              <a:t>sgRNA1</a:t>
+            </a:r>
+          </a:p>
+        </p:txBody>
+      </p:sp>
+      <p:cxnSp>
+        <p:nvCxnSpPr>
+          <p:cNvPr id="119" name="Elbow Connector 32">
+            <a:extLst>
+              <a:ext uri="{FF2B5EF4-FFF2-40B4-BE49-F238E27FC236}">
+                <a16:creationId xmlns:a16="http://schemas.microsoft.com/office/drawing/2014/main" id="{089728E5-7CF7-FC46-8AB1-DE3A0DF0143B}"/>
+              </a:ext>
+            </a:extLst>
+          </p:cNvPr>
+          <p:cNvCxnSpPr>
+            <a:cxnSpLocks/>
+          </p:cNvCxnSpPr>
+          <p:nvPr/>
+        </p:nvCxnSpPr>
+        <p:spPr>
+          <a:xfrm>
+            <a:off x="1921383" y="2581977"/>
+            <a:ext cx="3911508" cy="0"/>
+          </a:xfrm>
+          <a:prstGeom prst="straightConnector1">
+            <a:avLst/>
+          </a:prstGeom>
+          <a:ln w="25400"/>
+        </p:spPr>
+        <p:style>
+          <a:lnRef idx="1">
+            <a:schemeClr val="accent3"/>
+          </a:lnRef>
+          <a:fillRef idx="0">
+            <a:schemeClr val="accent3"/>
+          </a:fillRef>
+          <a:effectRef idx="0">
+            <a:schemeClr val="accent3"/>
+          </a:effectRef>
+          <a:fontRef idx="minor">
+            <a:schemeClr val="tx1"/>
+          </a:fontRef>
+        </p:style>
+      </p:cxnSp>
+      <p:sp>
+        <p:nvSpPr>
+          <p:cNvPr id="121" name="Isosceles Triangle 38">
+            <a:extLst>
+              <a:ext uri="{FF2B5EF4-FFF2-40B4-BE49-F238E27FC236}">
+                <a16:creationId xmlns:a16="http://schemas.microsoft.com/office/drawing/2014/main" id="{D41BFF67-4BAA-8F4C-80EB-73840A4034AF}"/>
+              </a:ext>
+            </a:extLst>
+          </p:cNvPr>
+          <p:cNvSpPr/>
+          <p:nvPr/>
+        </p:nvSpPr>
+        <p:spPr>
+          <a:xfrm rot="5400000">
+            <a:off x="4600088" y="3838371"/>
+            <a:ext cx="209543" cy="208423"/>
+          </a:xfrm>
+          <a:prstGeom prst="triangle">
+            <a:avLst/>
+          </a:prstGeom>
+        </p:spPr>
+        <p:style>
+          <a:lnRef idx="2">
+            <a:schemeClr val="accent1">
+              <a:shade val="50000"/>
+            </a:schemeClr>
+          </a:lnRef>
+          <a:fillRef idx="1">
+            <a:schemeClr val="accent1"/>
+          </a:fillRef>
+          <a:effectRef idx="0">
+            <a:schemeClr val="accent1"/>
+          </a:effectRef>
+          <a:fontRef idx="minor">
+            <a:schemeClr val="lt1"/>
+          </a:fontRef>
+        </p:style>
+        <p:txBody>
+          <a:bodyPr rtlCol="0" anchor="ctr"/>
+          <a:lstStyle/>
+          <a:p>
+            <a:pPr algn="ctr"/>
+            <a:endParaRPr lang="en-US"/>
+          </a:p>
+        </p:txBody>
+      </p:sp>
+      <p:sp>
+        <p:nvSpPr>
+          <p:cNvPr id="122" name="Isosceles Triangle 39">
+            <a:extLst>
+              <a:ext uri="{FF2B5EF4-FFF2-40B4-BE49-F238E27FC236}">
+                <a16:creationId xmlns:a16="http://schemas.microsoft.com/office/drawing/2014/main" id="{7E4AC5D7-DBD5-1047-AB99-E3FFDADEEF47}"/>
+              </a:ext>
+            </a:extLst>
+          </p:cNvPr>
+          <p:cNvSpPr/>
+          <p:nvPr/>
+        </p:nvSpPr>
+        <p:spPr>
+          <a:xfrm rot="5400000">
+            <a:off x="5861673" y="3833117"/>
+            <a:ext cx="209543" cy="208423"/>
+          </a:xfrm>
+          <a:prstGeom prst="triangle">
+            <a:avLst/>
+          </a:prstGeom>
+        </p:spPr>
+        <p:style>
+          <a:lnRef idx="2">
+            <a:schemeClr val="accent1">
+              <a:shade val="50000"/>
+            </a:schemeClr>
+          </a:lnRef>
+          <a:fillRef idx="1">
+            <a:schemeClr val="accent1"/>
+          </a:fillRef>
+          <a:effectRef idx="0">
+            <a:schemeClr val="accent1"/>
+          </a:effectRef>
+          <a:fontRef idx="minor">
+            <a:schemeClr val="lt1"/>
+          </a:fontRef>
+        </p:style>
+        <p:txBody>
+          <a:bodyPr rtlCol="0" anchor="ctr"/>
+          <a:lstStyle/>
+          <a:p>
+            <a:pPr algn="ctr"/>
+            <a:endParaRPr lang="en-US"/>
+          </a:p>
+        </p:txBody>
+      </p:sp>
+      <p:cxnSp>
+        <p:nvCxnSpPr>
+          <p:cNvPr id="124" name="Straight Arrow Connector 123">
+            <a:extLst>
+              <a:ext uri="{FF2B5EF4-FFF2-40B4-BE49-F238E27FC236}">
+                <a16:creationId xmlns:a16="http://schemas.microsoft.com/office/drawing/2014/main" id="{13A97427-566D-A84B-9DB0-07A255BDAD3F}"/>
+              </a:ext>
+            </a:extLst>
+          </p:cNvPr>
+          <p:cNvCxnSpPr/>
+          <p:nvPr/>
+        </p:nvCxnSpPr>
+        <p:spPr>
+          <a:xfrm flipV="1">
+            <a:off x="5535419" y="3341425"/>
+            <a:ext cx="2637" cy="439764"/>
+          </a:xfrm>
+          <a:prstGeom prst="straightConnector1">
+            <a:avLst/>
+          </a:prstGeom>
+          <a:ln w="25400">
+            <a:tailEnd type="triangle" w="lg" len="lg"/>
+          </a:ln>
+        </p:spPr>
+        <p:style>
+          <a:lnRef idx="1">
+            <a:schemeClr val="accent3"/>
+          </a:lnRef>
+          <a:fillRef idx="0">
+            <a:schemeClr val="accent3"/>
+          </a:fillRef>
+          <a:effectRef idx="0">
+            <a:schemeClr val="accent3"/>
+          </a:effectRef>
+          <a:fontRef idx="minor">
+            <a:schemeClr val="tx1"/>
+          </a:fontRef>
+        </p:style>
+      </p:cxnSp>
+      <p:cxnSp>
+        <p:nvCxnSpPr>
+          <p:cNvPr id="125" name="Straight Connector 124">
+            <a:extLst>
+              <a:ext uri="{FF2B5EF4-FFF2-40B4-BE49-F238E27FC236}">
+                <a16:creationId xmlns:a16="http://schemas.microsoft.com/office/drawing/2014/main" id="{91E20E50-F7A9-D641-BB77-740F51DC84B2}"/>
+              </a:ext>
+            </a:extLst>
+          </p:cNvPr>
+          <p:cNvCxnSpPr>
+            <a:cxnSpLocks/>
+            <a:stCxn id="131" idx="4"/>
+            <a:endCxn id="132" idx="4"/>
+          </p:cNvCxnSpPr>
+          <p:nvPr/>
+        </p:nvCxnSpPr>
+        <p:spPr>
+          <a:xfrm flipH="1" flipV="1">
+            <a:off x="5543249" y="2627697"/>
+            <a:ext cx="0" cy="601311"/>
+          </a:xfrm>
+          <a:prstGeom prst="line">
+            <a:avLst/>
+          </a:prstGeom>
+          <a:ln w="25400"/>
+        </p:spPr>
+        <p:style>
+          <a:lnRef idx="1">
+            <a:schemeClr val="accent3"/>
+          </a:lnRef>
+          <a:fillRef idx="0">
+            <a:schemeClr val="accent3"/>
+          </a:fillRef>
+          <a:effectRef idx="0">
+            <a:schemeClr val="accent3"/>
+          </a:effectRef>
+          <a:fontRef idx="minor">
+            <a:schemeClr val="tx1"/>
+          </a:fontRef>
+        </p:style>
+      </p:cxnSp>
+      <p:cxnSp>
+        <p:nvCxnSpPr>
+          <p:cNvPr id="126" name="Straight Arrow Connector 125">
+            <a:extLst>
+              <a:ext uri="{FF2B5EF4-FFF2-40B4-BE49-F238E27FC236}">
+                <a16:creationId xmlns:a16="http://schemas.microsoft.com/office/drawing/2014/main" id="{935D8136-5CEF-6C4A-83A9-4EE9433CCDDE}"/>
+              </a:ext>
+            </a:extLst>
+          </p:cNvPr>
+          <p:cNvCxnSpPr/>
+          <p:nvPr/>
+        </p:nvCxnSpPr>
+        <p:spPr>
+          <a:xfrm>
+            <a:off x="5780684" y="2581443"/>
+            <a:ext cx="217762" cy="0"/>
+          </a:xfrm>
+          <a:prstGeom prst="straightConnector1">
+            <a:avLst/>
+          </a:prstGeom>
+          <a:ln w="25400">
+            <a:tailEnd type="triangle" w="lg" len="lg"/>
+          </a:ln>
+        </p:spPr>
+        <p:style>
+          <a:lnRef idx="1">
+            <a:schemeClr val="accent3"/>
+          </a:lnRef>
+          <a:fillRef idx="0">
+            <a:schemeClr val="accent3"/>
+          </a:fillRef>
+          <a:effectRef idx="0">
+            <a:schemeClr val="accent3"/>
+          </a:effectRef>
+          <a:fontRef idx="minor">
+            <a:schemeClr val="tx1"/>
+          </a:fontRef>
+        </p:style>
+      </p:cxnSp>
+      <p:sp>
+        <p:nvSpPr>
+          <p:cNvPr id="131" name="Freeform 130">
+            <a:extLst>
+              <a:ext uri="{FF2B5EF4-FFF2-40B4-BE49-F238E27FC236}">
+                <a16:creationId xmlns:a16="http://schemas.microsoft.com/office/drawing/2014/main" id="{1EBA1E11-898C-0940-B3BC-A5E91CB374C4}"/>
+              </a:ext>
+            </a:extLst>
+          </p:cNvPr>
+          <p:cNvSpPr/>
+          <p:nvPr/>
+        </p:nvSpPr>
+        <p:spPr>
+          <a:xfrm>
+            <a:off x="5261544" y="3228060"/>
             <a:ext cx="571347" cy="83114"/>
           </a:xfrm>
           <a:custGeom>
@@ -35568,10 +36512,10 @@
       </p:sp>
       <p:sp>
         <p:nvSpPr>
-          <p:cNvPr id="117" name="Oval 116">
-            <a:extLst>
-              <a:ext uri="{FF2B5EF4-FFF2-40B4-BE49-F238E27FC236}">
-                <a16:creationId xmlns:a16="http://schemas.microsoft.com/office/drawing/2014/main" id="{19450C66-1079-934B-8686-465C867DF212}"/>
+          <p:cNvPr id="132" name="Oval 131">
+            <a:extLst>
+              <a:ext uri="{FF2B5EF4-FFF2-40B4-BE49-F238E27FC236}">
+                <a16:creationId xmlns:a16="http://schemas.microsoft.com/office/drawing/2014/main" id="{3FA4CFDF-5003-864C-BF6A-836101D5403F}"/>
               </a:ext>
             </a:extLst>
           </p:cNvPr>
@@ -35582,7 +36526,7 @@
         </p:nvSpPr>
         <p:spPr>
           <a:xfrm>
-            <a:off x="5731720" y="2536256"/>
+            <a:off x="5497529" y="2536257"/>
             <a:ext cx="91440" cy="91440"/>
           </a:xfrm>
           <a:prstGeom prst="ellipse">
@@ -35627,22 +36571,21 @@
       </p:sp>
       <p:cxnSp>
         <p:nvCxnSpPr>
-          <p:cNvPr id="123" name="Straight Arrow Connector 246">
-            <a:extLst>
-              <a:ext uri="{FF2B5EF4-FFF2-40B4-BE49-F238E27FC236}">
-                <a16:creationId xmlns:a16="http://schemas.microsoft.com/office/drawing/2014/main" id="{72227130-2A6D-0845-97B7-1C88F963B5EB}"/>
+          <p:cNvPr id="133" name="Straight Arrow Connector 246">
+            <a:extLst>
+              <a:ext uri="{FF2B5EF4-FFF2-40B4-BE49-F238E27FC236}">
+                <a16:creationId xmlns:a16="http://schemas.microsoft.com/office/drawing/2014/main" id="{D88926AE-BD4A-A04A-AE68-BCB2F9537092}"/>
               </a:ext>
             </a:extLst>
           </p:cNvPr>
           <p:cNvCxnSpPr>
             <a:cxnSpLocks/>
-            <a:stCxn id="67" idx="0"/>
           </p:cNvCxnSpPr>
           <p:nvPr/>
         </p:nvCxnSpPr>
         <p:spPr>
           <a:xfrm rot="16200000" flipH="1">
-            <a:off x="4399569" y="2837926"/>
+            <a:off x="5021415" y="2837927"/>
             <a:ext cx="615431" cy="1281672"/>
           </a:xfrm>
           <a:prstGeom prst="bentConnector4">
@@ -35656,561 +36599,6 @@
               <a:schemeClr val="accent5"/>
             </a:solidFill>
             <a:tailEnd type="diamond" w="lg" len="lg"/>
-          </a:ln>
-        </p:spPr>
-        <p:style>
-          <a:lnRef idx="1">
-            <a:schemeClr val="accent3"/>
-          </a:lnRef>
-          <a:fillRef idx="0">
-            <a:schemeClr val="accent3"/>
-          </a:fillRef>
-          <a:effectRef idx="0">
-            <a:schemeClr val="accent3"/>
-          </a:effectRef>
-          <a:fontRef idx="minor">
-            <a:schemeClr val="tx1"/>
-          </a:fontRef>
-        </p:style>
-      </p:cxnSp>
-      <p:cxnSp>
-        <p:nvCxnSpPr>
-          <p:cNvPr id="127" name="Elbow Connector 126">
-            <a:extLst>
-              <a:ext uri="{FF2B5EF4-FFF2-40B4-BE49-F238E27FC236}">
-                <a16:creationId xmlns:a16="http://schemas.microsoft.com/office/drawing/2014/main" id="{296D51C9-0519-F14D-96E6-194E057A3816}"/>
-              </a:ext>
-            </a:extLst>
-          </p:cNvPr>
-          <p:cNvCxnSpPr>
-            <a:cxnSpLocks/>
-          </p:cNvCxnSpPr>
-          <p:nvPr/>
-        </p:nvCxnSpPr>
-        <p:spPr>
-          <a:xfrm>
-            <a:off x="7990089" y="2282971"/>
-            <a:ext cx="422391" cy="1274100"/>
-          </a:xfrm>
-          <a:prstGeom prst="bentConnector2">
-            <a:avLst/>
-          </a:prstGeom>
-          <a:ln w="25400">
-            <a:solidFill>
-              <a:srgbClr val="7030A0"/>
-            </a:solidFill>
-            <a:tailEnd type="diamond" w="lg" len="lg"/>
-          </a:ln>
-        </p:spPr>
-        <p:style>
-          <a:lnRef idx="1">
-            <a:schemeClr val="accent3"/>
-          </a:lnRef>
-          <a:fillRef idx="0">
-            <a:schemeClr val="accent3"/>
-          </a:fillRef>
-          <a:effectRef idx="0">
-            <a:schemeClr val="accent3"/>
-          </a:effectRef>
-          <a:fontRef idx="minor">
-            <a:schemeClr val="tx1"/>
-          </a:fontRef>
-        </p:style>
-      </p:cxnSp>
-      <p:cxnSp>
-        <p:nvCxnSpPr>
-          <p:cNvPr id="128" name="Straight Connector 127">
-            <a:extLst>
-              <a:ext uri="{FF2B5EF4-FFF2-40B4-BE49-F238E27FC236}">
-                <a16:creationId xmlns:a16="http://schemas.microsoft.com/office/drawing/2014/main" id="{E64BD68E-C93B-8145-BC37-5D37BF0B65A4}"/>
-              </a:ext>
-            </a:extLst>
-          </p:cNvPr>
-          <p:cNvCxnSpPr/>
-          <p:nvPr/>
-        </p:nvCxnSpPr>
-        <p:spPr>
-          <a:xfrm>
-            <a:off x="7812734" y="2559053"/>
-            <a:ext cx="0" cy="1837944"/>
-          </a:xfrm>
-          <a:prstGeom prst="line">
-            <a:avLst/>
-          </a:prstGeom>
-          <a:ln w="25400">
-            <a:solidFill>
-              <a:srgbClr val="C00000"/>
-            </a:solidFill>
-          </a:ln>
-        </p:spPr>
-        <p:style>
-          <a:lnRef idx="1">
-            <a:schemeClr val="accent3"/>
-          </a:lnRef>
-          <a:fillRef idx="0">
-            <a:schemeClr val="accent3"/>
-          </a:fillRef>
-          <a:effectRef idx="0">
-            <a:schemeClr val="accent3"/>
-          </a:effectRef>
-          <a:fontRef idx="minor">
-            <a:schemeClr val="tx1"/>
-          </a:fontRef>
-        </p:style>
-      </p:cxnSp>
-      <p:sp>
-        <p:nvSpPr>
-          <p:cNvPr id="129" name="Freeform 128">
-            <a:extLst>
-              <a:ext uri="{FF2B5EF4-FFF2-40B4-BE49-F238E27FC236}">
-                <a16:creationId xmlns:a16="http://schemas.microsoft.com/office/drawing/2014/main" id="{328BF9C3-64E7-304A-9C8B-18F6B8A84996}"/>
-              </a:ext>
-            </a:extLst>
-          </p:cNvPr>
-          <p:cNvSpPr/>
-          <p:nvPr/>
-        </p:nvSpPr>
-        <p:spPr>
-          <a:xfrm>
-            <a:off x="7966400" y="3655788"/>
-            <a:ext cx="868442" cy="180707"/>
-          </a:xfrm>
-          <a:custGeom>
-            <a:avLst/>
-            <a:gdLst>
-              <a:gd name="connsiteX0" fmla="*/ 0 w 4142629"/>
-              <a:gd name="connsiteY0" fmla="*/ 854057 h 862008"/>
-              <a:gd name="connsiteX1" fmla="*/ 1470991 w 4142629"/>
-              <a:gd name="connsiteY1" fmla="*/ 691055 h 862008"/>
-              <a:gd name="connsiteX2" fmla="*/ 174928 w 4142629"/>
-              <a:gd name="connsiteY2" fmla="*/ 301441 h 862008"/>
-              <a:gd name="connsiteX3" fmla="*/ 1411356 w 4142629"/>
-              <a:gd name="connsiteY3" fmla="*/ 35072 h 862008"/>
-              <a:gd name="connsiteX4" fmla="*/ 2747175 w 4142629"/>
-              <a:gd name="connsiteY4" fmla="*/ 31097 h 862008"/>
-              <a:gd name="connsiteX5" fmla="*/ 3951798 w 4142629"/>
-              <a:gd name="connsiteY5" fmla="*/ 293490 h 862008"/>
-              <a:gd name="connsiteX6" fmla="*/ 2671638 w 4142629"/>
-              <a:gd name="connsiteY6" fmla="*/ 675152 h 862008"/>
-              <a:gd name="connsiteX7" fmla="*/ 4142629 w 4142629"/>
-              <a:gd name="connsiteY7" fmla="*/ 862008 h 862008"/>
-            </a:gdLst>
-            <a:ahLst/>
-            <a:cxnLst>
-              <a:cxn ang="0">
-                <a:pos x="connsiteX0" y="connsiteY0"/>
-              </a:cxn>
-              <a:cxn ang="0">
-                <a:pos x="connsiteX1" y="connsiteY1"/>
-              </a:cxn>
-              <a:cxn ang="0">
-                <a:pos x="connsiteX2" y="connsiteY2"/>
-              </a:cxn>
-              <a:cxn ang="0">
-                <a:pos x="connsiteX3" y="connsiteY3"/>
-              </a:cxn>
-              <a:cxn ang="0">
-                <a:pos x="connsiteX4" y="connsiteY4"/>
-              </a:cxn>
-              <a:cxn ang="0">
-                <a:pos x="connsiteX5" y="connsiteY5"/>
-              </a:cxn>
-              <a:cxn ang="0">
-                <a:pos x="connsiteX6" y="connsiteY6"/>
-              </a:cxn>
-              <a:cxn ang="0">
-                <a:pos x="connsiteX7" y="connsiteY7"/>
-              </a:cxn>
-            </a:cxnLst>
-            <a:rect l="l" t="t" r="r" b="b"/>
-            <a:pathLst>
-              <a:path w="4142629" h="862008">
-                <a:moveTo>
-                  <a:pt x="0" y="854057"/>
-                </a:moveTo>
-                <a:cubicBezTo>
-                  <a:pt x="720918" y="818607"/>
-                  <a:pt x="1441836" y="783158"/>
-                  <a:pt x="1470991" y="691055"/>
-                </a:cubicBezTo>
-                <a:cubicBezTo>
-                  <a:pt x="1500146" y="598952"/>
-                  <a:pt x="184867" y="410771"/>
-                  <a:pt x="174928" y="301441"/>
-                </a:cubicBezTo>
-                <a:cubicBezTo>
-                  <a:pt x="164989" y="192111"/>
-                  <a:pt x="982648" y="80129"/>
-                  <a:pt x="1411356" y="35072"/>
-                </a:cubicBezTo>
-                <a:cubicBezTo>
-                  <a:pt x="1840064" y="-9985"/>
-                  <a:pt x="2323768" y="-11973"/>
-                  <a:pt x="2747175" y="31097"/>
-                </a:cubicBezTo>
-                <a:cubicBezTo>
-                  <a:pt x="3170582" y="74167"/>
-                  <a:pt x="3964387" y="186148"/>
-                  <a:pt x="3951798" y="293490"/>
-                </a:cubicBezTo>
-                <a:cubicBezTo>
-                  <a:pt x="3939209" y="400832"/>
-                  <a:pt x="2639833" y="580399"/>
-                  <a:pt x="2671638" y="675152"/>
-                </a:cubicBezTo>
-                <a:cubicBezTo>
-                  <a:pt x="2703443" y="769905"/>
-                  <a:pt x="3423036" y="815956"/>
-                  <a:pt x="4142629" y="862008"/>
-                </a:cubicBezTo>
-              </a:path>
-            </a:pathLst>
-          </a:custGeom>
-          <a:ln w="28575"/>
-        </p:spPr>
-        <p:style>
-          <a:lnRef idx="1">
-            <a:schemeClr val="dk1"/>
-          </a:lnRef>
-          <a:fillRef idx="0">
-            <a:schemeClr val="dk1"/>
-          </a:fillRef>
-          <a:effectRef idx="0">
-            <a:schemeClr val="dk1"/>
-          </a:effectRef>
-          <a:fontRef idx="minor">
-            <a:schemeClr val="tx1"/>
-          </a:fontRef>
-        </p:style>
-        <p:txBody>
-          <a:bodyPr rtlCol="0" anchor="ctr"/>
-          <a:lstStyle/>
-          <a:p>
-            <a:pPr algn="ctr"/>
-            <a:endParaRPr lang="en-US"/>
-          </a:p>
-        </p:txBody>
-      </p:sp>
-      <p:sp>
-        <p:nvSpPr>
-          <p:cNvPr id="130" name="TextBox 129">
-            <a:extLst>
-              <a:ext uri="{FF2B5EF4-FFF2-40B4-BE49-F238E27FC236}">
-                <a16:creationId xmlns:a16="http://schemas.microsoft.com/office/drawing/2014/main" id="{65D4AA3B-36B5-704A-8C57-C1EADAC06A2E}"/>
-              </a:ext>
-            </a:extLst>
-          </p:cNvPr>
-          <p:cNvSpPr txBox="1"/>
-          <p:nvPr/>
-        </p:nvSpPr>
-        <p:spPr>
-          <a:xfrm>
-            <a:off x="7919359" y="3804739"/>
-            <a:ext cx="985847" cy="646331"/>
-          </a:xfrm>
-          <a:prstGeom prst="rect">
-            <a:avLst/>
-          </a:prstGeom>
-          <a:noFill/>
-        </p:spPr>
-        <p:txBody>
-          <a:bodyPr wrap="none" rtlCol="0">
-            <a:spAutoFit/>
-          </a:bodyPr>
-          <a:lstStyle/>
-          <a:p>
-            <a:pPr algn="ctr"/>
-            <a:r>
-              <a:rPr lang="en-US" dirty="0"/>
-              <a:t>genomic</a:t>
-            </a:r>
-          </a:p>
-          <a:p>
-            <a:pPr algn="ctr"/>
-            <a:r>
-              <a:rPr lang="en-US" dirty="0"/>
-              <a:t>target</a:t>
-            </a:r>
-          </a:p>
-        </p:txBody>
-      </p:sp>
-      <p:cxnSp>
-        <p:nvCxnSpPr>
-          <p:cNvPr id="76" name="Elbow Connector 75">
-            <a:extLst>
-              <a:ext uri="{FF2B5EF4-FFF2-40B4-BE49-F238E27FC236}">
-                <a16:creationId xmlns:a16="http://schemas.microsoft.com/office/drawing/2014/main" id="{A70AC65A-7170-6B4E-942E-6379B4EB9C9D}"/>
-              </a:ext>
-            </a:extLst>
-          </p:cNvPr>
-          <p:cNvCxnSpPr>
-            <a:cxnSpLocks/>
-          </p:cNvCxnSpPr>
-          <p:nvPr/>
-        </p:nvCxnSpPr>
-        <p:spPr>
-          <a:xfrm flipV="1">
-            <a:off x="2496086" y="3631204"/>
-            <a:ext cx="328764" cy="301158"/>
-          </a:xfrm>
-          <a:prstGeom prst="bentConnector3">
-            <a:avLst>
-              <a:gd name="adj1" fmla="val 2567"/>
-            </a:avLst>
-          </a:prstGeom>
-          <a:ln w="38100">
-            <a:headEnd type="none" w="med" len="med"/>
-            <a:tailEnd type="arrow" w="med" len="med"/>
-          </a:ln>
-        </p:spPr>
-        <p:style>
-          <a:lnRef idx="3">
-            <a:schemeClr val="dk1"/>
-          </a:lnRef>
-          <a:fillRef idx="0">
-            <a:schemeClr val="dk1"/>
-          </a:fillRef>
-          <a:effectRef idx="2">
-            <a:schemeClr val="dk1"/>
-          </a:effectRef>
-          <a:fontRef idx="minor">
-            <a:schemeClr val="tx1"/>
-          </a:fontRef>
-        </p:style>
-      </p:cxnSp>
-      <p:cxnSp>
-        <p:nvCxnSpPr>
-          <p:cNvPr id="83" name="Straight Arrow Connector 82">
-            <a:extLst>
-              <a:ext uri="{FF2B5EF4-FFF2-40B4-BE49-F238E27FC236}">
-                <a16:creationId xmlns:a16="http://schemas.microsoft.com/office/drawing/2014/main" id="{B1044E5F-463C-6D4E-991A-43654B72AEA3}"/>
-              </a:ext>
-            </a:extLst>
-          </p:cNvPr>
-          <p:cNvCxnSpPr>
-            <a:cxnSpLocks/>
-          </p:cNvCxnSpPr>
-          <p:nvPr/>
-        </p:nvCxnSpPr>
-        <p:spPr>
-          <a:xfrm flipV="1">
-            <a:off x="3090921" y="3434976"/>
-            <a:ext cx="0" cy="365760"/>
-          </a:xfrm>
-          <a:prstGeom prst="straightConnector1">
-            <a:avLst/>
-          </a:prstGeom>
-          <a:ln w="25400">
-            <a:tailEnd type="triangle" w="lg" len="lg"/>
-          </a:ln>
-        </p:spPr>
-        <p:style>
-          <a:lnRef idx="1">
-            <a:schemeClr val="accent3"/>
-          </a:lnRef>
-          <a:fillRef idx="0">
-            <a:schemeClr val="accent3"/>
-          </a:fillRef>
-          <a:effectRef idx="0">
-            <a:schemeClr val="accent3"/>
-          </a:effectRef>
-          <a:fontRef idx="minor">
-            <a:schemeClr val="tx1"/>
-          </a:fontRef>
-        </p:style>
-      </p:cxnSp>
-      <p:sp>
-        <p:nvSpPr>
-          <p:cNvPr id="84" name="Pentagon 83">
-            <a:extLst>
-              <a:ext uri="{FF2B5EF4-FFF2-40B4-BE49-F238E27FC236}">
-                <a16:creationId xmlns:a16="http://schemas.microsoft.com/office/drawing/2014/main" id="{34E54533-2C75-744D-A587-FC7922474D51}"/>
-              </a:ext>
-            </a:extLst>
-          </p:cNvPr>
-          <p:cNvSpPr/>
-          <p:nvPr/>
-        </p:nvSpPr>
-        <p:spPr>
-          <a:xfrm>
-            <a:off x="2744264" y="3774296"/>
-            <a:ext cx="773535" cy="326065"/>
-          </a:xfrm>
-          <a:prstGeom prst="homePlate">
-            <a:avLst/>
-          </a:prstGeom>
-          <a:solidFill>
-            <a:schemeClr val="accent2">
-              <a:lumMod val="60000"/>
-              <a:lumOff val="40000"/>
-            </a:schemeClr>
-          </a:solidFill>
-        </p:spPr>
-        <p:style>
-          <a:lnRef idx="2">
-            <a:schemeClr val="accent2">
-              <a:shade val="50000"/>
-            </a:schemeClr>
-          </a:lnRef>
-          <a:fillRef idx="1">
-            <a:schemeClr val="accent2"/>
-          </a:fillRef>
-          <a:effectRef idx="0">
-            <a:schemeClr val="accent2"/>
-          </a:effectRef>
-          <a:fontRef idx="minor">
-            <a:schemeClr val="lt1"/>
-          </a:fontRef>
-        </p:style>
-        <p:txBody>
-          <a:bodyPr rtlCol="0" anchor="ctr"/>
-          <a:lstStyle/>
-          <a:p>
-            <a:pPr algn="ctr"/>
-            <a:r>
-              <a:rPr lang="en-US" dirty="0">
-                <a:solidFill>
-                  <a:schemeClr val="tx1"/>
-                </a:solidFill>
-              </a:rPr>
-              <a:t>TF-R</a:t>
-            </a:r>
-          </a:p>
-        </p:txBody>
-      </p:sp>
-      <p:sp>
-        <p:nvSpPr>
-          <p:cNvPr id="87" name="Rounded Rectangle 86">
-            <a:extLst>
-              <a:ext uri="{FF2B5EF4-FFF2-40B4-BE49-F238E27FC236}">
-                <a16:creationId xmlns:a16="http://schemas.microsoft.com/office/drawing/2014/main" id="{7933A950-4DE8-5342-8DB0-755DED95DA5B}"/>
-              </a:ext>
-            </a:extLst>
-          </p:cNvPr>
-          <p:cNvSpPr/>
-          <p:nvPr/>
-        </p:nvSpPr>
-        <p:spPr>
-          <a:xfrm>
-            <a:off x="2784438" y="3171047"/>
-            <a:ext cx="612967" cy="255371"/>
-          </a:xfrm>
-          <a:prstGeom prst="roundRect">
-            <a:avLst>
-              <a:gd name="adj" fmla="val 50000"/>
-            </a:avLst>
-          </a:prstGeom>
-          <a:solidFill>
-            <a:schemeClr val="accent2">
-              <a:lumMod val="60000"/>
-              <a:lumOff val="40000"/>
-            </a:schemeClr>
-          </a:solidFill>
-        </p:spPr>
-        <p:style>
-          <a:lnRef idx="2">
-            <a:schemeClr val="accent2">
-              <a:shade val="50000"/>
-            </a:schemeClr>
-          </a:lnRef>
-          <a:fillRef idx="1">
-            <a:schemeClr val="accent2"/>
-          </a:fillRef>
-          <a:effectRef idx="0">
-            <a:schemeClr val="accent2"/>
-          </a:effectRef>
-          <a:fontRef idx="minor">
-            <a:schemeClr val="lt1"/>
-          </a:fontRef>
-        </p:style>
-        <p:txBody>
-          <a:bodyPr wrap="none" rtlCol="0" anchor="ctr"/>
-          <a:lstStyle/>
-          <a:p>
-            <a:pPr algn="ctr"/>
-            <a:endParaRPr lang="en-US" dirty="0">
-              <a:solidFill>
-                <a:schemeClr val="tx1"/>
-              </a:solidFill>
-            </a:endParaRPr>
-          </a:p>
-        </p:txBody>
-      </p:sp>
-      <p:cxnSp>
-        <p:nvCxnSpPr>
-          <p:cNvPr id="90" name="Straight Arrow Connector 246">
-            <a:extLst>
-              <a:ext uri="{FF2B5EF4-FFF2-40B4-BE49-F238E27FC236}">
-                <a16:creationId xmlns:a16="http://schemas.microsoft.com/office/drawing/2014/main" id="{30F1CEA8-C0F8-274A-B8B9-9D91A8F7A458}"/>
-              </a:ext>
-            </a:extLst>
-          </p:cNvPr>
-          <p:cNvCxnSpPr>
-            <a:cxnSpLocks/>
-            <a:stCxn id="87" idx="0"/>
-          </p:cNvCxnSpPr>
-          <p:nvPr/>
-        </p:nvCxnSpPr>
-        <p:spPr>
-          <a:xfrm rot="16200000" flipH="1">
-            <a:off x="3881212" y="2380757"/>
-            <a:ext cx="339410" cy="1919990"/>
-          </a:xfrm>
-          <a:prstGeom prst="bentConnector4">
-            <a:avLst>
-              <a:gd name="adj1" fmla="val -118001"/>
-              <a:gd name="adj2" fmla="val 99891"/>
-            </a:avLst>
-          </a:prstGeom>
-          <a:ln w="25400">
-            <a:solidFill>
-              <a:srgbClr val="FF0000"/>
-            </a:solidFill>
-            <a:tailEnd type="none" w="lg" len="lg"/>
-          </a:ln>
-        </p:spPr>
-        <p:style>
-          <a:lnRef idx="1">
-            <a:schemeClr val="accent3"/>
-          </a:lnRef>
-          <a:fillRef idx="0">
-            <a:schemeClr val="accent3"/>
-          </a:fillRef>
-          <a:effectRef idx="0">
-            <a:schemeClr val="accent3"/>
-          </a:effectRef>
-          <a:fontRef idx="minor">
-            <a:schemeClr val="tx1"/>
-          </a:fontRef>
-        </p:style>
-      </p:cxnSp>
-      <p:cxnSp>
-        <p:nvCxnSpPr>
-          <p:cNvPr id="91" name="Straight Arrow Connector 246">
-            <a:extLst>
-              <a:ext uri="{FF2B5EF4-FFF2-40B4-BE49-F238E27FC236}">
-                <a16:creationId xmlns:a16="http://schemas.microsoft.com/office/drawing/2014/main" id="{FB8A7E98-3E64-D345-B311-8033E2E0FCA5}"/>
-              </a:ext>
-            </a:extLst>
-          </p:cNvPr>
-          <p:cNvCxnSpPr>
-            <a:cxnSpLocks/>
-          </p:cNvCxnSpPr>
-          <p:nvPr/>
-        </p:nvCxnSpPr>
-        <p:spPr>
-          <a:xfrm>
-            <a:off x="4917919" y="3510457"/>
-            <a:ext cx="196164" cy="0"/>
-          </a:xfrm>
-          <a:prstGeom prst="straightConnector1">
-            <a:avLst/>
-          </a:prstGeom>
-          <a:ln w="25400">
-            <a:solidFill>
-              <a:srgbClr val="FF0000"/>
-            </a:solidFill>
-            <a:tailEnd type="none" w="lg" len="lg"/>
           </a:ln>
         </p:spPr>
         <p:style>
